--- a/Capstone Project Phase B–23-2-D-17.pptx
+++ b/Capstone Project Phase B–23-2-D-17.pptx
@@ -5,7 +5,7 @@
     <p:sldMasterId id="2147483684" r:id="rId4"/>
   </p:sldMasterIdLst>
   <p:notesMasterIdLst>
-    <p:notesMasterId r:id="rId26"/>
+    <p:notesMasterId r:id="rId32"/>
   </p:notesMasterIdLst>
   <p:sldIdLst>
     <p:sldId id="256" r:id="rId5"/>
@@ -15,20 +15,26 @@
     <p:sldId id="263" r:id="rId9"/>
     <p:sldId id="259" r:id="rId10"/>
     <p:sldId id="268" r:id="rId11"/>
-    <p:sldId id="284" r:id="rId12"/>
-    <p:sldId id="294" r:id="rId13"/>
-    <p:sldId id="295" r:id="rId14"/>
-    <p:sldId id="296" r:id="rId15"/>
-    <p:sldId id="297" r:id="rId16"/>
-    <p:sldId id="282" r:id="rId17"/>
-    <p:sldId id="289" r:id="rId18"/>
-    <p:sldId id="266" r:id="rId19"/>
-    <p:sldId id="290" r:id="rId20"/>
-    <p:sldId id="291" r:id="rId21"/>
-    <p:sldId id="292" r:id="rId22"/>
-    <p:sldId id="293" r:id="rId23"/>
-    <p:sldId id="261" r:id="rId24"/>
-    <p:sldId id="270" r:id="rId25"/>
+    <p:sldId id="298" r:id="rId12"/>
+    <p:sldId id="284" r:id="rId13"/>
+    <p:sldId id="294" r:id="rId14"/>
+    <p:sldId id="295" r:id="rId15"/>
+    <p:sldId id="296" r:id="rId16"/>
+    <p:sldId id="297" r:id="rId17"/>
+    <p:sldId id="282" r:id="rId18"/>
+    <p:sldId id="289" r:id="rId19"/>
+    <p:sldId id="266" r:id="rId20"/>
+    <p:sldId id="290" r:id="rId21"/>
+    <p:sldId id="291" r:id="rId22"/>
+    <p:sldId id="292" r:id="rId23"/>
+    <p:sldId id="293" r:id="rId24"/>
+    <p:sldId id="261" r:id="rId25"/>
+    <p:sldId id="299" r:id="rId26"/>
+    <p:sldId id="300" r:id="rId27"/>
+    <p:sldId id="303" r:id="rId28"/>
+    <p:sldId id="301" r:id="rId29"/>
+    <p:sldId id="302" r:id="rId30"/>
+    <p:sldId id="270" r:id="rId31"/>
   </p:sldIdLst>
   <p:sldSz cx="12192000" cy="6858000"/>
   <p:notesSz cx="6858000" cy="9144000"/>
@@ -677,7 +683,7 @@
     </p:spTree>
     <p:extLst>
       <p:ext uri="{BB962C8B-B14F-4D97-AF65-F5344CB8AC3E}">
-        <p14:creationId xmlns:p14="http://schemas.microsoft.com/office/powerpoint/2010/main" val="2830637430"/>
+        <p14:creationId xmlns:p14="http://schemas.microsoft.com/office/powerpoint/2010/main" val="2480074038"/>
       </p:ext>
     </p:extLst>
   </p:cSld>
@@ -795,7 +801,7 @@
     </p:spTree>
     <p:extLst>
       <p:ext uri="{BB962C8B-B14F-4D97-AF65-F5344CB8AC3E}">
-        <p14:creationId xmlns:p14="http://schemas.microsoft.com/office/powerpoint/2010/main" val="4248805712"/>
+        <p14:creationId xmlns:p14="http://schemas.microsoft.com/office/powerpoint/2010/main" val="2830637430"/>
       </p:ext>
     </p:extLst>
   </p:cSld>
@@ -913,7 +919,7 @@
     </p:spTree>
     <p:extLst>
       <p:ext uri="{BB962C8B-B14F-4D97-AF65-F5344CB8AC3E}">
-        <p14:creationId xmlns:p14="http://schemas.microsoft.com/office/powerpoint/2010/main" val="1178088035"/>
+        <p14:creationId xmlns:p14="http://schemas.microsoft.com/office/powerpoint/2010/main" val="4248805712"/>
       </p:ext>
     </p:extLst>
   </p:cSld>
@@ -993,7 +999,7 @@
                 <a:latin typeface="Poppins" panose="020B0502040204020203" pitchFamily="2" charset="0"/>
                 <a:cs typeface="Arial" panose="020B0604020202020204" pitchFamily="34" charset="0"/>
               </a:rPr>
-              <a:t>Activity diagrams</a:t>
+              <a:t>Package diagrams</a:t>
             </a:r>
             <a:endParaRPr lang="en-US" b="1" i="0" dirty="0">
               <a:solidFill>
@@ -1031,7 +1037,7 @@
     </p:spTree>
     <p:extLst>
       <p:ext uri="{BB962C8B-B14F-4D97-AF65-F5344CB8AC3E}">
-        <p14:creationId xmlns:p14="http://schemas.microsoft.com/office/powerpoint/2010/main" val="1107740306"/>
+        <p14:creationId xmlns:p14="http://schemas.microsoft.com/office/powerpoint/2010/main" val="1178088035"/>
       </p:ext>
     </p:extLst>
   </p:cSld>
@@ -1103,14 +1109,23 @@
               <a:defRPr/>
             </a:pPr>
             <a:r>
-              <a:rPr lang="he-IL" sz="1800" dirty="0">
+              <a:rPr lang="en-US" sz="1800" b="1" i="0" dirty="0">
+                <a:solidFill>
+                  <a:srgbClr val="FF9300"/>
+                </a:solidFill>
                 <a:effectLst/>
-                <a:ea typeface="Arial" panose="020B0604020202020204" pitchFamily="34" charset="0"/>
+                <a:latin typeface="Poppins" panose="020B0502040204020203" pitchFamily="2" charset="0"/>
                 <a:cs typeface="Arial" panose="020B0604020202020204" pitchFamily="34" charset="0"/>
               </a:rPr>
-              <a:t>תיאור הפתרון </a:t>
-            </a:r>
-            <a:endParaRPr lang="en-IL" dirty="0"/>
+              <a:t>Activity diagrams</a:t>
+            </a:r>
+            <a:endParaRPr lang="en-US" b="1" i="0" dirty="0">
+              <a:solidFill>
+                <a:srgbClr val="FF9300"/>
+              </a:solidFill>
+              <a:effectLst/>
+              <a:latin typeface="Poppins" panose="020B0502040204020203" pitchFamily="2" charset="0"/>
+            </a:endParaRPr>
           </a:p>
         </p:txBody>
       </p:sp>
@@ -1140,7 +1155,7 @@
     </p:spTree>
     <p:extLst>
       <p:ext uri="{BB962C8B-B14F-4D97-AF65-F5344CB8AC3E}">
-        <p14:creationId xmlns:p14="http://schemas.microsoft.com/office/powerpoint/2010/main" val="2466649866"/>
+        <p14:creationId xmlns:p14="http://schemas.microsoft.com/office/powerpoint/2010/main" val="1107740306"/>
       </p:ext>
     </p:extLst>
   </p:cSld>
@@ -1194,6 +1209,23 @@
           <a:bodyPr/>
           <a:lstStyle/>
           <a:p>
+            <a:pPr marL="0" marR="0" lvl="0" indent="0" algn="l" defTabSz="914400" rtl="0" eaLnBrk="1" fontAlgn="auto" latinLnBrk="0" hangingPunct="1">
+              <a:lnSpc>
+                <a:spcPct val="100000"/>
+              </a:lnSpc>
+              <a:spcBef>
+                <a:spcPts val="0"/>
+              </a:spcBef>
+              <a:spcAft>
+                <a:spcPts val="0"/>
+              </a:spcAft>
+              <a:buClrTx/>
+              <a:buSzTx/>
+              <a:buFontTx/>
+              <a:buNone/>
+              <a:tabLst/>
+              <a:defRPr/>
+            </a:pPr>
             <a:r>
               <a:rPr lang="he-IL" sz="1800" dirty="0">
                 <a:effectLst/>
@@ -1232,7 +1264,7 @@
     </p:spTree>
     <p:extLst>
       <p:ext uri="{BB962C8B-B14F-4D97-AF65-F5344CB8AC3E}">
-        <p14:creationId xmlns:p14="http://schemas.microsoft.com/office/powerpoint/2010/main" val="3516827165"/>
+        <p14:creationId xmlns:p14="http://schemas.microsoft.com/office/powerpoint/2010/main" val="2466649866"/>
       </p:ext>
     </p:extLst>
   </p:cSld>
@@ -1324,7 +1356,7 @@
     </p:spTree>
     <p:extLst>
       <p:ext uri="{BB962C8B-B14F-4D97-AF65-F5344CB8AC3E}">
-        <p14:creationId xmlns:p14="http://schemas.microsoft.com/office/powerpoint/2010/main" val="2241185138"/>
+        <p14:creationId xmlns:p14="http://schemas.microsoft.com/office/powerpoint/2010/main" val="3516827165"/>
       </p:ext>
     </p:extLst>
   </p:cSld>
@@ -1386,20 +1418,6 @@
               </a:rPr>
               <a:t>תיאור הפתרון </a:t>
             </a:r>
-            <a:endParaRPr lang="en-US" sz="1800" dirty="0">
-              <a:effectLst/>
-              <a:ea typeface="Arial" panose="020B0604020202020204" pitchFamily="34" charset="0"/>
-              <a:cs typeface="Arial" panose="020B0604020202020204" pitchFamily="34" charset="0"/>
-            </a:endParaRPr>
-          </a:p>
-          <a:p>
-            <a:r>
-              <a:rPr lang="he-IL" sz="1800" dirty="0">
-                <a:effectLst/>
-                <a:cs typeface="Arial" panose="020B0604020202020204" pitchFamily="34" charset="0"/>
-              </a:rPr>
-              <a:t>להוסיף?</a:t>
-            </a:r>
             <a:endParaRPr lang="en-IL" dirty="0"/>
           </a:p>
         </p:txBody>
@@ -1430,7 +1448,7 @@
     </p:spTree>
     <p:extLst>
       <p:ext uri="{BB962C8B-B14F-4D97-AF65-F5344CB8AC3E}">
-        <p14:creationId xmlns:p14="http://schemas.microsoft.com/office/powerpoint/2010/main" val="1856295008"/>
+        <p14:creationId xmlns:p14="http://schemas.microsoft.com/office/powerpoint/2010/main" val="2241185138"/>
       </p:ext>
     </p:extLst>
   </p:cSld>
@@ -1492,6 +1510,20 @@
               </a:rPr>
               <a:t>תיאור הפתרון </a:t>
             </a:r>
+            <a:endParaRPr lang="en-US" sz="1800" dirty="0">
+              <a:effectLst/>
+              <a:ea typeface="Arial" panose="020B0604020202020204" pitchFamily="34" charset="0"/>
+              <a:cs typeface="Arial" panose="020B0604020202020204" pitchFamily="34" charset="0"/>
+            </a:endParaRPr>
+          </a:p>
+          <a:p>
+            <a:r>
+              <a:rPr lang="he-IL" sz="1800" dirty="0">
+                <a:effectLst/>
+                <a:cs typeface="Arial" panose="020B0604020202020204" pitchFamily="34" charset="0"/>
+              </a:rPr>
+              <a:t>להוסיף?</a:t>
+            </a:r>
             <a:endParaRPr lang="en-IL" dirty="0"/>
           </a:p>
         </p:txBody>
@@ -1522,7 +1554,7 @@
     </p:spTree>
     <p:extLst>
       <p:ext uri="{BB962C8B-B14F-4D97-AF65-F5344CB8AC3E}">
-        <p14:creationId xmlns:p14="http://schemas.microsoft.com/office/powerpoint/2010/main" val="1838929166"/>
+        <p14:creationId xmlns:p14="http://schemas.microsoft.com/office/powerpoint/2010/main" val="1856295008"/>
       </p:ext>
     </p:extLst>
   </p:cSld>
@@ -1614,7 +1646,7 @@
     </p:spTree>
     <p:extLst>
       <p:ext uri="{BB962C8B-B14F-4D97-AF65-F5344CB8AC3E}">
-        <p14:creationId xmlns:p14="http://schemas.microsoft.com/office/powerpoint/2010/main" val="2685507181"/>
+        <p14:creationId xmlns:p14="http://schemas.microsoft.com/office/powerpoint/2010/main" val="1838929166"/>
       </p:ext>
     </p:extLst>
   </p:cSld>
@@ -1788,30 +1820,13 @@
           <a:bodyPr/>
           <a:lstStyle/>
           <a:p>
-            <a:pPr marL="0" marR="0" lvl="0" indent="0" algn="l" defTabSz="914400" rtl="0" eaLnBrk="1" fontAlgn="auto" latinLnBrk="0" hangingPunct="1">
-              <a:lnSpc>
-                <a:spcPct val="100000"/>
-              </a:lnSpc>
-              <a:spcBef>
-                <a:spcPts val="0"/>
-              </a:spcBef>
-              <a:spcAft>
-                <a:spcPts val="0"/>
-              </a:spcAft>
-              <a:buClrTx/>
-              <a:buSzTx/>
-              <a:buFontTx/>
-              <a:buNone/>
-              <a:tabLst/>
-              <a:defRPr/>
-            </a:pPr>
             <a:r>
               <a:rPr lang="he-IL" sz="1800" dirty="0">
                 <a:effectLst/>
                 <a:ea typeface="Arial" panose="020B0604020202020204" pitchFamily="34" charset="0"/>
                 <a:cs typeface="Arial" panose="020B0604020202020204" pitchFamily="34" charset="0"/>
               </a:rPr>
-              <a:t>תיאור אתגרים ובעיות </a:t>
+              <a:t>תיאור הפתרון </a:t>
             </a:r>
             <a:endParaRPr lang="en-IL" dirty="0"/>
           </a:p>
@@ -1843,7 +1858,7 @@
     </p:spTree>
     <p:extLst>
       <p:ext uri="{BB962C8B-B14F-4D97-AF65-F5344CB8AC3E}">
-        <p14:creationId xmlns:p14="http://schemas.microsoft.com/office/powerpoint/2010/main" val="3274709554"/>
+        <p14:creationId xmlns:p14="http://schemas.microsoft.com/office/powerpoint/2010/main" val="2685507181"/>
       </p:ext>
     </p:extLst>
   </p:cSld>
@@ -1897,6 +1912,31 @@
           <a:bodyPr/>
           <a:lstStyle/>
           <a:p>
+            <a:pPr marL="0" marR="0" lvl="0" indent="0" algn="l" defTabSz="914400" rtl="0" eaLnBrk="1" fontAlgn="auto" latinLnBrk="0" hangingPunct="1">
+              <a:lnSpc>
+                <a:spcPct val="100000"/>
+              </a:lnSpc>
+              <a:spcBef>
+                <a:spcPts val="0"/>
+              </a:spcBef>
+              <a:spcAft>
+                <a:spcPts val="0"/>
+              </a:spcAft>
+              <a:buClrTx/>
+              <a:buSzTx/>
+              <a:buFontTx/>
+              <a:buNone/>
+              <a:tabLst/>
+              <a:defRPr/>
+            </a:pPr>
+            <a:r>
+              <a:rPr lang="he-IL" sz="1800" dirty="0">
+                <a:effectLst/>
+                <a:ea typeface="Arial" panose="020B0604020202020204" pitchFamily="34" charset="0"/>
+                <a:cs typeface="Arial" panose="020B0604020202020204" pitchFamily="34" charset="0"/>
+              </a:rPr>
+              <a:t>תיאור אתגרים ובעיות </a:t>
+            </a:r>
             <a:endParaRPr lang="en-IL" dirty="0"/>
           </a:p>
         </p:txBody>
@@ -1919,6 +1959,603 @@
             <a:fld id="{EE978E9D-6441-4D31-B084-A8B8B6888730}" type="slidenum">
               <a:rPr lang="en-IL" smtClean="0"/>
               <a:t>21</a:t>
+            </a:fld>
+            <a:endParaRPr lang="en-IL"/>
+          </a:p>
+        </p:txBody>
+      </p:sp>
+    </p:spTree>
+    <p:extLst>
+      <p:ext uri="{BB962C8B-B14F-4D97-AF65-F5344CB8AC3E}">
+        <p14:creationId xmlns:p14="http://schemas.microsoft.com/office/powerpoint/2010/main" val="3274709554"/>
+      </p:ext>
+    </p:extLst>
+  </p:cSld>
+  <p:clrMapOvr>
+    <a:masterClrMapping/>
+  </p:clrMapOvr>
+</p:notes>
+</file>
+
+<file path=ppt/notesSlides/notesSlide22.xml><?xml version="1.0" encoding="utf-8"?>
+<p:notes xmlns:a="http://schemas.openxmlformats.org/drawingml/2006/main" xmlns:r="http://schemas.openxmlformats.org/officeDocument/2006/relationships" xmlns:p="http://schemas.openxmlformats.org/presentationml/2006/main">
+  <p:cSld>
+    <p:spTree>
+      <p:nvGrpSpPr>
+        <p:cNvPr id="1" name=""/>
+        <p:cNvGrpSpPr/>
+        <p:nvPr/>
+      </p:nvGrpSpPr>
+      <p:grpSpPr>
+        <a:xfrm>
+          <a:off x="0" y="0"/>
+          <a:ext cx="0" cy="0"/>
+          <a:chOff x="0" y="0"/>
+          <a:chExt cx="0" cy="0"/>
+        </a:xfrm>
+      </p:grpSpPr>
+      <p:sp>
+        <p:nvSpPr>
+          <p:cNvPr id="2" name="Slide Image Placeholder 1"/>
+          <p:cNvSpPr>
+            <a:spLocks noGrp="1" noRot="1" noChangeAspect="1"/>
+          </p:cNvSpPr>
+          <p:nvPr>
+            <p:ph type="sldImg"/>
+          </p:nvPr>
+        </p:nvSpPr>
+        <p:spPr/>
+      </p:sp>
+      <p:sp>
+        <p:nvSpPr>
+          <p:cNvPr id="3" name="Notes Placeholder 2"/>
+          <p:cNvSpPr>
+            <a:spLocks noGrp="1"/>
+          </p:cNvSpPr>
+          <p:nvPr>
+            <p:ph type="body" idx="1"/>
+          </p:nvPr>
+        </p:nvSpPr>
+        <p:spPr/>
+        <p:txBody>
+          <a:bodyPr/>
+          <a:lstStyle/>
+          <a:p>
+            <a:pPr marL="0" marR="0" lvl="0" indent="0" algn="l" defTabSz="914400" rtl="0" eaLnBrk="1" fontAlgn="auto" latinLnBrk="0" hangingPunct="1">
+              <a:lnSpc>
+                <a:spcPct val="100000"/>
+              </a:lnSpc>
+              <a:spcBef>
+                <a:spcPts val="0"/>
+              </a:spcBef>
+              <a:spcAft>
+                <a:spcPts val="0"/>
+              </a:spcAft>
+              <a:buClrTx/>
+              <a:buSzTx/>
+              <a:buFontTx/>
+              <a:buNone/>
+              <a:tabLst/>
+              <a:defRPr/>
+            </a:pPr>
+            <a:r>
+              <a:rPr lang="he-IL" sz="1800" dirty="0">
+                <a:effectLst/>
+                <a:ea typeface="Arial" panose="020B0604020202020204" pitchFamily="34" charset="0"/>
+                <a:cs typeface="Arial" panose="020B0604020202020204" pitchFamily="34" charset="0"/>
+              </a:rPr>
+              <a:t>תיאור אתגרים ובעיות </a:t>
+            </a:r>
+            <a:endParaRPr lang="en-IL" dirty="0"/>
+          </a:p>
+        </p:txBody>
+      </p:sp>
+      <p:sp>
+        <p:nvSpPr>
+          <p:cNvPr id="4" name="Slide Number Placeholder 3"/>
+          <p:cNvSpPr>
+            <a:spLocks noGrp="1"/>
+          </p:cNvSpPr>
+          <p:nvPr>
+            <p:ph type="sldNum" sz="quarter" idx="5"/>
+          </p:nvPr>
+        </p:nvSpPr>
+        <p:spPr/>
+        <p:txBody>
+          <a:bodyPr/>
+          <a:lstStyle/>
+          <a:p>
+            <a:fld id="{EE978E9D-6441-4D31-B084-A8B8B6888730}" type="slidenum">
+              <a:rPr lang="en-IL" smtClean="0"/>
+              <a:t>22</a:t>
+            </a:fld>
+            <a:endParaRPr lang="en-IL"/>
+          </a:p>
+        </p:txBody>
+      </p:sp>
+    </p:spTree>
+    <p:extLst>
+      <p:ext uri="{BB962C8B-B14F-4D97-AF65-F5344CB8AC3E}">
+        <p14:creationId xmlns:p14="http://schemas.microsoft.com/office/powerpoint/2010/main" val="2033921837"/>
+      </p:ext>
+    </p:extLst>
+  </p:cSld>
+  <p:clrMapOvr>
+    <a:masterClrMapping/>
+  </p:clrMapOvr>
+</p:notes>
+</file>
+
+<file path=ppt/notesSlides/notesSlide23.xml><?xml version="1.0" encoding="utf-8"?>
+<p:notes xmlns:a="http://schemas.openxmlformats.org/drawingml/2006/main" xmlns:r="http://schemas.openxmlformats.org/officeDocument/2006/relationships" xmlns:p="http://schemas.openxmlformats.org/presentationml/2006/main">
+  <p:cSld>
+    <p:spTree>
+      <p:nvGrpSpPr>
+        <p:cNvPr id="1" name=""/>
+        <p:cNvGrpSpPr/>
+        <p:nvPr/>
+      </p:nvGrpSpPr>
+      <p:grpSpPr>
+        <a:xfrm>
+          <a:off x="0" y="0"/>
+          <a:ext cx="0" cy="0"/>
+          <a:chOff x="0" y="0"/>
+          <a:chExt cx="0" cy="0"/>
+        </a:xfrm>
+      </p:grpSpPr>
+      <p:sp>
+        <p:nvSpPr>
+          <p:cNvPr id="2" name="Slide Image Placeholder 1"/>
+          <p:cNvSpPr>
+            <a:spLocks noGrp="1" noRot="1" noChangeAspect="1"/>
+          </p:cNvSpPr>
+          <p:nvPr>
+            <p:ph type="sldImg"/>
+          </p:nvPr>
+        </p:nvSpPr>
+        <p:spPr/>
+      </p:sp>
+      <p:sp>
+        <p:nvSpPr>
+          <p:cNvPr id="3" name="Notes Placeholder 2"/>
+          <p:cNvSpPr>
+            <a:spLocks noGrp="1"/>
+          </p:cNvSpPr>
+          <p:nvPr>
+            <p:ph type="body" idx="1"/>
+          </p:nvPr>
+        </p:nvSpPr>
+        <p:spPr/>
+        <p:txBody>
+          <a:bodyPr/>
+          <a:lstStyle/>
+          <a:p>
+            <a:pPr marL="0" marR="0" lvl="0" indent="0" algn="l" defTabSz="914400" rtl="0" eaLnBrk="1" fontAlgn="auto" latinLnBrk="0" hangingPunct="1">
+              <a:lnSpc>
+                <a:spcPct val="100000"/>
+              </a:lnSpc>
+              <a:spcBef>
+                <a:spcPts val="0"/>
+              </a:spcBef>
+              <a:spcAft>
+                <a:spcPts val="0"/>
+              </a:spcAft>
+              <a:buClrTx/>
+              <a:buSzTx/>
+              <a:buFontTx/>
+              <a:buNone/>
+              <a:tabLst/>
+              <a:defRPr/>
+            </a:pPr>
+            <a:endParaRPr lang="en-IL" dirty="0"/>
+          </a:p>
+        </p:txBody>
+      </p:sp>
+      <p:sp>
+        <p:nvSpPr>
+          <p:cNvPr id="4" name="Slide Number Placeholder 3"/>
+          <p:cNvSpPr>
+            <a:spLocks noGrp="1"/>
+          </p:cNvSpPr>
+          <p:nvPr>
+            <p:ph type="sldNum" sz="quarter" idx="5"/>
+          </p:nvPr>
+        </p:nvSpPr>
+        <p:spPr/>
+        <p:txBody>
+          <a:bodyPr/>
+          <a:lstStyle/>
+          <a:p>
+            <a:fld id="{EE978E9D-6441-4D31-B084-A8B8B6888730}" type="slidenum">
+              <a:rPr lang="en-IL" smtClean="0"/>
+              <a:t>23</a:t>
+            </a:fld>
+            <a:endParaRPr lang="en-IL"/>
+          </a:p>
+        </p:txBody>
+      </p:sp>
+    </p:spTree>
+    <p:extLst>
+      <p:ext uri="{BB962C8B-B14F-4D97-AF65-F5344CB8AC3E}">
+        <p14:creationId xmlns:p14="http://schemas.microsoft.com/office/powerpoint/2010/main" val="1168611119"/>
+      </p:ext>
+    </p:extLst>
+  </p:cSld>
+  <p:clrMapOvr>
+    <a:masterClrMapping/>
+  </p:clrMapOvr>
+</p:notes>
+</file>
+
+<file path=ppt/notesSlides/notesSlide24.xml><?xml version="1.0" encoding="utf-8"?>
+<p:notes xmlns:a="http://schemas.openxmlformats.org/drawingml/2006/main" xmlns:r="http://schemas.openxmlformats.org/officeDocument/2006/relationships" xmlns:p="http://schemas.openxmlformats.org/presentationml/2006/main">
+  <p:cSld>
+    <p:spTree>
+      <p:nvGrpSpPr>
+        <p:cNvPr id="1" name=""/>
+        <p:cNvGrpSpPr/>
+        <p:nvPr/>
+      </p:nvGrpSpPr>
+      <p:grpSpPr>
+        <a:xfrm>
+          <a:off x="0" y="0"/>
+          <a:ext cx="0" cy="0"/>
+          <a:chOff x="0" y="0"/>
+          <a:chExt cx="0" cy="0"/>
+        </a:xfrm>
+      </p:grpSpPr>
+      <p:sp>
+        <p:nvSpPr>
+          <p:cNvPr id="2" name="Slide Image Placeholder 1"/>
+          <p:cNvSpPr>
+            <a:spLocks noGrp="1" noRot="1" noChangeAspect="1"/>
+          </p:cNvSpPr>
+          <p:nvPr>
+            <p:ph type="sldImg"/>
+          </p:nvPr>
+        </p:nvSpPr>
+        <p:spPr/>
+      </p:sp>
+      <p:sp>
+        <p:nvSpPr>
+          <p:cNvPr id="3" name="Notes Placeholder 2"/>
+          <p:cNvSpPr>
+            <a:spLocks noGrp="1"/>
+          </p:cNvSpPr>
+          <p:nvPr>
+            <p:ph type="body" idx="1"/>
+          </p:nvPr>
+        </p:nvSpPr>
+        <p:spPr/>
+        <p:txBody>
+          <a:bodyPr/>
+          <a:lstStyle/>
+          <a:p>
+            <a:pPr marL="0" marR="0" lvl="0" indent="0" algn="l" defTabSz="914400" rtl="0" eaLnBrk="1" fontAlgn="auto" latinLnBrk="0" hangingPunct="1">
+              <a:lnSpc>
+                <a:spcPct val="100000"/>
+              </a:lnSpc>
+              <a:spcBef>
+                <a:spcPts val="0"/>
+              </a:spcBef>
+              <a:spcAft>
+                <a:spcPts val="0"/>
+              </a:spcAft>
+              <a:buClrTx/>
+              <a:buSzTx/>
+              <a:buFontTx/>
+              <a:buNone/>
+              <a:tabLst/>
+              <a:defRPr/>
+            </a:pPr>
+            <a:endParaRPr lang="en-IL" dirty="0"/>
+          </a:p>
+        </p:txBody>
+      </p:sp>
+      <p:sp>
+        <p:nvSpPr>
+          <p:cNvPr id="4" name="Slide Number Placeholder 3"/>
+          <p:cNvSpPr>
+            <a:spLocks noGrp="1"/>
+          </p:cNvSpPr>
+          <p:nvPr>
+            <p:ph type="sldNum" sz="quarter" idx="5"/>
+          </p:nvPr>
+        </p:nvSpPr>
+        <p:spPr/>
+        <p:txBody>
+          <a:bodyPr/>
+          <a:lstStyle/>
+          <a:p>
+            <a:fld id="{EE978E9D-6441-4D31-B084-A8B8B6888730}" type="slidenum">
+              <a:rPr lang="en-IL" smtClean="0"/>
+              <a:t>24</a:t>
+            </a:fld>
+            <a:endParaRPr lang="en-IL"/>
+          </a:p>
+        </p:txBody>
+      </p:sp>
+    </p:spTree>
+    <p:extLst>
+      <p:ext uri="{BB962C8B-B14F-4D97-AF65-F5344CB8AC3E}">
+        <p14:creationId xmlns:p14="http://schemas.microsoft.com/office/powerpoint/2010/main" val="3701077147"/>
+      </p:ext>
+    </p:extLst>
+  </p:cSld>
+  <p:clrMapOvr>
+    <a:masterClrMapping/>
+  </p:clrMapOvr>
+</p:notes>
+</file>
+
+<file path=ppt/notesSlides/notesSlide25.xml><?xml version="1.0" encoding="utf-8"?>
+<p:notes xmlns:a="http://schemas.openxmlformats.org/drawingml/2006/main" xmlns:r="http://schemas.openxmlformats.org/officeDocument/2006/relationships" xmlns:p="http://schemas.openxmlformats.org/presentationml/2006/main">
+  <p:cSld>
+    <p:spTree>
+      <p:nvGrpSpPr>
+        <p:cNvPr id="1" name=""/>
+        <p:cNvGrpSpPr/>
+        <p:nvPr/>
+      </p:nvGrpSpPr>
+      <p:grpSpPr>
+        <a:xfrm>
+          <a:off x="0" y="0"/>
+          <a:ext cx="0" cy="0"/>
+          <a:chOff x="0" y="0"/>
+          <a:chExt cx="0" cy="0"/>
+        </a:xfrm>
+      </p:grpSpPr>
+      <p:sp>
+        <p:nvSpPr>
+          <p:cNvPr id="2" name="Slide Image Placeholder 1"/>
+          <p:cNvSpPr>
+            <a:spLocks noGrp="1" noRot="1" noChangeAspect="1"/>
+          </p:cNvSpPr>
+          <p:nvPr>
+            <p:ph type="sldImg"/>
+          </p:nvPr>
+        </p:nvSpPr>
+        <p:spPr/>
+      </p:sp>
+      <p:sp>
+        <p:nvSpPr>
+          <p:cNvPr id="3" name="Notes Placeholder 2"/>
+          <p:cNvSpPr>
+            <a:spLocks noGrp="1"/>
+          </p:cNvSpPr>
+          <p:nvPr>
+            <p:ph type="body" idx="1"/>
+          </p:nvPr>
+        </p:nvSpPr>
+        <p:spPr/>
+        <p:txBody>
+          <a:bodyPr/>
+          <a:lstStyle/>
+          <a:p>
+            <a:pPr marL="0" marR="0" lvl="0" indent="0" algn="l" defTabSz="914400" rtl="0" eaLnBrk="1" fontAlgn="auto" latinLnBrk="0" hangingPunct="1">
+              <a:lnSpc>
+                <a:spcPct val="100000"/>
+              </a:lnSpc>
+              <a:spcBef>
+                <a:spcPts val="0"/>
+              </a:spcBef>
+              <a:spcAft>
+                <a:spcPts val="0"/>
+              </a:spcAft>
+              <a:buClrTx/>
+              <a:buSzTx/>
+              <a:buFontTx/>
+              <a:buNone/>
+              <a:tabLst/>
+              <a:defRPr/>
+            </a:pPr>
+            <a:endParaRPr lang="en-IL" dirty="0"/>
+          </a:p>
+        </p:txBody>
+      </p:sp>
+      <p:sp>
+        <p:nvSpPr>
+          <p:cNvPr id="4" name="Slide Number Placeholder 3"/>
+          <p:cNvSpPr>
+            <a:spLocks noGrp="1"/>
+          </p:cNvSpPr>
+          <p:nvPr>
+            <p:ph type="sldNum" sz="quarter" idx="5"/>
+          </p:nvPr>
+        </p:nvSpPr>
+        <p:spPr/>
+        <p:txBody>
+          <a:bodyPr/>
+          <a:lstStyle/>
+          <a:p>
+            <a:fld id="{EE978E9D-6441-4D31-B084-A8B8B6888730}" type="slidenum">
+              <a:rPr lang="en-IL" smtClean="0"/>
+              <a:t>25</a:t>
+            </a:fld>
+            <a:endParaRPr lang="en-IL"/>
+          </a:p>
+        </p:txBody>
+      </p:sp>
+    </p:spTree>
+    <p:extLst>
+      <p:ext uri="{BB962C8B-B14F-4D97-AF65-F5344CB8AC3E}">
+        <p14:creationId xmlns:p14="http://schemas.microsoft.com/office/powerpoint/2010/main" val="2640366181"/>
+      </p:ext>
+    </p:extLst>
+  </p:cSld>
+  <p:clrMapOvr>
+    <a:masterClrMapping/>
+  </p:clrMapOvr>
+</p:notes>
+</file>
+
+<file path=ppt/notesSlides/notesSlide26.xml><?xml version="1.0" encoding="utf-8"?>
+<p:notes xmlns:a="http://schemas.openxmlformats.org/drawingml/2006/main" xmlns:r="http://schemas.openxmlformats.org/officeDocument/2006/relationships" xmlns:p="http://schemas.openxmlformats.org/presentationml/2006/main">
+  <p:cSld>
+    <p:spTree>
+      <p:nvGrpSpPr>
+        <p:cNvPr id="1" name=""/>
+        <p:cNvGrpSpPr/>
+        <p:nvPr/>
+      </p:nvGrpSpPr>
+      <p:grpSpPr>
+        <a:xfrm>
+          <a:off x="0" y="0"/>
+          <a:ext cx="0" cy="0"/>
+          <a:chOff x="0" y="0"/>
+          <a:chExt cx="0" cy="0"/>
+        </a:xfrm>
+      </p:grpSpPr>
+      <p:sp>
+        <p:nvSpPr>
+          <p:cNvPr id="2" name="Slide Image Placeholder 1"/>
+          <p:cNvSpPr>
+            <a:spLocks noGrp="1" noRot="1" noChangeAspect="1"/>
+          </p:cNvSpPr>
+          <p:nvPr>
+            <p:ph type="sldImg"/>
+          </p:nvPr>
+        </p:nvSpPr>
+        <p:spPr/>
+      </p:sp>
+      <p:sp>
+        <p:nvSpPr>
+          <p:cNvPr id="3" name="Notes Placeholder 2"/>
+          <p:cNvSpPr>
+            <a:spLocks noGrp="1"/>
+          </p:cNvSpPr>
+          <p:nvPr>
+            <p:ph type="body" idx="1"/>
+          </p:nvPr>
+        </p:nvSpPr>
+        <p:spPr/>
+        <p:txBody>
+          <a:bodyPr/>
+          <a:lstStyle/>
+          <a:p>
+            <a:pPr marL="0" marR="0" lvl="0" indent="0" algn="l" defTabSz="914400" rtl="0" eaLnBrk="1" fontAlgn="auto" latinLnBrk="0" hangingPunct="1">
+              <a:lnSpc>
+                <a:spcPct val="100000"/>
+              </a:lnSpc>
+              <a:spcBef>
+                <a:spcPts val="0"/>
+              </a:spcBef>
+              <a:spcAft>
+                <a:spcPts val="0"/>
+              </a:spcAft>
+              <a:buClrTx/>
+              <a:buSzTx/>
+              <a:buFontTx/>
+              <a:buNone/>
+              <a:tabLst/>
+              <a:defRPr/>
+            </a:pPr>
+            <a:endParaRPr lang="en-IL" dirty="0"/>
+          </a:p>
+        </p:txBody>
+      </p:sp>
+      <p:sp>
+        <p:nvSpPr>
+          <p:cNvPr id="4" name="Slide Number Placeholder 3"/>
+          <p:cNvSpPr>
+            <a:spLocks noGrp="1"/>
+          </p:cNvSpPr>
+          <p:nvPr>
+            <p:ph type="sldNum" sz="quarter" idx="5"/>
+          </p:nvPr>
+        </p:nvSpPr>
+        <p:spPr/>
+        <p:txBody>
+          <a:bodyPr/>
+          <a:lstStyle/>
+          <a:p>
+            <a:fld id="{EE978E9D-6441-4D31-B084-A8B8B6888730}" type="slidenum">
+              <a:rPr lang="en-IL" smtClean="0"/>
+              <a:t>26</a:t>
+            </a:fld>
+            <a:endParaRPr lang="en-IL"/>
+          </a:p>
+        </p:txBody>
+      </p:sp>
+    </p:spTree>
+    <p:extLst>
+      <p:ext uri="{BB962C8B-B14F-4D97-AF65-F5344CB8AC3E}">
+        <p14:creationId xmlns:p14="http://schemas.microsoft.com/office/powerpoint/2010/main" val="1209807545"/>
+      </p:ext>
+    </p:extLst>
+  </p:cSld>
+  <p:clrMapOvr>
+    <a:masterClrMapping/>
+  </p:clrMapOvr>
+</p:notes>
+</file>
+
+<file path=ppt/notesSlides/notesSlide27.xml><?xml version="1.0" encoding="utf-8"?>
+<p:notes xmlns:a="http://schemas.openxmlformats.org/drawingml/2006/main" xmlns:r="http://schemas.openxmlformats.org/officeDocument/2006/relationships" xmlns:p="http://schemas.openxmlformats.org/presentationml/2006/main">
+  <p:cSld>
+    <p:spTree>
+      <p:nvGrpSpPr>
+        <p:cNvPr id="1" name=""/>
+        <p:cNvGrpSpPr/>
+        <p:nvPr/>
+      </p:nvGrpSpPr>
+      <p:grpSpPr>
+        <a:xfrm>
+          <a:off x="0" y="0"/>
+          <a:ext cx="0" cy="0"/>
+          <a:chOff x="0" y="0"/>
+          <a:chExt cx="0" cy="0"/>
+        </a:xfrm>
+      </p:grpSpPr>
+      <p:sp>
+        <p:nvSpPr>
+          <p:cNvPr id="2" name="Slide Image Placeholder 1"/>
+          <p:cNvSpPr>
+            <a:spLocks noGrp="1" noRot="1" noChangeAspect="1"/>
+          </p:cNvSpPr>
+          <p:nvPr>
+            <p:ph type="sldImg"/>
+          </p:nvPr>
+        </p:nvSpPr>
+        <p:spPr/>
+      </p:sp>
+      <p:sp>
+        <p:nvSpPr>
+          <p:cNvPr id="3" name="Notes Placeholder 2"/>
+          <p:cNvSpPr>
+            <a:spLocks noGrp="1"/>
+          </p:cNvSpPr>
+          <p:nvPr>
+            <p:ph type="body" idx="1"/>
+          </p:nvPr>
+        </p:nvSpPr>
+        <p:spPr/>
+        <p:txBody>
+          <a:bodyPr/>
+          <a:lstStyle/>
+          <a:p>
+            <a:endParaRPr lang="en-IL" dirty="0"/>
+          </a:p>
+        </p:txBody>
+      </p:sp>
+      <p:sp>
+        <p:nvSpPr>
+          <p:cNvPr id="4" name="Slide Number Placeholder 3"/>
+          <p:cNvSpPr>
+            <a:spLocks noGrp="1"/>
+          </p:cNvSpPr>
+          <p:nvPr>
+            <p:ph type="sldNum" sz="quarter" idx="5"/>
+          </p:nvPr>
+        </p:nvSpPr>
+        <p:spPr/>
+        <p:txBody>
+          <a:bodyPr/>
+          <a:lstStyle/>
+          <a:p>
+            <a:fld id="{EE978E9D-6441-4D31-B084-A8B8B6888730}" type="slidenum">
+              <a:rPr lang="en-IL" smtClean="0"/>
+              <a:t>27</a:t>
             </a:fld>
             <a:endParaRPr lang="en-IL"/>
           </a:p>
@@ -2135,8 +2772,17 @@
           <a:p>
             <a:r>
               <a:rPr lang="he-IL" dirty="0"/>
-              <a:t>הבעיה - האלגוריתמים</a:t>
-            </a:r>
+              <a:t>הבעיה – האלגוריתמים</a:t>
+            </a:r>
+            <a:endParaRPr lang="en-US" dirty="0"/>
+          </a:p>
+          <a:p>
+            <a:endParaRPr lang="en-US" dirty="0"/>
+          </a:p>
+          <a:p>
+            <a:endParaRPr lang="en-US" dirty="0"/>
+          </a:p>
+          <a:p>
             <a:endParaRPr lang="en-IL" dirty="0"/>
           </a:p>
         </p:txBody>
@@ -2473,6 +3119,238 @@
               </a:rPr>
               <a:t>תיאור הפתרון </a:t>
             </a:r>
+            <a:endParaRPr lang="en-US" sz="1800" dirty="0">
+              <a:effectLst/>
+              <a:ea typeface="Arial" panose="020B0604020202020204" pitchFamily="34" charset="0"/>
+              <a:cs typeface="Arial" panose="020B0604020202020204" pitchFamily="34" charset="0"/>
+            </a:endParaRPr>
+          </a:p>
+          <a:p>
+            <a:pPr marL="0" marR="0" lvl="0" indent="0" algn="l" defTabSz="914400" rtl="0" eaLnBrk="1" fontAlgn="auto" latinLnBrk="0" hangingPunct="1">
+              <a:lnSpc>
+                <a:spcPct val="100000"/>
+              </a:lnSpc>
+              <a:spcBef>
+                <a:spcPts val="0"/>
+              </a:spcBef>
+              <a:spcAft>
+                <a:spcPts val="0"/>
+              </a:spcAft>
+              <a:buClrTx/>
+              <a:buSzTx/>
+              <a:buFontTx/>
+              <a:buNone/>
+              <a:tabLst/>
+              <a:defRPr/>
+            </a:pPr>
+            <a:r>
+              <a:rPr lang="he-IL" sz="1800" b="1" i="0" dirty="0">
+                <a:solidFill>
+                  <a:srgbClr val="FF9300"/>
+                </a:solidFill>
+                <a:effectLst/>
+                <a:latin typeface="Poppins" panose="020B0502040204020203" pitchFamily="2" charset="0"/>
+                <a:cs typeface="Arial" panose="020B0604020202020204" pitchFamily="34" charset="0"/>
+              </a:rPr>
+              <a:t>מומש ב</a:t>
+            </a:r>
+            <a:r>
+              <a:rPr lang="en-US" sz="1800" b="1" i="0" dirty="0" err="1">
+                <a:solidFill>
+                  <a:srgbClr val="FF9300"/>
+                </a:solidFill>
+                <a:effectLst/>
+                <a:latin typeface="Poppins" panose="020B0502040204020203" pitchFamily="2" charset="0"/>
+                <a:cs typeface="Arial" panose="020B0604020202020204" pitchFamily="34" charset="0"/>
+              </a:rPr>
+              <a:t>Cpp</a:t>
+            </a:r>
+            <a:endParaRPr lang="en-US" sz="1800" b="1" i="0" dirty="0">
+              <a:solidFill>
+                <a:srgbClr val="FF9300"/>
+              </a:solidFill>
+              <a:effectLst/>
+              <a:latin typeface="Poppins" panose="020B0502040204020203" pitchFamily="2" charset="0"/>
+              <a:cs typeface="Arial" panose="020B0604020202020204" pitchFamily="34" charset="0"/>
+            </a:endParaRPr>
+          </a:p>
+          <a:p>
+            <a:pPr marL="0" marR="0" lvl="0" indent="0" algn="l" defTabSz="914400" rtl="0" eaLnBrk="1" fontAlgn="auto" latinLnBrk="0" hangingPunct="1">
+              <a:lnSpc>
+                <a:spcPct val="100000"/>
+              </a:lnSpc>
+              <a:spcBef>
+                <a:spcPts val="0"/>
+              </a:spcBef>
+              <a:spcAft>
+                <a:spcPts val="0"/>
+              </a:spcAft>
+              <a:buClrTx/>
+              <a:buSzTx/>
+              <a:buFontTx/>
+              <a:buNone/>
+              <a:tabLst/>
+              <a:defRPr/>
+            </a:pPr>
+            <a:r>
+              <a:rPr lang="en-US" sz="1800" b="1" i="0" dirty="0">
+                <a:solidFill>
+                  <a:srgbClr val="FF9300"/>
+                </a:solidFill>
+                <a:effectLst/>
+                <a:latin typeface="Poppins" panose="020B0502040204020203" pitchFamily="2" charset="0"/>
+                <a:cs typeface="Arial" panose="020B0604020202020204" pitchFamily="34" charset="0"/>
+              </a:rPr>
+              <a:t>Using eigen</a:t>
+            </a:r>
+          </a:p>
+          <a:p>
+            <a:pPr marL="0" marR="0" lvl="0" indent="0" algn="l" defTabSz="914400" rtl="0" eaLnBrk="1" fontAlgn="auto" latinLnBrk="0" hangingPunct="1">
+              <a:lnSpc>
+                <a:spcPct val="100000"/>
+              </a:lnSpc>
+              <a:spcBef>
+                <a:spcPts val="0"/>
+              </a:spcBef>
+              <a:spcAft>
+                <a:spcPts val="0"/>
+              </a:spcAft>
+              <a:buClrTx/>
+              <a:buSzTx/>
+              <a:buFontTx/>
+              <a:buNone/>
+              <a:tabLst/>
+              <a:defRPr/>
+            </a:pPr>
+            <a:r>
+              <a:rPr lang="en-US" sz="1800" b="1" i="0" dirty="0">
+                <a:solidFill>
+                  <a:srgbClr val="FF9300"/>
+                </a:solidFill>
+                <a:effectLst/>
+                <a:latin typeface="Poppins" panose="020B0502040204020203" pitchFamily="2" charset="0"/>
+                <a:cs typeface="Arial" panose="020B0604020202020204" pitchFamily="34" charset="0"/>
+              </a:rPr>
+              <a:t>Testing with unit tests for finding the roots and such</a:t>
+            </a:r>
+          </a:p>
+          <a:p>
+            <a:pPr marL="0" marR="0" lvl="0" indent="0" algn="l" defTabSz="914400" rtl="0" eaLnBrk="1" fontAlgn="auto" latinLnBrk="0" hangingPunct="1">
+              <a:lnSpc>
+                <a:spcPct val="100000"/>
+              </a:lnSpc>
+              <a:spcBef>
+                <a:spcPts val="0"/>
+              </a:spcBef>
+              <a:spcAft>
+                <a:spcPts val="0"/>
+              </a:spcAft>
+              <a:buClrTx/>
+              <a:buSzTx/>
+              <a:buFontTx/>
+              <a:buNone/>
+              <a:tabLst/>
+              <a:defRPr/>
+            </a:pPr>
+            <a:r>
+              <a:rPr lang="en-US" sz="1800" b="1" i="0" dirty="0">
+                <a:solidFill>
+                  <a:srgbClr val="FF9300"/>
+                </a:solidFill>
+                <a:effectLst/>
+                <a:latin typeface="Poppins" panose="020B0502040204020203" pitchFamily="2" charset="0"/>
+                <a:cs typeface="Arial" panose="020B0604020202020204" pitchFamily="34" charset="0"/>
+              </a:rPr>
+              <a:t>Comparing </a:t>
+            </a:r>
+            <a:r>
+              <a:rPr lang="en-US" sz="1800" b="1" i="0" dirty="0" err="1">
+                <a:solidFill>
+                  <a:srgbClr val="FF9300"/>
+                </a:solidFill>
+                <a:effectLst/>
+                <a:latin typeface="Poppins" panose="020B0502040204020203" pitchFamily="2" charset="0"/>
+                <a:cs typeface="Arial" panose="020B0604020202020204" pitchFamily="34" charset="0"/>
+              </a:rPr>
+              <a:t>rasults</a:t>
+            </a:r>
+            <a:r>
+              <a:rPr lang="en-US" sz="1800" b="1" i="0" dirty="0">
+                <a:solidFill>
+                  <a:srgbClr val="FF9300"/>
+                </a:solidFill>
+                <a:effectLst/>
+                <a:latin typeface="Poppins" panose="020B0502040204020203" pitchFamily="2" charset="0"/>
+                <a:cs typeface="Arial" panose="020B0604020202020204" pitchFamily="34" charset="0"/>
+              </a:rPr>
+              <a:t> using </a:t>
+            </a:r>
+            <a:r>
+              <a:rPr lang="en-US" sz="1800" b="1" i="0" dirty="0" err="1">
+                <a:solidFill>
+                  <a:srgbClr val="FF9300"/>
+                </a:solidFill>
+                <a:effectLst/>
+                <a:latin typeface="Poppins" panose="020B0502040204020203" pitchFamily="2" charset="0"/>
+                <a:cs typeface="Arial" panose="020B0604020202020204" pitchFamily="34" charset="0"/>
+              </a:rPr>
+              <a:t>celectrak</a:t>
+            </a:r>
+            <a:r>
+              <a:rPr lang="en-US" sz="1800" b="1" i="0" dirty="0">
+                <a:solidFill>
+                  <a:srgbClr val="FF9300"/>
+                </a:solidFill>
+                <a:effectLst/>
+                <a:latin typeface="Poppins" panose="020B0502040204020203" pitchFamily="2" charset="0"/>
+                <a:cs typeface="Arial" panose="020B0604020202020204" pitchFamily="34" charset="0"/>
+              </a:rPr>
+              <a:t> website and </a:t>
+            </a:r>
+            <a:r>
+              <a:rPr lang="en-US" sz="1800" b="1" i="0" dirty="0" err="1">
+                <a:solidFill>
+                  <a:srgbClr val="FF9300"/>
+                </a:solidFill>
+                <a:effectLst/>
+                <a:latin typeface="Poppins" panose="020B0502040204020203" pitchFamily="2" charset="0"/>
+                <a:cs typeface="Arial" panose="020B0604020202020204" pitchFamily="34" charset="0"/>
+              </a:rPr>
+              <a:t>sicrates</a:t>
+            </a:r>
+            <a:r>
+              <a:rPr lang="en-US" sz="1800" b="1" i="0" dirty="0">
+                <a:solidFill>
+                  <a:srgbClr val="FF9300"/>
+                </a:solidFill>
+                <a:effectLst/>
+                <a:latin typeface="Poppins" panose="020B0502040204020203" pitchFamily="2" charset="0"/>
+                <a:cs typeface="Arial" panose="020B0604020202020204" pitchFamily="34" charset="0"/>
+              </a:rPr>
+              <a:t> project(showing possible </a:t>
+            </a:r>
+            <a:r>
+              <a:rPr lang="en-US" sz="1800" b="1" i="0" dirty="0" err="1">
+                <a:solidFill>
+                  <a:srgbClr val="FF9300"/>
+                </a:solidFill>
+                <a:effectLst/>
+                <a:latin typeface="Poppins" panose="020B0502040204020203" pitchFamily="2" charset="0"/>
+                <a:cs typeface="Arial" panose="020B0604020202020204" pitchFamily="34" charset="0"/>
+              </a:rPr>
+              <a:t>collosions</a:t>
+            </a:r>
+            <a:r>
+              <a:rPr lang="en-US" sz="1800" b="1" i="0" dirty="0">
+                <a:solidFill>
+                  <a:srgbClr val="FF9300"/>
+                </a:solidFill>
+                <a:effectLst/>
+                <a:latin typeface="Poppins" panose="020B0502040204020203" pitchFamily="2" charset="0"/>
+                <a:cs typeface="Arial" panose="020B0604020202020204" pitchFamily="34" charset="0"/>
+              </a:rPr>
+              <a:t> and TLE available)</a:t>
+            </a:r>
             <a:endParaRPr lang="en-US" b="1" i="0" dirty="0">
               <a:solidFill>
                 <a:srgbClr val="FF9300"/>
@@ -2581,15 +3459,12 @@
               <a:defRPr/>
             </a:pPr>
             <a:r>
-              <a:rPr lang="en-US" sz="1800" b="1" i="0" dirty="0">
-                <a:solidFill>
-                  <a:srgbClr val="FF9300"/>
-                </a:solidFill>
+              <a:rPr lang="he-IL" sz="1800" dirty="0">
                 <a:effectLst/>
-                <a:latin typeface="Poppins" panose="020B0502040204020203" pitchFamily="2" charset="0"/>
+                <a:ea typeface="Arial" panose="020B0604020202020204" pitchFamily="34" charset="0"/>
                 <a:cs typeface="Arial" panose="020B0604020202020204" pitchFamily="34" charset="0"/>
               </a:rPr>
-              <a:t>Package diagrams</a:t>
+              <a:t>תיאור הפתרון </a:t>
             </a:r>
             <a:endParaRPr lang="en-US" b="1" i="0" dirty="0">
               <a:solidFill>
@@ -2627,7 +3502,7 @@
     </p:spTree>
     <p:extLst>
       <p:ext uri="{BB962C8B-B14F-4D97-AF65-F5344CB8AC3E}">
-        <p14:creationId xmlns:p14="http://schemas.microsoft.com/office/powerpoint/2010/main" val="3468906111"/>
+        <p14:creationId xmlns:p14="http://schemas.microsoft.com/office/powerpoint/2010/main" val="467548430"/>
       </p:ext>
     </p:extLst>
   </p:cSld>
@@ -2745,7 +3620,7 @@
     </p:spTree>
     <p:extLst>
       <p:ext uri="{BB962C8B-B14F-4D97-AF65-F5344CB8AC3E}">
-        <p14:creationId xmlns:p14="http://schemas.microsoft.com/office/powerpoint/2010/main" val="2480074038"/>
+        <p14:creationId xmlns:p14="http://schemas.microsoft.com/office/powerpoint/2010/main" val="3468906111"/>
       </p:ext>
     </p:extLst>
   </p:cSld>
@@ -2882,7 +3757,7 @@
           <a:bodyPr/>
           <a:lstStyle/>
           <a:p>
-            <a:fld id="{94EB1B21-E30F-4BC7-B6AD-2D1F51C1409D}" type="datetime1">
+            <a:fld id="{09A7E1CA-0E8E-4CFC-B978-E4AD40DD9644}" type="datetime1">
               <a:rPr lang="en-US" smtClean="0"/>
               <a:t>5/4/2024</a:t>
             </a:fld>
@@ -3050,7 +3925,7 @@
           <a:bodyPr/>
           <a:lstStyle/>
           <a:p>
-            <a:fld id="{7EB59D7F-0A48-4523-ACEA-82D1D35EF453}" type="datetime1">
+            <a:fld id="{1E4ED3D9-BF5A-4E88-8B0B-ADEE67DDE257}" type="datetime1">
               <a:rPr lang="en-US" smtClean="0"/>
               <a:t>5/4/2024</a:t>
             </a:fld>
@@ -3228,7 +4103,7 @@
           <a:bodyPr/>
           <a:lstStyle/>
           <a:p>
-            <a:fld id="{020AF663-1FD0-4314-B8DC-A13D777ED7C7}" type="datetime1">
+            <a:fld id="{2B504B56-471A-446F-8040-32DEE7852E71}" type="datetime1">
               <a:rPr lang="en-US" smtClean="0"/>
               <a:t>5/4/2024</a:t>
             </a:fld>
@@ -3396,7 +4271,7 @@
           <a:bodyPr/>
           <a:lstStyle/>
           <a:p>
-            <a:fld id="{4FCE2E52-9880-4ABF-9295-5A70D2DD736B}" type="datetime1">
+            <a:fld id="{B1C1AB24-0193-40E2-B63A-16D46CB806C0}" type="datetime1">
               <a:rPr lang="en-US" smtClean="0"/>
               <a:t>5/4/2024</a:t>
             </a:fld>
@@ -3641,7 +4516,7 @@
           <a:bodyPr/>
           <a:lstStyle/>
           <a:p>
-            <a:fld id="{2A52E33D-EDD5-4F20-8321-71EA7AA429D7}" type="datetime1">
+            <a:fld id="{675EAB41-B173-4881-B330-DD53A86AC43F}" type="datetime1">
               <a:rPr lang="en-US" smtClean="0"/>
               <a:t>5/4/2024</a:t>
             </a:fld>
@@ -3870,7 +4745,7 @@
           <a:bodyPr/>
           <a:lstStyle/>
           <a:p>
-            <a:fld id="{1ACD1BA8-7605-4BA3-82D1-C8016497ABD2}" type="datetime1">
+            <a:fld id="{EB8368F2-ED58-4E75-8955-2DC12E50DD38}" type="datetime1">
               <a:rPr lang="en-US" smtClean="0"/>
               <a:t>5/4/2024</a:t>
             </a:fld>
@@ -4234,7 +5109,7 @@
           <a:bodyPr/>
           <a:lstStyle/>
           <a:p>
-            <a:fld id="{6064533A-DC35-4613-ACFF-1F113D1C8B78}" type="datetime1">
+            <a:fld id="{85207799-A15D-4227-A5B8-688CD1EDE226}" type="datetime1">
               <a:rPr lang="en-US" smtClean="0"/>
               <a:t>5/4/2024</a:t>
             </a:fld>
@@ -4351,7 +5226,7 @@
           <a:bodyPr/>
           <a:lstStyle/>
           <a:p>
-            <a:fld id="{C9D91606-A870-42D5-9419-122F66909E7B}" type="datetime1">
+            <a:fld id="{BE15B18B-A15E-43D5-A707-246E6B3D0056}" type="datetime1">
               <a:rPr lang="en-US" smtClean="0"/>
               <a:t>5/4/2024</a:t>
             </a:fld>
@@ -4446,7 +5321,7 @@
           <a:bodyPr/>
           <a:lstStyle/>
           <a:p>
-            <a:fld id="{E0ABF7B5-F615-4AC6-82F3-1FF465F4F121}" type="datetime1">
+            <a:fld id="{9AE79651-376C-43AE-B653-9444EB27B5B9}" type="datetime1">
               <a:rPr lang="en-US" smtClean="0"/>
               <a:t>5/4/2024</a:t>
             </a:fld>
@@ -4721,7 +5596,7 @@
           <a:bodyPr/>
           <a:lstStyle/>
           <a:p>
-            <a:fld id="{B1727BDD-E347-49B1-B9A2-34FC8057FC8A}" type="datetime1">
+            <a:fld id="{3D3E496D-C7F2-4742-A227-43B7F16ABA0F}" type="datetime1">
               <a:rPr lang="en-US" smtClean="0"/>
               <a:t>5/4/2024</a:t>
             </a:fld>
@@ -4976,7 +5851,7 @@
           <a:bodyPr/>
           <a:lstStyle/>
           <a:p>
-            <a:fld id="{092C3D31-3E98-47C4-9C43-00846C4001A3}" type="datetime1">
+            <a:fld id="{2A3796D6-2B10-46B3-9F87-14CA024E156E}" type="datetime1">
               <a:rPr lang="en-US" smtClean="0"/>
               <a:t>5/4/2024</a:t>
             </a:fld>
@@ -5187,7 +6062,7 @@
             </a:lvl1pPr>
           </a:lstStyle>
           <a:p>
-            <a:fld id="{DAFC6106-A3D3-466C-8D8D-E422B510251D}" type="datetime1">
+            <a:fld id="{7E953223-B5A8-43DB-9D06-C28A96C6A2D6}" type="datetime1">
               <a:rPr lang="en-US" smtClean="0"/>
               <a:t>5/4/2024</a:t>
             </a:fld>
@@ -6544,6 +7419,35 @@
           </a:p>
         </p:txBody>
       </p:sp>
+      <p:sp>
+        <p:nvSpPr>
+          <p:cNvPr id="4" name="Slide Number Placeholder 3">
+            <a:extLst>
+              <a:ext uri="{FF2B5EF4-FFF2-40B4-BE49-F238E27FC236}">
+                <a16:creationId xmlns:a16="http://schemas.microsoft.com/office/drawing/2014/main" id="{D3FC207D-1361-33C7-0E3D-7E00F62E2DC8}"/>
+              </a:ext>
+            </a:extLst>
+          </p:cNvPr>
+          <p:cNvSpPr>
+            <a:spLocks noGrp="1"/>
+          </p:cNvSpPr>
+          <p:nvPr>
+            <p:ph type="sldNum" sz="quarter" idx="12"/>
+          </p:nvPr>
+        </p:nvSpPr>
+        <p:spPr/>
+        <p:txBody>
+          <a:bodyPr/>
+          <a:lstStyle/>
+          <a:p>
+            <a:fld id="{330EA680-D336-4FF7-8B7A-9848BB0A1C32}" type="slidenum">
+              <a:rPr lang="en-US" smtClean="0"/>
+              <a:t>1</a:t>
+            </a:fld>
+            <a:endParaRPr lang="en-US"/>
+          </a:p>
+        </p:txBody>
+      </p:sp>
     </p:spTree>
     <p:extLst>
       <p:ext uri="{BB962C8B-B14F-4D97-AF65-F5344CB8AC3E}">
@@ -6645,7 +7549,7 @@
                 <a:ea typeface="Yu Gothic Light"/>
                 <a:cs typeface="Calibri Light"/>
               </a:rPr>
-              <a:t>Testing System - Environments</a:t>
+              <a:t>Testing System - Communication</a:t>
             </a:r>
             <a:endParaRPr lang="en-US" sz="4800" b="1" dirty="0">
               <a:solidFill>
@@ -6676,25 +7580,56 @@
         </p:nvSpPr>
         <p:spPr>
           <a:xfrm>
-            <a:off x="838200" y="1979685"/>
-            <a:ext cx="10515600" cy="2395465"/>
+            <a:off x="838199" y="1979685"/>
+            <a:ext cx="10658475" cy="3344790"/>
           </a:xfrm>
         </p:spPr>
         <p:txBody>
-          <a:bodyPr/>
+          <a:bodyPr>
+            <a:normAutofit fontScale="92500" lnSpcReduction="10000"/>
+          </a:bodyPr>
           <a:lstStyle/>
           <a:p>
             <a:pPr algn="l" rtl="0"/>
             <a:r>
               <a:rPr lang="en-US" dirty="0"/>
-              <a:t>Windows / WSL</a:t>
+              <a:t>Defining a communication protocol</a:t>
             </a:r>
           </a:p>
           <a:p>
             <a:pPr algn="l" rtl="0"/>
             <a:r>
               <a:rPr lang="en-US" dirty="0"/>
-              <a:t>TCP/UDP over Local host</a:t>
+              <a:t>Error detection - CRC</a:t>
+            </a:r>
+          </a:p>
+          <a:p>
+            <a:pPr marL="0" indent="0" algn="l" rtl="0">
+              <a:buNone/>
+            </a:pPr>
+            <a:endParaRPr lang="en-US" dirty="0"/>
+          </a:p>
+          <a:p>
+            <a:pPr marL="0" indent="0" algn="l" rtl="0">
+              <a:buNone/>
+            </a:pPr>
+            <a:r>
+              <a:rPr lang="en-US" dirty="0"/>
+              <a:t>Work on:</a:t>
+            </a:r>
+          </a:p>
+          <a:p>
+            <a:pPr algn="l" rtl="0"/>
+            <a:r>
+              <a:rPr lang="en-US" dirty="0"/>
+              <a:t>UDP</a:t>
+            </a:r>
+          </a:p>
+          <a:p>
+            <a:pPr algn="l" rtl="0"/>
+            <a:r>
+              <a:rPr lang="en-US" dirty="0"/>
+              <a:t>TCP</a:t>
             </a:r>
           </a:p>
           <a:p>
@@ -6703,13 +7638,42 @@
               <a:rPr lang="en-US" dirty="0"/>
               <a:t>Local simulation</a:t>
             </a:r>
+          </a:p>
+        </p:txBody>
+      </p:sp>
+      <p:sp>
+        <p:nvSpPr>
+          <p:cNvPr id="8" name="Slide Number Placeholder 7">
+            <a:extLst>
+              <a:ext uri="{FF2B5EF4-FFF2-40B4-BE49-F238E27FC236}">
+                <a16:creationId xmlns:a16="http://schemas.microsoft.com/office/drawing/2014/main" id="{F6D05DF9-0DF9-36CF-A134-8FBD9BD37020}"/>
+              </a:ext>
+            </a:extLst>
+          </p:cNvPr>
+          <p:cNvSpPr>
+            <a:spLocks noGrp="1"/>
+          </p:cNvSpPr>
+          <p:nvPr>
+            <p:ph type="sldNum" sz="quarter" idx="12"/>
+          </p:nvPr>
+        </p:nvSpPr>
+        <p:spPr/>
+        <p:txBody>
+          <a:bodyPr/>
+          <a:lstStyle/>
+          <a:p>
+            <a:fld id="{330EA680-D336-4FF7-8B7A-9848BB0A1C32}" type="slidenum">
+              <a:rPr lang="en-US" smtClean="0"/>
+              <a:t>10</a:t>
+            </a:fld>
+            <a:endParaRPr lang="en-US"/>
           </a:p>
         </p:txBody>
       </p:sp>
     </p:spTree>
     <p:extLst>
       <p:ext uri="{BB962C8B-B14F-4D97-AF65-F5344CB8AC3E}">
-        <p14:creationId xmlns:p14="http://schemas.microsoft.com/office/powerpoint/2010/main" val="3101456175"/>
+        <p14:creationId xmlns:p14="http://schemas.microsoft.com/office/powerpoint/2010/main" val="1550373907"/>
       </p:ext>
     </p:extLst>
   </p:cSld>
@@ -6791,11 +7755,13 @@
         <p:spPr>
           <a:xfrm>
             <a:off x="454395" y="811356"/>
-            <a:ext cx="9996911" cy="1325563"/>
+            <a:ext cx="11257545" cy="1325563"/>
           </a:xfrm>
         </p:spPr>
         <p:txBody>
-          <a:bodyPr/>
+          <a:bodyPr>
+            <a:normAutofit/>
+          </a:bodyPr>
           <a:lstStyle/>
           <a:p>
             <a:r>
@@ -6807,7 +7773,7 @@
                 <a:ea typeface="Yu Gothic Light"/>
                 <a:cs typeface="Calibri Light"/>
               </a:rPr>
-              <a:t>Testing System - Environments</a:t>
+              <a:t>Testing System – Environments - Windows</a:t>
             </a:r>
             <a:endParaRPr lang="en-US" sz="4800" b="1" dirty="0">
               <a:solidFill>
@@ -6838,8 +7804,8 @@
         </p:nvSpPr>
         <p:spPr>
           <a:xfrm>
-            <a:off x="838200" y="1979686"/>
-            <a:ext cx="10515600" cy="1639814"/>
+            <a:off x="838200" y="1979685"/>
+            <a:ext cx="10515600" cy="3468615"/>
           </a:xfrm>
         </p:spPr>
         <p:txBody>
@@ -6850,65 +7816,67 @@
           <a:p>
             <a:pPr algn="l" rtl="0"/>
             <a:r>
-              <a:rPr lang="fi-FI" dirty="0"/>
-              <a:t>Linux on Raspberry Pi 4</a:t>
+              <a:rPr lang="en-US" dirty="0"/>
+              <a:t>Windows / WSL</a:t>
             </a:r>
           </a:p>
           <a:p>
             <a:pPr algn="l" rtl="0"/>
+            <a:endParaRPr lang="en-US" dirty="0"/>
+          </a:p>
+          <a:p>
+            <a:pPr algn="l" rtl="0"/>
             <a:r>
               <a:rPr lang="en-US" dirty="0"/>
-              <a:t>TCP/UDP</a:t>
+              <a:t>TCP/UDP over Local host</a:t>
             </a:r>
           </a:p>
           <a:p>
             <a:pPr algn="l" rtl="0"/>
+            <a:endParaRPr lang="en-US" dirty="0"/>
+          </a:p>
+          <a:p>
+            <a:pPr algn="l" rtl="0"/>
             <a:r>
               <a:rPr lang="en-US" dirty="0"/>
-              <a:t>Testing Cross – Platform Communication</a:t>
-            </a:r>
-          </a:p>
-        </p:txBody>
-      </p:sp>
-      <p:pic>
-        <p:nvPicPr>
-          <p:cNvPr id="2" name="Picture 1">
+              <a:t>Local simulation</a:t>
+            </a:r>
+          </a:p>
+        </p:txBody>
+      </p:sp>
+      <p:sp>
+        <p:nvSpPr>
+          <p:cNvPr id="2" name="Slide Number Placeholder 1">
             <a:extLst>
               <a:ext uri="{FF2B5EF4-FFF2-40B4-BE49-F238E27FC236}">
-                <a16:creationId xmlns:a16="http://schemas.microsoft.com/office/drawing/2014/main" id="{0D256DA7-EB26-8F0A-E857-02A67290562D}"/>
+                <a16:creationId xmlns:a16="http://schemas.microsoft.com/office/drawing/2014/main" id="{C29077AB-4BC0-FE2F-EF61-F1ABD6F4B73F}"/>
               </a:ext>
             </a:extLst>
           </p:cNvPr>
-          <p:cNvPicPr>
-            <a:picLocks noChangeAspect="1"/>
-          </p:cNvPicPr>
-          <p:nvPr/>
-        </p:nvPicPr>
-        <p:blipFill>
-          <a:blip r:embed="rId4"/>
-          <a:stretch>
-            <a:fillRect/>
-          </a:stretch>
-        </p:blipFill>
-        <p:spPr>
-          <a:xfrm>
-            <a:off x="7145020" y="3514799"/>
-            <a:ext cx="4208780" cy="2870200"/>
-          </a:xfrm>
-          <a:prstGeom prst="rect">
-            <a:avLst/>
-          </a:prstGeom>
-          <a:ln>
-            <a:solidFill>
-              <a:schemeClr val="tx1"/>
-            </a:solidFill>
-          </a:ln>
-        </p:spPr>
-      </p:pic>
+          <p:cNvSpPr>
+            <a:spLocks noGrp="1"/>
+          </p:cNvSpPr>
+          <p:nvPr>
+            <p:ph type="sldNum" sz="quarter" idx="12"/>
+          </p:nvPr>
+        </p:nvSpPr>
+        <p:spPr/>
+        <p:txBody>
+          <a:bodyPr/>
+          <a:lstStyle/>
+          <a:p>
+            <a:fld id="{330EA680-D336-4FF7-8B7A-9848BB0A1C32}" type="slidenum">
+              <a:rPr lang="en-US" smtClean="0"/>
+              <a:t>11</a:t>
+            </a:fld>
+            <a:endParaRPr lang="en-US"/>
+          </a:p>
+        </p:txBody>
+      </p:sp>
     </p:spTree>
     <p:extLst>
       <p:ext uri="{BB962C8B-B14F-4D97-AF65-F5344CB8AC3E}">
-        <p14:creationId xmlns:p14="http://schemas.microsoft.com/office/powerpoint/2010/main" val="312602871"/>
+        <p14:creationId xmlns:p14="http://schemas.microsoft.com/office/powerpoint/2010/main" val="3101456175"/>
       </p:ext>
     </p:extLst>
   </p:cSld>
@@ -7006,7 +7974,7 @@
                 <a:ea typeface="Yu Gothic Light"/>
                 <a:cs typeface="Calibri Light"/>
               </a:rPr>
-              <a:t>Testing System - Environments</a:t>
+              <a:t>Testing System - Environments – RP4</a:t>
             </a:r>
             <a:endParaRPr lang="en-US" sz="4800" b="1" dirty="0">
               <a:solidFill>
@@ -7038,7 +8006,7 @@
         <p:spPr>
           <a:xfrm>
             <a:off x="838200" y="1979685"/>
-            <a:ext cx="10515600" cy="2516115"/>
+            <a:ext cx="10515600" cy="3497189"/>
           </a:xfrm>
         </p:spPr>
         <p:txBody>
@@ -7050,25 +8018,279 @@
             <a:pPr algn="l" rtl="0"/>
             <a:r>
               <a:rPr lang="fi-FI" dirty="0"/>
+              <a:t>Linux on Raspberry Pi 4</a:t>
+            </a:r>
+          </a:p>
+          <a:p>
+            <a:pPr algn="l" rtl="0"/>
+            <a:endParaRPr lang="fi-FI" dirty="0"/>
+          </a:p>
+          <a:p>
+            <a:pPr algn="l" rtl="0"/>
+            <a:r>
+              <a:rPr lang="en-US" dirty="0"/>
+              <a:t>TCP/UDP</a:t>
+            </a:r>
+          </a:p>
+          <a:p>
+            <a:pPr algn="l" rtl="0"/>
+            <a:endParaRPr lang="en-US" dirty="0"/>
+          </a:p>
+          <a:p>
+            <a:pPr algn="l" rtl="0"/>
+            <a:r>
+              <a:rPr lang="en-US" dirty="0"/>
+              <a:t>Testing Cross – Platform Communication</a:t>
+            </a:r>
+          </a:p>
+        </p:txBody>
+      </p:sp>
+      <p:pic>
+        <p:nvPicPr>
+          <p:cNvPr id="2" name="Picture 1">
+            <a:extLst>
+              <a:ext uri="{FF2B5EF4-FFF2-40B4-BE49-F238E27FC236}">
+                <a16:creationId xmlns:a16="http://schemas.microsoft.com/office/drawing/2014/main" id="{0D256DA7-EB26-8F0A-E857-02A67290562D}"/>
+              </a:ext>
+            </a:extLst>
+          </p:cNvPr>
+          <p:cNvPicPr>
+            <a:picLocks noChangeAspect="1"/>
+          </p:cNvPicPr>
+          <p:nvPr/>
+        </p:nvPicPr>
+        <p:blipFill>
+          <a:blip r:embed="rId4"/>
+          <a:stretch>
+            <a:fillRect/>
+          </a:stretch>
+        </p:blipFill>
+        <p:spPr>
+          <a:xfrm>
+            <a:off x="7145020" y="3514799"/>
+            <a:ext cx="4208780" cy="2870200"/>
+          </a:xfrm>
+          <a:prstGeom prst="rect">
+            <a:avLst/>
+          </a:prstGeom>
+          <a:ln>
+            <a:solidFill>
+              <a:schemeClr val="tx1"/>
+            </a:solidFill>
+          </a:ln>
+        </p:spPr>
+      </p:pic>
+      <p:sp>
+        <p:nvSpPr>
+          <p:cNvPr id="3" name="Slide Number Placeholder 2">
+            <a:extLst>
+              <a:ext uri="{FF2B5EF4-FFF2-40B4-BE49-F238E27FC236}">
+                <a16:creationId xmlns:a16="http://schemas.microsoft.com/office/drawing/2014/main" id="{DC6A8151-4DAD-D9AC-B46D-89ACB0EA50A4}"/>
+              </a:ext>
+            </a:extLst>
+          </p:cNvPr>
+          <p:cNvSpPr>
+            <a:spLocks noGrp="1"/>
+          </p:cNvSpPr>
+          <p:nvPr>
+            <p:ph type="sldNum" sz="quarter" idx="12"/>
+          </p:nvPr>
+        </p:nvSpPr>
+        <p:spPr/>
+        <p:txBody>
+          <a:bodyPr/>
+          <a:lstStyle/>
+          <a:p>
+            <a:fld id="{330EA680-D336-4FF7-8B7A-9848BB0A1C32}" type="slidenum">
+              <a:rPr lang="en-US" smtClean="0"/>
+              <a:t>12</a:t>
+            </a:fld>
+            <a:endParaRPr lang="en-US"/>
+          </a:p>
+        </p:txBody>
+      </p:sp>
+    </p:spTree>
+    <p:extLst>
+      <p:ext uri="{BB962C8B-B14F-4D97-AF65-F5344CB8AC3E}">
+        <p14:creationId xmlns:p14="http://schemas.microsoft.com/office/powerpoint/2010/main" val="312602871"/>
+      </p:ext>
+    </p:extLst>
+  </p:cSld>
+  <p:clrMapOvr>
+    <a:masterClrMapping/>
+  </p:clrMapOvr>
+</p:sld>
+</file>
+
+<file path=ppt/slides/slide13.xml><?xml version="1.0" encoding="utf-8"?>
+<p:sld xmlns:a="http://schemas.openxmlformats.org/drawingml/2006/main" xmlns:r="http://schemas.openxmlformats.org/officeDocument/2006/relationships" xmlns:p="http://schemas.openxmlformats.org/presentationml/2006/main">
+  <p:cSld>
+    <p:spTree>
+      <p:nvGrpSpPr>
+        <p:cNvPr id="1" name=""/>
+        <p:cNvGrpSpPr/>
+        <p:nvPr/>
+      </p:nvGrpSpPr>
+      <p:grpSpPr>
+        <a:xfrm>
+          <a:off x="0" y="0"/>
+          <a:ext cx="0" cy="0"/>
+          <a:chOff x="0" y="0"/>
+          <a:chExt cx="0" cy="0"/>
+        </a:xfrm>
+      </p:grpSpPr>
+      <p:pic>
+        <p:nvPicPr>
+          <p:cNvPr id="5" name="Picture 4">
+            <a:extLst>
+              <a:ext uri="{FF2B5EF4-FFF2-40B4-BE49-F238E27FC236}">
+                <a16:creationId xmlns:a16="http://schemas.microsoft.com/office/drawing/2014/main" id="{890B1F5F-EB5C-95C7-8F99-D6192A2667FF}"/>
+              </a:ext>
+            </a:extLst>
+          </p:cNvPr>
+          <p:cNvPicPr>
+            <a:picLocks noChangeAspect="1"/>
+          </p:cNvPicPr>
+          <p:nvPr/>
+        </p:nvPicPr>
+        <p:blipFill>
+          <a:blip r:embed="rId3" cstate="print">
+            <a:extLst>
+              <a:ext uri="{28A0092B-C50C-407E-A947-70E740481C1C}">
+                <a14:useLocalDpi xmlns:a14="http://schemas.microsoft.com/office/drawing/2010/main" val="0"/>
+              </a:ext>
+            </a:extLst>
+          </a:blip>
+          <a:stretch>
+            <a:fillRect/>
+          </a:stretch>
+        </p:blipFill>
+        <p:spPr>
+          <a:xfrm>
+            <a:off x="0" y="85806"/>
+            <a:ext cx="3060198" cy="722377"/>
+          </a:xfrm>
+          <a:prstGeom prst="rect">
+            <a:avLst/>
+          </a:prstGeom>
+        </p:spPr>
+      </p:pic>
+      <p:sp>
+        <p:nvSpPr>
+          <p:cNvPr id="32" name="Title 1">
+            <a:extLst>
+              <a:ext uri="{FF2B5EF4-FFF2-40B4-BE49-F238E27FC236}">
+                <a16:creationId xmlns:a16="http://schemas.microsoft.com/office/drawing/2014/main" id="{B80AB29C-3022-AD13-019B-A9199CB76711}"/>
+              </a:ext>
+            </a:extLst>
+          </p:cNvPr>
+          <p:cNvSpPr>
+            <a:spLocks noGrp="1"/>
+          </p:cNvSpPr>
+          <p:nvPr>
+            <p:ph type="title"/>
+          </p:nvPr>
+        </p:nvSpPr>
+        <p:spPr>
+          <a:xfrm>
+            <a:off x="454395" y="811356"/>
+            <a:ext cx="11737605" cy="1325563"/>
+          </a:xfrm>
+        </p:spPr>
+        <p:txBody>
+          <a:bodyPr>
+            <a:normAutofit/>
+          </a:bodyPr>
+          <a:lstStyle/>
+          <a:p>
+            <a:r>
+              <a:rPr lang="en-US" sz="4800" b="1" dirty="0">
+                <a:solidFill>
+                  <a:srgbClr val="4472C4"/>
+                </a:solidFill>
+                <a:latin typeface="Calibri Light"/>
+                <a:ea typeface="Yu Gothic Light"/>
+                <a:cs typeface="Calibri Light"/>
+              </a:rPr>
+              <a:t>Testing System – Environments - Simulation</a:t>
+            </a:r>
+            <a:endParaRPr lang="en-US" sz="4800" b="1" dirty="0">
+              <a:solidFill>
+                <a:srgbClr val="4472C4"/>
+              </a:solidFill>
+              <a:latin typeface="Calibri Light" panose="020F0302020204030204" pitchFamily="34" charset="0"/>
+              <a:ea typeface="Yu Gothic Light" panose="020B0300000000000000" pitchFamily="34" charset="-128"/>
+              <a:cs typeface="Calibri Light" panose="020F0302020204030204" pitchFamily="34" charset="0"/>
+            </a:endParaRPr>
+          </a:p>
+        </p:txBody>
+      </p:sp>
+      <p:sp>
+        <p:nvSpPr>
+          <p:cNvPr id="7" name="Content Placeholder 2">
+            <a:extLst>
+              <a:ext uri="{FF2B5EF4-FFF2-40B4-BE49-F238E27FC236}">
+                <a16:creationId xmlns:a16="http://schemas.microsoft.com/office/drawing/2014/main" id="{F8517117-80C2-F502-813D-219ABCB394FD}"/>
+              </a:ext>
+            </a:extLst>
+          </p:cNvPr>
+          <p:cNvSpPr>
+            <a:spLocks noGrp="1"/>
+          </p:cNvSpPr>
+          <p:nvPr>
+            <p:ph idx="1"/>
+          </p:nvPr>
+        </p:nvSpPr>
+        <p:spPr>
+          <a:xfrm>
+            <a:off x="838200" y="1979685"/>
+            <a:ext cx="10515600" cy="3325740"/>
+          </a:xfrm>
+        </p:spPr>
+        <p:txBody>
+          <a:bodyPr>
+            <a:normAutofit/>
+          </a:bodyPr>
+          <a:lstStyle/>
+          <a:p>
+            <a:pPr algn="l" rtl="0">
+              <a:lnSpc>
+                <a:spcPct val="150000"/>
+              </a:lnSpc>
+            </a:pPr>
+            <a:r>
+              <a:rPr lang="fi-FI" dirty="0"/>
               <a:t>gem5 simulation</a:t>
             </a:r>
           </a:p>
           <a:p>
-            <a:pPr algn="l" rtl="0"/>
+            <a:pPr algn="l" rtl="0">
+              <a:lnSpc>
+                <a:spcPct val="150000"/>
+              </a:lnSpc>
+            </a:pPr>
             <a:r>
               <a:rPr lang="en-US" dirty="0"/>
-              <a:t>Community led project</a:t>
-            </a:r>
-          </a:p>
-          <a:p>
-            <a:pPr algn="l" rtl="0"/>
+              <a:t>Open source, Community led project</a:t>
+            </a:r>
+          </a:p>
+          <a:p>
+            <a:pPr algn="l" rtl="0">
+              <a:lnSpc>
+                <a:spcPct val="150000"/>
+              </a:lnSpc>
+            </a:pPr>
             <a:r>
               <a:rPr lang="en-US" dirty="0"/>
-              <a:t>Framework for computer simulations</a:t>
-            </a:r>
-          </a:p>
-          <a:p>
-            <a:pPr algn="l" rtl="0"/>
+              <a:t>Framework for computer systems simulations</a:t>
+            </a:r>
+          </a:p>
+          <a:p>
+            <a:pPr algn="l" rtl="0">
+              <a:lnSpc>
+                <a:spcPct val="150000"/>
+              </a:lnSpc>
+            </a:pPr>
             <a:r>
               <a:rPr lang="en-US" dirty="0"/>
               <a:t>Accurate timing</a:t>
@@ -7115,6 +8337,35 @@
           </a:extLst>
         </p:spPr>
       </p:pic>
+      <p:sp>
+        <p:nvSpPr>
+          <p:cNvPr id="4" name="Slide Number Placeholder 3">
+            <a:extLst>
+              <a:ext uri="{FF2B5EF4-FFF2-40B4-BE49-F238E27FC236}">
+                <a16:creationId xmlns:a16="http://schemas.microsoft.com/office/drawing/2014/main" id="{02FD3131-6130-368B-2117-DEBBFA9037A5}"/>
+              </a:ext>
+            </a:extLst>
+          </p:cNvPr>
+          <p:cNvSpPr>
+            <a:spLocks noGrp="1"/>
+          </p:cNvSpPr>
+          <p:nvPr>
+            <p:ph type="sldNum" sz="quarter" idx="12"/>
+          </p:nvPr>
+        </p:nvSpPr>
+        <p:spPr/>
+        <p:txBody>
+          <a:bodyPr/>
+          <a:lstStyle/>
+          <a:p>
+            <a:fld id="{330EA680-D336-4FF7-8B7A-9848BB0A1C32}" type="slidenum">
+              <a:rPr lang="en-US" smtClean="0"/>
+              <a:t>13</a:t>
+            </a:fld>
+            <a:endParaRPr lang="en-US"/>
+          </a:p>
+        </p:txBody>
+      </p:sp>
     </p:spTree>
     <p:extLst>
       <p:ext uri="{BB962C8B-B14F-4D97-AF65-F5344CB8AC3E}">
@@ -7128,7 +8379,7 @@
 </p:sld>
 </file>
 
-<file path=ppt/slides/slide13.xml><?xml version="1.0" encoding="utf-8"?>
+<file path=ppt/slides/slide14.xml><?xml version="1.0" encoding="utf-8"?>
 <p:sld xmlns:a="http://schemas.openxmlformats.org/drawingml/2006/main" xmlns:r="http://schemas.openxmlformats.org/officeDocument/2006/relationships" xmlns:p="http://schemas.openxmlformats.org/presentationml/2006/main">
   <p:cSld>
     <p:bg>
@@ -7275,6 +8526,35 @@
           </a:ln>
         </p:spPr>
       </p:pic>
+      <p:sp>
+        <p:nvSpPr>
+          <p:cNvPr id="7" name="Slide Number Placeholder 6">
+            <a:extLst>
+              <a:ext uri="{FF2B5EF4-FFF2-40B4-BE49-F238E27FC236}">
+                <a16:creationId xmlns:a16="http://schemas.microsoft.com/office/drawing/2014/main" id="{D5ED8BC8-8459-3472-15C5-B77C25A8C5AF}"/>
+              </a:ext>
+            </a:extLst>
+          </p:cNvPr>
+          <p:cNvSpPr>
+            <a:spLocks noGrp="1"/>
+          </p:cNvSpPr>
+          <p:nvPr>
+            <p:ph type="sldNum" sz="quarter" idx="12"/>
+          </p:nvPr>
+        </p:nvSpPr>
+        <p:spPr/>
+        <p:txBody>
+          <a:bodyPr/>
+          <a:lstStyle/>
+          <a:p>
+            <a:fld id="{330EA680-D336-4FF7-8B7A-9848BB0A1C32}" type="slidenum">
+              <a:rPr lang="en-US" smtClean="0"/>
+              <a:t>14</a:t>
+            </a:fld>
+            <a:endParaRPr lang="en-US"/>
+          </a:p>
+        </p:txBody>
+      </p:sp>
     </p:spTree>
     <p:extLst>
       <p:ext uri="{BB962C8B-B14F-4D97-AF65-F5344CB8AC3E}">
@@ -7288,7 +8568,7 @@
 </p:sld>
 </file>
 
-<file path=ppt/slides/slide14.xml><?xml version="1.0" encoding="utf-8"?>
+<file path=ppt/slides/slide15.xml><?xml version="1.0" encoding="utf-8"?>
 <p:sld xmlns:a="http://schemas.openxmlformats.org/drawingml/2006/main" xmlns:r="http://schemas.openxmlformats.org/officeDocument/2006/relationships" xmlns:p="http://schemas.openxmlformats.org/presentationml/2006/main">
   <p:cSld>
     <p:spTree>
@@ -7407,14 +8687,22 @@
           <a:bodyPr/>
           <a:lstStyle/>
           <a:p>
-            <a:pPr algn="l" rtl="0"/>
+            <a:pPr algn="l" rtl="0">
+              <a:lnSpc>
+                <a:spcPct val="150000"/>
+              </a:lnSpc>
+            </a:pPr>
             <a:r>
               <a:rPr lang="en-US" dirty="0"/>
               <a:t>gem5 simulator with WSL</a:t>
             </a:r>
           </a:p>
           <a:p>
-            <a:pPr algn="l" rtl="0"/>
+            <a:pPr algn="l" rtl="0">
+              <a:lnSpc>
+                <a:spcPct val="150000"/>
+              </a:lnSpc>
+            </a:pPr>
             <a:r>
               <a:rPr lang="en-US" dirty="0"/>
               <a:t>Simulation script - se</a:t>
@@ -7437,7 +8725,7 @@
           <p:nvPr>
             <p:extLst>
               <p:ext uri="{D42A27DB-BD31-4B8C-83A1-F6EECF244321}">
-                <p14:modId xmlns:p14="http://schemas.microsoft.com/office/powerpoint/2010/main" val="2328460365"/>
+                <p14:modId xmlns:p14="http://schemas.microsoft.com/office/powerpoint/2010/main" val="1631686831"/>
               </p:ext>
             </p:extLst>
           </p:nvPr>
@@ -7751,6 +9039,35 @@
           </a:graphicData>
         </a:graphic>
       </p:graphicFrame>
+      <p:sp>
+        <p:nvSpPr>
+          <p:cNvPr id="8" name="Slide Number Placeholder 7">
+            <a:extLst>
+              <a:ext uri="{FF2B5EF4-FFF2-40B4-BE49-F238E27FC236}">
+                <a16:creationId xmlns:a16="http://schemas.microsoft.com/office/drawing/2014/main" id="{2DD22C3B-424A-77EF-C153-C847E448F712}"/>
+              </a:ext>
+            </a:extLst>
+          </p:cNvPr>
+          <p:cNvSpPr>
+            <a:spLocks noGrp="1"/>
+          </p:cNvSpPr>
+          <p:nvPr>
+            <p:ph type="sldNum" sz="quarter" idx="12"/>
+          </p:nvPr>
+        </p:nvSpPr>
+        <p:spPr/>
+        <p:txBody>
+          <a:bodyPr/>
+          <a:lstStyle/>
+          <a:p>
+            <a:fld id="{330EA680-D336-4FF7-8B7A-9848BB0A1C32}" type="slidenum">
+              <a:rPr lang="en-US" smtClean="0"/>
+              <a:t>15</a:t>
+            </a:fld>
+            <a:endParaRPr lang="en-US"/>
+          </a:p>
+        </p:txBody>
+      </p:sp>
     </p:spTree>
     <p:extLst>
       <p:ext uri="{BB962C8B-B14F-4D97-AF65-F5344CB8AC3E}">
@@ -7764,7 +9081,7 @@
 </p:sld>
 </file>
 
-<file path=ppt/slides/slide15.xml><?xml version="1.0" encoding="utf-8"?>
+<file path=ppt/slides/slide16.xml><?xml version="1.0" encoding="utf-8"?>
 <p:sld xmlns:a="http://schemas.openxmlformats.org/drawingml/2006/main" xmlns:r="http://schemas.openxmlformats.org/officeDocument/2006/relationships" xmlns:p="http://schemas.openxmlformats.org/presentationml/2006/main">
   <p:cSld>
     <p:bg>
@@ -7804,32 +9121,46 @@
         </p:nvSpPr>
         <p:spPr>
           <a:xfrm>
-            <a:off x="838200" y="2189836"/>
-            <a:ext cx="7166675" cy="1766214"/>
+            <a:off x="838200" y="2189835"/>
+            <a:ext cx="9128760" cy="2944139"/>
           </a:xfrm>
         </p:spPr>
         <p:txBody>
-          <a:bodyPr/>
-          <a:lstStyle/>
-          <a:p>
-            <a:pPr algn="l" rtl="0"/>
+          <a:bodyPr>
+            <a:normAutofit/>
+          </a:bodyPr>
+          <a:lstStyle/>
+          <a:p>
+            <a:pPr algn="l" rtl="0">
+              <a:lnSpc>
+                <a:spcPct val="150000"/>
+              </a:lnSpc>
+            </a:pPr>
             <a:r>
               <a:rPr lang="en-US" dirty="0"/>
-              <a:t>Catalog of objects from Celestrak </a:t>
-            </a:r>
-          </a:p>
-          <a:p>
-            <a:pPr algn="l" rtl="0"/>
+              <a:t>Catalog of objects from Celestrak - 9727 active satellites </a:t>
+            </a:r>
+          </a:p>
+          <a:p>
+            <a:pPr algn="l" rtl="0">
+              <a:lnSpc>
+                <a:spcPct val="150000"/>
+              </a:lnSpc>
+            </a:pPr>
             <a:r>
               <a:rPr lang="en-US" dirty="0"/>
               <a:t>Used around 20% - ~5700 tests</a:t>
             </a:r>
           </a:p>
           <a:p>
-            <a:pPr algn="l" rtl="0"/>
+            <a:pPr algn="l" rtl="0">
+              <a:lnSpc>
+                <a:spcPct val="150000"/>
+              </a:lnSpc>
+            </a:pPr>
             <a:r>
               <a:rPr lang="en-US" dirty="0"/>
-              <a:t>3 days to run</a:t>
+              <a:t>3 days to run the simulation</a:t>
             </a:r>
           </a:p>
         </p:txBody>
@@ -7939,6 +9270,35 @@
           </a:p>
         </p:txBody>
       </p:sp>
+      <p:sp>
+        <p:nvSpPr>
+          <p:cNvPr id="2" name="Slide Number Placeholder 1">
+            <a:extLst>
+              <a:ext uri="{FF2B5EF4-FFF2-40B4-BE49-F238E27FC236}">
+                <a16:creationId xmlns:a16="http://schemas.microsoft.com/office/drawing/2014/main" id="{5293A6F9-6B57-B582-0270-F02331A66C18}"/>
+              </a:ext>
+            </a:extLst>
+          </p:cNvPr>
+          <p:cNvSpPr>
+            <a:spLocks noGrp="1"/>
+          </p:cNvSpPr>
+          <p:nvPr>
+            <p:ph type="sldNum" sz="quarter" idx="12"/>
+          </p:nvPr>
+        </p:nvSpPr>
+        <p:spPr/>
+        <p:txBody>
+          <a:bodyPr/>
+          <a:lstStyle/>
+          <a:p>
+            <a:fld id="{330EA680-D336-4FF7-8B7A-9848BB0A1C32}" type="slidenum">
+              <a:rPr lang="en-US" smtClean="0"/>
+              <a:t>16</a:t>
+            </a:fld>
+            <a:endParaRPr lang="en-US"/>
+          </a:p>
+        </p:txBody>
+      </p:sp>
     </p:spTree>
     <p:extLst>
       <p:ext uri="{BB962C8B-B14F-4D97-AF65-F5344CB8AC3E}">
@@ -7948,182 +9308,6 @@
   </p:cSld>
   <p:clrMapOvr>
     <a:overrideClrMapping bg1="lt1" tx1="dk1" bg2="lt2" tx2="dk2" accent1="accent1" accent2="accent2" accent3="accent3" accent4="accent4" accent5="accent5" accent6="accent6" hlink="hlink" folHlink="folHlink"/>
-  </p:clrMapOvr>
-</p:sld>
-</file>
-
-<file path=ppt/slides/slide16.xml><?xml version="1.0" encoding="utf-8"?>
-<p:sld xmlns:a="http://schemas.openxmlformats.org/drawingml/2006/main" xmlns:r="http://schemas.openxmlformats.org/officeDocument/2006/relationships" xmlns:p="http://schemas.openxmlformats.org/presentationml/2006/main">
-  <p:cSld>
-    <p:spTree>
-      <p:nvGrpSpPr>
-        <p:cNvPr id="1" name=""/>
-        <p:cNvGrpSpPr/>
-        <p:nvPr/>
-      </p:nvGrpSpPr>
-      <p:grpSpPr>
-        <a:xfrm>
-          <a:off x="0" y="0"/>
-          <a:ext cx="0" cy="0"/>
-          <a:chOff x="0" y="0"/>
-          <a:chExt cx="0" cy="0"/>
-        </a:xfrm>
-      </p:grpSpPr>
-      <p:pic>
-        <p:nvPicPr>
-          <p:cNvPr id="4" name="Picture 3">
-            <a:extLst>
-              <a:ext uri="{FF2B5EF4-FFF2-40B4-BE49-F238E27FC236}">
-                <a16:creationId xmlns:a16="http://schemas.microsoft.com/office/drawing/2014/main" id="{CD463AA5-BB4A-5CA4-9DDB-51892E895E20}"/>
-              </a:ext>
-            </a:extLst>
-          </p:cNvPr>
-          <p:cNvPicPr>
-            <a:picLocks noChangeAspect="1"/>
-          </p:cNvPicPr>
-          <p:nvPr/>
-        </p:nvPicPr>
-        <p:blipFill>
-          <a:blip r:embed="rId3" cstate="print">
-            <a:extLst>
-              <a:ext uri="{28A0092B-C50C-407E-A947-70E740481C1C}">
-                <a14:useLocalDpi xmlns:a14="http://schemas.microsoft.com/office/drawing/2010/main" val="0"/>
-              </a:ext>
-            </a:extLst>
-          </a:blip>
-          <a:stretch>
-            <a:fillRect/>
-          </a:stretch>
-        </p:blipFill>
-        <p:spPr>
-          <a:xfrm>
-            <a:off x="0" y="85806"/>
-            <a:ext cx="3060198" cy="722377"/>
-          </a:xfrm>
-          <a:prstGeom prst="rect">
-            <a:avLst/>
-          </a:prstGeom>
-        </p:spPr>
-      </p:pic>
-      <p:sp>
-        <p:nvSpPr>
-          <p:cNvPr id="5" name="כותרת 1">
-            <a:extLst>
-              <a:ext uri="{FF2B5EF4-FFF2-40B4-BE49-F238E27FC236}">
-                <a16:creationId xmlns:a16="http://schemas.microsoft.com/office/drawing/2014/main" id="{5305374F-86B0-0266-78AD-EF79F1485C24}"/>
-              </a:ext>
-            </a:extLst>
-          </p:cNvPr>
-          <p:cNvSpPr txBox="1">
-            <a:spLocks/>
-          </p:cNvSpPr>
-          <p:nvPr/>
-        </p:nvSpPr>
-        <p:spPr>
-          <a:xfrm>
-            <a:off x="838200" y="808183"/>
-            <a:ext cx="10515600" cy="1325563"/>
-          </a:xfrm>
-          <a:prstGeom prst="rect">
-            <a:avLst/>
-          </a:prstGeom>
-        </p:spPr>
-        <p:txBody>
-          <a:bodyPr vert="horz" lIns="91440" tIns="45720" rIns="91440" bIns="45720" rtlCol="0" anchor="ctr">
-            <a:normAutofit/>
-          </a:bodyPr>
-          <a:lstStyle>
-            <a:lvl1pPr algn="l" defTabSz="914400" rtl="0" eaLnBrk="1" latinLnBrk="0" hangingPunct="1">
-              <a:lnSpc>
-                <a:spcPct val="90000"/>
-              </a:lnSpc>
-              <a:spcBef>
-                <a:spcPct val="0"/>
-              </a:spcBef>
-              <a:buNone/>
-              <a:defRPr sz="4400" kern="1200">
-                <a:solidFill>
-                  <a:schemeClr val="tx1"/>
-                </a:solidFill>
-                <a:latin typeface="+mj-lt"/>
-                <a:ea typeface="+mj-ea"/>
-                <a:cs typeface="+mj-cs"/>
-              </a:defRPr>
-            </a:lvl1pPr>
-          </a:lstStyle>
-          <a:p>
-            <a:r>
-              <a:rPr lang="en-US" sz="4800" b="1" dirty="0">
-                <a:solidFill>
-                  <a:srgbClr val="4472C4"/>
-                </a:solidFill>
-                <a:latin typeface="Calibri Light" panose="020F0302020204030204" pitchFamily="34" charset="0"/>
-                <a:ea typeface="Yu Gothic Light" panose="020B0300000000000000" pitchFamily="34" charset="-128"/>
-                <a:cs typeface="Calibri Light" panose="020F0302020204030204" pitchFamily="34" charset="0"/>
-              </a:rPr>
-              <a:t>Feasibility testing - runtime</a:t>
-            </a:r>
-            <a:endParaRPr lang="he-IL" sz="4800" b="1" dirty="0">
-              <a:solidFill>
-                <a:srgbClr val="4472C4"/>
-              </a:solidFill>
-              <a:latin typeface="Calibri Light" panose="020F0302020204030204" pitchFamily="34" charset="0"/>
-              <a:ea typeface="Yu Gothic Light" panose="020B0300000000000000" pitchFamily="34" charset="-128"/>
-              <a:cs typeface="Calibri Light" panose="020F0302020204030204" pitchFamily="34" charset="0"/>
-            </a:endParaRPr>
-          </a:p>
-        </p:txBody>
-      </p:sp>
-      <p:pic>
-        <p:nvPicPr>
-          <p:cNvPr id="7" name="Picture 6">
-            <a:extLst>
-              <a:ext uri="{FF2B5EF4-FFF2-40B4-BE49-F238E27FC236}">
-                <a16:creationId xmlns:a16="http://schemas.microsoft.com/office/drawing/2014/main" id="{18C96170-93DB-2743-418B-4056CBE9E606}"/>
-              </a:ext>
-            </a:extLst>
-          </p:cNvPr>
-          <p:cNvPicPr>
-            <a:picLocks noChangeAspect="1"/>
-          </p:cNvPicPr>
-          <p:nvPr/>
-        </p:nvPicPr>
-        <p:blipFill>
-          <a:blip r:embed="rId4" cstate="print">
-            <a:extLst>
-              <a:ext uri="{28A0092B-C50C-407E-A947-70E740481C1C}">
-                <a14:useLocalDpi xmlns:a14="http://schemas.microsoft.com/office/drawing/2010/main" val="0"/>
-              </a:ext>
-            </a:extLst>
-          </a:blip>
-          <a:stretch>
-            <a:fillRect/>
-          </a:stretch>
-        </p:blipFill>
-        <p:spPr>
-          <a:xfrm>
-            <a:off x="838200" y="1826579"/>
-            <a:ext cx="9645650" cy="4745824"/>
-          </a:xfrm>
-          <a:prstGeom prst="rect">
-            <a:avLst/>
-          </a:prstGeom>
-          <a:ln>
-            <a:solidFill>
-              <a:schemeClr val="tx1"/>
-            </a:solidFill>
-          </a:ln>
-        </p:spPr>
-      </p:pic>
-    </p:spTree>
-    <p:extLst>
-      <p:ext uri="{BB962C8B-B14F-4D97-AF65-F5344CB8AC3E}">
-        <p14:creationId xmlns:p14="http://schemas.microsoft.com/office/powerpoint/2010/main" val="1925234687"/>
-      </p:ext>
-    </p:extLst>
-  </p:cSld>
-  <p:clrMapOvr>
-    <a:masterClrMapping/>
   </p:clrMapOvr>
 </p:sld>
 </file>
@@ -8237,7 +9421,7 @@
                 <a:ea typeface="Yu Gothic Light" panose="020B0300000000000000" pitchFamily="34" charset="-128"/>
                 <a:cs typeface="Calibri Light" panose="020F0302020204030204" pitchFamily="34" charset="0"/>
               </a:rPr>
-              <a:t>Feasibility testing - errors</a:t>
+              <a:t>Feasibility testing - runtime</a:t>
             </a:r>
             <a:endParaRPr lang="he-IL" sz="4800" b="1" dirty="0">
               <a:solidFill>
@@ -8252,10 +9436,10 @@
       </p:sp>
       <p:pic>
         <p:nvPicPr>
-          <p:cNvPr id="2" name="Picture 1">
+          <p:cNvPr id="7" name="Picture 6">
             <a:extLst>
               <a:ext uri="{FF2B5EF4-FFF2-40B4-BE49-F238E27FC236}">
-                <a16:creationId xmlns:a16="http://schemas.microsoft.com/office/drawing/2014/main" id="{13B51419-78AE-8154-A9B0-CB3DC4FFA839}"/>
+                <a16:creationId xmlns:a16="http://schemas.microsoft.com/office/drawing/2014/main" id="{18C96170-93DB-2743-418B-4056CBE9E606}"/>
               </a:ext>
             </a:extLst>
           </p:cNvPr>
@@ -8278,8 +9462,8 @@
         </p:blipFill>
         <p:spPr>
           <a:xfrm>
-            <a:off x="520382" y="1803718"/>
-            <a:ext cx="5167413" cy="2596831"/>
+            <a:off x="838200" y="1826579"/>
+            <a:ext cx="9645650" cy="4745824"/>
           </a:xfrm>
           <a:prstGeom prst="rect">
             <a:avLst/>
@@ -8291,10 +9475,39 @@
           </a:ln>
         </p:spPr>
       </p:pic>
+      <p:sp>
+        <p:nvSpPr>
+          <p:cNvPr id="8" name="Slide Number Placeholder 7">
+            <a:extLst>
+              <a:ext uri="{FF2B5EF4-FFF2-40B4-BE49-F238E27FC236}">
+                <a16:creationId xmlns:a16="http://schemas.microsoft.com/office/drawing/2014/main" id="{53F89988-BFBD-6A85-6B86-8A6F47A58315}"/>
+              </a:ext>
+            </a:extLst>
+          </p:cNvPr>
+          <p:cNvSpPr>
+            <a:spLocks noGrp="1"/>
+          </p:cNvSpPr>
+          <p:nvPr>
+            <p:ph type="sldNum" sz="quarter" idx="12"/>
+          </p:nvPr>
+        </p:nvSpPr>
+        <p:spPr/>
+        <p:txBody>
+          <a:bodyPr/>
+          <a:lstStyle/>
+          <a:p>
+            <a:fld id="{330EA680-D336-4FF7-8B7A-9848BB0A1C32}" type="slidenum">
+              <a:rPr lang="en-US" smtClean="0"/>
+              <a:t>17</a:t>
+            </a:fld>
+            <a:endParaRPr lang="en-US"/>
+          </a:p>
+        </p:txBody>
+      </p:sp>
     </p:spTree>
     <p:extLst>
       <p:ext uri="{BB962C8B-B14F-4D97-AF65-F5344CB8AC3E}">
-        <p14:creationId xmlns:p14="http://schemas.microsoft.com/office/powerpoint/2010/main" val="1585633603"/>
+        <p14:creationId xmlns:p14="http://schemas.microsoft.com/office/powerpoint/2010/main" val="1925234687"/>
       </p:ext>
     </p:extLst>
   </p:cSld>
@@ -8413,7 +9626,7 @@
                 <a:ea typeface="Yu Gothic Light" panose="020B0300000000000000" pitchFamily="34" charset="-128"/>
                 <a:cs typeface="Calibri Light" panose="020F0302020204030204" pitchFamily="34" charset="0"/>
               </a:rPr>
-              <a:t>Feasibility testing – correlations</a:t>
+              <a:t>Feasibility testing - errors</a:t>
             </a:r>
             <a:endParaRPr lang="he-IL" sz="4800" b="1" dirty="0">
               <a:solidFill>
@@ -8426,56 +9639,12 @@
           </a:p>
         </p:txBody>
       </p:sp>
-      <p:sp>
-        <p:nvSpPr>
-          <p:cNvPr id="2" name="Content Placeholder 2">
-            <a:extLst>
-              <a:ext uri="{FF2B5EF4-FFF2-40B4-BE49-F238E27FC236}">
-                <a16:creationId xmlns:a16="http://schemas.microsoft.com/office/drawing/2014/main" id="{84FF58C7-7240-9FF6-5334-26AD93FF7968}"/>
-              </a:ext>
-            </a:extLst>
-          </p:cNvPr>
-          <p:cNvSpPr>
-            <a:spLocks noGrp="1"/>
-          </p:cNvSpPr>
-          <p:nvPr>
-            <p:ph idx="1"/>
-          </p:nvPr>
-        </p:nvSpPr>
-        <p:spPr>
-          <a:xfrm>
-            <a:off x="3329286" y="1859603"/>
-            <a:ext cx="5533428" cy="331148"/>
-          </a:xfrm>
-        </p:spPr>
-        <p:txBody>
-          <a:bodyPr>
-            <a:normAutofit fontScale="70000" lnSpcReduction="20000"/>
-          </a:bodyPr>
-          <a:lstStyle/>
-          <a:p>
-            <a:pPr marL="0" indent="0" algn="l" rtl="0">
-              <a:buNone/>
-            </a:pPr>
-            <a:r>
-              <a:rPr lang="en-US" b="1" dirty="0"/>
-              <a:t>Constant time interval- changing number of points</a:t>
-            </a:r>
-          </a:p>
-          <a:p>
-            <a:pPr marL="0" indent="0" algn="l" rtl="0">
-              <a:buNone/>
-            </a:pPr>
-            <a:endParaRPr lang="en-US" dirty="0"/>
-          </a:p>
-        </p:txBody>
-      </p:sp>
       <p:pic>
         <p:nvPicPr>
-          <p:cNvPr id="3" name="Picture 2">
+          <p:cNvPr id="2" name="Picture 1">
             <a:extLst>
               <a:ext uri="{FF2B5EF4-FFF2-40B4-BE49-F238E27FC236}">
-                <a16:creationId xmlns:a16="http://schemas.microsoft.com/office/drawing/2014/main" id="{3AB93160-46AA-8DE4-807B-12D459EC6DA1}"/>
+                <a16:creationId xmlns:a16="http://schemas.microsoft.com/office/drawing/2014/main" id="{13B51419-78AE-8154-A9B0-CB3DC4FFA839}"/>
               </a:ext>
             </a:extLst>
           </p:cNvPr>
@@ -8485,15 +9654,21 @@
           <p:nvPr/>
         </p:nvPicPr>
         <p:blipFill>
-          <a:blip r:embed="rId4"/>
+          <a:blip r:embed="rId4" cstate="print">
+            <a:extLst>
+              <a:ext uri="{28A0092B-C50C-407E-A947-70E740481C1C}">
+                <a14:useLocalDpi xmlns:a14="http://schemas.microsoft.com/office/drawing/2010/main" val="0"/>
+              </a:ext>
+            </a:extLst>
+          </a:blip>
           <a:stretch>
             <a:fillRect/>
           </a:stretch>
         </p:blipFill>
         <p:spPr>
           <a:xfrm>
-            <a:off x="525145" y="2387359"/>
-            <a:ext cx="5755005" cy="3518931"/>
+            <a:off x="171449" y="1794193"/>
+            <a:ext cx="5982425" cy="3006407"/>
           </a:xfrm>
           <a:prstGeom prst="rect">
             <a:avLst/>
@@ -8510,7 +9685,7 @@
           <p:cNvPr id="6" name="Picture 5">
             <a:extLst>
               <a:ext uri="{FF2B5EF4-FFF2-40B4-BE49-F238E27FC236}">
-                <a16:creationId xmlns:a16="http://schemas.microsoft.com/office/drawing/2014/main" id="{7707B54C-2775-98A8-0F10-95956DF3FEB7}"/>
+                <a16:creationId xmlns:a16="http://schemas.microsoft.com/office/drawing/2014/main" id="{D954D993-BA66-27CD-4833-D099772F3BEC}"/>
               </a:ext>
             </a:extLst>
           </p:cNvPr>
@@ -8527,8 +9702,8 @@
         </p:blipFill>
         <p:spPr>
           <a:xfrm>
-            <a:off x="6572250" y="3311599"/>
-            <a:ext cx="5416551" cy="3310182"/>
+            <a:off x="6315075" y="1794308"/>
+            <a:ext cx="5705476" cy="3006292"/>
           </a:xfrm>
           <a:prstGeom prst="rect">
             <a:avLst/>
@@ -8540,10 +9715,841 @@
           </a:ln>
         </p:spPr>
       </p:pic>
+      <p:graphicFrame>
+        <p:nvGraphicFramePr>
+          <p:cNvPr id="8" name="Table 7">
+            <a:extLst>
+              <a:ext uri="{FF2B5EF4-FFF2-40B4-BE49-F238E27FC236}">
+                <a16:creationId xmlns:a16="http://schemas.microsoft.com/office/drawing/2014/main" id="{55B4A993-D7B0-45F0-0913-C15BA2688611}"/>
+              </a:ext>
+            </a:extLst>
+          </p:cNvPr>
+          <p:cNvGraphicFramePr>
+            <a:graphicFrameLocks noGrp="1"/>
+          </p:cNvGraphicFramePr>
+          <p:nvPr>
+            <p:extLst>
+              <p:ext uri="{D42A27DB-BD31-4B8C-83A1-F6EECF244321}">
+                <p14:modId xmlns:p14="http://schemas.microsoft.com/office/powerpoint/2010/main" val="1706648934"/>
+              </p:ext>
+            </p:extLst>
+          </p:nvPr>
+        </p:nvGraphicFramePr>
+        <p:xfrm>
+          <a:off x="2455545" y="5005241"/>
+          <a:ext cx="7280910" cy="1044576"/>
+        </p:xfrm>
+        <a:graphic>
+          <a:graphicData uri="http://schemas.openxmlformats.org/drawingml/2006/table">
+            <a:tbl>
+              <a:tblPr firstRow="1" firstCol="1" bandRow="1">
+                <a:tableStyleId>{5C22544A-7EE6-4342-B048-85BDC9FD1C3A}</a:tableStyleId>
+              </a:tblPr>
+              <a:tblGrid>
+                <a:gridCol w="797769">
+                  <a:extLst>
+                    <a:ext uri="{9D8B030D-6E8A-4147-A177-3AD203B41FA5}">
+                      <a16:colId xmlns:a16="http://schemas.microsoft.com/office/drawing/2014/main" val="3398524954"/>
+                    </a:ext>
+                  </a:extLst>
+                </a:gridCol>
+                <a:gridCol w="1418961">
+                  <a:extLst>
+                    <a:ext uri="{9D8B030D-6E8A-4147-A177-3AD203B41FA5}">
+                      <a16:colId xmlns:a16="http://schemas.microsoft.com/office/drawing/2014/main" val="3447363259"/>
+                    </a:ext>
+                  </a:extLst>
+                </a:gridCol>
+                <a:gridCol w="1337660">
+                  <a:extLst>
+                    <a:ext uri="{9D8B030D-6E8A-4147-A177-3AD203B41FA5}">
+                      <a16:colId xmlns:a16="http://schemas.microsoft.com/office/drawing/2014/main" val="2761020657"/>
+                    </a:ext>
+                  </a:extLst>
+                </a:gridCol>
+                <a:gridCol w="816189">
+                  <a:extLst>
+                    <a:ext uri="{9D8B030D-6E8A-4147-A177-3AD203B41FA5}">
+                      <a16:colId xmlns:a16="http://schemas.microsoft.com/office/drawing/2014/main" val="709376956"/>
+                    </a:ext>
+                  </a:extLst>
+                </a:gridCol>
+                <a:gridCol w="1471680">
+                  <a:extLst>
+                    <a:ext uri="{9D8B030D-6E8A-4147-A177-3AD203B41FA5}">
+                      <a16:colId xmlns:a16="http://schemas.microsoft.com/office/drawing/2014/main" val="4158789452"/>
+                    </a:ext>
+                  </a:extLst>
+                </a:gridCol>
+                <a:gridCol w="1438651">
+                  <a:extLst>
+                    <a:ext uri="{9D8B030D-6E8A-4147-A177-3AD203B41FA5}">
+                      <a16:colId xmlns:a16="http://schemas.microsoft.com/office/drawing/2014/main" val="1220508027"/>
+                    </a:ext>
+                  </a:extLst>
+                </a:gridCol>
+              </a:tblGrid>
+              <a:tr h="0">
+                <a:tc>
+                  <a:txBody>
+                    <a:bodyPr/>
+                    <a:lstStyle/>
+                    <a:p>
+                      <a:pPr>
+                        <a:lnSpc>
+                          <a:spcPct val="107000"/>
+                        </a:lnSpc>
+                        <a:spcAft>
+                          <a:spcPts val="800"/>
+                        </a:spcAft>
+                      </a:pPr>
+                      <a:r>
+                        <a:rPr lang="en-US" sz="1100" kern="100" dirty="0">
+                          <a:effectLst/>
+                        </a:rPr>
+                        <a:t>Algorithm</a:t>
+                      </a:r>
+                      <a:endParaRPr lang="en-IL" sz="1100" kern="100" dirty="0">
+                        <a:effectLst/>
+                        <a:latin typeface="Calibri" panose="020F0502020204030204" pitchFamily="34" charset="0"/>
+                        <a:ea typeface="Calibri" panose="020F0502020204030204" pitchFamily="34" charset="0"/>
+                        <a:cs typeface="Arial" panose="020B0604020202020204" pitchFamily="34" charset="0"/>
+                      </a:endParaRPr>
+                    </a:p>
+                  </a:txBody>
+                  <a:tcPr marL="68580" marR="68580" marT="0" marB="0"/>
+                </a:tc>
+                <a:tc>
+                  <a:txBody>
+                    <a:bodyPr/>
+                    <a:lstStyle/>
+                    <a:p>
+                      <a:pPr algn="ctr">
+                        <a:lnSpc>
+                          <a:spcPct val="107000"/>
+                        </a:lnSpc>
+                        <a:spcAft>
+                          <a:spcPts val="800"/>
+                        </a:spcAft>
+                      </a:pPr>
+                      <a:r>
+                        <a:rPr lang="en-US" sz="1100" kern="100">
+                          <a:effectLst/>
+                        </a:rPr>
+                        <a:t>Average Runtime[Sec]</a:t>
+                      </a:r>
+                      <a:endParaRPr lang="en-IL" sz="1100" kern="100">
+                        <a:effectLst/>
+                        <a:latin typeface="Calibri" panose="020F0502020204030204" pitchFamily="34" charset="0"/>
+                        <a:ea typeface="Calibri" panose="020F0502020204030204" pitchFamily="34" charset="0"/>
+                        <a:cs typeface="Arial" panose="020B0604020202020204" pitchFamily="34" charset="0"/>
+                      </a:endParaRPr>
+                    </a:p>
+                  </a:txBody>
+                  <a:tcPr marL="68580" marR="68580" marT="0" marB="0"/>
+                </a:tc>
+                <a:tc>
+                  <a:txBody>
+                    <a:bodyPr/>
+                    <a:lstStyle/>
+                    <a:p>
+                      <a:pPr>
+                        <a:lnSpc>
+                          <a:spcPct val="107000"/>
+                        </a:lnSpc>
+                        <a:spcAft>
+                          <a:spcPts val="800"/>
+                        </a:spcAft>
+                      </a:pPr>
+                      <a:r>
+                        <a:rPr lang="en-US" sz="1100" kern="100">
+                          <a:effectLst/>
+                        </a:rPr>
+                        <a:t>Average Distance Error[KM]</a:t>
+                      </a:r>
+                      <a:endParaRPr lang="en-IL" sz="1100" kern="100">
+                        <a:effectLst/>
+                        <a:latin typeface="Calibri" panose="020F0502020204030204" pitchFamily="34" charset="0"/>
+                        <a:ea typeface="Calibri" panose="020F0502020204030204" pitchFamily="34" charset="0"/>
+                        <a:cs typeface="Arial" panose="020B0604020202020204" pitchFamily="34" charset="0"/>
+                      </a:endParaRPr>
+                    </a:p>
+                  </a:txBody>
+                  <a:tcPr marL="68580" marR="68580" marT="0" marB="0"/>
+                </a:tc>
+                <a:tc>
+                  <a:txBody>
+                    <a:bodyPr/>
+                    <a:lstStyle/>
+                    <a:p>
+                      <a:pPr>
+                        <a:lnSpc>
+                          <a:spcPct val="107000"/>
+                        </a:lnSpc>
+                        <a:spcAft>
+                          <a:spcPts val="800"/>
+                        </a:spcAft>
+                      </a:pPr>
+                      <a:r>
+                        <a:rPr lang="en-US" sz="1100" kern="100">
+                          <a:effectLst/>
+                        </a:rPr>
+                        <a:t>Average #Points</a:t>
+                      </a:r>
+                      <a:endParaRPr lang="en-IL" sz="1100" kern="100">
+                        <a:effectLst/>
+                        <a:latin typeface="Calibri" panose="020F0502020204030204" pitchFamily="34" charset="0"/>
+                        <a:ea typeface="Calibri" panose="020F0502020204030204" pitchFamily="34" charset="0"/>
+                        <a:cs typeface="Arial" panose="020B0604020202020204" pitchFamily="34" charset="0"/>
+                      </a:endParaRPr>
+                    </a:p>
+                  </a:txBody>
+                  <a:tcPr marL="68580" marR="68580" marT="0" marB="0"/>
+                </a:tc>
+                <a:tc>
+                  <a:txBody>
+                    <a:bodyPr/>
+                    <a:lstStyle/>
+                    <a:p>
+                      <a:pPr>
+                        <a:lnSpc>
+                          <a:spcPct val="107000"/>
+                        </a:lnSpc>
+                        <a:spcAft>
+                          <a:spcPts val="800"/>
+                        </a:spcAft>
+                      </a:pPr>
+                      <a:r>
+                        <a:rPr lang="en-US" sz="1100" kern="100">
+                          <a:effectLst/>
+                        </a:rPr>
+                        <a:t>Test With Distance Error &gt; 0.00001[KM]</a:t>
+                      </a:r>
+                      <a:endParaRPr lang="en-IL" sz="1100" kern="100">
+                        <a:effectLst/>
+                        <a:latin typeface="Calibri" panose="020F0502020204030204" pitchFamily="34" charset="0"/>
+                        <a:ea typeface="Calibri" panose="020F0502020204030204" pitchFamily="34" charset="0"/>
+                        <a:cs typeface="Arial" panose="020B0604020202020204" pitchFamily="34" charset="0"/>
+                      </a:endParaRPr>
+                    </a:p>
+                  </a:txBody>
+                  <a:tcPr marL="68580" marR="68580" marT="0" marB="0"/>
+                </a:tc>
+                <a:tc>
+                  <a:txBody>
+                    <a:bodyPr/>
+                    <a:lstStyle/>
+                    <a:p>
+                      <a:pPr>
+                        <a:lnSpc>
+                          <a:spcPct val="107000"/>
+                        </a:lnSpc>
+                        <a:spcAft>
+                          <a:spcPts val="800"/>
+                        </a:spcAft>
+                      </a:pPr>
+                      <a:r>
+                        <a:rPr lang="en-US" sz="1100" kern="100">
+                          <a:effectLst/>
+                        </a:rPr>
+                        <a:t>Test With Distance Error &gt; 0.100[KM]</a:t>
+                      </a:r>
+                      <a:endParaRPr lang="en-IL" sz="1100" kern="100">
+                        <a:effectLst/>
+                        <a:latin typeface="Calibri" panose="020F0502020204030204" pitchFamily="34" charset="0"/>
+                        <a:ea typeface="Calibri" panose="020F0502020204030204" pitchFamily="34" charset="0"/>
+                        <a:cs typeface="Arial" panose="020B0604020202020204" pitchFamily="34" charset="0"/>
+                      </a:endParaRPr>
+                    </a:p>
+                  </a:txBody>
+                  <a:tcPr marL="68580" marR="68580" marT="0" marB="0"/>
+                </a:tc>
+                <a:extLst>
+                  <a:ext uri="{0D108BD9-81ED-4DB2-BD59-A6C34878D82A}">
+                    <a16:rowId xmlns:a16="http://schemas.microsoft.com/office/drawing/2014/main" val="1612852812"/>
+                  </a:ext>
+                </a:extLst>
+              </a:tr>
+              <a:tr h="0">
+                <a:tc>
+                  <a:txBody>
+                    <a:bodyPr/>
+                    <a:lstStyle/>
+                    <a:p>
+                      <a:pPr>
+                        <a:lnSpc>
+                          <a:spcPct val="107000"/>
+                        </a:lnSpc>
+                        <a:spcAft>
+                          <a:spcPts val="800"/>
+                        </a:spcAft>
+                      </a:pPr>
+                      <a:r>
+                        <a:rPr lang="en-US" sz="1100" kern="100">
+                          <a:effectLst/>
+                        </a:rPr>
+                        <a:t>ANCAS</a:t>
+                      </a:r>
+                      <a:endParaRPr lang="en-IL" sz="1100" kern="100">
+                        <a:effectLst/>
+                        <a:latin typeface="Calibri" panose="020F0502020204030204" pitchFamily="34" charset="0"/>
+                        <a:ea typeface="Calibri" panose="020F0502020204030204" pitchFamily="34" charset="0"/>
+                        <a:cs typeface="Arial" panose="020B0604020202020204" pitchFamily="34" charset="0"/>
+                      </a:endParaRPr>
+                    </a:p>
+                  </a:txBody>
+                  <a:tcPr marL="68580" marR="68580" marT="0" marB="0" anchor="b"/>
+                </a:tc>
+                <a:tc>
+                  <a:txBody>
+                    <a:bodyPr/>
+                    <a:lstStyle/>
+                    <a:p>
+                      <a:pPr>
+                        <a:lnSpc>
+                          <a:spcPct val="107000"/>
+                        </a:lnSpc>
+                        <a:spcAft>
+                          <a:spcPts val="800"/>
+                        </a:spcAft>
+                      </a:pPr>
+                      <a:r>
+                        <a:rPr lang="en-US" sz="1100" kern="100">
+                          <a:effectLst/>
+                        </a:rPr>
+                        <a:t>0.026057568</a:t>
+                      </a:r>
+                      <a:endParaRPr lang="en-IL" sz="1100" kern="100">
+                        <a:effectLst/>
+                        <a:latin typeface="Calibri" panose="020F0502020204030204" pitchFamily="34" charset="0"/>
+                        <a:ea typeface="Calibri" panose="020F0502020204030204" pitchFamily="34" charset="0"/>
+                        <a:cs typeface="Arial" panose="020B0604020202020204" pitchFamily="34" charset="0"/>
+                      </a:endParaRPr>
+                    </a:p>
+                  </a:txBody>
+                  <a:tcPr marL="68580" marR="68580" marT="0" marB="0" anchor="b"/>
+                </a:tc>
+                <a:tc>
+                  <a:txBody>
+                    <a:bodyPr/>
+                    <a:lstStyle/>
+                    <a:p>
+                      <a:pPr>
+                        <a:lnSpc>
+                          <a:spcPct val="107000"/>
+                        </a:lnSpc>
+                        <a:spcAft>
+                          <a:spcPts val="800"/>
+                        </a:spcAft>
+                      </a:pPr>
+                      <a:r>
+                        <a:rPr lang="en-US" sz="1100" kern="100">
+                          <a:effectLst/>
+                        </a:rPr>
+                        <a:t>0.222462893</a:t>
+                      </a:r>
+                      <a:endParaRPr lang="en-IL" sz="1100" kern="100">
+                        <a:effectLst/>
+                        <a:latin typeface="Calibri" panose="020F0502020204030204" pitchFamily="34" charset="0"/>
+                        <a:ea typeface="Calibri" panose="020F0502020204030204" pitchFamily="34" charset="0"/>
+                        <a:cs typeface="Arial" panose="020B0604020202020204" pitchFamily="34" charset="0"/>
+                      </a:endParaRPr>
+                    </a:p>
+                  </a:txBody>
+                  <a:tcPr marL="68580" marR="68580" marT="0" marB="0" anchor="b"/>
+                </a:tc>
+                <a:tc>
+                  <a:txBody>
+                    <a:bodyPr/>
+                    <a:lstStyle/>
+                    <a:p>
+                      <a:pPr>
+                        <a:lnSpc>
+                          <a:spcPct val="107000"/>
+                        </a:lnSpc>
+                        <a:spcAft>
+                          <a:spcPts val="800"/>
+                        </a:spcAft>
+                      </a:pPr>
+                      <a:r>
+                        <a:rPr lang="en-US" sz="1100" kern="100">
+                          <a:effectLst/>
+                        </a:rPr>
+                        <a:t>3019</a:t>
+                      </a:r>
+                      <a:endParaRPr lang="en-IL" sz="1100" kern="100">
+                        <a:effectLst/>
+                        <a:latin typeface="Calibri" panose="020F0502020204030204" pitchFamily="34" charset="0"/>
+                        <a:ea typeface="Calibri" panose="020F0502020204030204" pitchFamily="34" charset="0"/>
+                        <a:cs typeface="Arial" panose="020B0604020202020204" pitchFamily="34" charset="0"/>
+                      </a:endParaRPr>
+                    </a:p>
+                  </a:txBody>
+                  <a:tcPr marL="68580" marR="68580" marT="0" marB="0" anchor="b"/>
+                </a:tc>
+                <a:tc>
+                  <a:txBody>
+                    <a:bodyPr/>
+                    <a:lstStyle/>
+                    <a:p>
+                      <a:pPr>
+                        <a:lnSpc>
+                          <a:spcPct val="107000"/>
+                        </a:lnSpc>
+                        <a:spcAft>
+                          <a:spcPts val="800"/>
+                        </a:spcAft>
+                      </a:pPr>
+                      <a:r>
+                        <a:rPr lang="en-US" sz="1100" kern="100">
+                          <a:effectLst/>
+                        </a:rPr>
+                        <a:t>1902</a:t>
+                      </a:r>
+                      <a:endParaRPr lang="en-IL" sz="1100" kern="100">
+                        <a:effectLst/>
+                        <a:latin typeface="Calibri" panose="020F0502020204030204" pitchFamily="34" charset="0"/>
+                        <a:ea typeface="Calibri" panose="020F0502020204030204" pitchFamily="34" charset="0"/>
+                        <a:cs typeface="Arial" panose="020B0604020202020204" pitchFamily="34" charset="0"/>
+                      </a:endParaRPr>
+                    </a:p>
+                  </a:txBody>
+                  <a:tcPr marL="68580" marR="68580" marT="0" marB="0" anchor="b"/>
+                </a:tc>
+                <a:tc>
+                  <a:txBody>
+                    <a:bodyPr/>
+                    <a:lstStyle/>
+                    <a:p>
+                      <a:pPr>
+                        <a:lnSpc>
+                          <a:spcPct val="107000"/>
+                        </a:lnSpc>
+                        <a:spcAft>
+                          <a:spcPts val="800"/>
+                        </a:spcAft>
+                      </a:pPr>
+                      <a:r>
+                        <a:rPr lang="en-US" sz="1100" kern="100">
+                          <a:effectLst/>
+                        </a:rPr>
+                        <a:t>783</a:t>
+                      </a:r>
+                      <a:endParaRPr lang="en-IL" sz="1100" kern="100">
+                        <a:effectLst/>
+                        <a:latin typeface="Calibri" panose="020F0502020204030204" pitchFamily="34" charset="0"/>
+                        <a:ea typeface="Calibri" panose="020F0502020204030204" pitchFamily="34" charset="0"/>
+                        <a:cs typeface="Arial" panose="020B0604020202020204" pitchFamily="34" charset="0"/>
+                      </a:endParaRPr>
+                    </a:p>
+                  </a:txBody>
+                  <a:tcPr marL="68580" marR="68580" marT="0" marB="0" anchor="b"/>
+                </a:tc>
+                <a:extLst>
+                  <a:ext uri="{0D108BD9-81ED-4DB2-BD59-A6C34878D82A}">
+                    <a16:rowId xmlns:a16="http://schemas.microsoft.com/office/drawing/2014/main" val="3727473519"/>
+                  </a:ext>
+                </a:extLst>
+              </a:tr>
+              <a:tr h="0">
+                <a:tc>
+                  <a:txBody>
+                    <a:bodyPr/>
+                    <a:lstStyle/>
+                    <a:p>
+                      <a:pPr>
+                        <a:lnSpc>
+                          <a:spcPct val="107000"/>
+                        </a:lnSpc>
+                        <a:spcAft>
+                          <a:spcPts val="800"/>
+                        </a:spcAft>
+                      </a:pPr>
+                      <a:r>
+                        <a:rPr lang="en-US" sz="1100" kern="100">
+                          <a:effectLst/>
+                        </a:rPr>
+                        <a:t>SBO ANCAS</a:t>
+                      </a:r>
+                      <a:endParaRPr lang="en-IL" sz="1100" kern="100">
+                        <a:effectLst/>
+                        <a:latin typeface="Calibri" panose="020F0502020204030204" pitchFamily="34" charset="0"/>
+                        <a:ea typeface="Calibri" panose="020F0502020204030204" pitchFamily="34" charset="0"/>
+                        <a:cs typeface="Arial" panose="020B0604020202020204" pitchFamily="34" charset="0"/>
+                      </a:endParaRPr>
+                    </a:p>
+                  </a:txBody>
+                  <a:tcPr marL="68580" marR="68580" marT="0" marB="0" anchor="b"/>
+                </a:tc>
+                <a:tc>
+                  <a:txBody>
+                    <a:bodyPr/>
+                    <a:lstStyle/>
+                    <a:p>
+                      <a:pPr>
+                        <a:lnSpc>
+                          <a:spcPct val="107000"/>
+                        </a:lnSpc>
+                        <a:spcAft>
+                          <a:spcPts val="800"/>
+                        </a:spcAft>
+                      </a:pPr>
+                      <a:r>
+                        <a:rPr lang="en-US" sz="1100" kern="100">
+                          <a:effectLst/>
+                        </a:rPr>
+                        <a:t>0.159591541</a:t>
+                      </a:r>
+                      <a:endParaRPr lang="en-IL" sz="1100" kern="100">
+                        <a:effectLst/>
+                        <a:latin typeface="Calibri" panose="020F0502020204030204" pitchFamily="34" charset="0"/>
+                        <a:ea typeface="Calibri" panose="020F0502020204030204" pitchFamily="34" charset="0"/>
+                        <a:cs typeface="Arial" panose="020B0604020202020204" pitchFamily="34" charset="0"/>
+                      </a:endParaRPr>
+                    </a:p>
+                  </a:txBody>
+                  <a:tcPr marL="68580" marR="68580" marT="0" marB="0" anchor="b"/>
+                </a:tc>
+                <a:tc>
+                  <a:txBody>
+                    <a:bodyPr/>
+                    <a:lstStyle/>
+                    <a:p>
+                      <a:pPr>
+                        <a:lnSpc>
+                          <a:spcPct val="107000"/>
+                        </a:lnSpc>
+                        <a:spcAft>
+                          <a:spcPts val="800"/>
+                        </a:spcAft>
+                      </a:pPr>
+                      <a:r>
+                        <a:rPr lang="en-US" sz="1100" kern="100">
+                          <a:effectLst/>
+                        </a:rPr>
+                        <a:t>0.007744792</a:t>
+                      </a:r>
+                      <a:endParaRPr lang="en-IL" sz="1100" kern="100">
+                        <a:effectLst/>
+                        <a:latin typeface="Calibri" panose="020F0502020204030204" pitchFamily="34" charset="0"/>
+                        <a:ea typeface="Calibri" panose="020F0502020204030204" pitchFamily="34" charset="0"/>
+                        <a:cs typeface="Arial" panose="020B0604020202020204" pitchFamily="34" charset="0"/>
+                      </a:endParaRPr>
+                    </a:p>
+                  </a:txBody>
+                  <a:tcPr marL="68580" marR="68580" marT="0" marB="0" anchor="b"/>
+                </a:tc>
+                <a:tc>
+                  <a:txBody>
+                    <a:bodyPr/>
+                    <a:lstStyle/>
+                    <a:p>
+                      <a:pPr>
+                        <a:lnSpc>
+                          <a:spcPct val="107000"/>
+                        </a:lnSpc>
+                        <a:spcAft>
+                          <a:spcPts val="800"/>
+                        </a:spcAft>
+                      </a:pPr>
+                      <a:r>
+                        <a:rPr lang="en-US" sz="1100" kern="100">
+                          <a:effectLst/>
+                        </a:rPr>
+                        <a:t>3019</a:t>
+                      </a:r>
+                      <a:endParaRPr lang="en-IL" sz="1100" kern="100">
+                        <a:effectLst/>
+                        <a:latin typeface="Calibri" panose="020F0502020204030204" pitchFamily="34" charset="0"/>
+                        <a:ea typeface="Calibri" panose="020F0502020204030204" pitchFamily="34" charset="0"/>
+                        <a:cs typeface="Arial" panose="020B0604020202020204" pitchFamily="34" charset="0"/>
+                      </a:endParaRPr>
+                    </a:p>
+                  </a:txBody>
+                  <a:tcPr marL="68580" marR="68580" marT="0" marB="0" anchor="b"/>
+                </a:tc>
+                <a:tc>
+                  <a:txBody>
+                    <a:bodyPr/>
+                    <a:lstStyle/>
+                    <a:p>
+                      <a:pPr>
+                        <a:lnSpc>
+                          <a:spcPct val="107000"/>
+                        </a:lnSpc>
+                        <a:spcAft>
+                          <a:spcPts val="800"/>
+                        </a:spcAft>
+                      </a:pPr>
+                      <a:r>
+                        <a:rPr lang="en-US" sz="1100" kern="100">
+                          <a:effectLst/>
+                        </a:rPr>
+                        <a:t>91</a:t>
+                      </a:r>
+                      <a:endParaRPr lang="en-IL" sz="1100" kern="100">
+                        <a:effectLst/>
+                        <a:latin typeface="Calibri" panose="020F0502020204030204" pitchFamily="34" charset="0"/>
+                        <a:ea typeface="Calibri" panose="020F0502020204030204" pitchFamily="34" charset="0"/>
+                        <a:cs typeface="Arial" panose="020B0604020202020204" pitchFamily="34" charset="0"/>
+                      </a:endParaRPr>
+                    </a:p>
+                  </a:txBody>
+                  <a:tcPr marL="68580" marR="68580" marT="0" marB="0" anchor="b"/>
+                </a:tc>
+                <a:tc>
+                  <a:txBody>
+                    <a:bodyPr/>
+                    <a:lstStyle/>
+                    <a:p>
+                      <a:pPr>
+                        <a:lnSpc>
+                          <a:spcPct val="107000"/>
+                        </a:lnSpc>
+                        <a:spcAft>
+                          <a:spcPts val="800"/>
+                        </a:spcAft>
+                      </a:pPr>
+                      <a:r>
+                        <a:rPr lang="en-US" sz="1100" kern="100">
+                          <a:effectLst/>
+                        </a:rPr>
+                        <a:t>8</a:t>
+                      </a:r>
+                      <a:endParaRPr lang="en-IL" sz="1100" kern="100">
+                        <a:effectLst/>
+                        <a:latin typeface="Calibri" panose="020F0502020204030204" pitchFamily="34" charset="0"/>
+                        <a:ea typeface="Calibri" panose="020F0502020204030204" pitchFamily="34" charset="0"/>
+                        <a:cs typeface="Arial" panose="020B0604020202020204" pitchFamily="34" charset="0"/>
+                      </a:endParaRPr>
+                    </a:p>
+                  </a:txBody>
+                  <a:tcPr marL="68580" marR="68580" marT="0" marB="0" anchor="b"/>
+                </a:tc>
+                <a:extLst>
+                  <a:ext uri="{0D108BD9-81ED-4DB2-BD59-A6C34878D82A}">
+                    <a16:rowId xmlns:a16="http://schemas.microsoft.com/office/drawing/2014/main" val="4079082776"/>
+                  </a:ext>
+                </a:extLst>
+              </a:tr>
+              <a:tr h="0">
+                <a:tc>
+                  <a:txBody>
+                    <a:bodyPr/>
+                    <a:lstStyle/>
+                    <a:p>
+                      <a:pPr>
+                        <a:lnSpc>
+                          <a:spcPct val="107000"/>
+                        </a:lnSpc>
+                        <a:spcAft>
+                          <a:spcPts val="800"/>
+                        </a:spcAft>
+                      </a:pPr>
+                      <a:r>
+                        <a:rPr lang="en-US" sz="1100" kern="100">
+                          <a:effectLst/>
+                        </a:rPr>
+                        <a:t>CATCH</a:t>
+                      </a:r>
+                      <a:endParaRPr lang="en-IL" sz="1100" kern="100">
+                        <a:effectLst/>
+                        <a:latin typeface="Calibri" panose="020F0502020204030204" pitchFamily="34" charset="0"/>
+                        <a:ea typeface="Calibri" panose="020F0502020204030204" pitchFamily="34" charset="0"/>
+                        <a:cs typeface="Arial" panose="020B0604020202020204" pitchFamily="34" charset="0"/>
+                      </a:endParaRPr>
+                    </a:p>
+                  </a:txBody>
+                  <a:tcPr marL="68580" marR="68580" marT="0" marB="0" anchor="b"/>
+                </a:tc>
+                <a:tc>
+                  <a:txBody>
+                    <a:bodyPr/>
+                    <a:lstStyle/>
+                    <a:p>
+                      <a:pPr>
+                        <a:lnSpc>
+                          <a:spcPct val="107000"/>
+                        </a:lnSpc>
+                        <a:spcAft>
+                          <a:spcPts val="800"/>
+                        </a:spcAft>
+                      </a:pPr>
+                      <a:r>
+                        <a:rPr lang="en-US" sz="1100" kern="100">
+                          <a:effectLst/>
+                        </a:rPr>
+                        <a:t>0.663982872</a:t>
+                      </a:r>
+                      <a:endParaRPr lang="en-IL" sz="1100" kern="100">
+                        <a:effectLst/>
+                        <a:latin typeface="Calibri" panose="020F0502020204030204" pitchFamily="34" charset="0"/>
+                        <a:ea typeface="Calibri" panose="020F0502020204030204" pitchFamily="34" charset="0"/>
+                        <a:cs typeface="Arial" panose="020B0604020202020204" pitchFamily="34" charset="0"/>
+                      </a:endParaRPr>
+                    </a:p>
+                  </a:txBody>
+                  <a:tcPr marL="68580" marR="68580" marT="0" marB="0" anchor="b"/>
+                </a:tc>
+                <a:tc>
+                  <a:txBody>
+                    <a:bodyPr/>
+                    <a:lstStyle/>
+                    <a:p>
+                      <a:pPr>
+                        <a:lnSpc>
+                          <a:spcPct val="107000"/>
+                        </a:lnSpc>
+                        <a:spcAft>
+                          <a:spcPts val="800"/>
+                        </a:spcAft>
+                      </a:pPr>
+                      <a:r>
+                        <a:rPr lang="en-US" sz="1100" kern="100">
+                          <a:effectLst/>
+                        </a:rPr>
+                        <a:t>0.022729184</a:t>
+                      </a:r>
+                      <a:endParaRPr lang="en-IL" sz="1100" kern="100">
+                        <a:effectLst/>
+                        <a:latin typeface="Calibri" panose="020F0502020204030204" pitchFamily="34" charset="0"/>
+                        <a:ea typeface="Calibri" panose="020F0502020204030204" pitchFamily="34" charset="0"/>
+                        <a:cs typeface="Arial" panose="020B0604020202020204" pitchFamily="34" charset="0"/>
+                      </a:endParaRPr>
+                    </a:p>
+                  </a:txBody>
+                  <a:tcPr marL="68580" marR="68580" marT="0" marB="0" anchor="b"/>
+                </a:tc>
+                <a:tc>
+                  <a:txBody>
+                    <a:bodyPr/>
+                    <a:lstStyle/>
+                    <a:p>
+                      <a:pPr>
+                        <a:lnSpc>
+                          <a:spcPct val="107000"/>
+                        </a:lnSpc>
+                        <a:spcAft>
+                          <a:spcPts val="800"/>
+                        </a:spcAft>
+                      </a:pPr>
+                      <a:r>
+                        <a:rPr lang="en-US" sz="1100" kern="100">
+                          <a:effectLst/>
+                        </a:rPr>
+                        <a:t>3019</a:t>
+                      </a:r>
+                      <a:endParaRPr lang="en-IL" sz="1100" kern="100">
+                        <a:effectLst/>
+                        <a:latin typeface="Calibri" panose="020F0502020204030204" pitchFamily="34" charset="0"/>
+                        <a:ea typeface="Calibri" panose="020F0502020204030204" pitchFamily="34" charset="0"/>
+                        <a:cs typeface="Arial" panose="020B0604020202020204" pitchFamily="34" charset="0"/>
+                      </a:endParaRPr>
+                    </a:p>
+                  </a:txBody>
+                  <a:tcPr marL="68580" marR="68580" marT="0" marB="0" anchor="b"/>
+                </a:tc>
+                <a:tc>
+                  <a:txBody>
+                    <a:bodyPr/>
+                    <a:lstStyle/>
+                    <a:p>
+                      <a:pPr>
+                        <a:lnSpc>
+                          <a:spcPct val="107000"/>
+                        </a:lnSpc>
+                        <a:spcAft>
+                          <a:spcPts val="800"/>
+                        </a:spcAft>
+                      </a:pPr>
+                      <a:r>
+                        <a:rPr lang="en-US" sz="1100" kern="100">
+                          <a:effectLst/>
+                        </a:rPr>
+                        <a:t>41</a:t>
+                      </a:r>
+                      <a:endParaRPr lang="en-IL" sz="1100" kern="100">
+                        <a:effectLst/>
+                        <a:latin typeface="Calibri" panose="020F0502020204030204" pitchFamily="34" charset="0"/>
+                        <a:ea typeface="Calibri" panose="020F0502020204030204" pitchFamily="34" charset="0"/>
+                        <a:cs typeface="Arial" panose="020B0604020202020204" pitchFamily="34" charset="0"/>
+                      </a:endParaRPr>
+                    </a:p>
+                  </a:txBody>
+                  <a:tcPr marL="68580" marR="68580" marT="0" marB="0" anchor="b"/>
+                </a:tc>
+                <a:tc>
+                  <a:txBody>
+                    <a:bodyPr/>
+                    <a:lstStyle/>
+                    <a:p>
+                      <a:pPr>
+                        <a:lnSpc>
+                          <a:spcPct val="107000"/>
+                        </a:lnSpc>
+                        <a:spcAft>
+                          <a:spcPts val="800"/>
+                        </a:spcAft>
+                      </a:pPr>
+                      <a:r>
+                        <a:rPr lang="en-US" sz="1100" kern="100" dirty="0">
+                          <a:effectLst/>
+                        </a:rPr>
+                        <a:t>12</a:t>
+                      </a:r>
+                      <a:endParaRPr lang="en-IL" sz="1100" kern="100" dirty="0">
+                        <a:effectLst/>
+                        <a:latin typeface="Calibri" panose="020F0502020204030204" pitchFamily="34" charset="0"/>
+                        <a:ea typeface="Calibri" panose="020F0502020204030204" pitchFamily="34" charset="0"/>
+                        <a:cs typeface="Arial" panose="020B0604020202020204" pitchFamily="34" charset="0"/>
+                      </a:endParaRPr>
+                    </a:p>
+                  </a:txBody>
+                  <a:tcPr marL="68580" marR="68580" marT="0" marB="0" anchor="b"/>
+                </a:tc>
+                <a:extLst>
+                  <a:ext uri="{0D108BD9-81ED-4DB2-BD59-A6C34878D82A}">
+                    <a16:rowId xmlns:a16="http://schemas.microsoft.com/office/drawing/2014/main" val="3958330407"/>
+                  </a:ext>
+                </a:extLst>
+              </a:tr>
+            </a:tbl>
+          </a:graphicData>
+        </a:graphic>
+      </p:graphicFrame>
+      <p:sp>
+        <p:nvSpPr>
+          <p:cNvPr id="9" name="Slide Number Placeholder 8">
+            <a:extLst>
+              <a:ext uri="{FF2B5EF4-FFF2-40B4-BE49-F238E27FC236}">
+                <a16:creationId xmlns:a16="http://schemas.microsoft.com/office/drawing/2014/main" id="{3FDBCB27-24CE-2C9E-4309-183220AA5A73}"/>
+              </a:ext>
+            </a:extLst>
+          </p:cNvPr>
+          <p:cNvSpPr>
+            <a:spLocks noGrp="1"/>
+          </p:cNvSpPr>
+          <p:nvPr>
+            <p:ph type="sldNum" sz="quarter" idx="12"/>
+          </p:nvPr>
+        </p:nvSpPr>
+        <p:spPr/>
+        <p:txBody>
+          <a:bodyPr/>
+          <a:lstStyle/>
+          <a:p>
+            <a:fld id="{330EA680-D336-4FF7-8B7A-9848BB0A1C32}" type="slidenum">
+              <a:rPr lang="en-US" smtClean="0"/>
+              <a:t>18</a:t>
+            </a:fld>
+            <a:endParaRPr lang="en-US"/>
+          </a:p>
+        </p:txBody>
+      </p:sp>
     </p:spTree>
     <p:extLst>
       <p:ext uri="{BB962C8B-B14F-4D97-AF65-F5344CB8AC3E}">
-        <p14:creationId xmlns:p14="http://schemas.microsoft.com/office/powerpoint/2010/main" val="461357616"/>
+        <p14:creationId xmlns:p14="http://schemas.microsoft.com/office/powerpoint/2010/main" val="1585633603"/>
       </p:ext>
     </p:extLst>
   </p:cSld>
@@ -8694,7 +10700,7 @@
         <p:spPr>
           <a:xfrm>
             <a:off x="3329286" y="1859603"/>
-            <a:ext cx="5755004" cy="331148"/>
+            <a:ext cx="5533428" cy="331148"/>
           </a:xfrm>
         </p:spPr>
         <p:txBody>
@@ -8708,7 +10714,7 @@
             </a:pPr>
             <a:r>
               <a:rPr lang="en-US" b="1" dirty="0"/>
-              <a:t>Constant number of points – changing time interval</a:t>
+              <a:t>Constant time interval- changing number of points</a:t>
             </a:r>
           </a:p>
           <a:p>
@@ -8721,10 +10727,10 @@
       </p:sp>
       <p:pic>
         <p:nvPicPr>
-          <p:cNvPr id="7" name="Picture 6">
+          <p:cNvPr id="3" name="Picture 2">
             <a:extLst>
               <a:ext uri="{FF2B5EF4-FFF2-40B4-BE49-F238E27FC236}">
-                <a16:creationId xmlns:a16="http://schemas.microsoft.com/office/drawing/2014/main" id="{8B87C5EE-CE0F-946A-8309-829133102D1B}"/>
+                <a16:creationId xmlns:a16="http://schemas.microsoft.com/office/drawing/2014/main" id="{3AB93160-46AA-8DE4-807B-12D459EC6DA1}"/>
               </a:ext>
             </a:extLst>
           </p:cNvPr>
@@ -8741,8 +10747,8 @@
         </p:blipFill>
         <p:spPr>
           <a:xfrm>
-            <a:off x="194443" y="2254251"/>
-            <a:ext cx="5731510" cy="3025140"/>
+            <a:off x="260799" y="2336959"/>
+            <a:ext cx="5755005" cy="3518931"/>
           </a:xfrm>
           <a:prstGeom prst="rect">
             <a:avLst/>
@@ -8756,10 +10762,10 @@
       </p:pic>
       <p:pic>
         <p:nvPicPr>
-          <p:cNvPr id="8" name="Picture 7">
+          <p:cNvPr id="6" name="Picture 5">
             <a:extLst>
               <a:ext uri="{FF2B5EF4-FFF2-40B4-BE49-F238E27FC236}">
-                <a16:creationId xmlns:a16="http://schemas.microsoft.com/office/drawing/2014/main" id="{258DF2E9-C8B3-FB4D-6EE6-079CD1D3AE3E}"/>
+                <a16:creationId xmlns:a16="http://schemas.microsoft.com/office/drawing/2014/main" id="{7707B54C-2775-98A8-0F10-95956DF3FEB7}"/>
               </a:ext>
             </a:extLst>
           </p:cNvPr>
@@ -8776,8 +10782,8 @@
         </p:blipFill>
         <p:spPr>
           <a:xfrm>
-            <a:off x="6266049" y="3703321"/>
-            <a:ext cx="5731510" cy="2937510"/>
+            <a:off x="6233798" y="2907784"/>
+            <a:ext cx="5758133" cy="3518931"/>
           </a:xfrm>
           <a:prstGeom prst="rect">
             <a:avLst/>
@@ -8789,10 +10795,39 @@
           </a:ln>
         </p:spPr>
       </p:pic>
+      <p:sp>
+        <p:nvSpPr>
+          <p:cNvPr id="8" name="Slide Number Placeholder 7">
+            <a:extLst>
+              <a:ext uri="{FF2B5EF4-FFF2-40B4-BE49-F238E27FC236}">
+                <a16:creationId xmlns:a16="http://schemas.microsoft.com/office/drawing/2014/main" id="{3C6B4454-9646-4C6B-2480-CFC3B926AB2C}"/>
+              </a:ext>
+            </a:extLst>
+          </p:cNvPr>
+          <p:cNvSpPr>
+            <a:spLocks noGrp="1"/>
+          </p:cNvSpPr>
+          <p:nvPr>
+            <p:ph type="sldNum" sz="quarter" idx="12"/>
+          </p:nvPr>
+        </p:nvSpPr>
+        <p:spPr/>
+        <p:txBody>
+          <a:bodyPr/>
+          <a:lstStyle/>
+          <a:p>
+            <a:fld id="{330EA680-D336-4FF7-8B7A-9848BB0A1C32}" type="slidenum">
+              <a:rPr lang="en-US" smtClean="0"/>
+              <a:t>19</a:t>
+            </a:fld>
+            <a:endParaRPr lang="en-US"/>
+          </a:p>
+        </p:txBody>
+      </p:sp>
     </p:spTree>
     <p:extLst>
       <p:ext uri="{BB962C8B-B14F-4D97-AF65-F5344CB8AC3E}">
-        <p14:creationId xmlns:p14="http://schemas.microsoft.com/office/powerpoint/2010/main" val="2069581842"/>
+        <p14:creationId xmlns:p14="http://schemas.microsoft.com/office/powerpoint/2010/main" val="461357616"/>
       </p:ext>
     </p:extLst>
   </p:cSld>
@@ -8902,12 +10937,12 @@
         <p:spPr>
           <a:xfrm>
             <a:off x="838200" y="2347993"/>
-            <a:ext cx="5088718" cy="1595357"/>
+            <a:ext cx="5088718" cy="2376262"/>
           </a:xfrm>
         </p:spPr>
         <p:txBody>
           <a:bodyPr>
-            <a:normAutofit fontScale="85000" lnSpcReduction="10000"/>
+            <a:normAutofit fontScale="77500" lnSpcReduction="20000"/>
           </a:bodyPr>
           <a:lstStyle/>
           <a:p>
@@ -8933,7 +10968,10 @@
           </a:p>
           <a:p>
             <a:pPr algn="l" rtl="0"/>
-            <a:endParaRPr lang="en-US" sz="4000" dirty="0"/>
+            <a:r>
+              <a:rPr lang="en-US" sz="4000" dirty="0"/>
+              <a:t>Implementing on a satellite on-board computer</a:t>
+            </a:r>
           </a:p>
           <a:p>
             <a:pPr algn="l" rtl="0"/>
@@ -9144,6 +11182,35 @@
               <a:t>Uncategorized[pink]</a:t>
             </a:r>
             <a:endParaRPr lang="en-IL" sz="1200"/>
+          </a:p>
+        </p:txBody>
+      </p:sp>
+      <p:sp>
+        <p:nvSpPr>
+          <p:cNvPr id="8" name="Slide Number Placeholder 7">
+            <a:extLst>
+              <a:ext uri="{FF2B5EF4-FFF2-40B4-BE49-F238E27FC236}">
+                <a16:creationId xmlns:a16="http://schemas.microsoft.com/office/drawing/2014/main" id="{59587C29-F7D2-9375-D50C-80170A4ACABA}"/>
+              </a:ext>
+            </a:extLst>
+          </p:cNvPr>
+          <p:cNvSpPr>
+            <a:spLocks noGrp="1"/>
+          </p:cNvSpPr>
+          <p:nvPr>
+            <p:ph type="sldNum" sz="quarter" idx="12"/>
+          </p:nvPr>
+        </p:nvSpPr>
+        <p:spPr/>
+        <p:txBody>
+          <a:bodyPr/>
+          <a:lstStyle/>
+          <a:p>
+            <a:fld id="{330EA680-D336-4FF7-8B7A-9848BB0A1C32}" type="slidenum">
+              <a:rPr lang="en-US" smtClean="0"/>
+              <a:t>2</a:t>
+            </a:fld>
+            <a:endParaRPr lang="en-US"/>
           </a:p>
         </p:txBody>
       </p:sp>
@@ -9177,109 +11244,12 @@
           <a:chExt cx="0" cy="0"/>
         </a:xfrm>
       </p:grpSpPr>
-      <p:sp>
-        <p:nvSpPr>
-          <p:cNvPr id="2" name="Title 1">
-            <a:extLst>
-              <a:ext uri="{FF2B5EF4-FFF2-40B4-BE49-F238E27FC236}">
-                <a16:creationId xmlns:a16="http://schemas.microsoft.com/office/drawing/2014/main" id="{41AB2D49-F50E-8EEB-6710-E0DF26E907C5}"/>
-              </a:ext>
-            </a:extLst>
-          </p:cNvPr>
-          <p:cNvSpPr>
-            <a:spLocks noGrp="1"/>
-          </p:cNvSpPr>
-          <p:nvPr>
-            <p:ph type="title"/>
-          </p:nvPr>
-        </p:nvSpPr>
-        <p:spPr>
-          <a:xfrm>
-            <a:off x="838200" y="681037"/>
-            <a:ext cx="10515600" cy="1325563"/>
-          </a:xfrm>
-        </p:spPr>
-        <p:txBody>
-          <a:bodyPr/>
-          <a:lstStyle/>
-          <a:p>
-            <a:r>
-              <a:rPr lang="en-US" sz="4800" b="1" dirty="0">
-                <a:solidFill>
-                  <a:srgbClr val="4472C4"/>
-                </a:solidFill>
-                <a:latin typeface="Calibri Light" panose="020F0302020204030204" pitchFamily="34" charset="0"/>
-                <a:ea typeface="Yu Gothic Light" panose="020B0300000000000000" pitchFamily="34" charset="-128"/>
-                <a:cs typeface="Calibri Light" panose="020F0302020204030204" pitchFamily="34" charset="0"/>
-              </a:rPr>
-              <a:t>Challenges</a:t>
-            </a:r>
-          </a:p>
-        </p:txBody>
-      </p:sp>
-      <p:sp>
-        <p:nvSpPr>
-          <p:cNvPr id="3" name="Content Placeholder 2">
-            <a:extLst>
-              <a:ext uri="{FF2B5EF4-FFF2-40B4-BE49-F238E27FC236}">
-                <a16:creationId xmlns:a16="http://schemas.microsoft.com/office/drawing/2014/main" id="{CF2E9D14-BFF1-9DBB-208B-8204E9316E3C}"/>
-              </a:ext>
-            </a:extLst>
-          </p:cNvPr>
-          <p:cNvSpPr>
-            <a:spLocks noGrp="1"/>
-          </p:cNvSpPr>
-          <p:nvPr>
-            <p:ph idx="1"/>
-          </p:nvPr>
-        </p:nvSpPr>
-        <p:spPr>
-          <a:xfrm>
-            <a:off x="838200" y="2141739"/>
-            <a:ext cx="7118764" cy="3606437"/>
-          </a:xfrm>
-        </p:spPr>
-        <p:txBody>
-          <a:bodyPr/>
-          <a:lstStyle/>
-          <a:p>
-            <a:pPr algn="l" rtl="0"/>
-            <a:r>
-              <a:rPr lang="en-US" dirty="0"/>
-              <a:t>Developing for unknown / multiple systems</a:t>
-            </a:r>
-          </a:p>
-          <a:p>
-            <a:pPr marL="0" indent="0" algn="l" rtl="0">
-              <a:buNone/>
-            </a:pPr>
-            <a:endParaRPr lang="en-US" dirty="0"/>
-          </a:p>
-          <a:p>
-            <a:pPr algn="l" rtl="0"/>
-            <a:r>
-              <a:rPr lang="en-US" dirty="0"/>
-              <a:t>Testing and debugging</a:t>
-            </a:r>
-          </a:p>
-          <a:p>
-            <a:pPr marL="0" indent="0" algn="l" rtl="0">
-              <a:buNone/>
-            </a:pPr>
-            <a:endParaRPr lang="en-US" dirty="0"/>
-          </a:p>
-          <a:p>
-            <a:pPr algn="l" rtl="0"/>
-            <a:endParaRPr lang="en-US" dirty="0"/>
-          </a:p>
-        </p:txBody>
-      </p:sp>
       <p:pic>
         <p:nvPicPr>
-          <p:cNvPr id="5" name="Picture 4">
+          <p:cNvPr id="4" name="Picture 3">
             <a:extLst>
               <a:ext uri="{FF2B5EF4-FFF2-40B4-BE49-F238E27FC236}">
-                <a16:creationId xmlns:a16="http://schemas.microsoft.com/office/drawing/2014/main" id="{9C6E96E8-3AAB-3374-7083-96E56A743931}"/>
+                <a16:creationId xmlns:a16="http://schemas.microsoft.com/office/drawing/2014/main" id="{CD463AA5-BB4A-5CA4-9DDB-51892E895E20}"/>
               </a:ext>
             </a:extLst>
           </p:cNvPr>
@@ -9310,10 +11280,222 @@
           </a:prstGeom>
         </p:spPr>
       </p:pic>
+      <p:sp>
+        <p:nvSpPr>
+          <p:cNvPr id="5" name="כותרת 1">
+            <a:extLst>
+              <a:ext uri="{FF2B5EF4-FFF2-40B4-BE49-F238E27FC236}">
+                <a16:creationId xmlns:a16="http://schemas.microsoft.com/office/drawing/2014/main" id="{5305374F-86B0-0266-78AD-EF79F1485C24}"/>
+              </a:ext>
+            </a:extLst>
+          </p:cNvPr>
+          <p:cNvSpPr txBox="1">
+            <a:spLocks/>
+          </p:cNvSpPr>
+          <p:nvPr/>
+        </p:nvSpPr>
+        <p:spPr>
+          <a:xfrm>
+            <a:off x="838200" y="808183"/>
+            <a:ext cx="10515600" cy="1325563"/>
+          </a:xfrm>
+          <a:prstGeom prst="rect">
+            <a:avLst/>
+          </a:prstGeom>
+        </p:spPr>
+        <p:txBody>
+          <a:bodyPr vert="horz" lIns="91440" tIns="45720" rIns="91440" bIns="45720" rtlCol="0" anchor="ctr">
+            <a:normAutofit/>
+          </a:bodyPr>
+          <a:lstStyle>
+            <a:lvl1pPr algn="l" defTabSz="914400" rtl="0" eaLnBrk="1" latinLnBrk="0" hangingPunct="1">
+              <a:lnSpc>
+                <a:spcPct val="90000"/>
+              </a:lnSpc>
+              <a:spcBef>
+                <a:spcPct val="0"/>
+              </a:spcBef>
+              <a:buNone/>
+              <a:defRPr sz="4400" kern="1200">
+                <a:solidFill>
+                  <a:schemeClr val="tx1"/>
+                </a:solidFill>
+                <a:latin typeface="+mj-lt"/>
+                <a:ea typeface="+mj-ea"/>
+                <a:cs typeface="+mj-cs"/>
+              </a:defRPr>
+            </a:lvl1pPr>
+          </a:lstStyle>
+          <a:p>
+            <a:r>
+              <a:rPr lang="en-US" sz="4800" b="1" dirty="0">
+                <a:solidFill>
+                  <a:srgbClr val="4472C4"/>
+                </a:solidFill>
+                <a:latin typeface="Calibri Light" panose="020F0302020204030204" pitchFamily="34" charset="0"/>
+                <a:ea typeface="Yu Gothic Light" panose="020B0300000000000000" pitchFamily="34" charset="-128"/>
+                <a:cs typeface="Calibri Light" panose="020F0302020204030204" pitchFamily="34" charset="0"/>
+              </a:rPr>
+              <a:t>Feasibility testing – correlations</a:t>
+            </a:r>
+            <a:endParaRPr lang="he-IL" sz="4800" b="1" dirty="0">
+              <a:solidFill>
+                <a:srgbClr val="4472C4"/>
+              </a:solidFill>
+              <a:latin typeface="Calibri Light" panose="020F0302020204030204" pitchFamily="34" charset="0"/>
+              <a:ea typeface="Yu Gothic Light" panose="020B0300000000000000" pitchFamily="34" charset="-128"/>
+              <a:cs typeface="Calibri Light" panose="020F0302020204030204" pitchFamily="34" charset="0"/>
+            </a:endParaRPr>
+          </a:p>
+        </p:txBody>
+      </p:sp>
+      <p:sp>
+        <p:nvSpPr>
+          <p:cNvPr id="2" name="Content Placeholder 2">
+            <a:extLst>
+              <a:ext uri="{FF2B5EF4-FFF2-40B4-BE49-F238E27FC236}">
+                <a16:creationId xmlns:a16="http://schemas.microsoft.com/office/drawing/2014/main" id="{84FF58C7-7240-9FF6-5334-26AD93FF7968}"/>
+              </a:ext>
+            </a:extLst>
+          </p:cNvPr>
+          <p:cNvSpPr>
+            <a:spLocks noGrp="1"/>
+          </p:cNvSpPr>
+          <p:nvPr>
+            <p:ph idx="1"/>
+          </p:nvPr>
+        </p:nvSpPr>
+        <p:spPr>
+          <a:xfrm>
+            <a:off x="3329286" y="1859603"/>
+            <a:ext cx="5755004" cy="331148"/>
+          </a:xfrm>
+        </p:spPr>
+        <p:txBody>
+          <a:bodyPr>
+            <a:normAutofit fontScale="70000" lnSpcReduction="20000"/>
+          </a:bodyPr>
+          <a:lstStyle/>
+          <a:p>
+            <a:pPr marL="0" indent="0" algn="l" rtl="0">
+              <a:buNone/>
+            </a:pPr>
+            <a:r>
+              <a:rPr lang="en-US" b="1" dirty="0"/>
+              <a:t>Constant number of points – changing time interval</a:t>
+            </a:r>
+          </a:p>
+          <a:p>
+            <a:pPr marL="0" indent="0" algn="l" rtl="0">
+              <a:buNone/>
+            </a:pPr>
+            <a:endParaRPr lang="en-US" dirty="0"/>
+          </a:p>
+        </p:txBody>
+      </p:sp>
+      <p:pic>
+        <p:nvPicPr>
+          <p:cNvPr id="7" name="Picture 6">
+            <a:extLst>
+              <a:ext uri="{FF2B5EF4-FFF2-40B4-BE49-F238E27FC236}">
+                <a16:creationId xmlns:a16="http://schemas.microsoft.com/office/drawing/2014/main" id="{8B87C5EE-CE0F-946A-8309-829133102D1B}"/>
+              </a:ext>
+            </a:extLst>
+          </p:cNvPr>
+          <p:cNvPicPr>
+            <a:picLocks noChangeAspect="1"/>
+          </p:cNvPicPr>
+          <p:nvPr/>
+        </p:nvPicPr>
+        <p:blipFill>
+          <a:blip r:embed="rId4"/>
+          <a:stretch>
+            <a:fillRect/>
+          </a:stretch>
+        </p:blipFill>
+        <p:spPr>
+          <a:xfrm>
+            <a:off x="194443" y="2254251"/>
+            <a:ext cx="5731510" cy="3025140"/>
+          </a:xfrm>
+          <a:prstGeom prst="rect">
+            <a:avLst/>
+          </a:prstGeom>
+          <a:ln>
+            <a:solidFill>
+              <a:schemeClr val="tx1"/>
+            </a:solidFill>
+          </a:ln>
+        </p:spPr>
+      </p:pic>
+      <p:pic>
+        <p:nvPicPr>
+          <p:cNvPr id="8" name="Picture 7">
+            <a:extLst>
+              <a:ext uri="{FF2B5EF4-FFF2-40B4-BE49-F238E27FC236}">
+                <a16:creationId xmlns:a16="http://schemas.microsoft.com/office/drawing/2014/main" id="{258DF2E9-C8B3-FB4D-6EE6-079CD1D3AE3E}"/>
+              </a:ext>
+            </a:extLst>
+          </p:cNvPr>
+          <p:cNvPicPr>
+            <a:picLocks noChangeAspect="1"/>
+          </p:cNvPicPr>
+          <p:nvPr/>
+        </p:nvPicPr>
+        <p:blipFill>
+          <a:blip r:embed="rId5"/>
+          <a:stretch>
+            <a:fillRect/>
+          </a:stretch>
+        </p:blipFill>
+        <p:spPr>
+          <a:xfrm>
+            <a:off x="6266049" y="3703321"/>
+            <a:ext cx="5731510" cy="2937510"/>
+          </a:xfrm>
+          <a:prstGeom prst="rect">
+            <a:avLst/>
+          </a:prstGeom>
+          <a:ln>
+            <a:solidFill>
+              <a:schemeClr val="tx1"/>
+            </a:solidFill>
+          </a:ln>
+        </p:spPr>
+      </p:pic>
+      <p:sp>
+        <p:nvSpPr>
+          <p:cNvPr id="9" name="Slide Number Placeholder 8">
+            <a:extLst>
+              <a:ext uri="{FF2B5EF4-FFF2-40B4-BE49-F238E27FC236}">
+                <a16:creationId xmlns:a16="http://schemas.microsoft.com/office/drawing/2014/main" id="{17ABF628-9019-3D1B-B9B8-4F5F561F505C}"/>
+              </a:ext>
+            </a:extLst>
+          </p:cNvPr>
+          <p:cNvSpPr>
+            <a:spLocks noGrp="1"/>
+          </p:cNvSpPr>
+          <p:nvPr>
+            <p:ph type="sldNum" sz="quarter" idx="12"/>
+          </p:nvPr>
+        </p:nvSpPr>
+        <p:spPr/>
+        <p:txBody>
+          <a:bodyPr/>
+          <a:lstStyle/>
+          <a:p>
+            <a:fld id="{330EA680-D336-4FF7-8B7A-9848BB0A1C32}" type="slidenum">
+              <a:rPr lang="en-US" smtClean="0"/>
+              <a:t>20</a:t>
+            </a:fld>
+            <a:endParaRPr lang="en-US"/>
+          </a:p>
+        </p:txBody>
+      </p:sp>
     </p:spTree>
     <p:extLst>
       <p:ext uri="{BB962C8B-B14F-4D97-AF65-F5344CB8AC3E}">
-        <p14:creationId xmlns:p14="http://schemas.microsoft.com/office/powerpoint/2010/main" val="1010636303"/>
+        <p14:creationId xmlns:p14="http://schemas.microsoft.com/office/powerpoint/2010/main" val="2069581842"/>
       </p:ext>
     </p:extLst>
   </p:cSld>
@@ -9342,6 +11524,2193 @@
       </p:grpSpPr>
       <p:sp>
         <p:nvSpPr>
+          <p:cNvPr id="2" name="Title 1">
+            <a:extLst>
+              <a:ext uri="{FF2B5EF4-FFF2-40B4-BE49-F238E27FC236}">
+                <a16:creationId xmlns:a16="http://schemas.microsoft.com/office/drawing/2014/main" id="{41AB2D49-F50E-8EEB-6710-E0DF26E907C5}"/>
+              </a:ext>
+            </a:extLst>
+          </p:cNvPr>
+          <p:cNvSpPr>
+            <a:spLocks noGrp="1"/>
+          </p:cNvSpPr>
+          <p:nvPr>
+            <p:ph type="title"/>
+          </p:nvPr>
+        </p:nvSpPr>
+        <p:spPr>
+          <a:xfrm>
+            <a:off x="838200" y="681037"/>
+            <a:ext cx="10515600" cy="1325563"/>
+          </a:xfrm>
+        </p:spPr>
+        <p:txBody>
+          <a:bodyPr/>
+          <a:lstStyle/>
+          <a:p>
+            <a:r>
+              <a:rPr lang="en-US" sz="4800" b="1" dirty="0">
+                <a:solidFill>
+                  <a:srgbClr val="4472C4"/>
+                </a:solidFill>
+                <a:latin typeface="Calibri Light" panose="020F0302020204030204" pitchFamily="34" charset="0"/>
+                <a:ea typeface="Yu Gothic Light" panose="020B0300000000000000" pitchFamily="34" charset="-128"/>
+                <a:cs typeface="Calibri Light" panose="020F0302020204030204" pitchFamily="34" charset="0"/>
+              </a:rPr>
+              <a:t>Challenges</a:t>
+            </a:r>
+          </a:p>
+        </p:txBody>
+      </p:sp>
+      <p:sp>
+        <p:nvSpPr>
+          <p:cNvPr id="3" name="Content Placeholder 2">
+            <a:extLst>
+              <a:ext uri="{FF2B5EF4-FFF2-40B4-BE49-F238E27FC236}">
+                <a16:creationId xmlns:a16="http://schemas.microsoft.com/office/drawing/2014/main" id="{CF2E9D14-BFF1-9DBB-208B-8204E9316E3C}"/>
+              </a:ext>
+            </a:extLst>
+          </p:cNvPr>
+          <p:cNvSpPr>
+            <a:spLocks noGrp="1"/>
+          </p:cNvSpPr>
+          <p:nvPr>
+            <p:ph idx="1"/>
+          </p:nvPr>
+        </p:nvSpPr>
+        <p:spPr>
+          <a:xfrm>
+            <a:off x="838200" y="2141739"/>
+            <a:ext cx="7118764" cy="3606437"/>
+          </a:xfrm>
+        </p:spPr>
+        <p:txBody>
+          <a:bodyPr/>
+          <a:lstStyle/>
+          <a:p>
+            <a:pPr algn="l" rtl="0"/>
+            <a:r>
+              <a:rPr lang="en-US" dirty="0"/>
+              <a:t>Developing for unknown / multiple systems</a:t>
+            </a:r>
+          </a:p>
+          <a:p>
+            <a:pPr lvl="1" algn="l" rtl="0"/>
+            <a:r>
+              <a:rPr lang="en-US" dirty="0"/>
+              <a:t>Types</a:t>
+            </a:r>
+          </a:p>
+          <a:p>
+            <a:pPr lvl="1" algn="l" rtl="0"/>
+            <a:r>
+              <a:rPr lang="en-US" dirty="0"/>
+              <a:t>Padding</a:t>
+            </a:r>
+          </a:p>
+          <a:p>
+            <a:pPr lvl="1" algn="l" rtl="0"/>
+            <a:r>
+              <a:rPr lang="en-US" dirty="0"/>
+              <a:t>Different functions</a:t>
+            </a:r>
+          </a:p>
+          <a:p>
+            <a:pPr marL="0" indent="0" algn="l" rtl="0">
+              <a:buNone/>
+            </a:pPr>
+            <a:endParaRPr lang="en-US" dirty="0"/>
+          </a:p>
+          <a:p>
+            <a:pPr algn="l" rtl="0"/>
+            <a:r>
+              <a:rPr lang="en-US" dirty="0"/>
+              <a:t>Testing and debugging</a:t>
+            </a:r>
+          </a:p>
+          <a:p>
+            <a:pPr lvl="1" algn="l" rtl="0"/>
+            <a:r>
+              <a:rPr lang="en-US" dirty="0"/>
+              <a:t>Unit tests</a:t>
+            </a:r>
+          </a:p>
+          <a:p>
+            <a:pPr lvl="1" algn="l" rtl="0"/>
+            <a:r>
+              <a:rPr lang="en-US" dirty="0"/>
+              <a:t>Local Simulations</a:t>
+            </a:r>
+          </a:p>
+          <a:p>
+            <a:pPr marL="0" indent="0" algn="l" rtl="0">
+              <a:buNone/>
+            </a:pPr>
+            <a:endParaRPr lang="en-US" dirty="0"/>
+          </a:p>
+          <a:p>
+            <a:pPr algn="l" rtl="0"/>
+            <a:endParaRPr lang="en-US" dirty="0"/>
+          </a:p>
+        </p:txBody>
+      </p:sp>
+      <p:pic>
+        <p:nvPicPr>
+          <p:cNvPr id="5" name="Picture 4">
+            <a:extLst>
+              <a:ext uri="{FF2B5EF4-FFF2-40B4-BE49-F238E27FC236}">
+                <a16:creationId xmlns:a16="http://schemas.microsoft.com/office/drawing/2014/main" id="{9C6E96E8-3AAB-3374-7083-96E56A743931}"/>
+              </a:ext>
+            </a:extLst>
+          </p:cNvPr>
+          <p:cNvPicPr>
+            <a:picLocks noChangeAspect="1"/>
+          </p:cNvPicPr>
+          <p:nvPr/>
+        </p:nvPicPr>
+        <p:blipFill>
+          <a:blip r:embed="rId3" cstate="print">
+            <a:extLst>
+              <a:ext uri="{28A0092B-C50C-407E-A947-70E740481C1C}">
+                <a14:useLocalDpi xmlns:a14="http://schemas.microsoft.com/office/drawing/2010/main" val="0"/>
+              </a:ext>
+            </a:extLst>
+          </a:blip>
+          <a:stretch>
+            <a:fillRect/>
+          </a:stretch>
+        </p:blipFill>
+        <p:spPr>
+          <a:xfrm>
+            <a:off x="0" y="85806"/>
+            <a:ext cx="3060198" cy="722377"/>
+          </a:xfrm>
+          <a:prstGeom prst="rect">
+            <a:avLst/>
+          </a:prstGeom>
+        </p:spPr>
+      </p:pic>
+      <p:sp>
+        <p:nvSpPr>
+          <p:cNvPr id="6" name="Slide Number Placeholder 5">
+            <a:extLst>
+              <a:ext uri="{FF2B5EF4-FFF2-40B4-BE49-F238E27FC236}">
+                <a16:creationId xmlns:a16="http://schemas.microsoft.com/office/drawing/2014/main" id="{E5A1358C-89F2-931E-1C19-2257CCC25EBF}"/>
+              </a:ext>
+            </a:extLst>
+          </p:cNvPr>
+          <p:cNvSpPr>
+            <a:spLocks noGrp="1"/>
+          </p:cNvSpPr>
+          <p:nvPr>
+            <p:ph type="sldNum" sz="quarter" idx="12"/>
+          </p:nvPr>
+        </p:nvSpPr>
+        <p:spPr/>
+        <p:txBody>
+          <a:bodyPr/>
+          <a:lstStyle/>
+          <a:p>
+            <a:fld id="{330EA680-D336-4FF7-8B7A-9848BB0A1C32}" type="slidenum">
+              <a:rPr lang="en-US" smtClean="0"/>
+              <a:t>21</a:t>
+            </a:fld>
+            <a:endParaRPr lang="en-US"/>
+          </a:p>
+        </p:txBody>
+      </p:sp>
+    </p:spTree>
+    <p:extLst>
+      <p:ext uri="{BB962C8B-B14F-4D97-AF65-F5344CB8AC3E}">
+        <p14:creationId xmlns:p14="http://schemas.microsoft.com/office/powerpoint/2010/main" val="1010636303"/>
+      </p:ext>
+    </p:extLst>
+  </p:cSld>
+  <p:clrMapOvr>
+    <a:masterClrMapping/>
+  </p:clrMapOvr>
+</p:sld>
+</file>
+
+<file path=ppt/slides/slide22.xml><?xml version="1.0" encoding="utf-8"?>
+<p:sld xmlns:a="http://schemas.openxmlformats.org/drawingml/2006/main" xmlns:r="http://schemas.openxmlformats.org/officeDocument/2006/relationships" xmlns:p="http://schemas.openxmlformats.org/presentationml/2006/main">
+  <p:cSld>
+    <p:spTree>
+      <p:nvGrpSpPr>
+        <p:cNvPr id="1" name=""/>
+        <p:cNvGrpSpPr/>
+        <p:nvPr/>
+      </p:nvGrpSpPr>
+      <p:grpSpPr>
+        <a:xfrm>
+          <a:off x="0" y="0"/>
+          <a:ext cx="0" cy="0"/>
+          <a:chOff x="0" y="0"/>
+          <a:chExt cx="0" cy="0"/>
+        </a:xfrm>
+      </p:grpSpPr>
+      <p:sp>
+        <p:nvSpPr>
+          <p:cNvPr id="2" name="Title 1">
+            <a:extLst>
+              <a:ext uri="{FF2B5EF4-FFF2-40B4-BE49-F238E27FC236}">
+                <a16:creationId xmlns:a16="http://schemas.microsoft.com/office/drawing/2014/main" id="{41AB2D49-F50E-8EEB-6710-E0DF26E907C5}"/>
+              </a:ext>
+            </a:extLst>
+          </p:cNvPr>
+          <p:cNvSpPr>
+            <a:spLocks noGrp="1"/>
+          </p:cNvSpPr>
+          <p:nvPr>
+            <p:ph type="title"/>
+          </p:nvPr>
+        </p:nvSpPr>
+        <p:spPr>
+          <a:xfrm>
+            <a:off x="838200" y="681037"/>
+            <a:ext cx="10515600" cy="1325563"/>
+          </a:xfrm>
+        </p:spPr>
+        <p:txBody>
+          <a:bodyPr/>
+          <a:lstStyle/>
+          <a:p>
+            <a:r>
+              <a:rPr lang="en-US" sz="4800" b="1" dirty="0">
+                <a:solidFill>
+                  <a:srgbClr val="4472C4"/>
+                </a:solidFill>
+                <a:latin typeface="Calibri Light" panose="020F0302020204030204" pitchFamily="34" charset="0"/>
+                <a:ea typeface="Yu Gothic Light" panose="020B0300000000000000" pitchFamily="34" charset="-128"/>
+                <a:cs typeface="Calibri Light" panose="020F0302020204030204" pitchFamily="34" charset="0"/>
+              </a:rPr>
+              <a:t>System Testing</a:t>
+            </a:r>
+          </a:p>
+        </p:txBody>
+      </p:sp>
+      <p:sp>
+        <p:nvSpPr>
+          <p:cNvPr id="3" name="Content Placeholder 2">
+            <a:extLst>
+              <a:ext uri="{FF2B5EF4-FFF2-40B4-BE49-F238E27FC236}">
+                <a16:creationId xmlns:a16="http://schemas.microsoft.com/office/drawing/2014/main" id="{CF2E9D14-BFF1-9DBB-208B-8204E9316E3C}"/>
+              </a:ext>
+            </a:extLst>
+          </p:cNvPr>
+          <p:cNvSpPr>
+            <a:spLocks noGrp="1"/>
+          </p:cNvSpPr>
+          <p:nvPr>
+            <p:ph idx="1"/>
+          </p:nvPr>
+        </p:nvSpPr>
+        <p:spPr>
+          <a:xfrm>
+            <a:off x="838200" y="2141739"/>
+            <a:ext cx="7118764" cy="3606437"/>
+          </a:xfrm>
+        </p:spPr>
+        <p:txBody>
+          <a:bodyPr/>
+          <a:lstStyle/>
+          <a:p>
+            <a:pPr algn="l" rtl="0">
+              <a:lnSpc>
+                <a:spcPct val="150000"/>
+              </a:lnSpc>
+            </a:pPr>
+            <a:r>
+              <a:rPr lang="en-US" dirty="0"/>
+              <a:t>Unit tests </a:t>
+            </a:r>
+          </a:p>
+          <a:p>
+            <a:pPr algn="l" rtl="0">
+              <a:lnSpc>
+                <a:spcPct val="150000"/>
+              </a:lnSpc>
+            </a:pPr>
+            <a:r>
+              <a:rPr lang="en-US" dirty="0"/>
+              <a:t>Local Simulation with test cases</a:t>
+            </a:r>
+          </a:p>
+          <a:p>
+            <a:pPr algn="l" rtl="0">
+              <a:lnSpc>
+                <a:spcPct val="150000"/>
+              </a:lnSpc>
+            </a:pPr>
+            <a:r>
+              <a:rPr lang="en-US" dirty="0"/>
+              <a:t>RP4 cross platform communication testing</a:t>
+            </a:r>
+          </a:p>
+          <a:p>
+            <a:pPr algn="l" rtl="0">
+              <a:lnSpc>
+                <a:spcPct val="150000"/>
+              </a:lnSpc>
+            </a:pPr>
+            <a:r>
+              <a:rPr lang="en-US" dirty="0"/>
+              <a:t>Acceptance testing</a:t>
+            </a:r>
+          </a:p>
+        </p:txBody>
+      </p:sp>
+      <p:pic>
+        <p:nvPicPr>
+          <p:cNvPr id="5" name="Picture 4">
+            <a:extLst>
+              <a:ext uri="{FF2B5EF4-FFF2-40B4-BE49-F238E27FC236}">
+                <a16:creationId xmlns:a16="http://schemas.microsoft.com/office/drawing/2014/main" id="{9C6E96E8-3AAB-3374-7083-96E56A743931}"/>
+              </a:ext>
+            </a:extLst>
+          </p:cNvPr>
+          <p:cNvPicPr>
+            <a:picLocks noChangeAspect="1"/>
+          </p:cNvPicPr>
+          <p:nvPr/>
+        </p:nvPicPr>
+        <p:blipFill>
+          <a:blip r:embed="rId3" cstate="print">
+            <a:extLst>
+              <a:ext uri="{28A0092B-C50C-407E-A947-70E740481C1C}">
+                <a14:useLocalDpi xmlns:a14="http://schemas.microsoft.com/office/drawing/2010/main" val="0"/>
+              </a:ext>
+            </a:extLst>
+          </a:blip>
+          <a:stretch>
+            <a:fillRect/>
+          </a:stretch>
+        </p:blipFill>
+        <p:spPr>
+          <a:xfrm>
+            <a:off x="0" y="85806"/>
+            <a:ext cx="3060198" cy="722377"/>
+          </a:xfrm>
+          <a:prstGeom prst="rect">
+            <a:avLst/>
+          </a:prstGeom>
+        </p:spPr>
+      </p:pic>
+      <p:sp>
+        <p:nvSpPr>
+          <p:cNvPr id="4" name="Slide Number Placeholder 3">
+            <a:extLst>
+              <a:ext uri="{FF2B5EF4-FFF2-40B4-BE49-F238E27FC236}">
+                <a16:creationId xmlns:a16="http://schemas.microsoft.com/office/drawing/2014/main" id="{D6F170E9-E761-E230-39A7-AF24BEB399A2}"/>
+              </a:ext>
+            </a:extLst>
+          </p:cNvPr>
+          <p:cNvSpPr>
+            <a:spLocks noGrp="1"/>
+          </p:cNvSpPr>
+          <p:nvPr>
+            <p:ph type="sldNum" sz="quarter" idx="12"/>
+          </p:nvPr>
+        </p:nvSpPr>
+        <p:spPr/>
+        <p:txBody>
+          <a:bodyPr/>
+          <a:lstStyle/>
+          <a:p>
+            <a:fld id="{330EA680-D336-4FF7-8B7A-9848BB0A1C32}" type="slidenum">
+              <a:rPr lang="en-US" smtClean="0"/>
+              <a:t>22</a:t>
+            </a:fld>
+            <a:endParaRPr lang="en-US"/>
+          </a:p>
+        </p:txBody>
+      </p:sp>
+    </p:spTree>
+    <p:extLst>
+      <p:ext uri="{BB962C8B-B14F-4D97-AF65-F5344CB8AC3E}">
+        <p14:creationId xmlns:p14="http://schemas.microsoft.com/office/powerpoint/2010/main" val="861457005"/>
+      </p:ext>
+    </p:extLst>
+  </p:cSld>
+  <p:clrMapOvr>
+    <a:masterClrMapping/>
+  </p:clrMapOvr>
+</p:sld>
+</file>
+
+<file path=ppt/slides/slide23.xml><?xml version="1.0" encoding="utf-8"?>
+<p:sld xmlns:a="http://schemas.openxmlformats.org/drawingml/2006/main" xmlns:r="http://schemas.openxmlformats.org/officeDocument/2006/relationships" xmlns:p="http://schemas.openxmlformats.org/presentationml/2006/main">
+  <p:cSld>
+    <p:spTree>
+      <p:nvGrpSpPr>
+        <p:cNvPr id="1" name=""/>
+        <p:cNvGrpSpPr/>
+        <p:nvPr/>
+      </p:nvGrpSpPr>
+      <p:grpSpPr>
+        <a:xfrm>
+          <a:off x="0" y="0"/>
+          <a:ext cx="0" cy="0"/>
+          <a:chOff x="0" y="0"/>
+          <a:chExt cx="0" cy="0"/>
+        </a:xfrm>
+      </p:grpSpPr>
+      <p:sp>
+        <p:nvSpPr>
+          <p:cNvPr id="2" name="Title 1">
+            <a:extLst>
+              <a:ext uri="{FF2B5EF4-FFF2-40B4-BE49-F238E27FC236}">
+                <a16:creationId xmlns:a16="http://schemas.microsoft.com/office/drawing/2014/main" id="{41AB2D49-F50E-8EEB-6710-E0DF26E907C5}"/>
+              </a:ext>
+            </a:extLst>
+          </p:cNvPr>
+          <p:cNvSpPr>
+            <a:spLocks noGrp="1"/>
+          </p:cNvSpPr>
+          <p:nvPr>
+            <p:ph type="title"/>
+          </p:nvPr>
+        </p:nvSpPr>
+        <p:spPr>
+          <a:xfrm>
+            <a:off x="838200" y="681037"/>
+            <a:ext cx="10515600" cy="1325563"/>
+          </a:xfrm>
+        </p:spPr>
+        <p:txBody>
+          <a:bodyPr/>
+          <a:lstStyle/>
+          <a:p>
+            <a:r>
+              <a:rPr lang="en-US" sz="4800" b="1" dirty="0">
+                <a:solidFill>
+                  <a:srgbClr val="4472C4"/>
+                </a:solidFill>
+                <a:latin typeface="Calibri Light" panose="020F0302020204030204" pitchFamily="34" charset="0"/>
+                <a:ea typeface="Yu Gothic Light" panose="020B0300000000000000" pitchFamily="34" charset="-128"/>
+                <a:cs typeface="Calibri Light" panose="020F0302020204030204" pitchFamily="34" charset="0"/>
+              </a:rPr>
+              <a:t>User Interface – Video</a:t>
+            </a:r>
+          </a:p>
+        </p:txBody>
+      </p:sp>
+      <p:pic>
+        <p:nvPicPr>
+          <p:cNvPr id="5" name="Picture 4">
+            <a:extLst>
+              <a:ext uri="{FF2B5EF4-FFF2-40B4-BE49-F238E27FC236}">
+                <a16:creationId xmlns:a16="http://schemas.microsoft.com/office/drawing/2014/main" id="{9C6E96E8-3AAB-3374-7083-96E56A743931}"/>
+              </a:ext>
+            </a:extLst>
+          </p:cNvPr>
+          <p:cNvPicPr>
+            <a:picLocks noChangeAspect="1"/>
+          </p:cNvPicPr>
+          <p:nvPr/>
+        </p:nvPicPr>
+        <p:blipFill>
+          <a:blip r:embed="rId3" cstate="print">
+            <a:extLst>
+              <a:ext uri="{28A0092B-C50C-407E-A947-70E740481C1C}">
+                <a14:useLocalDpi xmlns:a14="http://schemas.microsoft.com/office/drawing/2010/main" val="0"/>
+              </a:ext>
+            </a:extLst>
+          </a:blip>
+          <a:stretch>
+            <a:fillRect/>
+          </a:stretch>
+        </p:blipFill>
+        <p:spPr>
+          <a:xfrm>
+            <a:off x="0" y="85806"/>
+            <a:ext cx="3060198" cy="722377"/>
+          </a:xfrm>
+          <a:prstGeom prst="rect">
+            <a:avLst/>
+          </a:prstGeom>
+        </p:spPr>
+      </p:pic>
+      <p:sp>
+        <p:nvSpPr>
+          <p:cNvPr id="9" name="Rectangle 5">
+            <a:extLst>
+              <a:ext uri="{FF2B5EF4-FFF2-40B4-BE49-F238E27FC236}">
+                <a16:creationId xmlns:a16="http://schemas.microsoft.com/office/drawing/2014/main" id="{5384EB48-032C-78B4-D28E-7FBE81B1EA7B}"/>
+              </a:ext>
+            </a:extLst>
+          </p:cNvPr>
+          <p:cNvSpPr>
+            <a:spLocks noChangeArrowheads="1"/>
+          </p:cNvSpPr>
+          <p:nvPr/>
+        </p:nvSpPr>
+        <p:spPr bwMode="auto">
+          <a:xfrm>
+            <a:off x="8763000" y="3444793"/>
+            <a:ext cx="12192000" cy="0"/>
+          </a:xfrm>
+          <a:prstGeom prst="rect">
+            <a:avLst/>
+          </a:prstGeom>
+          <a:noFill/>
+          <a:ln>
+            <a:noFill/>
+          </a:ln>
+          <a:effectLst/>
+          <a:extLst>
+            <a:ext uri="{909E8E84-426E-40DD-AFC4-6F175D3DCCD1}">
+              <a14:hiddenFill xmlns:a14="http://schemas.microsoft.com/office/drawing/2010/main">
+                <a:solidFill>
+                  <a:schemeClr val="accent1"/>
+                </a:solidFill>
+              </a14:hiddenFill>
+            </a:ext>
+            <a:ext uri="{91240B29-F687-4F45-9708-019B960494DF}">
+              <a14:hiddenLine xmlns:a14="http://schemas.microsoft.com/office/drawing/2010/main" w="9525">
+                <a:solidFill>
+                  <a:schemeClr val="tx1"/>
+                </a:solidFill>
+                <a:miter lim="800000"/>
+                <a:headEnd/>
+                <a:tailEnd/>
+              </a14:hiddenLine>
+            </a:ext>
+            <a:ext uri="{AF507438-7753-43E0-B8FC-AC1667EBCBE1}">
+              <a14:hiddenEffects xmlns:a14="http://schemas.microsoft.com/office/drawing/2010/main">
+                <a:effectLst>
+                  <a:outerShdw dist="35921" dir="2700000" algn="ctr" rotWithShape="0">
+                    <a:schemeClr val="bg2"/>
+                  </a:outerShdw>
+                </a:effectLst>
+              </a14:hiddenEffects>
+            </a:ext>
+          </a:extLst>
+        </p:spPr>
+        <p:txBody>
+          <a:bodyPr vert="horz" wrap="none" lIns="91440" tIns="45720" rIns="91440" bIns="45720" numCol="1" anchor="ctr" anchorCtr="0" compatLnSpc="1">
+            <a:prstTxWarp prst="textNoShape">
+              <a:avLst/>
+            </a:prstTxWarp>
+            <a:spAutoFit/>
+          </a:bodyPr>
+          <a:lstStyle/>
+          <a:p>
+            <a:endParaRPr lang="en-IL"/>
+          </a:p>
+        </p:txBody>
+      </p:sp>
+      <p:sp>
+        <p:nvSpPr>
+          <p:cNvPr id="10" name="Rectangle 6">
+            <a:extLst>
+              <a:ext uri="{FF2B5EF4-FFF2-40B4-BE49-F238E27FC236}">
+                <a16:creationId xmlns:a16="http://schemas.microsoft.com/office/drawing/2014/main" id="{1A124640-4617-0D01-0CD7-7933D84E6F21}"/>
+              </a:ext>
+            </a:extLst>
+          </p:cNvPr>
+          <p:cNvSpPr>
+            <a:spLocks noChangeArrowheads="1"/>
+          </p:cNvSpPr>
+          <p:nvPr/>
+        </p:nvSpPr>
+        <p:spPr bwMode="auto">
+          <a:xfrm>
+            <a:off x="8763000" y="3816268"/>
+            <a:ext cx="12192000" cy="0"/>
+          </a:xfrm>
+          <a:prstGeom prst="rect">
+            <a:avLst/>
+          </a:prstGeom>
+          <a:noFill/>
+          <a:ln>
+            <a:noFill/>
+          </a:ln>
+          <a:effectLst/>
+          <a:extLst>
+            <a:ext uri="{909E8E84-426E-40DD-AFC4-6F175D3DCCD1}">
+              <a14:hiddenFill xmlns:a14="http://schemas.microsoft.com/office/drawing/2010/main">
+                <a:solidFill>
+                  <a:schemeClr val="accent1"/>
+                </a:solidFill>
+              </a14:hiddenFill>
+            </a:ext>
+            <a:ext uri="{91240B29-F687-4F45-9708-019B960494DF}">
+              <a14:hiddenLine xmlns:a14="http://schemas.microsoft.com/office/drawing/2010/main" w="9525">
+                <a:solidFill>
+                  <a:schemeClr val="tx1"/>
+                </a:solidFill>
+                <a:miter lim="800000"/>
+                <a:headEnd/>
+                <a:tailEnd/>
+              </a14:hiddenLine>
+            </a:ext>
+            <a:ext uri="{AF507438-7753-43E0-B8FC-AC1667EBCBE1}">
+              <a14:hiddenEffects xmlns:a14="http://schemas.microsoft.com/office/drawing/2010/main">
+                <a:effectLst>
+                  <a:outerShdw dist="35921" dir="2700000" algn="ctr" rotWithShape="0">
+                    <a:schemeClr val="bg2"/>
+                  </a:outerShdw>
+                </a:effectLst>
+              </a14:hiddenEffects>
+            </a:ext>
+          </a:extLst>
+        </p:spPr>
+        <p:txBody>
+          <a:bodyPr vert="horz" wrap="none" lIns="91440" tIns="45720" rIns="91440" bIns="45720" numCol="1" anchor="ctr" anchorCtr="0" compatLnSpc="1">
+            <a:prstTxWarp prst="textNoShape">
+              <a:avLst/>
+            </a:prstTxWarp>
+            <a:spAutoFit/>
+          </a:bodyPr>
+          <a:lstStyle/>
+          <a:p>
+            <a:endParaRPr lang="en-IL"/>
+          </a:p>
+        </p:txBody>
+      </p:sp>
+      <p:sp>
+        <p:nvSpPr>
+          <p:cNvPr id="11" name="Rectangle 7">
+            <a:extLst>
+              <a:ext uri="{FF2B5EF4-FFF2-40B4-BE49-F238E27FC236}">
+                <a16:creationId xmlns:a16="http://schemas.microsoft.com/office/drawing/2014/main" id="{FB3C6EA6-5462-32DC-9D36-1D0832B30F39}"/>
+              </a:ext>
+            </a:extLst>
+          </p:cNvPr>
+          <p:cNvSpPr>
+            <a:spLocks noChangeArrowheads="1"/>
+          </p:cNvSpPr>
+          <p:nvPr/>
+        </p:nvSpPr>
+        <p:spPr bwMode="auto">
+          <a:xfrm>
+            <a:off x="8763000" y="4187743"/>
+            <a:ext cx="12192000" cy="0"/>
+          </a:xfrm>
+          <a:prstGeom prst="rect">
+            <a:avLst/>
+          </a:prstGeom>
+          <a:noFill/>
+          <a:ln>
+            <a:noFill/>
+          </a:ln>
+          <a:effectLst/>
+          <a:extLst>
+            <a:ext uri="{909E8E84-426E-40DD-AFC4-6F175D3DCCD1}">
+              <a14:hiddenFill xmlns:a14="http://schemas.microsoft.com/office/drawing/2010/main">
+                <a:solidFill>
+                  <a:schemeClr val="accent1"/>
+                </a:solidFill>
+              </a14:hiddenFill>
+            </a:ext>
+            <a:ext uri="{91240B29-F687-4F45-9708-019B960494DF}">
+              <a14:hiddenLine xmlns:a14="http://schemas.microsoft.com/office/drawing/2010/main" w="9525">
+                <a:solidFill>
+                  <a:schemeClr val="tx1"/>
+                </a:solidFill>
+                <a:miter lim="800000"/>
+                <a:headEnd/>
+                <a:tailEnd/>
+              </a14:hiddenLine>
+            </a:ext>
+            <a:ext uri="{AF507438-7753-43E0-B8FC-AC1667EBCBE1}">
+              <a14:hiddenEffects xmlns:a14="http://schemas.microsoft.com/office/drawing/2010/main">
+                <a:effectLst>
+                  <a:outerShdw dist="35921" dir="2700000" algn="ctr" rotWithShape="0">
+                    <a:schemeClr val="bg2"/>
+                  </a:outerShdw>
+                </a:effectLst>
+              </a14:hiddenEffects>
+            </a:ext>
+          </a:extLst>
+        </p:spPr>
+        <p:txBody>
+          <a:bodyPr vert="horz" wrap="none" lIns="91440" tIns="45720" rIns="91440" bIns="45720" numCol="1" anchor="ctr" anchorCtr="0" compatLnSpc="1">
+            <a:prstTxWarp prst="textNoShape">
+              <a:avLst/>
+            </a:prstTxWarp>
+            <a:spAutoFit/>
+          </a:bodyPr>
+          <a:lstStyle/>
+          <a:p>
+            <a:endParaRPr lang="en-IL"/>
+          </a:p>
+        </p:txBody>
+      </p:sp>
+      <p:sp>
+        <p:nvSpPr>
+          <p:cNvPr id="12" name="Slide Number Placeholder 11">
+            <a:extLst>
+              <a:ext uri="{FF2B5EF4-FFF2-40B4-BE49-F238E27FC236}">
+                <a16:creationId xmlns:a16="http://schemas.microsoft.com/office/drawing/2014/main" id="{FCA297F8-3481-23AD-F99A-DA6D1F54680A}"/>
+              </a:ext>
+            </a:extLst>
+          </p:cNvPr>
+          <p:cNvSpPr>
+            <a:spLocks noGrp="1"/>
+          </p:cNvSpPr>
+          <p:nvPr>
+            <p:ph type="sldNum" sz="quarter" idx="12"/>
+          </p:nvPr>
+        </p:nvSpPr>
+        <p:spPr/>
+        <p:txBody>
+          <a:bodyPr/>
+          <a:lstStyle/>
+          <a:p>
+            <a:fld id="{330EA680-D336-4FF7-8B7A-9848BB0A1C32}" type="slidenum">
+              <a:rPr lang="en-US" smtClean="0"/>
+              <a:t>23</a:t>
+            </a:fld>
+            <a:endParaRPr lang="en-US"/>
+          </a:p>
+        </p:txBody>
+      </p:sp>
+    </p:spTree>
+    <p:extLst>
+      <p:ext uri="{BB962C8B-B14F-4D97-AF65-F5344CB8AC3E}">
+        <p14:creationId xmlns:p14="http://schemas.microsoft.com/office/powerpoint/2010/main" val="376135143"/>
+      </p:ext>
+    </p:extLst>
+  </p:cSld>
+  <p:clrMapOvr>
+    <a:masterClrMapping/>
+  </p:clrMapOvr>
+</p:sld>
+</file>
+
+<file path=ppt/slides/slide24.xml><?xml version="1.0" encoding="utf-8"?>
+<p:sld xmlns:a="http://schemas.openxmlformats.org/drawingml/2006/main" xmlns:r="http://schemas.openxmlformats.org/officeDocument/2006/relationships" xmlns:p="http://schemas.openxmlformats.org/presentationml/2006/main">
+  <p:cSld>
+    <p:spTree>
+      <p:nvGrpSpPr>
+        <p:cNvPr id="1" name=""/>
+        <p:cNvGrpSpPr/>
+        <p:nvPr/>
+      </p:nvGrpSpPr>
+      <p:grpSpPr>
+        <a:xfrm>
+          <a:off x="0" y="0"/>
+          <a:ext cx="0" cy="0"/>
+          <a:chOff x="0" y="0"/>
+          <a:chExt cx="0" cy="0"/>
+        </a:xfrm>
+      </p:grpSpPr>
+      <p:sp>
+        <p:nvSpPr>
+          <p:cNvPr id="2" name="Title 1">
+            <a:extLst>
+              <a:ext uri="{FF2B5EF4-FFF2-40B4-BE49-F238E27FC236}">
+                <a16:creationId xmlns:a16="http://schemas.microsoft.com/office/drawing/2014/main" id="{41AB2D49-F50E-8EEB-6710-E0DF26E907C5}"/>
+              </a:ext>
+            </a:extLst>
+          </p:cNvPr>
+          <p:cNvSpPr>
+            <a:spLocks noGrp="1"/>
+          </p:cNvSpPr>
+          <p:nvPr>
+            <p:ph type="title"/>
+          </p:nvPr>
+        </p:nvSpPr>
+        <p:spPr>
+          <a:xfrm>
+            <a:off x="838200" y="681037"/>
+            <a:ext cx="10515600" cy="1325563"/>
+          </a:xfrm>
+        </p:spPr>
+        <p:txBody>
+          <a:bodyPr/>
+          <a:lstStyle/>
+          <a:p>
+            <a:r>
+              <a:rPr lang="en-US" sz="4800" b="1" dirty="0">
+                <a:solidFill>
+                  <a:srgbClr val="4472C4"/>
+                </a:solidFill>
+                <a:latin typeface="Calibri Light" panose="020F0302020204030204" pitchFamily="34" charset="0"/>
+                <a:ea typeface="Yu Gothic Light" panose="020B0300000000000000" pitchFamily="34" charset="-128"/>
+                <a:cs typeface="Calibri Light" panose="020F0302020204030204" pitchFamily="34" charset="0"/>
+              </a:rPr>
+              <a:t>User Interface – Home Page</a:t>
+            </a:r>
+          </a:p>
+        </p:txBody>
+      </p:sp>
+      <p:pic>
+        <p:nvPicPr>
+          <p:cNvPr id="5" name="Picture 4">
+            <a:extLst>
+              <a:ext uri="{FF2B5EF4-FFF2-40B4-BE49-F238E27FC236}">
+                <a16:creationId xmlns:a16="http://schemas.microsoft.com/office/drawing/2014/main" id="{9C6E96E8-3AAB-3374-7083-96E56A743931}"/>
+              </a:ext>
+            </a:extLst>
+          </p:cNvPr>
+          <p:cNvPicPr>
+            <a:picLocks noChangeAspect="1"/>
+          </p:cNvPicPr>
+          <p:nvPr/>
+        </p:nvPicPr>
+        <p:blipFill>
+          <a:blip r:embed="rId3" cstate="print">
+            <a:extLst>
+              <a:ext uri="{28A0092B-C50C-407E-A947-70E740481C1C}">
+                <a14:useLocalDpi xmlns:a14="http://schemas.microsoft.com/office/drawing/2010/main" val="0"/>
+              </a:ext>
+            </a:extLst>
+          </a:blip>
+          <a:stretch>
+            <a:fillRect/>
+          </a:stretch>
+        </p:blipFill>
+        <p:spPr>
+          <a:xfrm>
+            <a:off x="0" y="85806"/>
+            <a:ext cx="3060198" cy="722377"/>
+          </a:xfrm>
+          <a:prstGeom prst="rect">
+            <a:avLst/>
+          </a:prstGeom>
+        </p:spPr>
+      </p:pic>
+      <p:pic>
+        <p:nvPicPr>
+          <p:cNvPr id="7" name="Picture 6">
+            <a:extLst>
+              <a:ext uri="{FF2B5EF4-FFF2-40B4-BE49-F238E27FC236}">
+                <a16:creationId xmlns:a16="http://schemas.microsoft.com/office/drawing/2014/main" id="{316B4165-9FBF-241A-1318-1B9880BF7126}"/>
+              </a:ext>
+            </a:extLst>
+          </p:cNvPr>
+          <p:cNvPicPr>
+            <a:picLocks noChangeAspect="1"/>
+          </p:cNvPicPr>
+          <p:nvPr/>
+        </p:nvPicPr>
+        <p:blipFill>
+          <a:blip r:embed="rId4"/>
+          <a:stretch>
+            <a:fillRect/>
+          </a:stretch>
+        </p:blipFill>
+        <p:spPr>
+          <a:xfrm>
+            <a:off x="369887" y="1618932"/>
+            <a:ext cx="8044991" cy="5010468"/>
+          </a:xfrm>
+          <a:prstGeom prst="rect">
+            <a:avLst/>
+          </a:prstGeom>
+          <a:ln>
+            <a:solidFill>
+              <a:schemeClr val="tx1"/>
+            </a:solidFill>
+          </a:ln>
+        </p:spPr>
+      </p:pic>
+      <p:pic>
+        <p:nvPicPr>
+          <p:cNvPr id="7171" name="Picture 3">
+            <a:extLst>
+              <a:ext uri="{FF2B5EF4-FFF2-40B4-BE49-F238E27FC236}">
+                <a16:creationId xmlns:a16="http://schemas.microsoft.com/office/drawing/2014/main" id="{FD690369-863A-225C-0A3E-E2875DFDBD61}"/>
+              </a:ext>
+            </a:extLst>
+          </p:cNvPr>
+          <p:cNvPicPr>
+            <a:picLocks noChangeAspect="1" noChangeArrowheads="1"/>
+          </p:cNvPicPr>
+          <p:nvPr/>
+        </p:nvPicPr>
+        <p:blipFill>
+          <a:blip r:embed="rId5">
+            <a:extLst>
+              <a:ext uri="{28A0092B-C50C-407E-A947-70E740481C1C}">
+                <a14:useLocalDpi xmlns:a14="http://schemas.microsoft.com/office/drawing/2010/main" val="0"/>
+              </a:ext>
+            </a:extLst>
+          </a:blip>
+          <a:srcRect/>
+          <a:stretch>
+            <a:fillRect/>
+          </a:stretch>
+        </p:blipFill>
+        <p:spPr bwMode="auto">
+          <a:xfrm>
+            <a:off x="8658225" y="1618932"/>
+            <a:ext cx="2085975" cy="371475"/>
+          </a:xfrm>
+          <a:prstGeom prst="rect">
+            <a:avLst/>
+          </a:prstGeom>
+          <a:noFill/>
+          <a:extLst>
+            <a:ext uri="{909E8E84-426E-40DD-AFC4-6F175D3DCCD1}">
+              <a14:hiddenFill xmlns:a14="http://schemas.microsoft.com/office/drawing/2010/main">
+                <a:solidFill>
+                  <a:srgbClr val="FFFFFF"/>
+                </a:solidFill>
+              </a14:hiddenFill>
+            </a:ext>
+          </a:extLst>
+        </p:spPr>
+      </p:pic>
+      <p:pic>
+        <p:nvPicPr>
+          <p:cNvPr id="7170" name="Picture 2">
+            <a:extLst>
+              <a:ext uri="{FF2B5EF4-FFF2-40B4-BE49-F238E27FC236}">
+                <a16:creationId xmlns:a16="http://schemas.microsoft.com/office/drawing/2014/main" id="{E3DDCF9F-A646-A701-13BF-83306D704239}"/>
+              </a:ext>
+            </a:extLst>
+          </p:cNvPr>
+          <p:cNvPicPr>
+            <a:picLocks noChangeAspect="1" noChangeArrowheads="1"/>
+          </p:cNvPicPr>
+          <p:nvPr/>
+        </p:nvPicPr>
+        <p:blipFill>
+          <a:blip r:embed="rId6">
+            <a:extLst>
+              <a:ext uri="{28A0092B-C50C-407E-A947-70E740481C1C}">
+                <a14:useLocalDpi xmlns:a14="http://schemas.microsoft.com/office/drawing/2010/main" val="0"/>
+              </a:ext>
+            </a:extLst>
+          </a:blip>
+          <a:srcRect/>
+          <a:stretch>
+            <a:fillRect/>
+          </a:stretch>
+        </p:blipFill>
+        <p:spPr bwMode="auto">
+          <a:xfrm>
+            <a:off x="8658225" y="1990407"/>
+            <a:ext cx="1504950" cy="371475"/>
+          </a:xfrm>
+          <a:prstGeom prst="rect">
+            <a:avLst/>
+          </a:prstGeom>
+          <a:noFill/>
+          <a:extLst>
+            <a:ext uri="{909E8E84-426E-40DD-AFC4-6F175D3DCCD1}">
+              <a14:hiddenFill xmlns:a14="http://schemas.microsoft.com/office/drawing/2010/main">
+                <a:solidFill>
+                  <a:srgbClr val="FFFFFF"/>
+                </a:solidFill>
+              </a14:hiddenFill>
+            </a:ext>
+          </a:extLst>
+        </p:spPr>
+      </p:pic>
+      <p:pic>
+        <p:nvPicPr>
+          <p:cNvPr id="7169" name="Picture 1">
+            <a:extLst>
+              <a:ext uri="{FF2B5EF4-FFF2-40B4-BE49-F238E27FC236}">
+                <a16:creationId xmlns:a16="http://schemas.microsoft.com/office/drawing/2014/main" id="{DA47AF40-DC62-2204-1FD8-20B7C6BED27B}"/>
+              </a:ext>
+            </a:extLst>
+          </p:cNvPr>
+          <p:cNvPicPr>
+            <a:picLocks noChangeAspect="1" noChangeArrowheads="1"/>
+          </p:cNvPicPr>
+          <p:nvPr/>
+        </p:nvPicPr>
+        <p:blipFill>
+          <a:blip r:embed="rId7">
+            <a:extLst>
+              <a:ext uri="{28A0092B-C50C-407E-A947-70E740481C1C}">
+                <a14:useLocalDpi xmlns:a14="http://schemas.microsoft.com/office/drawing/2010/main" val="0"/>
+              </a:ext>
+            </a:extLst>
+          </a:blip>
+          <a:srcRect/>
+          <a:stretch>
+            <a:fillRect/>
+          </a:stretch>
+        </p:blipFill>
+        <p:spPr bwMode="auto">
+          <a:xfrm>
+            <a:off x="8658225" y="2361882"/>
+            <a:ext cx="1238250" cy="371475"/>
+          </a:xfrm>
+          <a:prstGeom prst="rect">
+            <a:avLst/>
+          </a:prstGeom>
+          <a:noFill/>
+          <a:extLst>
+            <a:ext uri="{909E8E84-426E-40DD-AFC4-6F175D3DCCD1}">
+              <a14:hiddenFill xmlns:a14="http://schemas.microsoft.com/office/drawing/2010/main">
+                <a:solidFill>
+                  <a:srgbClr val="FFFFFF"/>
+                </a:solidFill>
+              </a14:hiddenFill>
+            </a:ext>
+          </a:extLst>
+        </p:spPr>
+      </p:pic>
+      <p:sp>
+        <p:nvSpPr>
+          <p:cNvPr id="9" name="Rectangle 5">
+            <a:extLst>
+              <a:ext uri="{FF2B5EF4-FFF2-40B4-BE49-F238E27FC236}">
+                <a16:creationId xmlns:a16="http://schemas.microsoft.com/office/drawing/2014/main" id="{5384EB48-032C-78B4-D28E-7FBE81B1EA7B}"/>
+              </a:ext>
+            </a:extLst>
+          </p:cNvPr>
+          <p:cNvSpPr>
+            <a:spLocks noChangeArrowheads="1"/>
+          </p:cNvSpPr>
+          <p:nvPr/>
+        </p:nvSpPr>
+        <p:spPr bwMode="auto">
+          <a:xfrm>
+            <a:off x="8763000" y="3444793"/>
+            <a:ext cx="12192000" cy="0"/>
+          </a:xfrm>
+          <a:prstGeom prst="rect">
+            <a:avLst/>
+          </a:prstGeom>
+          <a:noFill/>
+          <a:ln>
+            <a:noFill/>
+          </a:ln>
+          <a:effectLst/>
+          <a:extLst>
+            <a:ext uri="{909E8E84-426E-40DD-AFC4-6F175D3DCCD1}">
+              <a14:hiddenFill xmlns:a14="http://schemas.microsoft.com/office/drawing/2010/main">
+                <a:solidFill>
+                  <a:schemeClr val="accent1"/>
+                </a:solidFill>
+              </a14:hiddenFill>
+            </a:ext>
+            <a:ext uri="{91240B29-F687-4F45-9708-019B960494DF}">
+              <a14:hiddenLine xmlns:a14="http://schemas.microsoft.com/office/drawing/2010/main" w="9525">
+                <a:solidFill>
+                  <a:schemeClr val="tx1"/>
+                </a:solidFill>
+                <a:miter lim="800000"/>
+                <a:headEnd/>
+                <a:tailEnd/>
+              </a14:hiddenLine>
+            </a:ext>
+            <a:ext uri="{AF507438-7753-43E0-B8FC-AC1667EBCBE1}">
+              <a14:hiddenEffects xmlns:a14="http://schemas.microsoft.com/office/drawing/2010/main">
+                <a:effectLst>
+                  <a:outerShdw dist="35921" dir="2700000" algn="ctr" rotWithShape="0">
+                    <a:schemeClr val="bg2"/>
+                  </a:outerShdw>
+                </a:effectLst>
+              </a14:hiddenEffects>
+            </a:ext>
+          </a:extLst>
+        </p:spPr>
+        <p:txBody>
+          <a:bodyPr vert="horz" wrap="none" lIns="91440" tIns="45720" rIns="91440" bIns="45720" numCol="1" anchor="ctr" anchorCtr="0" compatLnSpc="1">
+            <a:prstTxWarp prst="textNoShape">
+              <a:avLst/>
+            </a:prstTxWarp>
+            <a:spAutoFit/>
+          </a:bodyPr>
+          <a:lstStyle/>
+          <a:p>
+            <a:endParaRPr lang="en-IL"/>
+          </a:p>
+        </p:txBody>
+      </p:sp>
+      <p:sp>
+        <p:nvSpPr>
+          <p:cNvPr id="10" name="Rectangle 6">
+            <a:extLst>
+              <a:ext uri="{FF2B5EF4-FFF2-40B4-BE49-F238E27FC236}">
+                <a16:creationId xmlns:a16="http://schemas.microsoft.com/office/drawing/2014/main" id="{1A124640-4617-0D01-0CD7-7933D84E6F21}"/>
+              </a:ext>
+            </a:extLst>
+          </p:cNvPr>
+          <p:cNvSpPr>
+            <a:spLocks noChangeArrowheads="1"/>
+          </p:cNvSpPr>
+          <p:nvPr/>
+        </p:nvSpPr>
+        <p:spPr bwMode="auto">
+          <a:xfrm>
+            <a:off x="8763000" y="3816268"/>
+            <a:ext cx="12192000" cy="0"/>
+          </a:xfrm>
+          <a:prstGeom prst="rect">
+            <a:avLst/>
+          </a:prstGeom>
+          <a:noFill/>
+          <a:ln>
+            <a:noFill/>
+          </a:ln>
+          <a:effectLst/>
+          <a:extLst>
+            <a:ext uri="{909E8E84-426E-40DD-AFC4-6F175D3DCCD1}">
+              <a14:hiddenFill xmlns:a14="http://schemas.microsoft.com/office/drawing/2010/main">
+                <a:solidFill>
+                  <a:schemeClr val="accent1"/>
+                </a:solidFill>
+              </a14:hiddenFill>
+            </a:ext>
+            <a:ext uri="{91240B29-F687-4F45-9708-019B960494DF}">
+              <a14:hiddenLine xmlns:a14="http://schemas.microsoft.com/office/drawing/2010/main" w="9525">
+                <a:solidFill>
+                  <a:schemeClr val="tx1"/>
+                </a:solidFill>
+                <a:miter lim="800000"/>
+                <a:headEnd/>
+                <a:tailEnd/>
+              </a14:hiddenLine>
+            </a:ext>
+            <a:ext uri="{AF507438-7753-43E0-B8FC-AC1667EBCBE1}">
+              <a14:hiddenEffects xmlns:a14="http://schemas.microsoft.com/office/drawing/2010/main">
+                <a:effectLst>
+                  <a:outerShdw dist="35921" dir="2700000" algn="ctr" rotWithShape="0">
+                    <a:schemeClr val="bg2"/>
+                  </a:outerShdw>
+                </a:effectLst>
+              </a14:hiddenEffects>
+            </a:ext>
+          </a:extLst>
+        </p:spPr>
+        <p:txBody>
+          <a:bodyPr vert="horz" wrap="none" lIns="91440" tIns="45720" rIns="91440" bIns="45720" numCol="1" anchor="ctr" anchorCtr="0" compatLnSpc="1">
+            <a:prstTxWarp prst="textNoShape">
+              <a:avLst/>
+            </a:prstTxWarp>
+            <a:spAutoFit/>
+          </a:bodyPr>
+          <a:lstStyle/>
+          <a:p>
+            <a:endParaRPr lang="en-IL"/>
+          </a:p>
+        </p:txBody>
+      </p:sp>
+      <p:sp>
+        <p:nvSpPr>
+          <p:cNvPr id="11" name="Rectangle 7">
+            <a:extLst>
+              <a:ext uri="{FF2B5EF4-FFF2-40B4-BE49-F238E27FC236}">
+                <a16:creationId xmlns:a16="http://schemas.microsoft.com/office/drawing/2014/main" id="{FB3C6EA6-5462-32DC-9D36-1D0832B30F39}"/>
+              </a:ext>
+            </a:extLst>
+          </p:cNvPr>
+          <p:cNvSpPr>
+            <a:spLocks noChangeArrowheads="1"/>
+          </p:cNvSpPr>
+          <p:nvPr/>
+        </p:nvSpPr>
+        <p:spPr bwMode="auto">
+          <a:xfrm>
+            <a:off x="8763000" y="4187743"/>
+            <a:ext cx="12192000" cy="0"/>
+          </a:xfrm>
+          <a:prstGeom prst="rect">
+            <a:avLst/>
+          </a:prstGeom>
+          <a:noFill/>
+          <a:ln>
+            <a:noFill/>
+          </a:ln>
+          <a:effectLst/>
+          <a:extLst>
+            <a:ext uri="{909E8E84-426E-40DD-AFC4-6F175D3DCCD1}">
+              <a14:hiddenFill xmlns:a14="http://schemas.microsoft.com/office/drawing/2010/main">
+                <a:solidFill>
+                  <a:schemeClr val="accent1"/>
+                </a:solidFill>
+              </a14:hiddenFill>
+            </a:ext>
+            <a:ext uri="{91240B29-F687-4F45-9708-019B960494DF}">
+              <a14:hiddenLine xmlns:a14="http://schemas.microsoft.com/office/drawing/2010/main" w="9525">
+                <a:solidFill>
+                  <a:schemeClr val="tx1"/>
+                </a:solidFill>
+                <a:miter lim="800000"/>
+                <a:headEnd/>
+                <a:tailEnd/>
+              </a14:hiddenLine>
+            </a:ext>
+            <a:ext uri="{AF507438-7753-43E0-B8FC-AC1667EBCBE1}">
+              <a14:hiddenEffects xmlns:a14="http://schemas.microsoft.com/office/drawing/2010/main">
+                <a:effectLst>
+                  <a:outerShdw dist="35921" dir="2700000" algn="ctr" rotWithShape="0">
+                    <a:schemeClr val="bg2"/>
+                  </a:outerShdw>
+                </a:effectLst>
+              </a14:hiddenEffects>
+            </a:ext>
+          </a:extLst>
+        </p:spPr>
+        <p:txBody>
+          <a:bodyPr vert="horz" wrap="none" lIns="91440" tIns="45720" rIns="91440" bIns="45720" numCol="1" anchor="ctr" anchorCtr="0" compatLnSpc="1">
+            <a:prstTxWarp prst="textNoShape">
+              <a:avLst/>
+            </a:prstTxWarp>
+            <a:spAutoFit/>
+          </a:bodyPr>
+          <a:lstStyle/>
+          <a:p>
+            <a:endParaRPr lang="en-IL"/>
+          </a:p>
+        </p:txBody>
+      </p:sp>
+      <p:sp>
+        <p:nvSpPr>
+          <p:cNvPr id="3" name="Slide Number Placeholder 2">
+            <a:extLst>
+              <a:ext uri="{FF2B5EF4-FFF2-40B4-BE49-F238E27FC236}">
+                <a16:creationId xmlns:a16="http://schemas.microsoft.com/office/drawing/2014/main" id="{48D41A6C-44F8-3ADB-434D-E91C44ADEA5A}"/>
+              </a:ext>
+            </a:extLst>
+          </p:cNvPr>
+          <p:cNvSpPr>
+            <a:spLocks noGrp="1"/>
+          </p:cNvSpPr>
+          <p:nvPr>
+            <p:ph type="sldNum" sz="quarter" idx="12"/>
+          </p:nvPr>
+        </p:nvSpPr>
+        <p:spPr/>
+        <p:txBody>
+          <a:bodyPr/>
+          <a:lstStyle/>
+          <a:p>
+            <a:fld id="{330EA680-D336-4FF7-8B7A-9848BB0A1C32}" type="slidenum">
+              <a:rPr lang="en-US" smtClean="0"/>
+              <a:t>24</a:t>
+            </a:fld>
+            <a:endParaRPr lang="en-US"/>
+          </a:p>
+        </p:txBody>
+      </p:sp>
+    </p:spTree>
+    <p:extLst>
+      <p:ext uri="{BB962C8B-B14F-4D97-AF65-F5344CB8AC3E}">
+        <p14:creationId xmlns:p14="http://schemas.microsoft.com/office/powerpoint/2010/main" val="2462180709"/>
+      </p:ext>
+    </p:extLst>
+  </p:cSld>
+  <p:clrMapOvr>
+    <a:masterClrMapping/>
+  </p:clrMapOvr>
+</p:sld>
+</file>
+
+<file path=ppt/slides/slide25.xml><?xml version="1.0" encoding="utf-8"?>
+<p:sld xmlns:a="http://schemas.openxmlformats.org/drawingml/2006/main" xmlns:r="http://schemas.openxmlformats.org/officeDocument/2006/relationships" xmlns:p="http://schemas.openxmlformats.org/presentationml/2006/main">
+  <p:cSld>
+    <p:spTree>
+      <p:nvGrpSpPr>
+        <p:cNvPr id="1" name=""/>
+        <p:cNvGrpSpPr/>
+        <p:nvPr/>
+      </p:nvGrpSpPr>
+      <p:grpSpPr>
+        <a:xfrm>
+          <a:off x="0" y="0"/>
+          <a:ext cx="0" cy="0"/>
+          <a:chOff x="0" y="0"/>
+          <a:chExt cx="0" cy="0"/>
+        </a:xfrm>
+      </p:grpSpPr>
+      <p:sp>
+        <p:nvSpPr>
+          <p:cNvPr id="2" name="Title 1">
+            <a:extLst>
+              <a:ext uri="{FF2B5EF4-FFF2-40B4-BE49-F238E27FC236}">
+                <a16:creationId xmlns:a16="http://schemas.microsoft.com/office/drawing/2014/main" id="{41AB2D49-F50E-8EEB-6710-E0DF26E907C5}"/>
+              </a:ext>
+            </a:extLst>
+          </p:cNvPr>
+          <p:cNvSpPr>
+            <a:spLocks noGrp="1"/>
+          </p:cNvSpPr>
+          <p:nvPr>
+            <p:ph type="title"/>
+          </p:nvPr>
+        </p:nvSpPr>
+        <p:spPr>
+          <a:xfrm>
+            <a:off x="838200" y="681037"/>
+            <a:ext cx="10515600" cy="1325563"/>
+          </a:xfrm>
+        </p:spPr>
+        <p:txBody>
+          <a:bodyPr/>
+          <a:lstStyle/>
+          <a:p>
+            <a:r>
+              <a:rPr lang="en-US" sz="4800" b="1" dirty="0">
+                <a:solidFill>
+                  <a:srgbClr val="4472C4"/>
+                </a:solidFill>
+                <a:latin typeface="Calibri Light" panose="020F0302020204030204" pitchFamily="34" charset="0"/>
+                <a:ea typeface="Yu Gothic Light" panose="020B0300000000000000" pitchFamily="34" charset="-128"/>
+                <a:cs typeface="Calibri Light" panose="020F0302020204030204" pitchFamily="34" charset="0"/>
+              </a:rPr>
+              <a:t>User Interface – Create Test</a:t>
+            </a:r>
+          </a:p>
+        </p:txBody>
+      </p:sp>
+      <p:pic>
+        <p:nvPicPr>
+          <p:cNvPr id="5" name="Picture 4">
+            <a:extLst>
+              <a:ext uri="{FF2B5EF4-FFF2-40B4-BE49-F238E27FC236}">
+                <a16:creationId xmlns:a16="http://schemas.microsoft.com/office/drawing/2014/main" id="{9C6E96E8-3AAB-3374-7083-96E56A743931}"/>
+              </a:ext>
+            </a:extLst>
+          </p:cNvPr>
+          <p:cNvPicPr>
+            <a:picLocks noChangeAspect="1"/>
+          </p:cNvPicPr>
+          <p:nvPr/>
+        </p:nvPicPr>
+        <p:blipFill>
+          <a:blip r:embed="rId3" cstate="print">
+            <a:extLst>
+              <a:ext uri="{28A0092B-C50C-407E-A947-70E740481C1C}">
+                <a14:useLocalDpi xmlns:a14="http://schemas.microsoft.com/office/drawing/2010/main" val="0"/>
+              </a:ext>
+            </a:extLst>
+          </a:blip>
+          <a:stretch>
+            <a:fillRect/>
+          </a:stretch>
+        </p:blipFill>
+        <p:spPr>
+          <a:xfrm>
+            <a:off x="0" y="85806"/>
+            <a:ext cx="3060198" cy="722377"/>
+          </a:xfrm>
+          <a:prstGeom prst="rect">
+            <a:avLst/>
+          </a:prstGeom>
+        </p:spPr>
+      </p:pic>
+      <p:sp>
+        <p:nvSpPr>
+          <p:cNvPr id="9" name="Rectangle 5">
+            <a:extLst>
+              <a:ext uri="{FF2B5EF4-FFF2-40B4-BE49-F238E27FC236}">
+                <a16:creationId xmlns:a16="http://schemas.microsoft.com/office/drawing/2014/main" id="{5384EB48-032C-78B4-D28E-7FBE81B1EA7B}"/>
+              </a:ext>
+            </a:extLst>
+          </p:cNvPr>
+          <p:cNvSpPr>
+            <a:spLocks noChangeArrowheads="1"/>
+          </p:cNvSpPr>
+          <p:nvPr/>
+        </p:nvSpPr>
+        <p:spPr bwMode="auto">
+          <a:xfrm>
+            <a:off x="8763000" y="3444793"/>
+            <a:ext cx="12192000" cy="0"/>
+          </a:xfrm>
+          <a:prstGeom prst="rect">
+            <a:avLst/>
+          </a:prstGeom>
+          <a:noFill/>
+          <a:ln>
+            <a:noFill/>
+          </a:ln>
+          <a:effectLst/>
+          <a:extLst>
+            <a:ext uri="{909E8E84-426E-40DD-AFC4-6F175D3DCCD1}">
+              <a14:hiddenFill xmlns:a14="http://schemas.microsoft.com/office/drawing/2010/main">
+                <a:solidFill>
+                  <a:schemeClr val="accent1"/>
+                </a:solidFill>
+              </a14:hiddenFill>
+            </a:ext>
+            <a:ext uri="{91240B29-F687-4F45-9708-019B960494DF}">
+              <a14:hiddenLine xmlns:a14="http://schemas.microsoft.com/office/drawing/2010/main" w="9525">
+                <a:solidFill>
+                  <a:schemeClr val="tx1"/>
+                </a:solidFill>
+                <a:miter lim="800000"/>
+                <a:headEnd/>
+                <a:tailEnd/>
+              </a14:hiddenLine>
+            </a:ext>
+            <a:ext uri="{AF507438-7753-43E0-B8FC-AC1667EBCBE1}">
+              <a14:hiddenEffects xmlns:a14="http://schemas.microsoft.com/office/drawing/2010/main">
+                <a:effectLst>
+                  <a:outerShdw dist="35921" dir="2700000" algn="ctr" rotWithShape="0">
+                    <a:schemeClr val="bg2"/>
+                  </a:outerShdw>
+                </a:effectLst>
+              </a14:hiddenEffects>
+            </a:ext>
+          </a:extLst>
+        </p:spPr>
+        <p:txBody>
+          <a:bodyPr vert="horz" wrap="none" lIns="91440" tIns="45720" rIns="91440" bIns="45720" numCol="1" anchor="ctr" anchorCtr="0" compatLnSpc="1">
+            <a:prstTxWarp prst="textNoShape">
+              <a:avLst/>
+            </a:prstTxWarp>
+            <a:spAutoFit/>
+          </a:bodyPr>
+          <a:lstStyle/>
+          <a:p>
+            <a:endParaRPr lang="en-IL"/>
+          </a:p>
+        </p:txBody>
+      </p:sp>
+      <p:sp>
+        <p:nvSpPr>
+          <p:cNvPr id="10" name="Rectangle 6">
+            <a:extLst>
+              <a:ext uri="{FF2B5EF4-FFF2-40B4-BE49-F238E27FC236}">
+                <a16:creationId xmlns:a16="http://schemas.microsoft.com/office/drawing/2014/main" id="{1A124640-4617-0D01-0CD7-7933D84E6F21}"/>
+              </a:ext>
+            </a:extLst>
+          </p:cNvPr>
+          <p:cNvSpPr>
+            <a:spLocks noChangeArrowheads="1"/>
+          </p:cNvSpPr>
+          <p:nvPr/>
+        </p:nvSpPr>
+        <p:spPr bwMode="auto">
+          <a:xfrm>
+            <a:off x="8763000" y="3816268"/>
+            <a:ext cx="12192000" cy="0"/>
+          </a:xfrm>
+          <a:prstGeom prst="rect">
+            <a:avLst/>
+          </a:prstGeom>
+          <a:noFill/>
+          <a:ln>
+            <a:noFill/>
+          </a:ln>
+          <a:effectLst/>
+          <a:extLst>
+            <a:ext uri="{909E8E84-426E-40DD-AFC4-6F175D3DCCD1}">
+              <a14:hiddenFill xmlns:a14="http://schemas.microsoft.com/office/drawing/2010/main">
+                <a:solidFill>
+                  <a:schemeClr val="accent1"/>
+                </a:solidFill>
+              </a14:hiddenFill>
+            </a:ext>
+            <a:ext uri="{91240B29-F687-4F45-9708-019B960494DF}">
+              <a14:hiddenLine xmlns:a14="http://schemas.microsoft.com/office/drawing/2010/main" w="9525">
+                <a:solidFill>
+                  <a:schemeClr val="tx1"/>
+                </a:solidFill>
+                <a:miter lim="800000"/>
+                <a:headEnd/>
+                <a:tailEnd/>
+              </a14:hiddenLine>
+            </a:ext>
+            <a:ext uri="{AF507438-7753-43E0-B8FC-AC1667EBCBE1}">
+              <a14:hiddenEffects xmlns:a14="http://schemas.microsoft.com/office/drawing/2010/main">
+                <a:effectLst>
+                  <a:outerShdw dist="35921" dir="2700000" algn="ctr" rotWithShape="0">
+                    <a:schemeClr val="bg2"/>
+                  </a:outerShdw>
+                </a:effectLst>
+              </a14:hiddenEffects>
+            </a:ext>
+          </a:extLst>
+        </p:spPr>
+        <p:txBody>
+          <a:bodyPr vert="horz" wrap="none" lIns="91440" tIns="45720" rIns="91440" bIns="45720" numCol="1" anchor="ctr" anchorCtr="0" compatLnSpc="1">
+            <a:prstTxWarp prst="textNoShape">
+              <a:avLst/>
+            </a:prstTxWarp>
+            <a:spAutoFit/>
+          </a:bodyPr>
+          <a:lstStyle/>
+          <a:p>
+            <a:endParaRPr lang="en-IL"/>
+          </a:p>
+        </p:txBody>
+      </p:sp>
+      <p:sp>
+        <p:nvSpPr>
+          <p:cNvPr id="11" name="Rectangle 7">
+            <a:extLst>
+              <a:ext uri="{FF2B5EF4-FFF2-40B4-BE49-F238E27FC236}">
+                <a16:creationId xmlns:a16="http://schemas.microsoft.com/office/drawing/2014/main" id="{FB3C6EA6-5462-32DC-9D36-1D0832B30F39}"/>
+              </a:ext>
+            </a:extLst>
+          </p:cNvPr>
+          <p:cNvSpPr>
+            <a:spLocks noChangeArrowheads="1"/>
+          </p:cNvSpPr>
+          <p:nvPr/>
+        </p:nvSpPr>
+        <p:spPr bwMode="auto">
+          <a:xfrm>
+            <a:off x="8763000" y="4187743"/>
+            <a:ext cx="12192000" cy="0"/>
+          </a:xfrm>
+          <a:prstGeom prst="rect">
+            <a:avLst/>
+          </a:prstGeom>
+          <a:noFill/>
+          <a:ln>
+            <a:noFill/>
+          </a:ln>
+          <a:effectLst/>
+          <a:extLst>
+            <a:ext uri="{909E8E84-426E-40DD-AFC4-6F175D3DCCD1}">
+              <a14:hiddenFill xmlns:a14="http://schemas.microsoft.com/office/drawing/2010/main">
+                <a:solidFill>
+                  <a:schemeClr val="accent1"/>
+                </a:solidFill>
+              </a14:hiddenFill>
+            </a:ext>
+            <a:ext uri="{91240B29-F687-4F45-9708-019B960494DF}">
+              <a14:hiddenLine xmlns:a14="http://schemas.microsoft.com/office/drawing/2010/main" w="9525">
+                <a:solidFill>
+                  <a:schemeClr val="tx1"/>
+                </a:solidFill>
+                <a:miter lim="800000"/>
+                <a:headEnd/>
+                <a:tailEnd/>
+              </a14:hiddenLine>
+            </a:ext>
+            <a:ext uri="{AF507438-7753-43E0-B8FC-AC1667EBCBE1}">
+              <a14:hiddenEffects xmlns:a14="http://schemas.microsoft.com/office/drawing/2010/main">
+                <a:effectLst>
+                  <a:outerShdw dist="35921" dir="2700000" algn="ctr" rotWithShape="0">
+                    <a:schemeClr val="bg2"/>
+                  </a:outerShdw>
+                </a:effectLst>
+              </a14:hiddenEffects>
+            </a:ext>
+          </a:extLst>
+        </p:spPr>
+        <p:txBody>
+          <a:bodyPr vert="horz" wrap="none" lIns="91440" tIns="45720" rIns="91440" bIns="45720" numCol="1" anchor="ctr" anchorCtr="0" compatLnSpc="1">
+            <a:prstTxWarp prst="textNoShape">
+              <a:avLst/>
+            </a:prstTxWarp>
+            <a:spAutoFit/>
+          </a:bodyPr>
+          <a:lstStyle/>
+          <a:p>
+            <a:endParaRPr lang="en-IL"/>
+          </a:p>
+        </p:txBody>
+      </p:sp>
+      <p:pic>
+        <p:nvPicPr>
+          <p:cNvPr id="3" name="Picture 2">
+            <a:extLst>
+              <a:ext uri="{FF2B5EF4-FFF2-40B4-BE49-F238E27FC236}">
+                <a16:creationId xmlns:a16="http://schemas.microsoft.com/office/drawing/2014/main" id="{C822ED85-3B49-5A89-9D40-009D18BD7938}"/>
+              </a:ext>
+            </a:extLst>
+          </p:cNvPr>
+          <p:cNvPicPr>
+            <a:picLocks noChangeAspect="1"/>
+          </p:cNvPicPr>
+          <p:nvPr/>
+        </p:nvPicPr>
+        <p:blipFill>
+          <a:blip r:embed="rId4"/>
+          <a:stretch>
+            <a:fillRect/>
+          </a:stretch>
+        </p:blipFill>
+        <p:spPr>
+          <a:xfrm>
+            <a:off x="369886" y="1695132"/>
+            <a:ext cx="8044991" cy="4393708"/>
+          </a:xfrm>
+          <a:prstGeom prst="rect">
+            <a:avLst/>
+          </a:prstGeom>
+          <a:ln>
+            <a:solidFill>
+              <a:schemeClr val="tx1"/>
+            </a:solidFill>
+          </a:ln>
+        </p:spPr>
+      </p:pic>
+      <p:pic>
+        <p:nvPicPr>
+          <p:cNvPr id="4" name="Picture 3">
+            <a:extLst>
+              <a:ext uri="{FF2B5EF4-FFF2-40B4-BE49-F238E27FC236}">
+                <a16:creationId xmlns:a16="http://schemas.microsoft.com/office/drawing/2014/main" id="{5C29EFEB-1779-1F9F-6930-A32538C388EB}"/>
+              </a:ext>
+            </a:extLst>
+          </p:cNvPr>
+          <p:cNvPicPr>
+            <a:picLocks noChangeAspect="1"/>
+          </p:cNvPicPr>
+          <p:nvPr/>
+        </p:nvPicPr>
+        <p:blipFill>
+          <a:blip r:embed="rId5"/>
+          <a:stretch>
+            <a:fillRect/>
+          </a:stretch>
+        </p:blipFill>
+        <p:spPr>
+          <a:xfrm>
+            <a:off x="8489988" y="2415917"/>
+            <a:ext cx="3623341" cy="441577"/>
+          </a:xfrm>
+          <a:prstGeom prst="rect">
+            <a:avLst/>
+          </a:prstGeom>
+          <a:ln>
+            <a:solidFill>
+              <a:schemeClr val="tx1"/>
+            </a:solidFill>
+          </a:ln>
+        </p:spPr>
+      </p:pic>
+      <p:pic>
+        <p:nvPicPr>
+          <p:cNvPr id="6" name="Picture 5">
+            <a:extLst>
+              <a:ext uri="{FF2B5EF4-FFF2-40B4-BE49-F238E27FC236}">
+                <a16:creationId xmlns:a16="http://schemas.microsoft.com/office/drawing/2014/main" id="{2B47CB27-D144-C604-20DD-360F1CC4848C}"/>
+              </a:ext>
+            </a:extLst>
+          </p:cNvPr>
+          <p:cNvPicPr>
+            <a:picLocks noChangeAspect="1"/>
+          </p:cNvPicPr>
+          <p:nvPr/>
+        </p:nvPicPr>
+        <p:blipFill>
+          <a:blip r:embed="rId6"/>
+          <a:stretch>
+            <a:fillRect/>
+          </a:stretch>
+        </p:blipFill>
+        <p:spPr>
+          <a:xfrm>
+            <a:off x="8489987" y="2971121"/>
+            <a:ext cx="3623342" cy="697291"/>
+          </a:xfrm>
+          <a:prstGeom prst="rect">
+            <a:avLst/>
+          </a:prstGeom>
+          <a:ln>
+            <a:solidFill>
+              <a:schemeClr val="tx1"/>
+            </a:solidFill>
+          </a:ln>
+        </p:spPr>
+      </p:pic>
+      <p:pic>
+        <p:nvPicPr>
+          <p:cNvPr id="8" name="Picture 7">
+            <a:extLst>
+              <a:ext uri="{FF2B5EF4-FFF2-40B4-BE49-F238E27FC236}">
+                <a16:creationId xmlns:a16="http://schemas.microsoft.com/office/drawing/2014/main" id="{3A2B82D0-C110-FBDB-E210-6FBFACDD7C8E}"/>
+              </a:ext>
+            </a:extLst>
+          </p:cNvPr>
+          <p:cNvPicPr>
+            <a:picLocks noChangeAspect="1"/>
+          </p:cNvPicPr>
+          <p:nvPr/>
+        </p:nvPicPr>
+        <p:blipFill>
+          <a:blip r:embed="rId7"/>
+          <a:stretch>
+            <a:fillRect/>
+          </a:stretch>
+        </p:blipFill>
+        <p:spPr>
+          <a:xfrm>
+            <a:off x="8489985" y="3744443"/>
+            <a:ext cx="3623343" cy="415886"/>
+          </a:xfrm>
+          <a:prstGeom prst="rect">
+            <a:avLst/>
+          </a:prstGeom>
+          <a:ln>
+            <a:solidFill>
+              <a:schemeClr val="tx1"/>
+            </a:solidFill>
+          </a:ln>
+        </p:spPr>
+      </p:pic>
+      <p:sp>
+        <p:nvSpPr>
+          <p:cNvPr id="12" name="Slide Number Placeholder 11">
+            <a:extLst>
+              <a:ext uri="{FF2B5EF4-FFF2-40B4-BE49-F238E27FC236}">
+                <a16:creationId xmlns:a16="http://schemas.microsoft.com/office/drawing/2014/main" id="{EDD8F7AF-4EBA-E8C7-0769-477DE51F7514}"/>
+              </a:ext>
+            </a:extLst>
+          </p:cNvPr>
+          <p:cNvSpPr>
+            <a:spLocks noGrp="1"/>
+          </p:cNvSpPr>
+          <p:nvPr>
+            <p:ph type="sldNum" sz="quarter" idx="12"/>
+          </p:nvPr>
+        </p:nvSpPr>
+        <p:spPr/>
+        <p:txBody>
+          <a:bodyPr/>
+          <a:lstStyle/>
+          <a:p>
+            <a:fld id="{330EA680-D336-4FF7-8B7A-9848BB0A1C32}" type="slidenum">
+              <a:rPr lang="en-US" smtClean="0"/>
+              <a:t>25</a:t>
+            </a:fld>
+            <a:endParaRPr lang="en-US"/>
+          </a:p>
+        </p:txBody>
+      </p:sp>
+    </p:spTree>
+    <p:extLst>
+      <p:ext uri="{BB962C8B-B14F-4D97-AF65-F5344CB8AC3E}">
+        <p14:creationId xmlns:p14="http://schemas.microsoft.com/office/powerpoint/2010/main" val="1931216529"/>
+      </p:ext>
+    </p:extLst>
+  </p:cSld>
+  <p:clrMapOvr>
+    <a:masterClrMapping/>
+  </p:clrMapOvr>
+</p:sld>
+</file>
+
+<file path=ppt/slides/slide26.xml><?xml version="1.0" encoding="utf-8"?>
+<p:sld xmlns:a="http://schemas.openxmlformats.org/drawingml/2006/main" xmlns:r="http://schemas.openxmlformats.org/officeDocument/2006/relationships" xmlns:p="http://schemas.openxmlformats.org/presentationml/2006/main">
+  <p:cSld>
+    <p:spTree>
+      <p:nvGrpSpPr>
+        <p:cNvPr id="1" name=""/>
+        <p:cNvGrpSpPr/>
+        <p:nvPr/>
+      </p:nvGrpSpPr>
+      <p:grpSpPr>
+        <a:xfrm>
+          <a:off x="0" y="0"/>
+          <a:ext cx="0" cy="0"/>
+          <a:chOff x="0" y="0"/>
+          <a:chExt cx="0" cy="0"/>
+        </a:xfrm>
+      </p:grpSpPr>
+      <p:sp>
+        <p:nvSpPr>
+          <p:cNvPr id="2" name="Title 1">
+            <a:extLst>
+              <a:ext uri="{FF2B5EF4-FFF2-40B4-BE49-F238E27FC236}">
+                <a16:creationId xmlns:a16="http://schemas.microsoft.com/office/drawing/2014/main" id="{41AB2D49-F50E-8EEB-6710-E0DF26E907C5}"/>
+              </a:ext>
+            </a:extLst>
+          </p:cNvPr>
+          <p:cNvSpPr>
+            <a:spLocks noGrp="1"/>
+          </p:cNvSpPr>
+          <p:nvPr>
+            <p:ph type="title"/>
+          </p:nvPr>
+        </p:nvSpPr>
+        <p:spPr>
+          <a:xfrm>
+            <a:off x="838200" y="681037"/>
+            <a:ext cx="10515600" cy="1325563"/>
+          </a:xfrm>
+        </p:spPr>
+        <p:txBody>
+          <a:bodyPr/>
+          <a:lstStyle/>
+          <a:p>
+            <a:r>
+              <a:rPr lang="en-US" sz="4800" b="1" dirty="0">
+                <a:solidFill>
+                  <a:srgbClr val="4472C4"/>
+                </a:solidFill>
+                <a:latin typeface="Calibri Light" panose="020F0302020204030204" pitchFamily="34" charset="0"/>
+                <a:ea typeface="Yu Gothic Light" panose="020B0300000000000000" pitchFamily="34" charset="-128"/>
+                <a:cs typeface="Calibri Light" panose="020F0302020204030204" pitchFamily="34" charset="0"/>
+              </a:rPr>
+              <a:t>User Interface – Test Results</a:t>
+            </a:r>
+          </a:p>
+        </p:txBody>
+      </p:sp>
+      <p:pic>
+        <p:nvPicPr>
+          <p:cNvPr id="5" name="Picture 4">
+            <a:extLst>
+              <a:ext uri="{FF2B5EF4-FFF2-40B4-BE49-F238E27FC236}">
+                <a16:creationId xmlns:a16="http://schemas.microsoft.com/office/drawing/2014/main" id="{9C6E96E8-3AAB-3374-7083-96E56A743931}"/>
+              </a:ext>
+            </a:extLst>
+          </p:cNvPr>
+          <p:cNvPicPr>
+            <a:picLocks noChangeAspect="1"/>
+          </p:cNvPicPr>
+          <p:nvPr/>
+        </p:nvPicPr>
+        <p:blipFill>
+          <a:blip r:embed="rId3" cstate="print">
+            <a:extLst>
+              <a:ext uri="{28A0092B-C50C-407E-A947-70E740481C1C}">
+                <a14:useLocalDpi xmlns:a14="http://schemas.microsoft.com/office/drawing/2010/main" val="0"/>
+              </a:ext>
+            </a:extLst>
+          </a:blip>
+          <a:stretch>
+            <a:fillRect/>
+          </a:stretch>
+        </p:blipFill>
+        <p:spPr>
+          <a:xfrm>
+            <a:off x="0" y="85806"/>
+            <a:ext cx="3060198" cy="722377"/>
+          </a:xfrm>
+          <a:prstGeom prst="rect">
+            <a:avLst/>
+          </a:prstGeom>
+        </p:spPr>
+      </p:pic>
+      <p:sp>
+        <p:nvSpPr>
+          <p:cNvPr id="9" name="Rectangle 5">
+            <a:extLst>
+              <a:ext uri="{FF2B5EF4-FFF2-40B4-BE49-F238E27FC236}">
+                <a16:creationId xmlns:a16="http://schemas.microsoft.com/office/drawing/2014/main" id="{5384EB48-032C-78B4-D28E-7FBE81B1EA7B}"/>
+              </a:ext>
+            </a:extLst>
+          </p:cNvPr>
+          <p:cNvSpPr>
+            <a:spLocks noChangeArrowheads="1"/>
+          </p:cNvSpPr>
+          <p:nvPr/>
+        </p:nvSpPr>
+        <p:spPr bwMode="auto">
+          <a:xfrm>
+            <a:off x="8763000" y="3444793"/>
+            <a:ext cx="12192000" cy="0"/>
+          </a:xfrm>
+          <a:prstGeom prst="rect">
+            <a:avLst/>
+          </a:prstGeom>
+          <a:noFill/>
+          <a:ln>
+            <a:noFill/>
+          </a:ln>
+          <a:effectLst/>
+          <a:extLst>
+            <a:ext uri="{909E8E84-426E-40DD-AFC4-6F175D3DCCD1}">
+              <a14:hiddenFill xmlns:a14="http://schemas.microsoft.com/office/drawing/2010/main">
+                <a:solidFill>
+                  <a:schemeClr val="accent1"/>
+                </a:solidFill>
+              </a14:hiddenFill>
+            </a:ext>
+            <a:ext uri="{91240B29-F687-4F45-9708-019B960494DF}">
+              <a14:hiddenLine xmlns:a14="http://schemas.microsoft.com/office/drawing/2010/main" w="9525">
+                <a:solidFill>
+                  <a:schemeClr val="tx1"/>
+                </a:solidFill>
+                <a:miter lim="800000"/>
+                <a:headEnd/>
+                <a:tailEnd/>
+              </a14:hiddenLine>
+            </a:ext>
+            <a:ext uri="{AF507438-7753-43E0-B8FC-AC1667EBCBE1}">
+              <a14:hiddenEffects xmlns:a14="http://schemas.microsoft.com/office/drawing/2010/main">
+                <a:effectLst>
+                  <a:outerShdw dist="35921" dir="2700000" algn="ctr" rotWithShape="0">
+                    <a:schemeClr val="bg2"/>
+                  </a:outerShdw>
+                </a:effectLst>
+              </a14:hiddenEffects>
+            </a:ext>
+          </a:extLst>
+        </p:spPr>
+        <p:txBody>
+          <a:bodyPr vert="horz" wrap="none" lIns="91440" tIns="45720" rIns="91440" bIns="45720" numCol="1" anchor="ctr" anchorCtr="0" compatLnSpc="1">
+            <a:prstTxWarp prst="textNoShape">
+              <a:avLst/>
+            </a:prstTxWarp>
+            <a:spAutoFit/>
+          </a:bodyPr>
+          <a:lstStyle/>
+          <a:p>
+            <a:endParaRPr lang="en-IL"/>
+          </a:p>
+        </p:txBody>
+      </p:sp>
+      <p:sp>
+        <p:nvSpPr>
+          <p:cNvPr id="10" name="Rectangle 6">
+            <a:extLst>
+              <a:ext uri="{FF2B5EF4-FFF2-40B4-BE49-F238E27FC236}">
+                <a16:creationId xmlns:a16="http://schemas.microsoft.com/office/drawing/2014/main" id="{1A124640-4617-0D01-0CD7-7933D84E6F21}"/>
+              </a:ext>
+            </a:extLst>
+          </p:cNvPr>
+          <p:cNvSpPr>
+            <a:spLocks noChangeArrowheads="1"/>
+          </p:cNvSpPr>
+          <p:nvPr/>
+        </p:nvSpPr>
+        <p:spPr bwMode="auto">
+          <a:xfrm>
+            <a:off x="8763000" y="3816268"/>
+            <a:ext cx="12192000" cy="0"/>
+          </a:xfrm>
+          <a:prstGeom prst="rect">
+            <a:avLst/>
+          </a:prstGeom>
+          <a:noFill/>
+          <a:ln>
+            <a:noFill/>
+          </a:ln>
+          <a:effectLst/>
+          <a:extLst>
+            <a:ext uri="{909E8E84-426E-40DD-AFC4-6F175D3DCCD1}">
+              <a14:hiddenFill xmlns:a14="http://schemas.microsoft.com/office/drawing/2010/main">
+                <a:solidFill>
+                  <a:schemeClr val="accent1"/>
+                </a:solidFill>
+              </a14:hiddenFill>
+            </a:ext>
+            <a:ext uri="{91240B29-F687-4F45-9708-019B960494DF}">
+              <a14:hiddenLine xmlns:a14="http://schemas.microsoft.com/office/drawing/2010/main" w="9525">
+                <a:solidFill>
+                  <a:schemeClr val="tx1"/>
+                </a:solidFill>
+                <a:miter lim="800000"/>
+                <a:headEnd/>
+                <a:tailEnd/>
+              </a14:hiddenLine>
+            </a:ext>
+            <a:ext uri="{AF507438-7753-43E0-B8FC-AC1667EBCBE1}">
+              <a14:hiddenEffects xmlns:a14="http://schemas.microsoft.com/office/drawing/2010/main">
+                <a:effectLst>
+                  <a:outerShdw dist="35921" dir="2700000" algn="ctr" rotWithShape="0">
+                    <a:schemeClr val="bg2"/>
+                  </a:outerShdw>
+                </a:effectLst>
+              </a14:hiddenEffects>
+            </a:ext>
+          </a:extLst>
+        </p:spPr>
+        <p:txBody>
+          <a:bodyPr vert="horz" wrap="none" lIns="91440" tIns="45720" rIns="91440" bIns="45720" numCol="1" anchor="ctr" anchorCtr="0" compatLnSpc="1">
+            <a:prstTxWarp prst="textNoShape">
+              <a:avLst/>
+            </a:prstTxWarp>
+            <a:spAutoFit/>
+          </a:bodyPr>
+          <a:lstStyle/>
+          <a:p>
+            <a:endParaRPr lang="en-IL"/>
+          </a:p>
+        </p:txBody>
+      </p:sp>
+      <p:sp>
+        <p:nvSpPr>
+          <p:cNvPr id="11" name="Rectangle 7">
+            <a:extLst>
+              <a:ext uri="{FF2B5EF4-FFF2-40B4-BE49-F238E27FC236}">
+                <a16:creationId xmlns:a16="http://schemas.microsoft.com/office/drawing/2014/main" id="{FB3C6EA6-5462-32DC-9D36-1D0832B30F39}"/>
+              </a:ext>
+            </a:extLst>
+          </p:cNvPr>
+          <p:cNvSpPr>
+            <a:spLocks noChangeArrowheads="1"/>
+          </p:cNvSpPr>
+          <p:nvPr/>
+        </p:nvSpPr>
+        <p:spPr bwMode="auto">
+          <a:xfrm>
+            <a:off x="8763000" y="4187743"/>
+            <a:ext cx="12192000" cy="0"/>
+          </a:xfrm>
+          <a:prstGeom prst="rect">
+            <a:avLst/>
+          </a:prstGeom>
+          <a:noFill/>
+          <a:ln>
+            <a:noFill/>
+          </a:ln>
+          <a:effectLst/>
+          <a:extLst>
+            <a:ext uri="{909E8E84-426E-40DD-AFC4-6F175D3DCCD1}">
+              <a14:hiddenFill xmlns:a14="http://schemas.microsoft.com/office/drawing/2010/main">
+                <a:solidFill>
+                  <a:schemeClr val="accent1"/>
+                </a:solidFill>
+              </a14:hiddenFill>
+            </a:ext>
+            <a:ext uri="{91240B29-F687-4F45-9708-019B960494DF}">
+              <a14:hiddenLine xmlns:a14="http://schemas.microsoft.com/office/drawing/2010/main" w="9525">
+                <a:solidFill>
+                  <a:schemeClr val="tx1"/>
+                </a:solidFill>
+                <a:miter lim="800000"/>
+                <a:headEnd/>
+                <a:tailEnd/>
+              </a14:hiddenLine>
+            </a:ext>
+            <a:ext uri="{AF507438-7753-43E0-B8FC-AC1667EBCBE1}">
+              <a14:hiddenEffects xmlns:a14="http://schemas.microsoft.com/office/drawing/2010/main">
+                <a:effectLst>
+                  <a:outerShdw dist="35921" dir="2700000" algn="ctr" rotWithShape="0">
+                    <a:schemeClr val="bg2"/>
+                  </a:outerShdw>
+                </a:effectLst>
+              </a14:hiddenEffects>
+            </a:ext>
+          </a:extLst>
+        </p:spPr>
+        <p:txBody>
+          <a:bodyPr vert="horz" wrap="none" lIns="91440" tIns="45720" rIns="91440" bIns="45720" numCol="1" anchor="ctr" anchorCtr="0" compatLnSpc="1">
+            <a:prstTxWarp prst="textNoShape">
+              <a:avLst/>
+            </a:prstTxWarp>
+            <a:spAutoFit/>
+          </a:bodyPr>
+          <a:lstStyle/>
+          <a:p>
+            <a:endParaRPr lang="en-IL"/>
+          </a:p>
+        </p:txBody>
+      </p:sp>
+      <p:pic>
+        <p:nvPicPr>
+          <p:cNvPr id="3" name="Picture 2">
+            <a:extLst>
+              <a:ext uri="{FF2B5EF4-FFF2-40B4-BE49-F238E27FC236}">
+                <a16:creationId xmlns:a16="http://schemas.microsoft.com/office/drawing/2014/main" id="{8A2FB266-38D3-0389-B14B-5893F6E06226}"/>
+              </a:ext>
+            </a:extLst>
+          </p:cNvPr>
+          <p:cNvPicPr>
+            <a:picLocks noChangeAspect="1"/>
+          </p:cNvPicPr>
+          <p:nvPr/>
+        </p:nvPicPr>
+        <p:blipFill>
+          <a:blip r:embed="rId4"/>
+          <a:stretch>
+            <a:fillRect/>
+          </a:stretch>
+        </p:blipFill>
+        <p:spPr>
+          <a:xfrm>
+            <a:off x="369887" y="1618931"/>
+            <a:ext cx="7615873" cy="5004351"/>
+          </a:xfrm>
+          <a:prstGeom prst="rect">
+            <a:avLst/>
+          </a:prstGeom>
+          <a:ln>
+            <a:solidFill>
+              <a:schemeClr val="tx1"/>
+            </a:solidFill>
+          </a:ln>
+        </p:spPr>
+      </p:pic>
+      <p:pic>
+        <p:nvPicPr>
+          <p:cNvPr id="4" name="Picture 3">
+            <a:extLst>
+              <a:ext uri="{FF2B5EF4-FFF2-40B4-BE49-F238E27FC236}">
+                <a16:creationId xmlns:a16="http://schemas.microsoft.com/office/drawing/2014/main" id="{D5708EF8-51A2-4750-46A2-DBAC7EA9CE33}"/>
+              </a:ext>
+            </a:extLst>
+          </p:cNvPr>
+          <p:cNvPicPr>
+            <a:picLocks noChangeAspect="1"/>
+          </p:cNvPicPr>
+          <p:nvPr/>
+        </p:nvPicPr>
+        <p:blipFill>
+          <a:blip r:embed="rId5"/>
+          <a:stretch>
+            <a:fillRect/>
+          </a:stretch>
+        </p:blipFill>
+        <p:spPr>
+          <a:xfrm>
+            <a:off x="3404552" y="1967547"/>
+            <a:ext cx="3445828" cy="4606692"/>
+          </a:xfrm>
+          <a:prstGeom prst="rect">
+            <a:avLst/>
+          </a:prstGeom>
+          <a:ln>
+            <a:solidFill>
+              <a:schemeClr val="bg1"/>
+            </a:solidFill>
+          </a:ln>
+        </p:spPr>
+      </p:pic>
+      <p:sp>
+        <p:nvSpPr>
+          <p:cNvPr id="6" name="Slide Number Placeholder 5">
+            <a:extLst>
+              <a:ext uri="{FF2B5EF4-FFF2-40B4-BE49-F238E27FC236}">
+                <a16:creationId xmlns:a16="http://schemas.microsoft.com/office/drawing/2014/main" id="{E78CEBFB-DA48-0B10-397F-01243C78902C}"/>
+              </a:ext>
+            </a:extLst>
+          </p:cNvPr>
+          <p:cNvSpPr>
+            <a:spLocks noGrp="1"/>
+          </p:cNvSpPr>
+          <p:nvPr>
+            <p:ph type="sldNum" sz="quarter" idx="12"/>
+          </p:nvPr>
+        </p:nvSpPr>
+        <p:spPr/>
+        <p:txBody>
+          <a:bodyPr/>
+          <a:lstStyle/>
+          <a:p>
+            <a:fld id="{330EA680-D336-4FF7-8B7A-9848BB0A1C32}" type="slidenum">
+              <a:rPr lang="en-US" smtClean="0"/>
+              <a:t>26</a:t>
+            </a:fld>
+            <a:endParaRPr lang="en-US"/>
+          </a:p>
+        </p:txBody>
+      </p:sp>
+    </p:spTree>
+    <p:extLst>
+      <p:ext uri="{BB962C8B-B14F-4D97-AF65-F5344CB8AC3E}">
+        <p14:creationId xmlns:p14="http://schemas.microsoft.com/office/powerpoint/2010/main" val="3439435870"/>
+      </p:ext>
+    </p:extLst>
+  </p:cSld>
+  <p:clrMapOvr>
+    <a:masterClrMapping/>
+  </p:clrMapOvr>
+</p:sld>
+</file>
+
+<file path=ppt/slides/slide27.xml><?xml version="1.0" encoding="utf-8"?>
+<p:sld xmlns:a="http://schemas.openxmlformats.org/drawingml/2006/main" xmlns:r="http://schemas.openxmlformats.org/officeDocument/2006/relationships" xmlns:p="http://schemas.openxmlformats.org/presentationml/2006/main">
+  <p:cSld>
+    <p:spTree>
+      <p:nvGrpSpPr>
+        <p:cNvPr id="1" name=""/>
+        <p:cNvGrpSpPr/>
+        <p:nvPr/>
+      </p:nvGrpSpPr>
+      <p:grpSpPr>
+        <a:xfrm>
+          <a:off x="0" y="0"/>
+          <a:ext cx="0" cy="0"/>
+          <a:chOff x="0" y="0"/>
+          <a:chExt cx="0" cy="0"/>
+        </a:xfrm>
+      </p:grpSpPr>
+      <p:sp>
+        <p:nvSpPr>
           <p:cNvPr id="3" name="Content Placeholder 2">
             <a:extLst>
               <a:ext uri="{FF2B5EF4-FFF2-40B4-BE49-F238E27FC236}">
@@ -9568,337 +13937,12 @@
           </a:p>
         </p:txBody>
       </p:sp>
-    </p:spTree>
-    <p:extLst>
-      <p:ext uri="{BB962C8B-B14F-4D97-AF65-F5344CB8AC3E}">
-        <p14:creationId xmlns:p14="http://schemas.microsoft.com/office/powerpoint/2010/main" val="3216213051"/>
-      </p:ext>
-    </p:extLst>
-  </p:cSld>
-  <p:clrMapOvr>
-    <a:masterClrMapping/>
-  </p:clrMapOvr>
-</p:sld>
-</file>
-
-<file path=ppt/slides/slide3.xml><?xml version="1.0" encoding="utf-8"?>
-<p:sld xmlns:a="http://schemas.openxmlformats.org/drawingml/2006/main" xmlns:r="http://schemas.openxmlformats.org/officeDocument/2006/relationships" xmlns:p="http://schemas.openxmlformats.org/presentationml/2006/main">
-  <p:cSld>
-    <p:bg>
-      <p:bgRef idx="1001">
-        <a:schemeClr val="bg1"/>
-      </p:bgRef>
-    </p:bg>
-    <p:spTree>
-      <p:nvGrpSpPr>
-        <p:cNvPr id="1" name=""/>
-        <p:cNvGrpSpPr/>
-        <p:nvPr/>
-      </p:nvGrpSpPr>
-      <p:grpSpPr>
-        <a:xfrm>
-          <a:off x="0" y="0"/>
-          <a:ext cx="0" cy="0"/>
-          <a:chOff x="0" y="0"/>
-          <a:chExt cx="0" cy="0"/>
-        </a:xfrm>
-      </p:grpSpPr>
-      <p:sp>
-        <p:nvSpPr>
-          <p:cNvPr id="2" name="כותרת 1">
+      <p:sp>
+        <p:nvSpPr>
+          <p:cNvPr id="2" name="Content Placeholder 2">
             <a:extLst>
               <a:ext uri="{FF2B5EF4-FFF2-40B4-BE49-F238E27FC236}">
-                <a16:creationId xmlns:a16="http://schemas.microsoft.com/office/drawing/2014/main" id="{F05DF143-DAD3-F478-84CB-4191F0579509}"/>
-              </a:ext>
-            </a:extLst>
-          </p:cNvPr>
-          <p:cNvSpPr>
-            <a:spLocks noGrp="1"/>
-          </p:cNvSpPr>
-          <p:nvPr>
-            <p:ph type="title"/>
-          </p:nvPr>
-        </p:nvSpPr>
-        <p:spPr>
-          <a:xfrm>
-            <a:off x="838200" y="808183"/>
-            <a:ext cx="5240552" cy="1325563"/>
-          </a:xfrm>
-        </p:spPr>
-        <p:txBody>
-          <a:bodyPr/>
-          <a:lstStyle/>
-          <a:p>
-            <a:r>
-              <a:rPr lang="en-US" sz="4800" b="1" dirty="0">
-                <a:solidFill>
-                  <a:srgbClr val="4472C4"/>
-                </a:solidFill>
-                <a:latin typeface="Calibri Light" panose="020F0302020204030204" pitchFamily="34" charset="0"/>
-                <a:ea typeface="Yu Gothic Light" panose="020B0300000000000000" pitchFamily="34" charset="-128"/>
-                <a:cs typeface="Calibri Light" panose="020F0302020204030204" pitchFamily="34" charset="0"/>
-              </a:rPr>
-              <a:t>Introduction</a:t>
-            </a:r>
-            <a:r>
-              <a:rPr lang="en-US" sz="4800" dirty="0">
-                <a:solidFill>
-                  <a:srgbClr val="4472C4"/>
-                </a:solidFill>
-                <a:latin typeface="Calibri Light" panose="020F0302020204030204" pitchFamily="34" charset="0"/>
-                <a:ea typeface="Yu Gothic Light" panose="020B0300000000000000" pitchFamily="34" charset="-128"/>
-                <a:cs typeface="Calibri Light" panose="020F0302020204030204" pitchFamily="34" charset="0"/>
-              </a:rPr>
-              <a:t> </a:t>
-            </a:r>
-            <a:endParaRPr lang="he-IL" sz="4800" dirty="0">
-              <a:solidFill>
-                <a:srgbClr val="4472C4"/>
-              </a:solidFill>
-              <a:latin typeface="Calibri Light" panose="020F0302020204030204" pitchFamily="34" charset="0"/>
-              <a:ea typeface="Yu Gothic Light" panose="020B0300000000000000" pitchFamily="34" charset="-128"/>
-              <a:cs typeface="Calibri Light" panose="020F0302020204030204" pitchFamily="34" charset="0"/>
-            </a:endParaRPr>
-          </a:p>
-        </p:txBody>
-      </p:sp>
-      <p:sp>
-        <p:nvSpPr>
-          <p:cNvPr id="3" name="מציין מיקום תוכן 2">
-            <a:extLst>
-              <a:ext uri="{FF2B5EF4-FFF2-40B4-BE49-F238E27FC236}">
-                <a16:creationId xmlns:a16="http://schemas.microsoft.com/office/drawing/2014/main" id="{329E25EB-042A-293A-A59B-6564013926F8}"/>
-              </a:ext>
-            </a:extLst>
-          </p:cNvPr>
-          <p:cNvSpPr>
-            <a:spLocks noGrp="1"/>
-          </p:cNvSpPr>
-          <p:nvPr>
-            <p:ph idx="1"/>
-          </p:nvPr>
-        </p:nvSpPr>
-        <p:spPr>
-          <a:xfrm>
-            <a:off x="694992" y="1955187"/>
-            <a:ext cx="10921285" cy="3086892"/>
-          </a:xfrm>
-        </p:spPr>
-        <p:txBody>
-          <a:bodyPr>
-            <a:normAutofit lnSpcReduction="10000"/>
-          </a:bodyPr>
-          <a:lstStyle/>
-          <a:p>
-            <a:pPr algn="l" rtl="0"/>
-            <a:r>
-              <a:rPr lang="en-US" sz="4000" dirty="0"/>
-              <a:t>Direct calculations are computationally expensive</a:t>
-            </a:r>
-          </a:p>
-          <a:p>
-            <a:pPr algn="l" rtl="0"/>
-            <a:r>
-              <a:rPr lang="en-US" sz="4000" dirty="0"/>
-              <a:t>Faster algorithms need to be tested</a:t>
-            </a:r>
-          </a:p>
-          <a:p>
-            <a:pPr algn="l" rtl="0"/>
-            <a:endParaRPr lang="en-US" sz="4000" dirty="0"/>
-          </a:p>
-          <a:p>
-            <a:pPr algn="l" rtl="0"/>
-            <a:r>
-              <a:rPr lang="en-US" sz="4000" dirty="0"/>
-              <a:t>Implementing on a satellite on-board computer</a:t>
-            </a:r>
-          </a:p>
-          <a:p>
-            <a:pPr algn="l" rtl="0"/>
-            <a:r>
-              <a:rPr lang="en-US" sz="4000" dirty="0"/>
-              <a:t>Testing the algorithms</a:t>
-            </a:r>
-          </a:p>
-          <a:p>
-            <a:pPr marL="0" indent="0" algn="l" rtl="0">
-              <a:buNone/>
-            </a:pPr>
-            <a:endParaRPr lang="he-IL" sz="4000" dirty="0"/>
-          </a:p>
-        </p:txBody>
-      </p:sp>
-      <p:pic>
-        <p:nvPicPr>
-          <p:cNvPr id="5" name="Picture 4">
-            <a:extLst>
-              <a:ext uri="{FF2B5EF4-FFF2-40B4-BE49-F238E27FC236}">
-                <a16:creationId xmlns:a16="http://schemas.microsoft.com/office/drawing/2014/main" id="{54CFBE00-45A3-0F6A-3FDB-21E8D0B12CEF}"/>
-              </a:ext>
-            </a:extLst>
-          </p:cNvPr>
-          <p:cNvPicPr>
-            <a:picLocks noChangeAspect="1"/>
-          </p:cNvPicPr>
-          <p:nvPr/>
-        </p:nvPicPr>
-        <p:blipFill>
-          <a:blip r:embed="rId4" cstate="print">
-            <a:extLst>
-              <a:ext uri="{28A0092B-C50C-407E-A947-70E740481C1C}">
-                <a14:useLocalDpi xmlns:a14="http://schemas.microsoft.com/office/drawing/2010/main" val="0"/>
-              </a:ext>
-            </a:extLst>
-          </a:blip>
-          <a:stretch>
-            <a:fillRect/>
-          </a:stretch>
-        </p:blipFill>
-        <p:spPr>
-          <a:xfrm>
-            <a:off x="0" y="85806"/>
-            <a:ext cx="3060198" cy="722377"/>
-          </a:xfrm>
-          <a:prstGeom prst="rect">
-            <a:avLst/>
-          </a:prstGeom>
-        </p:spPr>
-      </p:pic>
-    </p:spTree>
-    <p:extLst>
-      <p:ext uri="{BB962C8B-B14F-4D97-AF65-F5344CB8AC3E}">
-        <p14:creationId xmlns:p14="http://schemas.microsoft.com/office/powerpoint/2010/main" val="1529494641"/>
-      </p:ext>
-    </p:extLst>
-  </p:cSld>
-  <p:clrMapOvr>
-    <a:overrideClrMapping bg1="lt1" tx1="dk1" bg2="lt2" tx2="dk2" accent1="accent1" accent2="accent2" accent3="accent3" accent4="accent4" accent5="accent5" accent6="accent6" hlink="hlink" folHlink="folHlink"/>
-  </p:clrMapOvr>
-</p:sld>
-</file>
-
-<file path=ppt/slides/slide4.xml><?xml version="1.0" encoding="utf-8"?>
-<p:sld xmlns:a="http://schemas.openxmlformats.org/drawingml/2006/main" xmlns:r="http://schemas.openxmlformats.org/officeDocument/2006/relationships" xmlns:p="http://schemas.openxmlformats.org/presentationml/2006/main">
-  <p:cSld>
-    <p:bg>
-      <p:bgRef idx="1001">
-        <a:schemeClr val="bg1"/>
-      </p:bgRef>
-    </p:bg>
-    <p:spTree>
-      <p:nvGrpSpPr>
-        <p:cNvPr id="1" name=""/>
-        <p:cNvGrpSpPr/>
-        <p:nvPr/>
-      </p:nvGrpSpPr>
-      <p:grpSpPr>
-        <a:xfrm>
-          <a:off x="0" y="0"/>
-          <a:ext cx="0" cy="0"/>
-          <a:chOff x="0" y="0"/>
-          <a:chExt cx="0" cy="0"/>
-        </a:xfrm>
-      </p:grpSpPr>
-      <p:sp>
-        <p:nvSpPr>
-          <p:cNvPr id="3" name="מציין מיקום תוכן 2">
-            <a:extLst>
-              <a:ext uri="{FF2B5EF4-FFF2-40B4-BE49-F238E27FC236}">
-                <a16:creationId xmlns:a16="http://schemas.microsoft.com/office/drawing/2014/main" id="{329E25EB-042A-293A-A59B-6564013926F8}"/>
-              </a:ext>
-            </a:extLst>
-          </p:cNvPr>
-          <p:cNvSpPr>
-            <a:spLocks noGrp="1"/>
-          </p:cNvSpPr>
-          <p:nvPr>
-            <p:ph idx="1"/>
-          </p:nvPr>
-        </p:nvSpPr>
-        <p:spPr>
-          <a:xfrm>
-            <a:off x="498325" y="1772181"/>
-            <a:ext cx="10232428" cy="3200462"/>
-          </a:xfrm>
-        </p:spPr>
-        <p:txBody>
-          <a:bodyPr>
-            <a:normAutofit/>
-          </a:bodyPr>
-          <a:lstStyle/>
-          <a:p>
-            <a:pPr algn="l" rtl="0"/>
-            <a:r>
-              <a:rPr lang="en-US" sz="4000" dirty="0"/>
-              <a:t>Approximations using polynomials</a:t>
-            </a:r>
-          </a:p>
-          <a:p>
-            <a:pPr algn="l" rtl="0"/>
-            <a:r>
-              <a:rPr lang="en-US" sz="4000" dirty="0"/>
-              <a:t>ANCAS</a:t>
-            </a:r>
-          </a:p>
-          <a:p>
-            <a:pPr algn="l" rtl="0"/>
-            <a:r>
-              <a:rPr lang="en-US" sz="4000" dirty="0"/>
-              <a:t>SBO ANCAS</a:t>
-            </a:r>
-          </a:p>
-          <a:p>
-            <a:pPr algn="l" rtl="0"/>
-            <a:r>
-              <a:rPr lang="en-US" sz="4000" dirty="0"/>
-              <a:t>CATCH</a:t>
-            </a:r>
-          </a:p>
-        </p:txBody>
-      </p:sp>
-      <p:pic>
-        <p:nvPicPr>
-          <p:cNvPr id="4" name="Picture 3">
-            <a:extLst>
-              <a:ext uri="{FF2B5EF4-FFF2-40B4-BE49-F238E27FC236}">
-                <a16:creationId xmlns:a16="http://schemas.microsoft.com/office/drawing/2014/main" id="{CD463AA5-BB4A-5CA4-9DDB-51892E895E20}"/>
-              </a:ext>
-            </a:extLst>
-          </p:cNvPr>
-          <p:cNvPicPr>
-            <a:picLocks noChangeAspect="1"/>
-          </p:cNvPicPr>
-          <p:nvPr/>
-        </p:nvPicPr>
-        <p:blipFill>
-          <a:blip r:embed="rId4" cstate="print">
-            <a:extLst>
-              <a:ext uri="{28A0092B-C50C-407E-A947-70E740481C1C}">
-                <a14:useLocalDpi xmlns:a14="http://schemas.microsoft.com/office/drawing/2010/main" val="0"/>
-              </a:ext>
-            </a:extLst>
-          </a:blip>
-          <a:stretch>
-            <a:fillRect/>
-          </a:stretch>
-        </p:blipFill>
-        <p:spPr>
-          <a:xfrm>
-            <a:off x="0" y="85806"/>
-            <a:ext cx="3060198" cy="722377"/>
-          </a:xfrm>
-          <a:prstGeom prst="rect">
-            <a:avLst/>
-          </a:prstGeom>
-        </p:spPr>
-      </p:pic>
-      <p:sp>
-        <p:nvSpPr>
-          <p:cNvPr id="5" name="כותרת 1">
-            <a:extLst>
-              <a:ext uri="{FF2B5EF4-FFF2-40B4-BE49-F238E27FC236}">
-                <a16:creationId xmlns:a16="http://schemas.microsoft.com/office/drawing/2014/main" id="{5305374F-86B0-0266-78AD-EF79F1485C24}"/>
+                <a16:creationId xmlns:a16="http://schemas.microsoft.com/office/drawing/2014/main" id="{2176FE4F-5D61-CFFC-7254-9865BDB61A92}"/>
               </a:ext>
             </a:extLst>
           </p:cNvPr>
@@ -9909,706 +13953,8 @@
         </p:nvSpPr>
         <p:spPr>
           <a:xfrm>
-            <a:off x="838200" y="808183"/>
-            <a:ext cx="10515600" cy="1325563"/>
-          </a:xfrm>
-          <a:prstGeom prst="rect">
-            <a:avLst/>
-          </a:prstGeom>
-        </p:spPr>
-        <p:txBody>
-          <a:bodyPr vert="horz" lIns="91440" tIns="45720" rIns="91440" bIns="45720" rtlCol="0" anchor="ctr">
-            <a:normAutofit/>
-          </a:bodyPr>
-          <a:lstStyle>
-            <a:lvl1pPr algn="l" defTabSz="914400" rtl="0" eaLnBrk="1" latinLnBrk="0" hangingPunct="1">
-              <a:lnSpc>
-                <a:spcPct val="90000"/>
-              </a:lnSpc>
-              <a:spcBef>
-                <a:spcPct val="0"/>
-              </a:spcBef>
-              <a:buNone/>
-              <a:defRPr sz="4400" kern="1200">
-                <a:solidFill>
-                  <a:schemeClr val="tx1"/>
-                </a:solidFill>
-                <a:latin typeface="+mj-lt"/>
-                <a:ea typeface="+mj-ea"/>
-                <a:cs typeface="+mj-cs"/>
-              </a:defRPr>
-            </a:lvl1pPr>
-          </a:lstStyle>
-          <a:p>
-            <a:r>
-              <a:rPr lang="en-US" sz="4800" b="1" dirty="0">
-                <a:solidFill>
-                  <a:srgbClr val="4472C4"/>
-                </a:solidFill>
-                <a:latin typeface="Calibri Light" panose="020F0302020204030204" pitchFamily="34" charset="0"/>
-                <a:ea typeface="Yu Gothic Light" panose="020B0300000000000000" pitchFamily="34" charset="-128"/>
-                <a:cs typeface="Calibri Light" panose="020F0302020204030204" pitchFamily="34" charset="0"/>
-              </a:rPr>
-              <a:t>Algorithms</a:t>
-            </a:r>
-            <a:endParaRPr lang="he-IL" sz="4800" b="1" dirty="0">
-              <a:solidFill>
-                <a:srgbClr val="4472C4"/>
-              </a:solidFill>
-              <a:latin typeface="Calibri Light" panose="020F0302020204030204" pitchFamily="34" charset="0"/>
-              <a:ea typeface="Yu Gothic Light" panose="020B0300000000000000" pitchFamily="34" charset="-128"/>
-              <a:cs typeface="Calibri Light" panose="020F0302020204030204" pitchFamily="34" charset="0"/>
-            </a:endParaRPr>
-          </a:p>
-        </p:txBody>
-      </p:sp>
-    </p:spTree>
-    <p:extLst>
-      <p:ext uri="{BB962C8B-B14F-4D97-AF65-F5344CB8AC3E}">
-        <p14:creationId xmlns:p14="http://schemas.microsoft.com/office/powerpoint/2010/main" val="3469660176"/>
-      </p:ext>
-    </p:extLst>
-  </p:cSld>
-  <p:clrMapOvr>
-    <a:overrideClrMapping bg1="lt1" tx1="dk1" bg2="lt2" tx2="dk2" accent1="accent1" accent2="accent2" accent3="accent3" accent4="accent4" accent5="accent5" accent6="accent6" hlink="hlink" folHlink="folHlink"/>
-  </p:clrMapOvr>
-</p:sld>
-</file>
-
-<file path=ppt/slides/slide5.xml><?xml version="1.0" encoding="utf-8"?>
-<p:sld xmlns:a="http://schemas.openxmlformats.org/drawingml/2006/main" xmlns:r="http://schemas.openxmlformats.org/officeDocument/2006/relationships" xmlns:p="http://schemas.openxmlformats.org/presentationml/2006/main">
-  <p:cSld>
-    <p:spTree>
-      <p:nvGrpSpPr>
-        <p:cNvPr id="1" name=""/>
-        <p:cNvGrpSpPr/>
-        <p:nvPr/>
-      </p:nvGrpSpPr>
-      <p:grpSpPr>
-        <a:xfrm>
-          <a:off x="0" y="0"/>
-          <a:ext cx="0" cy="0"/>
-          <a:chOff x="0" y="0"/>
-          <a:chExt cx="0" cy="0"/>
-        </a:xfrm>
-      </p:grpSpPr>
-      <p:sp>
-        <p:nvSpPr>
-          <p:cNvPr id="3" name="Content Placeholder 2">
-            <a:extLst>
-              <a:ext uri="{FF2B5EF4-FFF2-40B4-BE49-F238E27FC236}">
-                <a16:creationId xmlns:a16="http://schemas.microsoft.com/office/drawing/2014/main" id="{7086DE0A-7124-934E-12FA-C23473DE4BE7}"/>
-              </a:ext>
-            </a:extLst>
-          </p:cNvPr>
-          <p:cNvSpPr>
-            <a:spLocks noGrp="1"/>
-          </p:cNvSpPr>
-          <p:nvPr>
-            <p:ph idx="1"/>
-          </p:nvPr>
-        </p:nvSpPr>
-        <p:spPr>
-          <a:xfrm>
-            <a:off x="838200" y="2185987"/>
-            <a:ext cx="10515600" cy="3990975"/>
-          </a:xfrm>
-        </p:spPr>
-        <p:txBody>
-          <a:bodyPr/>
-          <a:lstStyle/>
-          <a:p>
-            <a:pPr algn="l" rtl="0">
-              <a:lnSpc>
-                <a:spcPct val="200000"/>
-              </a:lnSpc>
-            </a:pPr>
-            <a:r>
-              <a:rPr lang="en-US" dirty="0"/>
-              <a:t>Implemented, tested and ready to use algorithms</a:t>
-            </a:r>
-          </a:p>
-          <a:p>
-            <a:pPr algn="l" rtl="0">
-              <a:lnSpc>
-                <a:spcPct val="200000"/>
-              </a:lnSpc>
-            </a:pPr>
-            <a:r>
-              <a:rPr lang="en-US" dirty="0"/>
-              <a:t>Testing system</a:t>
-            </a:r>
-          </a:p>
-          <a:p>
-            <a:pPr algn="l" rtl="0">
-              <a:lnSpc>
-                <a:spcPct val="200000"/>
-              </a:lnSpc>
-            </a:pPr>
-            <a:r>
-              <a:rPr lang="en-US" dirty="0"/>
-              <a:t>Experiments result, feasibility of using the algorithms on satellites</a:t>
-            </a:r>
-          </a:p>
-          <a:p>
-            <a:pPr marL="0" indent="0" algn="l" rtl="0">
-              <a:lnSpc>
-                <a:spcPct val="200000"/>
-              </a:lnSpc>
-              <a:buNone/>
-            </a:pPr>
-            <a:endParaRPr lang="en-US" dirty="0"/>
-          </a:p>
-        </p:txBody>
-      </p:sp>
-      <p:pic>
-        <p:nvPicPr>
-          <p:cNvPr id="5" name="Picture 4">
-            <a:extLst>
-              <a:ext uri="{FF2B5EF4-FFF2-40B4-BE49-F238E27FC236}">
-                <a16:creationId xmlns:a16="http://schemas.microsoft.com/office/drawing/2014/main" id="{F02DCF7B-3625-B27C-AA80-60814CAF9153}"/>
-              </a:ext>
-            </a:extLst>
-          </p:cNvPr>
-          <p:cNvPicPr>
-            <a:picLocks noChangeAspect="1"/>
-          </p:cNvPicPr>
-          <p:nvPr/>
-        </p:nvPicPr>
-        <p:blipFill>
-          <a:blip r:embed="rId3" cstate="print">
-            <a:extLst>
-              <a:ext uri="{28A0092B-C50C-407E-A947-70E740481C1C}">
-                <a14:useLocalDpi xmlns:a14="http://schemas.microsoft.com/office/drawing/2010/main" val="0"/>
-              </a:ext>
-            </a:extLst>
-          </a:blip>
-          <a:stretch>
-            <a:fillRect/>
-          </a:stretch>
-        </p:blipFill>
-        <p:spPr>
-          <a:xfrm>
-            <a:off x="0" y="85806"/>
-            <a:ext cx="3060198" cy="722377"/>
-          </a:xfrm>
-          <a:prstGeom prst="rect">
-            <a:avLst/>
-          </a:prstGeom>
-        </p:spPr>
-      </p:pic>
-      <p:sp>
-        <p:nvSpPr>
-          <p:cNvPr id="6" name="Title 1">
-            <a:extLst>
-              <a:ext uri="{FF2B5EF4-FFF2-40B4-BE49-F238E27FC236}">
-                <a16:creationId xmlns:a16="http://schemas.microsoft.com/office/drawing/2014/main" id="{14DFA69D-DA9B-C659-FC54-DD6B1E1A08BE}"/>
-              </a:ext>
-            </a:extLst>
-          </p:cNvPr>
-          <p:cNvSpPr txBox="1">
-            <a:spLocks/>
-          </p:cNvSpPr>
-          <p:nvPr/>
-        </p:nvSpPr>
-        <p:spPr>
-          <a:xfrm>
-            <a:off x="838200" y="860425"/>
-            <a:ext cx="10515600" cy="1325563"/>
-          </a:xfrm>
-          <a:prstGeom prst="rect">
-            <a:avLst/>
-          </a:prstGeom>
-        </p:spPr>
-        <p:txBody>
-          <a:bodyPr vert="horz" lIns="91440" tIns="45720" rIns="91440" bIns="45720" rtlCol="0" anchor="ctr">
-            <a:normAutofit/>
-          </a:bodyPr>
-          <a:lstStyle>
-            <a:lvl1pPr algn="l" defTabSz="914400" rtl="1" eaLnBrk="1" latinLnBrk="0" hangingPunct="1">
-              <a:lnSpc>
-                <a:spcPct val="90000"/>
-              </a:lnSpc>
-              <a:spcBef>
-                <a:spcPct val="0"/>
-              </a:spcBef>
-              <a:buNone/>
-              <a:defRPr sz="4400" kern="1200">
-                <a:solidFill>
-                  <a:schemeClr val="tx1"/>
-                </a:solidFill>
-                <a:latin typeface="+mj-lt"/>
-                <a:ea typeface="+mj-ea"/>
-                <a:cs typeface="+mj-cs"/>
-              </a:defRPr>
-            </a:lvl1pPr>
-          </a:lstStyle>
-          <a:p>
-            <a:r>
-              <a:rPr lang="en-US" sz="4800" b="1" dirty="0">
-                <a:solidFill>
-                  <a:srgbClr val="4472C4"/>
-                </a:solidFill>
-                <a:latin typeface="Calibri Light" panose="020F0302020204030204" pitchFamily="34" charset="0"/>
-                <a:ea typeface="Yu Gothic Light" panose="020B0300000000000000" pitchFamily="34" charset="-128"/>
-                <a:cs typeface="Calibri Light" panose="020F0302020204030204" pitchFamily="34" charset="0"/>
-              </a:rPr>
-              <a:t>Expected result</a:t>
-            </a:r>
-          </a:p>
-        </p:txBody>
-      </p:sp>
-    </p:spTree>
-    <p:extLst>
-      <p:ext uri="{BB962C8B-B14F-4D97-AF65-F5344CB8AC3E}">
-        <p14:creationId xmlns:p14="http://schemas.microsoft.com/office/powerpoint/2010/main" val="2312419882"/>
-      </p:ext>
-    </p:extLst>
-  </p:cSld>
-  <p:clrMapOvr>
-    <a:masterClrMapping/>
-  </p:clrMapOvr>
-</p:sld>
-</file>
-
-<file path=ppt/slides/slide6.xml><?xml version="1.0" encoding="utf-8"?>
-<p:sld xmlns:a="http://schemas.openxmlformats.org/drawingml/2006/main" xmlns:r="http://schemas.openxmlformats.org/officeDocument/2006/relationships" xmlns:p="http://schemas.openxmlformats.org/presentationml/2006/main">
-  <p:cSld>
-    <p:bg>
-      <p:bgRef idx="1001">
-        <a:schemeClr val="bg1"/>
-      </p:bgRef>
-    </p:bg>
-    <p:spTree>
-      <p:nvGrpSpPr>
-        <p:cNvPr id="1" name=""/>
-        <p:cNvGrpSpPr/>
-        <p:nvPr/>
-      </p:nvGrpSpPr>
-      <p:grpSpPr>
-        <a:xfrm>
-          <a:off x="0" y="0"/>
-          <a:ext cx="0" cy="0"/>
-          <a:chOff x="0" y="0"/>
-          <a:chExt cx="0" cy="0"/>
-        </a:xfrm>
-      </p:grpSpPr>
-      <p:sp>
-        <p:nvSpPr>
-          <p:cNvPr id="3" name="Content Placeholder 2">
-            <a:extLst>
-              <a:ext uri="{FF2B5EF4-FFF2-40B4-BE49-F238E27FC236}">
-                <a16:creationId xmlns:a16="http://schemas.microsoft.com/office/drawing/2014/main" id="{CE2096AC-3EEA-F6E8-9E7B-62FBAB5E8C88}"/>
-              </a:ext>
-            </a:extLst>
-          </p:cNvPr>
-          <p:cNvSpPr>
-            <a:spLocks noGrp="1"/>
-          </p:cNvSpPr>
-          <p:nvPr>
-            <p:ph idx="1"/>
-          </p:nvPr>
-        </p:nvSpPr>
-        <p:spPr>
-          <a:xfrm>
-            <a:off x="838200" y="2272823"/>
-            <a:ext cx="10515600" cy="3759201"/>
-          </a:xfrm>
-        </p:spPr>
-        <p:txBody>
-          <a:bodyPr/>
-          <a:lstStyle/>
-          <a:p>
-            <a:pPr algn="l" rtl="0"/>
-            <a:r>
-              <a:rPr lang="en-US" dirty="0"/>
-              <a:t>Implementing the algorithms</a:t>
-            </a:r>
-          </a:p>
-          <a:p>
-            <a:pPr algn="l" rtl="0"/>
-            <a:r>
-              <a:rPr lang="en-US" dirty="0"/>
-              <a:t>Running on the satellite dedicated computer</a:t>
-            </a:r>
-          </a:p>
-          <a:p>
-            <a:pPr algn="l" rtl="0"/>
-            <a:r>
-              <a:rPr lang="en-US" dirty="0"/>
-              <a:t>Comparing algorithms performance</a:t>
-            </a:r>
-          </a:p>
-          <a:p>
-            <a:pPr marL="0" indent="0" algn="l" rtl="0">
-              <a:buNone/>
-            </a:pPr>
-            <a:endParaRPr lang="en-US" dirty="0"/>
-          </a:p>
-        </p:txBody>
-      </p:sp>
-      <p:pic>
-        <p:nvPicPr>
-          <p:cNvPr id="5" name="Picture 4">
-            <a:extLst>
-              <a:ext uri="{FF2B5EF4-FFF2-40B4-BE49-F238E27FC236}">
-                <a16:creationId xmlns:a16="http://schemas.microsoft.com/office/drawing/2014/main" id="{890B1F5F-EB5C-95C7-8F99-D6192A2667FF}"/>
-              </a:ext>
-            </a:extLst>
-          </p:cNvPr>
-          <p:cNvPicPr>
-            <a:picLocks noChangeAspect="1"/>
-          </p:cNvPicPr>
-          <p:nvPr/>
-        </p:nvPicPr>
-        <p:blipFill>
-          <a:blip r:embed="rId4" cstate="print">
-            <a:extLst>
-              <a:ext uri="{28A0092B-C50C-407E-A947-70E740481C1C}">
-                <a14:useLocalDpi xmlns:a14="http://schemas.microsoft.com/office/drawing/2010/main" val="0"/>
-              </a:ext>
-            </a:extLst>
-          </a:blip>
-          <a:stretch>
-            <a:fillRect/>
-          </a:stretch>
-        </p:blipFill>
-        <p:spPr>
-          <a:xfrm>
-            <a:off x="0" y="85806"/>
-            <a:ext cx="3060198" cy="722377"/>
-          </a:xfrm>
-          <a:prstGeom prst="rect">
-            <a:avLst/>
-          </a:prstGeom>
-        </p:spPr>
-      </p:pic>
-      <p:sp>
-        <p:nvSpPr>
-          <p:cNvPr id="19" name="Title 1">
-            <a:extLst>
-              <a:ext uri="{FF2B5EF4-FFF2-40B4-BE49-F238E27FC236}">
-                <a16:creationId xmlns:a16="http://schemas.microsoft.com/office/drawing/2014/main" id="{DA58E622-E873-5B6B-AA99-D84563E6B9D7}"/>
-              </a:ext>
-            </a:extLst>
-          </p:cNvPr>
-          <p:cNvSpPr txBox="1">
-            <a:spLocks/>
-          </p:cNvSpPr>
-          <p:nvPr/>
-        </p:nvSpPr>
-        <p:spPr>
-          <a:xfrm>
-            <a:off x="838200" y="825976"/>
-            <a:ext cx="10515600" cy="1325563"/>
-          </a:xfrm>
-          <a:prstGeom prst="rect">
-            <a:avLst/>
-          </a:prstGeom>
-        </p:spPr>
-        <p:txBody>
-          <a:bodyPr vert="horz" lIns="91440" tIns="45720" rIns="91440" bIns="45720" rtlCol="0" anchor="ctr">
-            <a:normAutofit/>
-          </a:bodyPr>
-          <a:lstStyle>
-            <a:lvl1pPr algn="l" defTabSz="914400" rtl="1" eaLnBrk="1" latinLnBrk="0" hangingPunct="1">
-              <a:lnSpc>
-                <a:spcPct val="90000"/>
-              </a:lnSpc>
-              <a:spcBef>
-                <a:spcPct val="0"/>
-              </a:spcBef>
-              <a:buNone/>
-              <a:defRPr sz="4400" kern="1200">
-                <a:solidFill>
-                  <a:schemeClr val="tx1"/>
-                </a:solidFill>
-                <a:latin typeface="+mj-lt"/>
-                <a:ea typeface="+mj-ea"/>
-                <a:cs typeface="+mj-cs"/>
-              </a:defRPr>
-            </a:lvl1pPr>
-          </a:lstStyle>
-          <a:p>
-            <a:r>
-              <a:rPr lang="en-US" sz="4800" b="1" dirty="0">
-                <a:solidFill>
-                  <a:srgbClr val="4472C4"/>
-                </a:solidFill>
-                <a:latin typeface="Calibri Light"/>
-                <a:ea typeface="Yu Gothic Light"/>
-                <a:cs typeface="Calibri Light"/>
-              </a:rPr>
-              <a:t>Solution</a:t>
-            </a:r>
-            <a:endParaRPr lang="en-US" sz="4800" b="1" dirty="0">
-              <a:solidFill>
-                <a:srgbClr val="4472C4"/>
-              </a:solidFill>
-              <a:latin typeface="Calibri Light" panose="020F0302020204030204" pitchFamily="34" charset="0"/>
-              <a:ea typeface="Yu Gothic Light" panose="020B0300000000000000" pitchFamily="34" charset="-128"/>
-              <a:cs typeface="Calibri Light" panose="020F0302020204030204" pitchFamily="34" charset="0"/>
-            </a:endParaRPr>
-          </a:p>
-        </p:txBody>
-      </p:sp>
-    </p:spTree>
-    <p:extLst>
-      <p:ext uri="{BB962C8B-B14F-4D97-AF65-F5344CB8AC3E}">
-        <p14:creationId xmlns:p14="http://schemas.microsoft.com/office/powerpoint/2010/main" val="1166061012"/>
-      </p:ext>
-    </p:extLst>
-  </p:cSld>
-  <p:clrMapOvr>
-    <a:overrideClrMapping bg1="lt1" tx1="dk1" bg2="lt2" tx2="dk2" accent1="accent1" accent2="accent2" accent3="accent3" accent4="accent4" accent5="accent5" accent6="accent6" hlink="hlink" folHlink="folHlink"/>
-  </p:clrMapOvr>
-</p:sld>
-</file>
-
-<file path=ppt/slides/slide7.xml><?xml version="1.0" encoding="utf-8"?>
-<p:sld xmlns:a="http://schemas.openxmlformats.org/drawingml/2006/main" xmlns:r="http://schemas.openxmlformats.org/officeDocument/2006/relationships" xmlns:p="http://schemas.openxmlformats.org/presentationml/2006/main">
-  <p:cSld>
-    <p:bg>
-      <p:bgRef idx="1001">
-        <a:schemeClr val="bg1"/>
-      </p:bgRef>
-    </p:bg>
-    <p:spTree>
-      <p:nvGrpSpPr>
-        <p:cNvPr id="1" name=""/>
-        <p:cNvGrpSpPr/>
-        <p:nvPr/>
-      </p:nvGrpSpPr>
-      <p:grpSpPr>
-        <a:xfrm>
-          <a:off x="0" y="0"/>
-          <a:ext cx="0" cy="0"/>
-          <a:chOff x="0" y="0"/>
-          <a:chExt cx="0" cy="0"/>
-        </a:xfrm>
-      </p:grpSpPr>
-      <p:sp>
-        <p:nvSpPr>
-          <p:cNvPr id="3" name="Content Placeholder 2">
-            <a:extLst>
-              <a:ext uri="{FF2B5EF4-FFF2-40B4-BE49-F238E27FC236}">
-                <a16:creationId xmlns:a16="http://schemas.microsoft.com/office/drawing/2014/main" id="{CE2096AC-3EEA-F6E8-9E7B-62FBAB5E8C88}"/>
-              </a:ext>
-            </a:extLst>
-          </p:cNvPr>
-          <p:cNvSpPr>
-            <a:spLocks noGrp="1"/>
-          </p:cNvSpPr>
-          <p:nvPr>
-            <p:ph idx="1"/>
-          </p:nvPr>
-        </p:nvSpPr>
-        <p:spPr>
-          <a:xfrm>
-            <a:off x="3909022" y="1859602"/>
-            <a:ext cx="3403229" cy="554633"/>
-          </a:xfrm>
-        </p:spPr>
-        <p:txBody>
-          <a:bodyPr/>
-          <a:lstStyle/>
-          <a:p>
-            <a:pPr marL="0" indent="0" algn="l" rtl="0">
-              <a:buNone/>
-            </a:pPr>
-            <a:r>
-              <a:rPr lang="en-US" b="1" dirty="0"/>
-              <a:t>2 parts testing system</a:t>
-            </a:r>
-          </a:p>
-          <a:p>
-            <a:pPr marL="0" indent="0" algn="l" rtl="0">
-              <a:buNone/>
-            </a:pPr>
-            <a:endParaRPr lang="en-US" dirty="0"/>
-          </a:p>
-          <a:p>
-            <a:pPr marL="0" indent="0" algn="l" rtl="0">
-              <a:buNone/>
-            </a:pPr>
-            <a:endParaRPr lang="en-US" dirty="0"/>
-          </a:p>
-        </p:txBody>
-      </p:sp>
-      <p:pic>
-        <p:nvPicPr>
-          <p:cNvPr id="5" name="Picture 4">
-            <a:extLst>
-              <a:ext uri="{FF2B5EF4-FFF2-40B4-BE49-F238E27FC236}">
-                <a16:creationId xmlns:a16="http://schemas.microsoft.com/office/drawing/2014/main" id="{890B1F5F-EB5C-95C7-8F99-D6192A2667FF}"/>
-              </a:ext>
-            </a:extLst>
-          </p:cNvPr>
-          <p:cNvPicPr>
-            <a:picLocks noChangeAspect="1"/>
-          </p:cNvPicPr>
-          <p:nvPr/>
-        </p:nvPicPr>
-        <p:blipFill>
-          <a:blip r:embed="rId4" cstate="print">
-            <a:extLst>
-              <a:ext uri="{28A0092B-C50C-407E-A947-70E740481C1C}">
-                <a14:useLocalDpi xmlns:a14="http://schemas.microsoft.com/office/drawing/2010/main" val="0"/>
-              </a:ext>
-            </a:extLst>
-          </a:blip>
-          <a:stretch>
-            <a:fillRect/>
-          </a:stretch>
-        </p:blipFill>
-        <p:spPr>
-          <a:xfrm>
-            <a:off x="0" y="85806"/>
-            <a:ext cx="3060198" cy="722377"/>
-          </a:xfrm>
-          <a:prstGeom prst="rect">
-            <a:avLst/>
-          </a:prstGeom>
-        </p:spPr>
-      </p:pic>
-      <p:sp>
-        <p:nvSpPr>
-          <p:cNvPr id="14" name="TextBox 13">
-            <a:extLst>
-              <a:ext uri="{FF2B5EF4-FFF2-40B4-BE49-F238E27FC236}">
-                <a16:creationId xmlns:a16="http://schemas.microsoft.com/office/drawing/2014/main" id="{4E1D94DC-DD0C-F360-22B8-7659C57B8A94}"/>
-              </a:ext>
-            </a:extLst>
-          </p:cNvPr>
-          <p:cNvSpPr txBox="1"/>
-          <p:nvPr/>
-        </p:nvSpPr>
-        <p:spPr>
-          <a:xfrm>
-            <a:off x="1545723" y="2321902"/>
-            <a:ext cx="3028950" cy="461665"/>
-          </a:xfrm>
-          <a:prstGeom prst="rect">
-            <a:avLst/>
-          </a:prstGeom>
-          <a:noFill/>
-        </p:spPr>
-        <p:txBody>
-          <a:bodyPr wrap="square">
-            <a:spAutoFit/>
-          </a:bodyPr>
-          <a:lstStyle/>
-          <a:p>
-            <a:pPr algn="ctr" rtl="0"/>
-            <a:r>
-              <a:rPr lang="en-US" sz="2400" b="1" dirty="0"/>
-              <a:t>Testing station</a:t>
-            </a:r>
-          </a:p>
-        </p:txBody>
-      </p:sp>
-      <p:sp>
-        <p:nvSpPr>
-          <p:cNvPr id="18" name="TextBox 17">
-            <a:extLst>
-              <a:ext uri="{FF2B5EF4-FFF2-40B4-BE49-F238E27FC236}">
-                <a16:creationId xmlns:a16="http://schemas.microsoft.com/office/drawing/2014/main" id="{4C091B06-2896-D414-6717-1AF1990A04C6}"/>
-              </a:ext>
-            </a:extLst>
-          </p:cNvPr>
-          <p:cNvSpPr txBox="1"/>
-          <p:nvPr/>
-        </p:nvSpPr>
-        <p:spPr>
-          <a:xfrm>
-            <a:off x="7152853" y="2345362"/>
-            <a:ext cx="3698082" cy="461665"/>
-          </a:xfrm>
-          <a:prstGeom prst="rect">
-            <a:avLst/>
-          </a:prstGeom>
-          <a:noFill/>
-        </p:spPr>
-        <p:txBody>
-          <a:bodyPr wrap="square">
-            <a:spAutoFit/>
-          </a:bodyPr>
-          <a:lstStyle/>
-          <a:p>
-            <a:pPr algn="ctr" rtl="0"/>
-            <a:r>
-              <a:rPr lang="en-US" sz="2400" b="1" dirty="0"/>
-              <a:t>Tested on-board computer</a:t>
-            </a:r>
-          </a:p>
-        </p:txBody>
-      </p:sp>
-      <p:sp>
-        <p:nvSpPr>
-          <p:cNvPr id="32" name="Title 1">
-            <a:extLst>
-              <a:ext uri="{FF2B5EF4-FFF2-40B4-BE49-F238E27FC236}">
-                <a16:creationId xmlns:a16="http://schemas.microsoft.com/office/drawing/2014/main" id="{B80AB29C-3022-AD13-019B-A9199CB76711}"/>
-              </a:ext>
-            </a:extLst>
-          </p:cNvPr>
-          <p:cNvSpPr>
-            <a:spLocks noGrp="1"/>
-          </p:cNvSpPr>
-          <p:nvPr>
-            <p:ph type="title"/>
-          </p:nvPr>
-        </p:nvSpPr>
-        <p:spPr>
-          <a:xfrm>
-            <a:off x="454396" y="811356"/>
-            <a:ext cx="3867150" cy="1325563"/>
-          </a:xfrm>
-        </p:spPr>
-        <p:txBody>
-          <a:bodyPr/>
-          <a:lstStyle/>
-          <a:p>
-            <a:r>
-              <a:rPr lang="en-US" sz="4800" b="1" dirty="0">
-                <a:solidFill>
-                  <a:srgbClr val="4472C4"/>
-                </a:solidFill>
-                <a:latin typeface="Calibri Light"/>
-                <a:ea typeface="Yu Gothic Light"/>
-                <a:cs typeface="Calibri Light"/>
-              </a:rPr>
-              <a:t>Testing System</a:t>
-            </a:r>
-            <a:endParaRPr lang="en-US" sz="4800" b="1" dirty="0">
-              <a:solidFill>
-                <a:srgbClr val="4472C4"/>
-              </a:solidFill>
-              <a:latin typeface="Calibri Light" panose="020F0302020204030204" pitchFamily="34" charset="0"/>
-              <a:ea typeface="Yu Gothic Light" panose="020B0300000000000000" pitchFamily="34" charset="-128"/>
-              <a:cs typeface="Calibri Light" panose="020F0302020204030204" pitchFamily="34" charset="0"/>
-            </a:endParaRPr>
-          </a:p>
-        </p:txBody>
-      </p:sp>
-      <p:sp>
-        <p:nvSpPr>
-          <p:cNvPr id="2" name="Content Placeholder 2">
-            <a:extLst>
-              <a:ext uri="{FF2B5EF4-FFF2-40B4-BE49-F238E27FC236}">
-                <a16:creationId xmlns:a16="http://schemas.microsoft.com/office/drawing/2014/main" id="{2A04F13A-5309-FC26-2D9F-572776A00D9D}"/>
-              </a:ext>
-            </a:extLst>
-          </p:cNvPr>
-          <p:cNvSpPr txBox="1">
-            <a:spLocks/>
-          </p:cNvSpPr>
-          <p:nvPr/>
-        </p:nvSpPr>
-        <p:spPr>
-          <a:xfrm>
-            <a:off x="1883570" y="2807027"/>
-            <a:ext cx="3698082" cy="2098199"/>
+            <a:off x="838199" y="1548534"/>
+            <a:ext cx="10163176" cy="4875067"/>
           </a:xfrm>
           <a:prstGeom prst="rect">
             <a:avLst/>
@@ -10783,48 +14129,1054 @@
             </a:lvl9pPr>
           </a:lstStyle>
           <a:p>
-            <a:pPr algn="l" rtl="0"/>
-            <a:r>
-              <a:rPr lang="en-US" sz="2000" dirty="0"/>
-              <a:t>User Interface</a:t>
-            </a:r>
-          </a:p>
-          <a:p>
-            <a:pPr algn="l" rtl="0"/>
-            <a:r>
-              <a:rPr lang="en-US" sz="2000" dirty="0"/>
-              <a:t>Test Creation and Management</a:t>
-            </a:r>
-          </a:p>
-          <a:p>
-            <a:pPr algn="l" rtl="0"/>
-            <a:r>
-              <a:rPr lang="en-US" sz="2000" dirty="0"/>
-              <a:t>Results Management</a:t>
-            </a:r>
-          </a:p>
-          <a:p>
-            <a:pPr algn="l" rtl="0"/>
-            <a:r>
-              <a:rPr lang="en-US" sz="2000" dirty="0"/>
-              <a:t>Database</a:t>
-            </a:r>
+            <a:pPr marL="0" lvl="0" indent="0" algn="l" rtl="0">
+              <a:lnSpc>
+                <a:spcPct val="107000"/>
+              </a:lnSpc>
+              <a:spcAft>
+                <a:spcPts val="800"/>
+              </a:spcAft>
+              <a:buSzPts val="1200"/>
+              <a:buNone/>
+            </a:pPr>
+            <a:r>
+              <a:rPr lang="en-US" sz="1600" dirty="0">
+                <a:effectLst/>
+                <a:latin typeface="Arial" panose="020B0604020202020204" pitchFamily="34" charset="0"/>
+                <a:ea typeface="Calibri" panose="020F0502020204030204" pitchFamily="34" charset="0"/>
+                <a:cs typeface="Arial" panose="020B0604020202020204" pitchFamily="34" charset="0"/>
+              </a:rPr>
+              <a:t>[1] Denenberg, Elad. "Satellite closest approach calculation through Chebyshev Proxy Polynomials." </a:t>
+            </a:r>
+            <a:r>
+              <a:rPr lang="en-US" sz="1600" u="sng" dirty="0">
+                <a:solidFill>
+                  <a:srgbClr val="0563C1"/>
+                </a:solidFill>
+                <a:effectLst/>
+                <a:latin typeface="Arial" panose="020B0604020202020204" pitchFamily="34" charset="0"/>
+                <a:ea typeface="Calibri" panose="020F0502020204030204" pitchFamily="34" charset="0"/>
+                <a:cs typeface="Arial" panose="020B0604020202020204" pitchFamily="34" charset="0"/>
+                <a:hlinkClick r:id="rId4"/>
+              </a:rPr>
+              <a:t>CATCH</a:t>
+            </a:r>
+            <a:endParaRPr lang="en-US" sz="1600" u="sng" dirty="0">
+              <a:solidFill>
+                <a:srgbClr val="0563C1"/>
+              </a:solidFill>
+              <a:effectLst/>
+              <a:latin typeface="Arial" panose="020B0604020202020204" pitchFamily="34" charset="0"/>
+              <a:ea typeface="Calibri" panose="020F0502020204030204" pitchFamily="34" charset="0"/>
+              <a:cs typeface="Arial" panose="020B0604020202020204" pitchFamily="34" charset="0"/>
+            </a:endParaRPr>
+          </a:p>
+          <a:p>
+            <a:pPr marL="0" lvl="0" indent="0" algn="l" rtl="0">
+              <a:lnSpc>
+                <a:spcPct val="107000"/>
+              </a:lnSpc>
+              <a:spcAft>
+                <a:spcPts val="800"/>
+              </a:spcAft>
+              <a:buSzPts val="1200"/>
+              <a:buNone/>
+            </a:pPr>
+            <a:r>
+              <a:rPr lang="en-US" sz="1600" kern="100" dirty="0">
+                <a:latin typeface="Arial" panose="020B0604020202020204" pitchFamily="34" charset="0"/>
+                <a:ea typeface="Calibri" panose="020F0502020204030204" pitchFamily="34" charset="0"/>
+                <a:cs typeface="Arial" panose="020B0604020202020204" pitchFamily="34" charset="0"/>
+              </a:rPr>
+              <a:t>[2] Alfano, S. "Determining Satellite Close Approaches-Part II." </a:t>
+            </a:r>
+            <a:r>
+              <a:rPr lang="en-US" sz="1800" u="sng" dirty="0">
+                <a:solidFill>
+                  <a:srgbClr val="0563C1"/>
+                </a:solidFill>
+                <a:effectLst/>
+                <a:latin typeface="Calibri" panose="020F0502020204030204" pitchFamily="34" charset="0"/>
+                <a:ea typeface="Calibri" panose="020F0502020204030204" pitchFamily="34" charset="0"/>
+                <a:cs typeface="Arial" panose="020B0604020202020204" pitchFamily="34" charset="0"/>
+                <a:hlinkClick r:id="rId5"/>
+              </a:rPr>
+              <a:t>ANCAS</a:t>
+            </a:r>
+            <a:endParaRPr lang="en-US" sz="1600" kern="100" dirty="0">
+              <a:latin typeface="Arial" panose="020B0604020202020204" pitchFamily="34" charset="0"/>
+              <a:ea typeface="Calibri" panose="020F0502020204030204" pitchFamily="34" charset="0"/>
+              <a:cs typeface="Arial" panose="020B0604020202020204" pitchFamily="34" charset="0"/>
+            </a:endParaRPr>
           </a:p>
           <a:p>
             <a:pPr marL="0" indent="0" algn="l" rtl="0">
-              <a:buFont typeface="Arial" panose="020B0604020202020204" pitchFamily="34" charset="0"/>
+              <a:lnSpc>
+                <a:spcPct val="107000"/>
+              </a:lnSpc>
+              <a:spcAft>
+                <a:spcPts val="800"/>
+              </a:spcAft>
+              <a:buSzPts val="1200"/>
+              <a:buNone/>
+            </a:pPr>
+            <a:r>
+              <a:rPr lang="en-US" sz="1600" kern="100" dirty="0">
+                <a:latin typeface="Arial" panose="020B0604020202020204" pitchFamily="34" charset="0"/>
+                <a:ea typeface="Calibri" panose="020F0502020204030204" pitchFamily="34" charset="0"/>
+                <a:cs typeface="Arial" panose="020B0604020202020204" pitchFamily="34" charset="0"/>
+              </a:rPr>
+              <a:t>[3] Denenberg, Elad. </a:t>
+            </a:r>
+            <a:r>
+              <a:rPr lang="en-US" sz="1600" kern="100" dirty="0" err="1">
+                <a:latin typeface="Arial" panose="020B0604020202020204" pitchFamily="34" charset="0"/>
+                <a:ea typeface="Calibri" panose="020F0502020204030204" pitchFamily="34" charset="0"/>
+                <a:cs typeface="Arial" panose="020B0604020202020204" pitchFamily="34" charset="0"/>
+              </a:rPr>
+              <a:t>Gurfil</a:t>
+            </a:r>
+            <a:r>
+              <a:rPr lang="en-US" sz="1600" kern="100" dirty="0">
+                <a:latin typeface="Arial" panose="020B0604020202020204" pitchFamily="34" charset="0"/>
+                <a:ea typeface="Calibri" panose="020F0502020204030204" pitchFamily="34" charset="0"/>
+                <a:cs typeface="Arial" panose="020B0604020202020204" pitchFamily="34" charset="0"/>
+              </a:rPr>
+              <a:t>, </a:t>
+            </a:r>
+            <a:r>
+              <a:rPr lang="en-US" sz="1600" kern="100" dirty="0" err="1">
+                <a:latin typeface="Arial" panose="020B0604020202020204" pitchFamily="34" charset="0"/>
+                <a:ea typeface="Calibri" panose="020F0502020204030204" pitchFamily="34" charset="0"/>
+                <a:cs typeface="Arial" panose="020B0604020202020204" pitchFamily="34" charset="0"/>
+              </a:rPr>
+              <a:t>Pini</a:t>
+            </a:r>
+            <a:r>
+              <a:rPr lang="en-US" sz="1600" kern="100" dirty="0">
+                <a:latin typeface="Arial" panose="020B0604020202020204" pitchFamily="34" charset="0"/>
+                <a:ea typeface="Calibri" panose="020F0502020204030204" pitchFamily="34" charset="0"/>
+                <a:cs typeface="Arial" panose="020B0604020202020204" pitchFamily="34" charset="0"/>
+              </a:rPr>
+              <a:t>. “Improvements to Time of Closest Approach Calculation.” </a:t>
+            </a:r>
+            <a:r>
+              <a:rPr lang="en-US" sz="1800" u="sng" dirty="0">
+                <a:solidFill>
+                  <a:srgbClr val="0563C1"/>
+                </a:solidFill>
+                <a:effectLst/>
+                <a:latin typeface="Arial" panose="020B0604020202020204" pitchFamily="34" charset="0"/>
+                <a:ea typeface="Calibri" panose="020F0502020204030204" pitchFamily="34" charset="0"/>
+                <a:cs typeface="Arial" panose="020B0604020202020204" pitchFamily="34" charset="0"/>
+                <a:hlinkClick r:id="rId6"/>
+              </a:rPr>
+              <a:t>SBO ANCAS</a:t>
+            </a:r>
+            <a:endParaRPr lang="en-IL" sz="1600" kern="100" dirty="0">
+              <a:latin typeface="Arial" panose="020B0604020202020204" pitchFamily="34" charset="0"/>
+              <a:ea typeface="Calibri" panose="020F0502020204030204" pitchFamily="34" charset="0"/>
+              <a:cs typeface="Arial" panose="020B0604020202020204" pitchFamily="34" charset="0"/>
+            </a:endParaRPr>
+          </a:p>
+          <a:p>
+            <a:pPr marL="0" indent="0" algn="l" rtl="0">
+              <a:lnSpc>
+                <a:spcPct val="107000"/>
+              </a:lnSpc>
+              <a:spcAft>
+                <a:spcPts val="800"/>
+              </a:spcAft>
+              <a:buSzPts val="1200"/>
+              <a:buNone/>
+            </a:pPr>
+            <a:r>
+              <a:rPr lang="en-US" sz="1600" kern="100" dirty="0">
+                <a:latin typeface="Arial" panose="020B0604020202020204" pitchFamily="34" charset="0"/>
+                <a:ea typeface="Calibri" panose="020F0502020204030204" pitchFamily="34" charset="0"/>
+                <a:cs typeface="Arial" panose="020B0604020202020204" pitchFamily="34" charset="0"/>
+              </a:rPr>
+              <a:t>[4] </a:t>
+            </a:r>
+            <a:r>
+              <a:rPr lang="fr-FR" sz="1600" kern="100" dirty="0">
+                <a:latin typeface="Arial" panose="020B0604020202020204" pitchFamily="34" charset="0"/>
+                <a:ea typeface="Calibri" panose="020F0502020204030204" pitchFamily="34" charset="0"/>
+                <a:cs typeface="Arial" panose="020B0604020202020204" pitchFamily="34" charset="0"/>
+              </a:rPr>
+              <a:t>NASA on orbital </a:t>
+            </a:r>
+            <a:r>
+              <a:rPr lang="fr-FR" sz="1600" kern="100" dirty="0" err="1">
+                <a:latin typeface="Arial" panose="020B0604020202020204" pitchFamily="34" charset="0"/>
+                <a:ea typeface="Calibri" panose="020F0502020204030204" pitchFamily="34" charset="0"/>
+                <a:cs typeface="Arial" panose="020B0604020202020204" pitchFamily="34" charset="0"/>
+              </a:rPr>
+              <a:t>debris</a:t>
+            </a:r>
+            <a:r>
+              <a:rPr lang="fr-FR" sz="1600" kern="100" dirty="0">
+                <a:latin typeface="Arial" panose="020B0604020202020204" pitchFamily="34" charset="0"/>
+                <a:ea typeface="Calibri" panose="020F0502020204030204" pitchFamily="34" charset="0"/>
+                <a:cs typeface="Arial" panose="020B0604020202020204" pitchFamily="34" charset="0"/>
+              </a:rPr>
+              <a:t>: </a:t>
+            </a:r>
+            <a:r>
+              <a:rPr lang="en-US" sz="1800" u="sng" dirty="0">
+                <a:solidFill>
+                  <a:srgbClr val="0563C1"/>
+                </a:solidFill>
+                <a:effectLst/>
+                <a:latin typeface="Calibri" panose="020F0502020204030204" pitchFamily="34" charset="0"/>
+                <a:ea typeface="Calibri" panose="020F0502020204030204" pitchFamily="34" charset="0"/>
+                <a:cs typeface="Arial" panose="020B0604020202020204" pitchFamily="34" charset="0"/>
+                <a:hlinkClick r:id="rId7"/>
+              </a:rPr>
+              <a:t>NASA</a:t>
+            </a:r>
+            <a:endParaRPr lang="en-IL" sz="1600" kern="100" dirty="0">
+              <a:latin typeface="Arial" panose="020B0604020202020204" pitchFamily="34" charset="0"/>
+              <a:ea typeface="Calibri" panose="020F0502020204030204" pitchFamily="34" charset="0"/>
+              <a:cs typeface="Arial" panose="020B0604020202020204" pitchFamily="34" charset="0"/>
+            </a:endParaRPr>
+          </a:p>
+          <a:p>
+            <a:pPr marL="0" indent="0" algn="l" rtl="0">
+              <a:lnSpc>
+                <a:spcPct val="107000"/>
+              </a:lnSpc>
+              <a:spcAft>
+                <a:spcPts val="800"/>
+              </a:spcAft>
+              <a:buSzPts val="1200"/>
+              <a:buNone/>
+            </a:pPr>
+            <a:r>
+              <a:rPr lang="en-US" sz="1600" kern="100" dirty="0">
+                <a:latin typeface="Arial" panose="020B0604020202020204" pitchFamily="34" charset="0"/>
+                <a:ea typeface="Calibri" panose="020F0502020204030204" pitchFamily="34" charset="0"/>
+                <a:cs typeface="Arial" panose="020B0604020202020204" pitchFamily="34" charset="0"/>
+              </a:rPr>
+              <a:t>[5] CelesTrak: </a:t>
+            </a:r>
+            <a:r>
+              <a:rPr lang="en-US" sz="1600" kern="100" dirty="0">
+                <a:latin typeface="Arial" panose="020B0604020202020204" pitchFamily="34" charset="0"/>
+                <a:ea typeface="Calibri" panose="020F0502020204030204" pitchFamily="34" charset="0"/>
+                <a:cs typeface="Arial" panose="020B0604020202020204" pitchFamily="34" charset="0"/>
+                <a:hlinkClick r:id="rId8"/>
+              </a:rPr>
+              <a:t>https://celestrak.org/</a:t>
+            </a:r>
+            <a:r>
+              <a:rPr lang="en-US" sz="1600" kern="100" dirty="0">
+                <a:latin typeface="Arial" panose="020B0604020202020204" pitchFamily="34" charset="0"/>
+                <a:ea typeface="Calibri" panose="020F0502020204030204" pitchFamily="34" charset="0"/>
+                <a:cs typeface="Arial" panose="020B0604020202020204" pitchFamily="34" charset="0"/>
+              </a:rPr>
+              <a:t> </a:t>
+            </a:r>
+            <a:endParaRPr lang="en-IL" sz="1600" kern="100" dirty="0">
+              <a:latin typeface="Arial" panose="020B0604020202020204" pitchFamily="34" charset="0"/>
+              <a:ea typeface="Calibri" panose="020F0502020204030204" pitchFamily="34" charset="0"/>
+              <a:cs typeface="Arial" panose="020B0604020202020204" pitchFamily="34" charset="0"/>
+            </a:endParaRPr>
+          </a:p>
+          <a:p>
+            <a:pPr marL="0" indent="0" algn="l" rtl="0">
+              <a:lnSpc>
+                <a:spcPct val="107000"/>
+              </a:lnSpc>
+              <a:spcAft>
+                <a:spcPts val="800"/>
+              </a:spcAft>
+              <a:buSzPts val="1200"/>
+              <a:buNone/>
+            </a:pPr>
+            <a:r>
+              <a:rPr lang="en-US" sz="1600" kern="100" dirty="0">
+                <a:latin typeface="Arial" panose="020B0604020202020204" pitchFamily="34" charset="0"/>
+                <a:ea typeface="Calibri" panose="020F0502020204030204" pitchFamily="34" charset="0"/>
+                <a:cs typeface="Arial" panose="020B0604020202020204" pitchFamily="34" charset="0"/>
+              </a:rPr>
+              <a:t>[6] CelesTrak Current Data: </a:t>
+            </a:r>
+            <a:r>
+              <a:rPr lang="en-US" sz="1600" kern="100" dirty="0">
+                <a:latin typeface="Arial" panose="020B0604020202020204" pitchFamily="34" charset="0"/>
+                <a:ea typeface="Calibri" panose="020F0502020204030204" pitchFamily="34" charset="0"/>
+                <a:cs typeface="Arial" panose="020B0604020202020204" pitchFamily="34" charset="0"/>
+                <a:hlinkClick r:id="rId9"/>
+              </a:rPr>
+              <a:t>https://celestrak.org/NORAD/elements/index.php?FORMAT=tle</a:t>
+            </a:r>
+            <a:r>
+              <a:rPr lang="en-US" sz="1600" kern="100" dirty="0">
+                <a:latin typeface="Arial" panose="020B0604020202020204" pitchFamily="34" charset="0"/>
+                <a:ea typeface="Calibri" panose="020F0502020204030204" pitchFamily="34" charset="0"/>
+                <a:cs typeface="Arial" panose="020B0604020202020204" pitchFamily="34" charset="0"/>
+              </a:rPr>
+              <a:t> </a:t>
+            </a:r>
+            <a:endParaRPr lang="en-IL" sz="1600" kern="100" dirty="0">
+              <a:latin typeface="Arial" panose="020B0604020202020204" pitchFamily="34" charset="0"/>
+              <a:ea typeface="Calibri" panose="020F0502020204030204" pitchFamily="34" charset="0"/>
+              <a:cs typeface="Arial" panose="020B0604020202020204" pitchFamily="34" charset="0"/>
+            </a:endParaRPr>
+          </a:p>
+          <a:p>
+            <a:pPr marL="0" indent="0" algn="l" rtl="0">
+              <a:lnSpc>
+                <a:spcPct val="107000"/>
+              </a:lnSpc>
+              <a:spcAft>
+                <a:spcPts val="800"/>
+              </a:spcAft>
+              <a:buSzPts val="1200"/>
+              <a:buNone/>
+            </a:pPr>
+            <a:r>
+              <a:rPr lang="en-US" sz="1600" kern="100" dirty="0">
+                <a:latin typeface="Arial" panose="020B0604020202020204" pitchFamily="34" charset="0"/>
+                <a:ea typeface="Calibri" panose="020F0502020204030204" pitchFamily="34" charset="0"/>
+                <a:cs typeface="Arial" panose="020B0604020202020204" pitchFamily="34" charset="0"/>
+              </a:rPr>
+              <a:t>[7] The gem5 simulator: </a:t>
+            </a:r>
+            <a:r>
+              <a:rPr lang="en-US" sz="1600" kern="100" dirty="0">
+                <a:latin typeface="Arial" panose="020B0604020202020204" pitchFamily="34" charset="0"/>
+                <a:ea typeface="Calibri" panose="020F0502020204030204" pitchFamily="34" charset="0"/>
+                <a:cs typeface="Arial" panose="020B0604020202020204" pitchFamily="34" charset="0"/>
+                <a:hlinkClick r:id="rId10"/>
+              </a:rPr>
+              <a:t>https://www.gem5.org/</a:t>
+            </a:r>
+            <a:r>
+              <a:rPr lang="en-US" sz="1600" kern="100" dirty="0">
+                <a:latin typeface="Arial" panose="020B0604020202020204" pitchFamily="34" charset="0"/>
+                <a:ea typeface="Calibri" panose="020F0502020204030204" pitchFamily="34" charset="0"/>
+                <a:cs typeface="Arial" panose="020B0604020202020204" pitchFamily="34" charset="0"/>
+              </a:rPr>
+              <a:t> </a:t>
+            </a:r>
+            <a:endParaRPr lang="en-IL" sz="1600" kern="100" dirty="0">
+              <a:latin typeface="Arial" panose="020B0604020202020204" pitchFamily="34" charset="0"/>
+              <a:ea typeface="Calibri" panose="020F0502020204030204" pitchFamily="34" charset="0"/>
+              <a:cs typeface="Arial" panose="020B0604020202020204" pitchFamily="34" charset="0"/>
+            </a:endParaRPr>
+          </a:p>
+          <a:p>
+            <a:pPr marL="0" lvl="0" indent="0" algn="l" rtl="0">
+              <a:lnSpc>
+                <a:spcPct val="107000"/>
+              </a:lnSpc>
+              <a:spcAft>
+                <a:spcPts val="800"/>
+              </a:spcAft>
+              <a:buSzPts val="1200"/>
+              <a:buNone/>
+            </a:pPr>
+            <a:r>
+              <a:rPr lang="en-US" sz="1600" kern="100" dirty="0">
+                <a:latin typeface="Arial" panose="020B0604020202020204" pitchFamily="34" charset="0"/>
+                <a:ea typeface="Calibri" panose="020F0502020204030204" pitchFamily="34" charset="0"/>
+                <a:cs typeface="Arial" panose="020B0604020202020204" pitchFamily="34" charset="0"/>
+              </a:rPr>
+              <a:t>[8] ISISPACE OBC: </a:t>
+            </a:r>
+            <a:r>
+              <a:rPr lang="en-US" sz="1600" kern="100" dirty="0">
+                <a:latin typeface="Arial" panose="020B0604020202020204" pitchFamily="34" charset="0"/>
+                <a:ea typeface="Calibri" panose="020F0502020204030204" pitchFamily="34" charset="0"/>
+                <a:cs typeface="Arial" panose="020B0604020202020204" pitchFamily="34" charset="0"/>
+                <a:hlinkClick r:id="rId11"/>
+              </a:rPr>
+              <a:t>https://www.isispace.nl/product/on-board-computer/</a:t>
+            </a:r>
+            <a:r>
+              <a:rPr lang="en-US" sz="1600" kern="100" dirty="0">
+                <a:latin typeface="Arial" panose="020B0604020202020204" pitchFamily="34" charset="0"/>
+                <a:ea typeface="Calibri" panose="020F0502020204030204" pitchFamily="34" charset="0"/>
+                <a:cs typeface="Arial" panose="020B0604020202020204" pitchFamily="34" charset="0"/>
+              </a:rPr>
+              <a:t> </a:t>
+            </a:r>
+            <a:endParaRPr lang="en-IL" sz="1600" kern="100" dirty="0">
+              <a:latin typeface="Arial" panose="020B0604020202020204" pitchFamily="34" charset="0"/>
+              <a:ea typeface="Calibri" panose="020F0502020204030204" pitchFamily="34" charset="0"/>
+              <a:cs typeface="Arial" panose="020B0604020202020204" pitchFamily="34" charset="0"/>
+            </a:endParaRPr>
+          </a:p>
+          <a:p>
+            <a:pPr marL="0" indent="0" algn="l" rtl="0">
+              <a:buNone/>
+            </a:pPr>
+            <a:r>
+              <a:rPr lang="en-US" sz="1600" kern="100" dirty="0">
+                <a:latin typeface="Arial" panose="020B0604020202020204" pitchFamily="34" charset="0"/>
+                <a:ea typeface="Calibri" panose="020F0502020204030204" pitchFamily="34" charset="0"/>
+                <a:cs typeface="Arial" panose="020B0604020202020204" pitchFamily="34" charset="0"/>
+              </a:rPr>
+              <a:t>[10] Our GitHub repository: </a:t>
+            </a:r>
+            <a:r>
+              <a:rPr lang="en-US" sz="1600" kern="100" dirty="0">
+                <a:latin typeface="Arial" panose="020B0604020202020204" pitchFamily="34" charset="0"/>
+                <a:ea typeface="Calibri" panose="020F0502020204030204" pitchFamily="34" charset="0"/>
+                <a:cs typeface="Arial" panose="020B0604020202020204" pitchFamily="34" charset="0"/>
+                <a:hlinkClick r:id="rId12"/>
+              </a:rPr>
+              <a:t>https://github.com/ommersh/Final-Project</a:t>
+            </a:r>
+            <a:r>
+              <a:rPr lang="en-US" sz="1600" kern="100" dirty="0">
+                <a:latin typeface="Arial" panose="020B0604020202020204" pitchFamily="34" charset="0"/>
+                <a:ea typeface="Calibri" panose="020F0502020204030204" pitchFamily="34" charset="0"/>
+                <a:cs typeface="Arial" panose="020B0604020202020204" pitchFamily="34" charset="0"/>
+              </a:rPr>
+              <a:t> </a:t>
+            </a:r>
+            <a:endParaRPr lang="en-IL" sz="1600" kern="100" dirty="0">
+              <a:latin typeface="Arial" panose="020B0604020202020204" pitchFamily="34" charset="0"/>
+              <a:ea typeface="Calibri" panose="020F0502020204030204" pitchFamily="34" charset="0"/>
+              <a:cs typeface="Arial" panose="020B0604020202020204" pitchFamily="34" charset="0"/>
+            </a:endParaRPr>
+          </a:p>
+          <a:p>
+            <a:pPr marL="0" indent="0" algn="l" rtl="0">
+              <a:buNone/>
+            </a:pPr>
+            <a:endParaRPr lang="en-US" sz="1600" dirty="0">
+              <a:latin typeface="Arial" panose="020B0604020202020204" pitchFamily="34" charset="0"/>
+              <a:cs typeface="Arial" panose="020B0604020202020204" pitchFamily="34" charset="0"/>
+            </a:endParaRPr>
+          </a:p>
+        </p:txBody>
+      </p:sp>
+      <p:sp>
+        <p:nvSpPr>
+          <p:cNvPr id="4" name="Slide Number Placeholder 3">
+            <a:extLst>
+              <a:ext uri="{FF2B5EF4-FFF2-40B4-BE49-F238E27FC236}">
+                <a16:creationId xmlns:a16="http://schemas.microsoft.com/office/drawing/2014/main" id="{3C1D0A5D-190C-B9B9-8FAF-6E7F8374FE17}"/>
+              </a:ext>
+            </a:extLst>
+          </p:cNvPr>
+          <p:cNvSpPr>
+            <a:spLocks noGrp="1"/>
+          </p:cNvSpPr>
+          <p:nvPr>
+            <p:ph type="sldNum" sz="quarter" idx="12"/>
+          </p:nvPr>
+        </p:nvSpPr>
+        <p:spPr/>
+        <p:txBody>
+          <a:bodyPr/>
+          <a:lstStyle/>
+          <a:p>
+            <a:fld id="{330EA680-D336-4FF7-8B7A-9848BB0A1C32}" type="slidenum">
+              <a:rPr lang="en-US" smtClean="0"/>
+              <a:t>27</a:t>
+            </a:fld>
+            <a:endParaRPr lang="en-US"/>
+          </a:p>
+        </p:txBody>
+      </p:sp>
+    </p:spTree>
+    <p:extLst>
+      <p:ext uri="{BB962C8B-B14F-4D97-AF65-F5344CB8AC3E}">
+        <p14:creationId xmlns:p14="http://schemas.microsoft.com/office/powerpoint/2010/main" val="3216213051"/>
+      </p:ext>
+    </p:extLst>
+  </p:cSld>
+  <p:clrMapOvr>
+    <a:masterClrMapping/>
+  </p:clrMapOvr>
+</p:sld>
+</file>
+
+<file path=ppt/slides/slide3.xml><?xml version="1.0" encoding="utf-8"?>
+<p:sld xmlns:a="http://schemas.openxmlformats.org/drawingml/2006/main" xmlns:r="http://schemas.openxmlformats.org/officeDocument/2006/relationships" xmlns:p="http://schemas.openxmlformats.org/presentationml/2006/main">
+  <p:cSld>
+    <p:bg>
+      <p:bgRef idx="1001">
+        <a:schemeClr val="bg1"/>
+      </p:bgRef>
+    </p:bg>
+    <p:spTree>
+      <p:nvGrpSpPr>
+        <p:cNvPr id="1" name=""/>
+        <p:cNvGrpSpPr/>
+        <p:nvPr/>
+      </p:nvGrpSpPr>
+      <p:grpSpPr>
+        <a:xfrm>
+          <a:off x="0" y="0"/>
+          <a:ext cx="0" cy="0"/>
+          <a:chOff x="0" y="0"/>
+          <a:chExt cx="0" cy="0"/>
+        </a:xfrm>
+      </p:grpSpPr>
+      <p:sp>
+        <p:nvSpPr>
+          <p:cNvPr id="2" name="כותרת 1">
+            <a:extLst>
+              <a:ext uri="{FF2B5EF4-FFF2-40B4-BE49-F238E27FC236}">
+                <a16:creationId xmlns:a16="http://schemas.microsoft.com/office/drawing/2014/main" id="{F05DF143-DAD3-F478-84CB-4191F0579509}"/>
+              </a:ext>
+            </a:extLst>
+          </p:cNvPr>
+          <p:cNvSpPr>
+            <a:spLocks noGrp="1"/>
+          </p:cNvSpPr>
+          <p:nvPr>
+            <p:ph type="title"/>
+          </p:nvPr>
+        </p:nvSpPr>
+        <p:spPr>
+          <a:xfrm>
+            <a:off x="838200" y="808183"/>
+            <a:ext cx="5240552" cy="1325563"/>
+          </a:xfrm>
+        </p:spPr>
+        <p:txBody>
+          <a:bodyPr/>
+          <a:lstStyle/>
+          <a:p>
+            <a:r>
+              <a:rPr lang="en-US" sz="4800" b="1" dirty="0">
+                <a:solidFill>
+                  <a:srgbClr val="4472C4"/>
+                </a:solidFill>
+                <a:latin typeface="Calibri Light" panose="020F0302020204030204" pitchFamily="34" charset="0"/>
+                <a:ea typeface="Yu Gothic Light" panose="020B0300000000000000" pitchFamily="34" charset="-128"/>
+                <a:cs typeface="Calibri Light" panose="020F0302020204030204" pitchFamily="34" charset="0"/>
+              </a:rPr>
+              <a:t>Introduction</a:t>
+            </a:r>
+            <a:r>
+              <a:rPr lang="en-US" sz="4800" dirty="0">
+                <a:solidFill>
+                  <a:srgbClr val="4472C4"/>
+                </a:solidFill>
+                <a:latin typeface="Calibri Light" panose="020F0302020204030204" pitchFamily="34" charset="0"/>
+                <a:ea typeface="Yu Gothic Light" panose="020B0300000000000000" pitchFamily="34" charset="-128"/>
+                <a:cs typeface="Calibri Light" panose="020F0302020204030204" pitchFamily="34" charset="0"/>
+              </a:rPr>
+              <a:t> </a:t>
+            </a:r>
+            <a:endParaRPr lang="he-IL" sz="4800" dirty="0">
+              <a:solidFill>
+                <a:srgbClr val="4472C4"/>
+              </a:solidFill>
+              <a:latin typeface="Calibri Light" panose="020F0302020204030204" pitchFamily="34" charset="0"/>
+              <a:ea typeface="Yu Gothic Light" panose="020B0300000000000000" pitchFamily="34" charset="-128"/>
+              <a:cs typeface="Calibri Light" panose="020F0302020204030204" pitchFamily="34" charset="0"/>
+            </a:endParaRPr>
+          </a:p>
+        </p:txBody>
+      </p:sp>
+      <p:sp>
+        <p:nvSpPr>
+          <p:cNvPr id="3" name="מציין מיקום תוכן 2">
+            <a:extLst>
+              <a:ext uri="{FF2B5EF4-FFF2-40B4-BE49-F238E27FC236}">
+                <a16:creationId xmlns:a16="http://schemas.microsoft.com/office/drawing/2014/main" id="{329E25EB-042A-293A-A59B-6564013926F8}"/>
+              </a:ext>
+            </a:extLst>
+          </p:cNvPr>
+          <p:cNvSpPr>
+            <a:spLocks noGrp="1"/>
+          </p:cNvSpPr>
+          <p:nvPr>
+            <p:ph idx="1"/>
+          </p:nvPr>
+        </p:nvSpPr>
+        <p:spPr>
+          <a:xfrm>
+            <a:off x="694992" y="1955187"/>
+            <a:ext cx="10921285" cy="3086892"/>
+          </a:xfrm>
+        </p:spPr>
+        <p:txBody>
+          <a:bodyPr>
+            <a:normAutofit/>
+          </a:bodyPr>
+          <a:lstStyle/>
+          <a:p>
+            <a:pPr algn="l" rtl="0">
+              <a:lnSpc>
+                <a:spcPct val="150000"/>
+              </a:lnSpc>
+            </a:pPr>
+            <a:r>
+              <a:rPr lang="en-US" sz="4000" dirty="0"/>
+              <a:t>Finding the minimal distance</a:t>
+            </a:r>
+          </a:p>
+          <a:p>
+            <a:pPr algn="l" rtl="0">
+              <a:lnSpc>
+                <a:spcPct val="150000"/>
+              </a:lnSpc>
+            </a:pPr>
+            <a:r>
+              <a:rPr lang="en-US" sz="4000" dirty="0"/>
+              <a:t>Small time step</a:t>
+            </a:r>
+          </a:p>
+          <a:p>
+            <a:pPr algn="l" rtl="0">
+              <a:lnSpc>
+                <a:spcPct val="150000"/>
+              </a:lnSpc>
+            </a:pPr>
+            <a:r>
+              <a:rPr lang="en-US" sz="4000" dirty="0"/>
+              <a:t>Approximations using polynomials</a:t>
+            </a:r>
+          </a:p>
+        </p:txBody>
+      </p:sp>
+      <p:pic>
+        <p:nvPicPr>
+          <p:cNvPr id="5" name="Picture 4">
+            <a:extLst>
+              <a:ext uri="{FF2B5EF4-FFF2-40B4-BE49-F238E27FC236}">
+                <a16:creationId xmlns:a16="http://schemas.microsoft.com/office/drawing/2014/main" id="{54CFBE00-45A3-0F6A-3FDB-21E8D0B12CEF}"/>
+              </a:ext>
+            </a:extLst>
+          </p:cNvPr>
+          <p:cNvPicPr>
+            <a:picLocks noChangeAspect="1"/>
+          </p:cNvPicPr>
+          <p:nvPr/>
+        </p:nvPicPr>
+        <p:blipFill>
+          <a:blip r:embed="rId4" cstate="print">
+            <a:extLst>
+              <a:ext uri="{28A0092B-C50C-407E-A947-70E740481C1C}">
+                <a14:useLocalDpi xmlns:a14="http://schemas.microsoft.com/office/drawing/2010/main" val="0"/>
+              </a:ext>
+            </a:extLst>
+          </a:blip>
+          <a:stretch>
+            <a:fillRect/>
+          </a:stretch>
+        </p:blipFill>
+        <p:spPr>
+          <a:xfrm>
+            <a:off x="0" y="85806"/>
+            <a:ext cx="3060198" cy="722377"/>
+          </a:xfrm>
+          <a:prstGeom prst="rect">
+            <a:avLst/>
+          </a:prstGeom>
+        </p:spPr>
+      </p:pic>
+      <p:sp>
+        <p:nvSpPr>
+          <p:cNvPr id="4" name="Slide Number Placeholder 3">
+            <a:extLst>
+              <a:ext uri="{FF2B5EF4-FFF2-40B4-BE49-F238E27FC236}">
+                <a16:creationId xmlns:a16="http://schemas.microsoft.com/office/drawing/2014/main" id="{BA399B47-C82B-F6E1-BD4C-8236D3335E16}"/>
+              </a:ext>
+            </a:extLst>
+          </p:cNvPr>
+          <p:cNvSpPr>
+            <a:spLocks noGrp="1"/>
+          </p:cNvSpPr>
+          <p:nvPr>
+            <p:ph type="sldNum" sz="quarter" idx="12"/>
+          </p:nvPr>
+        </p:nvSpPr>
+        <p:spPr/>
+        <p:txBody>
+          <a:bodyPr/>
+          <a:lstStyle/>
+          <a:p>
+            <a:fld id="{330EA680-D336-4FF7-8B7A-9848BB0A1C32}" type="slidenum">
+              <a:rPr lang="en-US" smtClean="0"/>
+              <a:t>3</a:t>
+            </a:fld>
+            <a:endParaRPr lang="en-US"/>
+          </a:p>
+        </p:txBody>
+      </p:sp>
+    </p:spTree>
+    <p:extLst>
+      <p:ext uri="{BB962C8B-B14F-4D97-AF65-F5344CB8AC3E}">
+        <p14:creationId xmlns:p14="http://schemas.microsoft.com/office/powerpoint/2010/main" val="1529494641"/>
+      </p:ext>
+    </p:extLst>
+  </p:cSld>
+  <p:clrMapOvr>
+    <a:overrideClrMapping bg1="lt1" tx1="dk1" bg2="lt2" tx2="dk2" accent1="accent1" accent2="accent2" accent3="accent3" accent4="accent4" accent5="accent5" accent6="accent6" hlink="hlink" folHlink="folHlink"/>
+  </p:clrMapOvr>
+</p:sld>
+</file>
+
+<file path=ppt/slides/slide4.xml><?xml version="1.0" encoding="utf-8"?>
+<p:sld xmlns:a="http://schemas.openxmlformats.org/drawingml/2006/main" xmlns:r="http://schemas.openxmlformats.org/officeDocument/2006/relationships" xmlns:p="http://schemas.openxmlformats.org/presentationml/2006/main">
+  <p:cSld>
+    <p:bg>
+      <p:bgRef idx="1001">
+        <a:schemeClr val="bg1"/>
+      </p:bgRef>
+    </p:bg>
+    <p:spTree>
+      <p:nvGrpSpPr>
+        <p:cNvPr id="1" name=""/>
+        <p:cNvGrpSpPr/>
+        <p:nvPr/>
+      </p:nvGrpSpPr>
+      <p:grpSpPr>
+        <a:xfrm>
+          <a:off x="0" y="0"/>
+          <a:ext cx="0" cy="0"/>
+          <a:chOff x="0" y="0"/>
+          <a:chExt cx="0" cy="0"/>
+        </a:xfrm>
+      </p:grpSpPr>
+      <p:sp>
+        <p:nvSpPr>
+          <p:cNvPr id="3" name="מציין מיקום תוכן 2">
+            <a:extLst>
+              <a:ext uri="{FF2B5EF4-FFF2-40B4-BE49-F238E27FC236}">
+                <a16:creationId xmlns:a16="http://schemas.microsoft.com/office/drawing/2014/main" id="{329E25EB-042A-293A-A59B-6564013926F8}"/>
+              </a:ext>
+            </a:extLst>
+          </p:cNvPr>
+          <p:cNvSpPr>
+            <a:spLocks noGrp="1"/>
+          </p:cNvSpPr>
+          <p:nvPr>
+            <p:ph idx="1"/>
+          </p:nvPr>
+        </p:nvSpPr>
+        <p:spPr>
+          <a:xfrm>
+            <a:off x="838200" y="2315106"/>
+            <a:ext cx="10232428" cy="3200462"/>
+          </a:xfrm>
+        </p:spPr>
+        <p:txBody>
+          <a:bodyPr>
+            <a:normAutofit/>
+          </a:bodyPr>
+          <a:lstStyle/>
+          <a:p>
+            <a:pPr algn="l" rtl="0">
+              <a:lnSpc>
+                <a:spcPct val="150000"/>
+              </a:lnSpc>
+            </a:pPr>
+            <a:r>
+              <a:rPr lang="en-US" sz="4000" dirty="0"/>
+              <a:t>ANCAS</a:t>
+            </a:r>
+          </a:p>
+          <a:p>
+            <a:pPr algn="l" rtl="0">
+              <a:lnSpc>
+                <a:spcPct val="150000"/>
+              </a:lnSpc>
+            </a:pPr>
+            <a:r>
+              <a:rPr lang="en-US" sz="4000" dirty="0"/>
+              <a:t>SBO ANCAS</a:t>
+            </a:r>
+          </a:p>
+          <a:p>
+            <a:pPr algn="l" rtl="0">
+              <a:lnSpc>
+                <a:spcPct val="150000"/>
+              </a:lnSpc>
+            </a:pPr>
+            <a:r>
+              <a:rPr lang="en-US" sz="4000" dirty="0"/>
+              <a:t>CATCH</a:t>
+            </a:r>
+          </a:p>
+        </p:txBody>
+      </p:sp>
+      <p:pic>
+        <p:nvPicPr>
+          <p:cNvPr id="4" name="Picture 3">
+            <a:extLst>
+              <a:ext uri="{FF2B5EF4-FFF2-40B4-BE49-F238E27FC236}">
+                <a16:creationId xmlns:a16="http://schemas.microsoft.com/office/drawing/2014/main" id="{CD463AA5-BB4A-5CA4-9DDB-51892E895E20}"/>
+              </a:ext>
+            </a:extLst>
+          </p:cNvPr>
+          <p:cNvPicPr>
+            <a:picLocks noChangeAspect="1"/>
+          </p:cNvPicPr>
+          <p:nvPr/>
+        </p:nvPicPr>
+        <p:blipFill>
+          <a:blip r:embed="rId4" cstate="print">
+            <a:extLst>
+              <a:ext uri="{28A0092B-C50C-407E-A947-70E740481C1C}">
+                <a14:useLocalDpi xmlns:a14="http://schemas.microsoft.com/office/drawing/2010/main" val="0"/>
+              </a:ext>
+            </a:extLst>
+          </a:blip>
+          <a:stretch>
+            <a:fillRect/>
+          </a:stretch>
+        </p:blipFill>
+        <p:spPr>
+          <a:xfrm>
+            <a:off x="0" y="85806"/>
+            <a:ext cx="3060198" cy="722377"/>
+          </a:xfrm>
+          <a:prstGeom prst="rect">
+            <a:avLst/>
+          </a:prstGeom>
+        </p:spPr>
+      </p:pic>
+      <p:sp>
+        <p:nvSpPr>
+          <p:cNvPr id="5" name="כותרת 1">
+            <a:extLst>
+              <a:ext uri="{FF2B5EF4-FFF2-40B4-BE49-F238E27FC236}">
+                <a16:creationId xmlns:a16="http://schemas.microsoft.com/office/drawing/2014/main" id="{5305374F-86B0-0266-78AD-EF79F1485C24}"/>
+              </a:ext>
+            </a:extLst>
+          </p:cNvPr>
+          <p:cNvSpPr txBox="1">
+            <a:spLocks/>
+          </p:cNvSpPr>
+          <p:nvPr/>
+        </p:nvSpPr>
+        <p:spPr>
+          <a:xfrm>
+            <a:off x="838200" y="808183"/>
+            <a:ext cx="10515600" cy="1325563"/>
+          </a:xfrm>
+          <a:prstGeom prst="rect">
+            <a:avLst/>
+          </a:prstGeom>
+        </p:spPr>
+        <p:txBody>
+          <a:bodyPr vert="horz" lIns="91440" tIns="45720" rIns="91440" bIns="45720" rtlCol="0" anchor="ctr">
+            <a:normAutofit/>
+          </a:bodyPr>
+          <a:lstStyle>
+            <a:lvl1pPr algn="l" defTabSz="914400" rtl="0" eaLnBrk="1" latinLnBrk="0" hangingPunct="1">
+              <a:lnSpc>
+                <a:spcPct val="90000"/>
+              </a:lnSpc>
+              <a:spcBef>
+                <a:spcPct val="0"/>
+              </a:spcBef>
+              <a:buNone/>
+              <a:defRPr sz="4400" kern="1200">
+                <a:solidFill>
+                  <a:schemeClr val="tx1"/>
+                </a:solidFill>
+                <a:latin typeface="+mj-lt"/>
+                <a:ea typeface="+mj-ea"/>
+                <a:cs typeface="+mj-cs"/>
+              </a:defRPr>
+            </a:lvl1pPr>
+          </a:lstStyle>
+          <a:p>
+            <a:r>
+              <a:rPr lang="en-US" sz="4800" b="1" dirty="0">
+                <a:solidFill>
+                  <a:srgbClr val="4472C4"/>
+                </a:solidFill>
+                <a:latin typeface="Calibri Light" panose="020F0302020204030204" pitchFamily="34" charset="0"/>
+                <a:ea typeface="Yu Gothic Light" panose="020B0300000000000000" pitchFamily="34" charset="-128"/>
+                <a:cs typeface="Calibri Light" panose="020F0302020204030204" pitchFamily="34" charset="0"/>
+              </a:rPr>
+              <a:t>Algorithms</a:t>
+            </a:r>
+            <a:endParaRPr lang="he-IL" sz="4800" b="1" dirty="0">
+              <a:solidFill>
+                <a:srgbClr val="4472C4"/>
+              </a:solidFill>
+              <a:latin typeface="Calibri Light" panose="020F0302020204030204" pitchFamily="34" charset="0"/>
+              <a:ea typeface="Yu Gothic Light" panose="020B0300000000000000" pitchFamily="34" charset="-128"/>
+              <a:cs typeface="Calibri Light" panose="020F0302020204030204" pitchFamily="34" charset="0"/>
+            </a:endParaRPr>
+          </a:p>
+        </p:txBody>
+      </p:sp>
+      <p:sp>
+        <p:nvSpPr>
+          <p:cNvPr id="2" name="Slide Number Placeholder 1">
+            <a:extLst>
+              <a:ext uri="{FF2B5EF4-FFF2-40B4-BE49-F238E27FC236}">
+                <a16:creationId xmlns:a16="http://schemas.microsoft.com/office/drawing/2014/main" id="{475BE48A-BDDE-1BD6-3D5B-21289AAD507A}"/>
+              </a:ext>
+            </a:extLst>
+          </p:cNvPr>
+          <p:cNvSpPr>
+            <a:spLocks noGrp="1"/>
+          </p:cNvSpPr>
+          <p:nvPr>
+            <p:ph type="sldNum" sz="quarter" idx="12"/>
+          </p:nvPr>
+        </p:nvSpPr>
+        <p:spPr/>
+        <p:txBody>
+          <a:bodyPr/>
+          <a:lstStyle/>
+          <a:p>
+            <a:fld id="{330EA680-D336-4FF7-8B7A-9848BB0A1C32}" type="slidenum">
+              <a:rPr lang="en-US" smtClean="0"/>
+              <a:t>4</a:t>
+            </a:fld>
+            <a:endParaRPr lang="en-US" dirty="0"/>
+          </a:p>
+        </p:txBody>
+      </p:sp>
+    </p:spTree>
+    <p:extLst>
+      <p:ext uri="{BB962C8B-B14F-4D97-AF65-F5344CB8AC3E}">
+        <p14:creationId xmlns:p14="http://schemas.microsoft.com/office/powerpoint/2010/main" val="3469660176"/>
+      </p:ext>
+    </p:extLst>
+  </p:cSld>
+  <p:clrMapOvr>
+    <a:overrideClrMapping bg1="lt1" tx1="dk1" bg2="lt2" tx2="dk2" accent1="accent1" accent2="accent2" accent3="accent3" accent4="accent4" accent5="accent5" accent6="accent6" hlink="hlink" folHlink="folHlink"/>
+  </p:clrMapOvr>
+</p:sld>
+</file>
+
+<file path=ppt/slides/slide5.xml><?xml version="1.0" encoding="utf-8"?>
+<p:sld xmlns:a="http://schemas.openxmlformats.org/drawingml/2006/main" xmlns:r="http://schemas.openxmlformats.org/officeDocument/2006/relationships" xmlns:p="http://schemas.openxmlformats.org/presentationml/2006/main">
+  <p:cSld>
+    <p:spTree>
+      <p:nvGrpSpPr>
+        <p:cNvPr id="1" name=""/>
+        <p:cNvGrpSpPr/>
+        <p:nvPr/>
+      </p:nvGrpSpPr>
+      <p:grpSpPr>
+        <a:xfrm>
+          <a:off x="0" y="0"/>
+          <a:ext cx="0" cy="0"/>
+          <a:chOff x="0" y="0"/>
+          <a:chExt cx="0" cy="0"/>
+        </a:xfrm>
+      </p:grpSpPr>
+      <p:sp>
+        <p:nvSpPr>
+          <p:cNvPr id="3" name="Content Placeholder 2">
+            <a:extLst>
+              <a:ext uri="{FF2B5EF4-FFF2-40B4-BE49-F238E27FC236}">
+                <a16:creationId xmlns:a16="http://schemas.microsoft.com/office/drawing/2014/main" id="{7086DE0A-7124-934E-12FA-C23473DE4BE7}"/>
+              </a:ext>
+            </a:extLst>
+          </p:cNvPr>
+          <p:cNvSpPr>
+            <a:spLocks noGrp="1"/>
+          </p:cNvSpPr>
+          <p:nvPr>
+            <p:ph idx="1"/>
+          </p:nvPr>
+        </p:nvSpPr>
+        <p:spPr>
+          <a:xfrm>
+            <a:off x="838200" y="2185987"/>
+            <a:ext cx="10515600" cy="3990975"/>
+          </a:xfrm>
+        </p:spPr>
+        <p:txBody>
+          <a:bodyPr/>
+          <a:lstStyle/>
+          <a:p>
+            <a:pPr algn="l" rtl="0">
+              <a:lnSpc>
+                <a:spcPct val="200000"/>
+              </a:lnSpc>
+            </a:pPr>
+            <a:r>
+              <a:rPr lang="en-US" dirty="0"/>
+              <a:t>Implemented, tested and ready to use algorithms</a:t>
+            </a:r>
+          </a:p>
+          <a:p>
+            <a:pPr algn="l" rtl="0">
+              <a:lnSpc>
+                <a:spcPct val="200000"/>
+              </a:lnSpc>
+            </a:pPr>
+            <a:r>
+              <a:rPr lang="en-US" dirty="0"/>
+              <a:t>Testing system</a:t>
+            </a:r>
+          </a:p>
+          <a:p>
+            <a:pPr algn="l" rtl="0">
+              <a:lnSpc>
+                <a:spcPct val="200000"/>
+              </a:lnSpc>
+            </a:pPr>
+            <a:r>
+              <a:rPr lang="en-US" dirty="0"/>
+              <a:t>Experiments result, feasibility of using the algorithms on satellites</a:t>
+            </a:r>
+          </a:p>
+          <a:p>
+            <a:pPr marL="0" indent="0" algn="l" rtl="0">
+              <a:lnSpc>
+                <a:spcPct val="200000"/>
+              </a:lnSpc>
               <a:buNone/>
             </a:pPr>
             <a:endParaRPr lang="en-US" dirty="0"/>
           </a:p>
         </p:txBody>
       </p:sp>
-      <p:sp>
-        <p:nvSpPr>
-          <p:cNvPr id="4" name="Content Placeholder 2">
+      <p:pic>
+        <p:nvPicPr>
+          <p:cNvPr id="5" name="Picture 4">
             <a:extLst>
               <a:ext uri="{FF2B5EF4-FFF2-40B4-BE49-F238E27FC236}">
-                <a16:creationId xmlns:a16="http://schemas.microsoft.com/office/drawing/2014/main" id="{2DE586AF-4588-D6F7-02EA-C5C7C138C3B0}"/>
+                <a16:creationId xmlns:a16="http://schemas.microsoft.com/office/drawing/2014/main" id="{F02DCF7B-3625-B27C-AA80-60814CAF9153}"/>
+              </a:ext>
+            </a:extLst>
+          </p:cNvPr>
+          <p:cNvPicPr>
+            <a:picLocks noChangeAspect="1"/>
+          </p:cNvPicPr>
+          <p:nvPr/>
+        </p:nvPicPr>
+        <p:blipFill>
+          <a:blip r:embed="rId3" cstate="print">
+            <a:extLst>
+              <a:ext uri="{28A0092B-C50C-407E-A947-70E740481C1C}">
+                <a14:useLocalDpi xmlns:a14="http://schemas.microsoft.com/office/drawing/2010/main" val="0"/>
+              </a:ext>
+            </a:extLst>
+          </a:blip>
+          <a:stretch>
+            <a:fillRect/>
+          </a:stretch>
+        </p:blipFill>
+        <p:spPr>
+          <a:xfrm>
+            <a:off x="0" y="85806"/>
+            <a:ext cx="3060198" cy="722377"/>
+          </a:xfrm>
+          <a:prstGeom prst="rect">
+            <a:avLst/>
+          </a:prstGeom>
+        </p:spPr>
+      </p:pic>
+      <p:sp>
+        <p:nvSpPr>
+          <p:cNvPr id="6" name="Title 1">
+            <a:extLst>
+              <a:ext uri="{FF2B5EF4-FFF2-40B4-BE49-F238E27FC236}">
+                <a16:creationId xmlns:a16="http://schemas.microsoft.com/office/drawing/2014/main" id="{14DFA69D-DA9B-C659-FC54-DD6B1E1A08BE}"/>
               </a:ext>
             </a:extLst>
           </p:cNvPr>
@@ -10835,8 +15187,805 @@
         </p:nvSpPr>
         <p:spPr>
           <a:xfrm>
-            <a:off x="7300279" y="2807026"/>
-            <a:ext cx="3403229" cy="1362655"/>
+            <a:off x="838200" y="860425"/>
+            <a:ext cx="10515600" cy="1325563"/>
+          </a:xfrm>
+          <a:prstGeom prst="rect">
+            <a:avLst/>
+          </a:prstGeom>
+        </p:spPr>
+        <p:txBody>
+          <a:bodyPr vert="horz" lIns="91440" tIns="45720" rIns="91440" bIns="45720" rtlCol="0" anchor="ctr">
+            <a:normAutofit/>
+          </a:bodyPr>
+          <a:lstStyle>
+            <a:lvl1pPr algn="l" defTabSz="914400" rtl="1" eaLnBrk="1" latinLnBrk="0" hangingPunct="1">
+              <a:lnSpc>
+                <a:spcPct val="90000"/>
+              </a:lnSpc>
+              <a:spcBef>
+                <a:spcPct val="0"/>
+              </a:spcBef>
+              <a:buNone/>
+              <a:defRPr sz="4400" kern="1200">
+                <a:solidFill>
+                  <a:schemeClr val="tx1"/>
+                </a:solidFill>
+                <a:latin typeface="+mj-lt"/>
+                <a:ea typeface="+mj-ea"/>
+                <a:cs typeface="+mj-cs"/>
+              </a:defRPr>
+            </a:lvl1pPr>
+          </a:lstStyle>
+          <a:p>
+            <a:r>
+              <a:rPr lang="en-US" sz="4800" b="1" dirty="0">
+                <a:solidFill>
+                  <a:srgbClr val="4472C4"/>
+                </a:solidFill>
+                <a:latin typeface="Calibri Light" panose="020F0302020204030204" pitchFamily="34" charset="0"/>
+                <a:ea typeface="Yu Gothic Light" panose="020B0300000000000000" pitchFamily="34" charset="-128"/>
+                <a:cs typeface="Calibri Light" panose="020F0302020204030204" pitchFamily="34" charset="0"/>
+              </a:rPr>
+              <a:t>Expected result</a:t>
+            </a:r>
+          </a:p>
+        </p:txBody>
+      </p:sp>
+      <p:sp>
+        <p:nvSpPr>
+          <p:cNvPr id="2" name="Slide Number Placeholder 1">
+            <a:extLst>
+              <a:ext uri="{FF2B5EF4-FFF2-40B4-BE49-F238E27FC236}">
+                <a16:creationId xmlns:a16="http://schemas.microsoft.com/office/drawing/2014/main" id="{474A81F3-E625-81DE-BB6B-B1F51EF170ED}"/>
+              </a:ext>
+            </a:extLst>
+          </p:cNvPr>
+          <p:cNvSpPr>
+            <a:spLocks noGrp="1"/>
+          </p:cNvSpPr>
+          <p:nvPr>
+            <p:ph type="sldNum" sz="quarter" idx="12"/>
+          </p:nvPr>
+        </p:nvSpPr>
+        <p:spPr/>
+        <p:txBody>
+          <a:bodyPr/>
+          <a:lstStyle/>
+          <a:p>
+            <a:fld id="{330EA680-D336-4FF7-8B7A-9848BB0A1C32}" type="slidenum">
+              <a:rPr lang="en-US" smtClean="0"/>
+              <a:t>5</a:t>
+            </a:fld>
+            <a:endParaRPr lang="en-US"/>
+          </a:p>
+        </p:txBody>
+      </p:sp>
+    </p:spTree>
+    <p:extLst>
+      <p:ext uri="{BB962C8B-B14F-4D97-AF65-F5344CB8AC3E}">
+        <p14:creationId xmlns:p14="http://schemas.microsoft.com/office/powerpoint/2010/main" val="2312419882"/>
+      </p:ext>
+    </p:extLst>
+  </p:cSld>
+  <p:clrMapOvr>
+    <a:masterClrMapping/>
+  </p:clrMapOvr>
+</p:sld>
+</file>
+
+<file path=ppt/slides/slide6.xml><?xml version="1.0" encoding="utf-8"?>
+<p:sld xmlns:a="http://schemas.openxmlformats.org/drawingml/2006/main" xmlns:r="http://schemas.openxmlformats.org/officeDocument/2006/relationships" xmlns:p="http://schemas.openxmlformats.org/presentationml/2006/main">
+  <p:cSld>
+    <p:bg>
+      <p:bgRef idx="1001">
+        <a:schemeClr val="bg1"/>
+      </p:bgRef>
+    </p:bg>
+    <p:spTree>
+      <p:nvGrpSpPr>
+        <p:cNvPr id="1" name=""/>
+        <p:cNvGrpSpPr/>
+        <p:nvPr/>
+      </p:nvGrpSpPr>
+      <p:grpSpPr>
+        <a:xfrm>
+          <a:off x="0" y="0"/>
+          <a:ext cx="0" cy="0"/>
+          <a:chOff x="0" y="0"/>
+          <a:chExt cx="0" cy="0"/>
+        </a:xfrm>
+      </p:grpSpPr>
+      <p:sp>
+        <p:nvSpPr>
+          <p:cNvPr id="3" name="Content Placeholder 2">
+            <a:extLst>
+              <a:ext uri="{FF2B5EF4-FFF2-40B4-BE49-F238E27FC236}">
+                <a16:creationId xmlns:a16="http://schemas.microsoft.com/office/drawing/2014/main" id="{CE2096AC-3EEA-F6E8-9E7B-62FBAB5E8C88}"/>
+              </a:ext>
+            </a:extLst>
+          </p:cNvPr>
+          <p:cNvSpPr>
+            <a:spLocks noGrp="1"/>
+          </p:cNvSpPr>
+          <p:nvPr>
+            <p:ph idx="1"/>
+          </p:nvPr>
+        </p:nvSpPr>
+        <p:spPr>
+          <a:xfrm>
+            <a:off x="838200" y="2272823"/>
+            <a:ext cx="10515600" cy="3759201"/>
+          </a:xfrm>
+        </p:spPr>
+        <p:txBody>
+          <a:bodyPr/>
+          <a:lstStyle/>
+          <a:p>
+            <a:pPr algn="l" rtl="0"/>
+            <a:r>
+              <a:rPr lang="en-US" dirty="0"/>
+              <a:t>Implementing the algorithms</a:t>
+            </a:r>
+          </a:p>
+          <a:p>
+            <a:pPr algn="l" rtl="0"/>
+            <a:endParaRPr lang="en-US" dirty="0"/>
+          </a:p>
+          <a:p>
+            <a:pPr algn="l" rtl="0"/>
+            <a:r>
+              <a:rPr lang="en-US" dirty="0"/>
+              <a:t>2 Parts testing system</a:t>
+            </a:r>
+          </a:p>
+          <a:p>
+            <a:pPr algn="l" rtl="0"/>
+            <a:endParaRPr lang="en-US" dirty="0"/>
+          </a:p>
+          <a:p>
+            <a:pPr algn="l" rtl="0"/>
+            <a:r>
+              <a:rPr lang="en-US" dirty="0"/>
+              <a:t>Comparing algorithms performance</a:t>
+            </a:r>
+          </a:p>
+          <a:p>
+            <a:pPr marL="0" indent="0" algn="l" rtl="0">
+              <a:buNone/>
+            </a:pPr>
+            <a:endParaRPr lang="en-US" dirty="0"/>
+          </a:p>
+        </p:txBody>
+      </p:sp>
+      <p:pic>
+        <p:nvPicPr>
+          <p:cNvPr id="5" name="Picture 4">
+            <a:extLst>
+              <a:ext uri="{FF2B5EF4-FFF2-40B4-BE49-F238E27FC236}">
+                <a16:creationId xmlns:a16="http://schemas.microsoft.com/office/drawing/2014/main" id="{890B1F5F-EB5C-95C7-8F99-D6192A2667FF}"/>
+              </a:ext>
+            </a:extLst>
+          </p:cNvPr>
+          <p:cNvPicPr>
+            <a:picLocks noChangeAspect="1"/>
+          </p:cNvPicPr>
+          <p:nvPr/>
+        </p:nvPicPr>
+        <p:blipFill>
+          <a:blip r:embed="rId4" cstate="print">
+            <a:extLst>
+              <a:ext uri="{28A0092B-C50C-407E-A947-70E740481C1C}">
+                <a14:useLocalDpi xmlns:a14="http://schemas.microsoft.com/office/drawing/2010/main" val="0"/>
+              </a:ext>
+            </a:extLst>
+          </a:blip>
+          <a:stretch>
+            <a:fillRect/>
+          </a:stretch>
+        </p:blipFill>
+        <p:spPr>
+          <a:xfrm>
+            <a:off x="0" y="85806"/>
+            <a:ext cx="3060198" cy="722377"/>
+          </a:xfrm>
+          <a:prstGeom prst="rect">
+            <a:avLst/>
+          </a:prstGeom>
+        </p:spPr>
+      </p:pic>
+      <p:sp>
+        <p:nvSpPr>
+          <p:cNvPr id="19" name="Title 1">
+            <a:extLst>
+              <a:ext uri="{FF2B5EF4-FFF2-40B4-BE49-F238E27FC236}">
+                <a16:creationId xmlns:a16="http://schemas.microsoft.com/office/drawing/2014/main" id="{DA58E622-E873-5B6B-AA99-D84563E6B9D7}"/>
+              </a:ext>
+            </a:extLst>
+          </p:cNvPr>
+          <p:cNvSpPr txBox="1">
+            <a:spLocks/>
+          </p:cNvSpPr>
+          <p:nvPr/>
+        </p:nvSpPr>
+        <p:spPr>
+          <a:xfrm>
+            <a:off x="838200" y="825976"/>
+            <a:ext cx="10515600" cy="1325563"/>
+          </a:xfrm>
+          <a:prstGeom prst="rect">
+            <a:avLst/>
+          </a:prstGeom>
+        </p:spPr>
+        <p:txBody>
+          <a:bodyPr vert="horz" lIns="91440" tIns="45720" rIns="91440" bIns="45720" rtlCol="0" anchor="ctr">
+            <a:normAutofit/>
+          </a:bodyPr>
+          <a:lstStyle>
+            <a:lvl1pPr algn="l" defTabSz="914400" rtl="1" eaLnBrk="1" latinLnBrk="0" hangingPunct="1">
+              <a:lnSpc>
+                <a:spcPct val="90000"/>
+              </a:lnSpc>
+              <a:spcBef>
+                <a:spcPct val="0"/>
+              </a:spcBef>
+              <a:buNone/>
+              <a:defRPr sz="4400" kern="1200">
+                <a:solidFill>
+                  <a:schemeClr val="tx1"/>
+                </a:solidFill>
+                <a:latin typeface="+mj-lt"/>
+                <a:ea typeface="+mj-ea"/>
+                <a:cs typeface="+mj-cs"/>
+              </a:defRPr>
+            </a:lvl1pPr>
+          </a:lstStyle>
+          <a:p>
+            <a:r>
+              <a:rPr lang="en-US" sz="4800" b="1" dirty="0">
+                <a:solidFill>
+                  <a:srgbClr val="4472C4"/>
+                </a:solidFill>
+                <a:latin typeface="Calibri Light"/>
+                <a:ea typeface="Yu Gothic Light"/>
+                <a:cs typeface="Calibri Light"/>
+              </a:rPr>
+              <a:t>Solution</a:t>
+            </a:r>
+            <a:endParaRPr lang="en-US" sz="4800" b="1" dirty="0">
+              <a:solidFill>
+                <a:srgbClr val="4472C4"/>
+              </a:solidFill>
+              <a:latin typeface="Calibri Light" panose="020F0302020204030204" pitchFamily="34" charset="0"/>
+              <a:ea typeface="Yu Gothic Light" panose="020B0300000000000000" pitchFamily="34" charset="-128"/>
+              <a:cs typeface="Calibri Light" panose="020F0302020204030204" pitchFamily="34" charset="0"/>
+            </a:endParaRPr>
+          </a:p>
+        </p:txBody>
+      </p:sp>
+      <p:sp>
+        <p:nvSpPr>
+          <p:cNvPr id="2" name="Slide Number Placeholder 1">
+            <a:extLst>
+              <a:ext uri="{FF2B5EF4-FFF2-40B4-BE49-F238E27FC236}">
+                <a16:creationId xmlns:a16="http://schemas.microsoft.com/office/drawing/2014/main" id="{B8D836D4-C10E-961B-569A-91956CF74AF2}"/>
+              </a:ext>
+            </a:extLst>
+          </p:cNvPr>
+          <p:cNvSpPr>
+            <a:spLocks noGrp="1"/>
+          </p:cNvSpPr>
+          <p:nvPr>
+            <p:ph type="sldNum" sz="quarter" idx="12"/>
+          </p:nvPr>
+        </p:nvSpPr>
+        <p:spPr/>
+        <p:txBody>
+          <a:bodyPr/>
+          <a:lstStyle/>
+          <a:p>
+            <a:fld id="{330EA680-D336-4FF7-8B7A-9848BB0A1C32}" type="slidenum">
+              <a:rPr lang="en-US" smtClean="0"/>
+              <a:t>6</a:t>
+            </a:fld>
+            <a:endParaRPr lang="en-US"/>
+          </a:p>
+        </p:txBody>
+      </p:sp>
+    </p:spTree>
+    <p:extLst>
+      <p:ext uri="{BB962C8B-B14F-4D97-AF65-F5344CB8AC3E}">
+        <p14:creationId xmlns:p14="http://schemas.microsoft.com/office/powerpoint/2010/main" val="1166061012"/>
+      </p:ext>
+    </p:extLst>
+  </p:cSld>
+  <p:clrMapOvr>
+    <a:overrideClrMapping bg1="lt1" tx1="dk1" bg2="lt2" tx2="dk2" accent1="accent1" accent2="accent2" accent3="accent3" accent4="accent4" accent5="accent5" accent6="accent6" hlink="hlink" folHlink="folHlink"/>
+  </p:clrMapOvr>
+</p:sld>
+</file>
+
+<file path=ppt/slides/slide7.xml><?xml version="1.0" encoding="utf-8"?>
+<p:sld xmlns:a="http://schemas.openxmlformats.org/drawingml/2006/main" xmlns:r="http://schemas.openxmlformats.org/officeDocument/2006/relationships" xmlns:p="http://schemas.openxmlformats.org/presentationml/2006/main">
+  <p:cSld>
+    <p:bg>
+      <p:bgRef idx="1001">
+        <a:schemeClr val="bg1"/>
+      </p:bgRef>
+    </p:bg>
+    <p:spTree>
+      <p:nvGrpSpPr>
+        <p:cNvPr id="1" name=""/>
+        <p:cNvGrpSpPr/>
+        <p:nvPr/>
+      </p:nvGrpSpPr>
+      <p:grpSpPr>
+        <a:xfrm>
+          <a:off x="0" y="0"/>
+          <a:ext cx="0" cy="0"/>
+          <a:chOff x="0" y="0"/>
+          <a:chExt cx="0" cy="0"/>
+        </a:xfrm>
+      </p:grpSpPr>
+      <p:pic>
+        <p:nvPicPr>
+          <p:cNvPr id="5" name="Picture 4">
+            <a:extLst>
+              <a:ext uri="{FF2B5EF4-FFF2-40B4-BE49-F238E27FC236}">
+                <a16:creationId xmlns:a16="http://schemas.microsoft.com/office/drawing/2014/main" id="{890B1F5F-EB5C-95C7-8F99-D6192A2667FF}"/>
+              </a:ext>
+            </a:extLst>
+          </p:cNvPr>
+          <p:cNvPicPr>
+            <a:picLocks noChangeAspect="1"/>
+          </p:cNvPicPr>
+          <p:nvPr/>
+        </p:nvPicPr>
+        <p:blipFill>
+          <a:blip r:embed="rId4" cstate="print">
+            <a:extLst>
+              <a:ext uri="{28A0092B-C50C-407E-A947-70E740481C1C}">
+                <a14:useLocalDpi xmlns:a14="http://schemas.microsoft.com/office/drawing/2010/main" val="0"/>
+              </a:ext>
+            </a:extLst>
+          </a:blip>
+          <a:stretch>
+            <a:fillRect/>
+          </a:stretch>
+        </p:blipFill>
+        <p:spPr>
+          <a:xfrm>
+            <a:off x="0" y="85806"/>
+            <a:ext cx="3060198" cy="722377"/>
+          </a:xfrm>
+          <a:prstGeom prst="rect">
+            <a:avLst/>
+          </a:prstGeom>
+        </p:spPr>
+      </p:pic>
+      <p:sp>
+        <p:nvSpPr>
+          <p:cNvPr id="32" name="Title 1">
+            <a:extLst>
+              <a:ext uri="{FF2B5EF4-FFF2-40B4-BE49-F238E27FC236}">
+                <a16:creationId xmlns:a16="http://schemas.microsoft.com/office/drawing/2014/main" id="{B80AB29C-3022-AD13-019B-A9199CB76711}"/>
+              </a:ext>
+            </a:extLst>
+          </p:cNvPr>
+          <p:cNvSpPr>
+            <a:spLocks noGrp="1"/>
+          </p:cNvSpPr>
+          <p:nvPr>
+            <p:ph type="title"/>
+          </p:nvPr>
+        </p:nvSpPr>
+        <p:spPr>
+          <a:xfrm>
+            <a:off x="454395" y="811356"/>
+            <a:ext cx="6857855" cy="1325563"/>
+          </a:xfrm>
+        </p:spPr>
+        <p:txBody>
+          <a:bodyPr>
+            <a:normAutofit/>
+          </a:bodyPr>
+          <a:lstStyle/>
+          <a:p>
+            <a:r>
+              <a:rPr lang="en-US" sz="4800" b="1" dirty="0">
+                <a:solidFill>
+                  <a:srgbClr val="4472C4"/>
+                </a:solidFill>
+                <a:latin typeface="Calibri Light"/>
+                <a:ea typeface="Yu Gothic Light"/>
+                <a:cs typeface="Calibri Light"/>
+              </a:rPr>
+              <a:t>Algorithms Implementation</a:t>
+            </a:r>
+            <a:endParaRPr lang="en-US" sz="4800" b="1" dirty="0">
+              <a:solidFill>
+                <a:srgbClr val="4472C4"/>
+              </a:solidFill>
+              <a:latin typeface="Calibri Light" panose="020F0302020204030204" pitchFamily="34" charset="0"/>
+              <a:ea typeface="Yu Gothic Light" panose="020B0300000000000000" pitchFamily="34" charset="-128"/>
+              <a:cs typeface="Calibri Light" panose="020F0302020204030204" pitchFamily="34" charset="0"/>
+            </a:endParaRPr>
+          </a:p>
+        </p:txBody>
+      </p:sp>
+      <p:sp>
+        <p:nvSpPr>
+          <p:cNvPr id="16" name="Content Placeholder 2">
+            <a:extLst>
+              <a:ext uri="{FF2B5EF4-FFF2-40B4-BE49-F238E27FC236}">
+                <a16:creationId xmlns:a16="http://schemas.microsoft.com/office/drawing/2014/main" id="{D693E1B1-0013-7224-DDCD-F30F2C902908}"/>
+              </a:ext>
+            </a:extLst>
+          </p:cNvPr>
+          <p:cNvSpPr>
+            <a:spLocks noGrp="1"/>
+          </p:cNvSpPr>
+          <p:nvPr>
+            <p:ph idx="1"/>
+          </p:nvPr>
+        </p:nvSpPr>
+        <p:spPr>
+          <a:xfrm>
+            <a:off x="838200" y="2272823"/>
+            <a:ext cx="10515600" cy="3759201"/>
+          </a:xfrm>
+        </p:spPr>
+        <p:txBody>
+          <a:bodyPr/>
+          <a:lstStyle/>
+          <a:p>
+            <a:pPr algn="l" rtl="0"/>
+            <a:r>
+              <a:rPr lang="en-US" dirty="0"/>
+              <a:t>Implemented in C++ </a:t>
+            </a:r>
+          </a:p>
+          <a:p>
+            <a:pPr algn="l" rtl="0"/>
+            <a:endParaRPr lang="en-US" dirty="0"/>
+          </a:p>
+          <a:p>
+            <a:pPr algn="l" rtl="0"/>
+            <a:r>
+              <a:rPr lang="en-US" dirty="0"/>
+              <a:t>Eigen for finding eigenvalues</a:t>
+            </a:r>
+          </a:p>
+          <a:p>
+            <a:pPr algn="l" rtl="0"/>
+            <a:endParaRPr lang="en-US" dirty="0"/>
+          </a:p>
+          <a:p>
+            <a:pPr algn="l" rtl="0"/>
+            <a:r>
+              <a:rPr lang="en-US" dirty="0"/>
+              <a:t>Unit test and CelesTrak + SOCRATES</a:t>
+            </a:r>
+          </a:p>
+          <a:p>
+            <a:pPr marL="0" indent="0" algn="l" rtl="0">
+              <a:buNone/>
+            </a:pPr>
+            <a:endParaRPr lang="en-US" dirty="0"/>
+          </a:p>
+        </p:txBody>
+      </p:sp>
+      <p:pic>
+        <p:nvPicPr>
+          <p:cNvPr id="19" name="Picture 18">
+            <a:extLst>
+              <a:ext uri="{FF2B5EF4-FFF2-40B4-BE49-F238E27FC236}">
+                <a16:creationId xmlns:a16="http://schemas.microsoft.com/office/drawing/2014/main" id="{F6A402F0-3E15-19A6-5815-BE7E0AA4CE95}"/>
+              </a:ext>
+            </a:extLst>
+          </p:cNvPr>
+          <p:cNvPicPr>
+            <a:picLocks noChangeAspect="1"/>
+          </p:cNvPicPr>
+          <p:nvPr/>
+        </p:nvPicPr>
+        <p:blipFill>
+          <a:blip r:embed="rId5"/>
+          <a:stretch>
+            <a:fillRect/>
+          </a:stretch>
+        </p:blipFill>
+        <p:spPr>
+          <a:xfrm>
+            <a:off x="3043237" y="4777278"/>
+            <a:ext cx="6105525" cy="1390650"/>
+          </a:xfrm>
+          <a:prstGeom prst="rect">
+            <a:avLst/>
+          </a:prstGeom>
+        </p:spPr>
+      </p:pic>
+      <p:sp>
+        <p:nvSpPr>
+          <p:cNvPr id="21" name="Slide Number Placeholder 20">
+            <a:extLst>
+              <a:ext uri="{FF2B5EF4-FFF2-40B4-BE49-F238E27FC236}">
+                <a16:creationId xmlns:a16="http://schemas.microsoft.com/office/drawing/2014/main" id="{124E0CB9-C7BF-4409-6BE8-F685848326AB}"/>
+              </a:ext>
+            </a:extLst>
+          </p:cNvPr>
+          <p:cNvSpPr>
+            <a:spLocks noGrp="1"/>
+          </p:cNvSpPr>
+          <p:nvPr>
+            <p:ph type="sldNum" sz="quarter" idx="12"/>
+          </p:nvPr>
+        </p:nvSpPr>
+        <p:spPr/>
+        <p:txBody>
+          <a:bodyPr/>
+          <a:lstStyle/>
+          <a:p>
+            <a:fld id="{330EA680-D336-4FF7-8B7A-9848BB0A1C32}" type="slidenum">
+              <a:rPr lang="en-US" smtClean="0"/>
+              <a:t>7</a:t>
+            </a:fld>
+            <a:endParaRPr lang="en-US"/>
+          </a:p>
+        </p:txBody>
+      </p:sp>
+    </p:spTree>
+    <p:extLst>
+      <p:ext uri="{BB962C8B-B14F-4D97-AF65-F5344CB8AC3E}">
+        <p14:creationId xmlns:p14="http://schemas.microsoft.com/office/powerpoint/2010/main" val="4199744191"/>
+      </p:ext>
+    </p:extLst>
+  </p:cSld>
+  <p:clrMapOvr>
+    <a:overrideClrMapping bg1="lt1" tx1="dk1" bg2="lt2" tx2="dk2" accent1="accent1" accent2="accent2" accent3="accent3" accent4="accent4" accent5="accent5" accent6="accent6" hlink="hlink" folHlink="folHlink"/>
+  </p:clrMapOvr>
+</p:sld>
+</file>
+
+<file path=ppt/slides/slide8.xml><?xml version="1.0" encoding="utf-8"?>
+<p:sld xmlns:a="http://schemas.openxmlformats.org/drawingml/2006/main" xmlns:r="http://schemas.openxmlformats.org/officeDocument/2006/relationships" xmlns:p="http://schemas.openxmlformats.org/presentationml/2006/main">
+  <p:cSld>
+    <p:spTree>
+      <p:nvGrpSpPr>
+        <p:cNvPr id="1" name=""/>
+        <p:cNvGrpSpPr/>
+        <p:nvPr/>
+      </p:nvGrpSpPr>
+      <p:grpSpPr>
+        <a:xfrm>
+          <a:off x="0" y="0"/>
+          <a:ext cx="0" cy="0"/>
+          <a:chOff x="0" y="0"/>
+          <a:chExt cx="0" cy="0"/>
+        </a:xfrm>
+      </p:grpSpPr>
+      <p:sp>
+        <p:nvSpPr>
+          <p:cNvPr id="3" name="Content Placeholder 2">
+            <a:extLst>
+              <a:ext uri="{FF2B5EF4-FFF2-40B4-BE49-F238E27FC236}">
+                <a16:creationId xmlns:a16="http://schemas.microsoft.com/office/drawing/2014/main" id="{CE2096AC-3EEA-F6E8-9E7B-62FBAB5E8C88}"/>
+              </a:ext>
+            </a:extLst>
+          </p:cNvPr>
+          <p:cNvSpPr>
+            <a:spLocks noGrp="1"/>
+          </p:cNvSpPr>
+          <p:nvPr>
+            <p:ph idx="1"/>
+          </p:nvPr>
+        </p:nvSpPr>
+        <p:spPr>
+          <a:xfrm>
+            <a:off x="3909022" y="1859602"/>
+            <a:ext cx="3403229" cy="554633"/>
+          </a:xfrm>
+        </p:spPr>
+        <p:txBody>
+          <a:bodyPr/>
+          <a:lstStyle/>
+          <a:p>
+            <a:pPr marL="0" indent="0" algn="l" rtl="0">
+              <a:buNone/>
+            </a:pPr>
+            <a:r>
+              <a:rPr lang="en-US" b="1" dirty="0"/>
+              <a:t>2 parts testing system</a:t>
+            </a:r>
+          </a:p>
+          <a:p>
+            <a:pPr marL="0" indent="0" algn="l" rtl="0">
+              <a:buNone/>
+            </a:pPr>
+            <a:endParaRPr lang="en-US" dirty="0"/>
+          </a:p>
+          <a:p>
+            <a:pPr marL="0" indent="0" algn="l" rtl="0">
+              <a:buNone/>
+            </a:pPr>
+            <a:endParaRPr lang="en-US" dirty="0"/>
+          </a:p>
+        </p:txBody>
+      </p:sp>
+      <p:pic>
+        <p:nvPicPr>
+          <p:cNvPr id="5" name="Picture 4">
+            <a:extLst>
+              <a:ext uri="{FF2B5EF4-FFF2-40B4-BE49-F238E27FC236}">
+                <a16:creationId xmlns:a16="http://schemas.microsoft.com/office/drawing/2014/main" id="{890B1F5F-EB5C-95C7-8F99-D6192A2667FF}"/>
+              </a:ext>
+            </a:extLst>
+          </p:cNvPr>
+          <p:cNvPicPr>
+            <a:picLocks noChangeAspect="1"/>
+          </p:cNvPicPr>
+          <p:nvPr/>
+        </p:nvPicPr>
+        <p:blipFill>
+          <a:blip r:embed="rId3" cstate="print">
+            <a:extLst>
+              <a:ext uri="{28A0092B-C50C-407E-A947-70E740481C1C}">
+                <a14:useLocalDpi xmlns:a14="http://schemas.microsoft.com/office/drawing/2010/main" val="0"/>
+              </a:ext>
+            </a:extLst>
+          </a:blip>
+          <a:stretch>
+            <a:fillRect/>
+          </a:stretch>
+        </p:blipFill>
+        <p:spPr>
+          <a:xfrm>
+            <a:off x="0" y="85806"/>
+            <a:ext cx="3060198" cy="722377"/>
+          </a:xfrm>
+          <a:prstGeom prst="rect">
+            <a:avLst/>
+          </a:prstGeom>
+        </p:spPr>
+      </p:pic>
+      <p:sp>
+        <p:nvSpPr>
+          <p:cNvPr id="14" name="TextBox 13">
+            <a:extLst>
+              <a:ext uri="{FF2B5EF4-FFF2-40B4-BE49-F238E27FC236}">
+                <a16:creationId xmlns:a16="http://schemas.microsoft.com/office/drawing/2014/main" id="{4E1D94DC-DD0C-F360-22B8-7659C57B8A94}"/>
+              </a:ext>
+            </a:extLst>
+          </p:cNvPr>
+          <p:cNvSpPr txBox="1"/>
+          <p:nvPr/>
+        </p:nvSpPr>
+        <p:spPr>
+          <a:xfrm>
+            <a:off x="1545723" y="2321902"/>
+            <a:ext cx="3028950" cy="461665"/>
+          </a:xfrm>
+          <a:prstGeom prst="rect">
+            <a:avLst/>
+          </a:prstGeom>
+          <a:noFill/>
+        </p:spPr>
+        <p:txBody>
+          <a:bodyPr wrap="square">
+            <a:spAutoFit/>
+          </a:bodyPr>
+          <a:lstStyle/>
+          <a:p>
+            <a:pPr algn="ctr" rtl="0"/>
+            <a:r>
+              <a:rPr lang="en-US" sz="2400" b="1" dirty="0"/>
+              <a:t>Testing station</a:t>
+            </a:r>
+          </a:p>
+        </p:txBody>
+      </p:sp>
+      <p:sp>
+        <p:nvSpPr>
+          <p:cNvPr id="18" name="TextBox 17">
+            <a:extLst>
+              <a:ext uri="{FF2B5EF4-FFF2-40B4-BE49-F238E27FC236}">
+                <a16:creationId xmlns:a16="http://schemas.microsoft.com/office/drawing/2014/main" id="{4C091B06-2896-D414-6717-1AF1990A04C6}"/>
+              </a:ext>
+            </a:extLst>
+          </p:cNvPr>
+          <p:cNvSpPr txBox="1"/>
+          <p:nvPr/>
+        </p:nvSpPr>
+        <p:spPr>
+          <a:xfrm>
+            <a:off x="7152853" y="2345362"/>
+            <a:ext cx="3698082" cy="461665"/>
+          </a:xfrm>
+          <a:prstGeom prst="rect">
+            <a:avLst/>
+          </a:prstGeom>
+          <a:noFill/>
+        </p:spPr>
+        <p:txBody>
+          <a:bodyPr wrap="square">
+            <a:spAutoFit/>
+          </a:bodyPr>
+          <a:lstStyle/>
+          <a:p>
+            <a:pPr algn="ctr" rtl="0"/>
+            <a:r>
+              <a:rPr lang="en-US" sz="2400" b="1" dirty="0"/>
+              <a:t>Tested on-board computer</a:t>
+            </a:r>
+          </a:p>
+        </p:txBody>
+      </p:sp>
+      <p:sp>
+        <p:nvSpPr>
+          <p:cNvPr id="32" name="Title 1">
+            <a:extLst>
+              <a:ext uri="{FF2B5EF4-FFF2-40B4-BE49-F238E27FC236}">
+                <a16:creationId xmlns:a16="http://schemas.microsoft.com/office/drawing/2014/main" id="{B80AB29C-3022-AD13-019B-A9199CB76711}"/>
+              </a:ext>
+            </a:extLst>
+          </p:cNvPr>
+          <p:cNvSpPr>
+            <a:spLocks noGrp="1"/>
+          </p:cNvSpPr>
+          <p:nvPr>
+            <p:ph type="title"/>
+          </p:nvPr>
+        </p:nvSpPr>
+        <p:spPr>
+          <a:xfrm>
+            <a:off x="454396" y="811356"/>
+            <a:ext cx="3867150" cy="1325563"/>
+          </a:xfrm>
+        </p:spPr>
+        <p:txBody>
+          <a:bodyPr/>
+          <a:lstStyle/>
+          <a:p>
+            <a:r>
+              <a:rPr lang="en-US" sz="4800" b="1" dirty="0">
+                <a:solidFill>
+                  <a:srgbClr val="4472C4"/>
+                </a:solidFill>
+                <a:latin typeface="Calibri Light"/>
+                <a:ea typeface="Yu Gothic Light"/>
+                <a:cs typeface="Calibri Light"/>
+              </a:rPr>
+              <a:t>Testing System</a:t>
+            </a:r>
+            <a:endParaRPr lang="en-US" sz="4800" b="1" dirty="0">
+              <a:solidFill>
+                <a:srgbClr val="4472C4"/>
+              </a:solidFill>
+              <a:latin typeface="Calibri Light" panose="020F0302020204030204" pitchFamily="34" charset="0"/>
+              <a:ea typeface="Yu Gothic Light" panose="020B0300000000000000" pitchFamily="34" charset="-128"/>
+              <a:cs typeface="Calibri Light" panose="020F0302020204030204" pitchFamily="34" charset="0"/>
+            </a:endParaRPr>
+          </a:p>
+        </p:txBody>
+      </p:sp>
+      <p:sp>
+        <p:nvSpPr>
+          <p:cNvPr id="2" name="Content Placeholder 2">
+            <a:extLst>
+              <a:ext uri="{FF2B5EF4-FFF2-40B4-BE49-F238E27FC236}">
+                <a16:creationId xmlns:a16="http://schemas.microsoft.com/office/drawing/2014/main" id="{2A04F13A-5309-FC26-2D9F-572776A00D9D}"/>
+              </a:ext>
+            </a:extLst>
+          </p:cNvPr>
+          <p:cNvSpPr txBox="1">
+            <a:spLocks/>
+          </p:cNvSpPr>
+          <p:nvPr/>
+        </p:nvSpPr>
+        <p:spPr>
+          <a:xfrm>
+            <a:off x="1883570" y="2807027"/>
+            <a:ext cx="3698082" cy="2098199"/>
           </a:xfrm>
           <a:prstGeom prst="rect">
             <a:avLst/>
@@ -11014,6 +16163,234 @@
             <a:pPr algn="l" rtl="0"/>
             <a:r>
               <a:rPr lang="en-US" sz="2000" dirty="0"/>
+              <a:t>User Interface</a:t>
+            </a:r>
+          </a:p>
+          <a:p>
+            <a:pPr algn="l" rtl="0"/>
+            <a:r>
+              <a:rPr lang="en-US" sz="2000" dirty="0"/>
+              <a:t>Test Creation and Management</a:t>
+            </a:r>
+          </a:p>
+          <a:p>
+            <a:pPr algn="l" rtl="0"/>
+            <a:r>
+              <a:rPr lang="en-US" sz="2000" dirty="0"/>
+              <a:t>Results Management</a:t>
+            </a:r>
+          </a:p>
+          <a:p>
+            <a:pPr algn="l" rtl="0"/>
+            <a:r>
+              <a:rPr lang="en-US" sz="2000" dirty="0"/>
+              <a:t>Database</a:t>
+            </a:r>
+          </a:p>
+          <a:p>
+            <a:pPr marL="0" indent="0" algn="l" rtl="0">
+              <a:buFont typeface="Arial" panose="020B0604020202020204" pitchFamily="34" charset="0"/>
+              <a:buNone/>
+            </a:pPr>
+            <a:endParaRPr lang="en-US" dirty="0"/>
+          </a:p>
+        </p:txBody>
+      </p:sp>
+      <p:sp>
+        <p:nvSpPr>
+          <p:cNvPr id="4" name="Content Placeholder 2">
+            <a:extLst>
+              <a:ext uri="{FF2B5EF4-FFF2-40B4-BE49-F238E27FC236}">
+                <a16:creationId xmlns:a16="http://schemas.microsoft.com/office/drawing/2014/main" id="{2DE586AF-4588-D6F7-02EA-C5C7C138C3B0}"/>
+              </a:ext>
+            </a:extLst>
+          </p:cNvPr>
+          <p:cNvSpPr txBox="1">
+            <a:spLocks/>
+          </p:cNvSpPr>
+          <p:nvPr/>
+        </p:nvSpPr>
+        <p:spPr>
+          <a:xfrm>
+            <a:off x="7300279" y="2807026"/>
+            <a:ext cx="3403229" cy="1362655"/>
+          </a:xfrm>
+          <a:prstGeom prst="rect">
+            <a:avLst/>
+          </a:prstGeom>
+        </p:spPr>
+        <p:txBody>
+          <a:bodyPr vert="horz" lIns="91440" tIns="45720" rIns="91440" bIns="45720" rtlCol="0">
+            <a:normAutofit/>
+          </a:bodyPr>
+          <a:lstStyle>
+            <a:lvl1pPr marL="228600" indent="-228600" algn="r" defTabSz="914400" rtl="1" eaLnBrk="1" latinLnBrk="0" hangingPunct="1">
+              <a:lnSpc>
+                <a:spcPct val="90000"/>
+              </a:lnSpc>
+              <a:spcBef>
+                <a:spcPts val="1000"/>
+              </a:spcBef>
+              <a:buFont typeface="Arial" panose="020B0604020202020204" pitchFamily="34" charset="0"/>
+              <a:buChar char="•"/>
+              <a:defRPr sz="2800" kern="1200">
+                <a:solidFill>
+                  <a:schemeClr val="tx1"/>
+                </a:solidFill>
+                <a:latin typeface="+mn-lt"/>
+                <a:ea typeface="+mn-ea"/>
+                <a:cs typeface="+mn-cs"/>
+              </a:defRPr>
+            </a:lvl1pPr>
+            <a:lvl2pPr marL="685800" indent="-228600" algn="r" defTabSz="914400" rtl="1" eaLnBrk="1" latinLnBrk="0" hangingPunct="1">
+              <a:lnSpc>
+                <a:spcPct val="90000"/>
+              </a:lnSpc>
+              <a:spcBef>
+                <a:spcPts val="500"/>
+              </a:spcBef>
+              <a:buFont typeface="Arial" panose="020B0604020202020204" pitchFamily="34" charset="0"/>
+              <a:buChar char="•"/>
+              <a:defRPr sz="2400" kern="1200">
+                <a:solidFill>
+                  <a:schemeClr val="tx1"/>
+                </a:solidFill>
+                <a:latin typeface="+mn-lt"/>
+                <a:ea typeface="+mn-ea"/>
+                <a:cs typeface="+mn-cs"/>
+              </a:defRPr>
+            </a:lvl2pPr>
+            <a:lvl3pPr marL="1143000" indent="-228600" algn="r" defTabSz="914400" rtl="1" eaLnBrk="1" latinLnBrk="0" hangingPunct="1">
+              <a:lnSpc>
+                <a:spcPct val="90000"/>
+              </a:lnSpc>
+              <a:spcBef>
+                <a:spcPts val="500"/>
+              </a:spcBef>
+              <a:buFont typeface="Arial" panose="020B0604020202020204" pitchFamily="34" charset="0"/>
+              <a:buChar char="•"/>
+              <a:defRPr sz="2000" kern="1200">
+                <a:solidFill>
+                  <a:schemeClr val="tx1"/>
+                </a:solidFill>
+                <a:latin typeface="+mn-lt"/>
+                <a:ea typeface="+mn-ea"/>
+                <a:cs typeface="+mn-cs"/>
+              </a:defRPr>
+            </a:lvl3pPr>
+            <a:lvl4pPr marL="1600200" indent="-228600" algn="r" defTabSz="914400" rtl="1" eaLnBrk="1" latinLnBrk="0" hangingPunct="1">
+              <a:lnSpc>
+                <a:spcPct val="90000"/>
+              </a:lnSpc>
+              <a:spcBef>
+                <a:spcPts val="500"/>
+              </a:spcBef>
+              <a:buFont typeface="Arial" panose="020B0604020202020204" pitchFamily="34" charset="0"/>
+              <a:buChar char="•"/>
+              <a:defRPr sz="1800" kern="1200">
+                <a:solidFill>
+                  <a:schemeClr val="tx1"/>
+                </a:solidFill>
+                <a:latin typeface="+mn-lt"/>
+                <a:ea typeface="+mn-ea"/>
+                <a:cs typeface="+mn-cs"/>
+              </a:defRPr>
+            </a:lvl4pPr>
+            <a:lvl5pPr marL="2057400" indent="-228600" algn="r" defTabSz="914400" rtl="1" eaLnBrk="1" latinLnBrk="0" hangingPunct="1">
+              <a:lnSpc>
+                <a:spcPct val="90000"/>
+              </a:lnSpc>
+              <a:spcBef>
+                <a:spcPts val="500"/>
+              </a:spcBef>
+              <a:buFont typeface="Arial" panose="020B0604020202020204" pitchFamily="34" charset="0"/>
+              <a:buChar char="•"/>
+              <a:defRPr sz="1800" kern="1200">
+                <a:solidFill>
+                  <a:schemeClr val="tx1"/>
+                </a:solidFill>
+                <a:latin typeface="+mn-lt"/>
+                <a:ea typeface="+mn-ea"/>
+                <a:cs typeface="+mn-cs"/>
+              </a:defRPr>
+            </a:lvl5pPr>
+            <a:lvl6pPr marL="2514600" indent="-228600" algn="r" defTabSz="914400" rtl="1" eaLnBrk="1" latinLnBrk="0" hangingPunct="1">
+              <a:lnSpc>
+                <a:spcPct val="90000"/>
+              </a:lnSpc>
+              <a:spcBef>
+                <a:spcPts val="500"/>
+              </a:spcBef>
+              <a:buFont typeface="Arial" panose="020B0604020202020204" pitchFamily="34" charset="0"/>
+              <a:buChar char="•"/>
+              <a:defRPr sz="1800" kern="1200">
+                <a:solidFill>
+                  <a:schemeClr val="tx1"/>
+                </a:solidFill>
+                <a:latin typeface="+mn-lt"/>
+                <a:ea typeface="+mn-ea"/>
+                <a:cs typeface="+mn-cs"/>
+              </a:defRPr>
+            </a:lvl6pPr>
+            <a:lvl7pPr marL="2971800" indent="-228600" algn="r" defTabSz="914400" rtl="1" eaLnBrk="1" latinLnBrk="0" hangingPunct="1">
+              <a:lnSpc>
+                <a:spcPct val="90000"/>
+              </a:lnSpc>
+              <a:spcBef>
+                <a:spcPts val="500"/>
+              </a:spcBef>
+              <a:buFont typeface="Arial" panose="020B0604020202020204" pitchFamily="34" charset="0"/>
+              <a:buChar char="•"/>
+              <a:defRPr sz="1800" kern="1200">
+                <a:solidFill>
+                  <a:schemeClr val="tx1"/>
+                </a:solidFill>
+                <a:latin typeface="+mn-lt"/>
+                <a:ea typeface="+mn-ea"/>
+                <a:cs typeface="+mn-cs"/>
+              </a:defRPr>
+            </a:lvl7pPr>
+            <a:lvl8pPr marL="3429000" indent="-228600" algn="r" defTabSz="914400" rtl="1" eaLnBrk="1" latinLnBrk="0" hangingPunct="1">
+              <a:lnSpc>
+                <a:spcPct val="90000"/>
+              </a:lnSpc>
+              <a:spcBef>
+                <a:spcPts val="500"/>
+              </a:spcBef>
+              <a:buFont typeface="Arial" panose="020B0604020202020204" pitchFamily="34" charset="0"/>
+              <a:buChar char="•"/>
+              <a:defRPr sz="1800" kern="1200">
+                <a:solidFill>
+                  <a:schemeClr val="tx1"/>
+                </a:solidFill>
+                <a:latin typeface="+mn-lt"/>
+                <a:ea typeface="+mn-ea"/>
+                <a:cs typeface="+mn-cs"/>
+              </a:defRPr>
+            </a:lvl8pPr>
+            <a:lvl9pPr marL="3886200" indent="-228600" algn="r" defTabSz="914400" rtl="1" eaLnBrk="1" latinLnBrk="0" hangingPunct="1">
+              <a:lnSpc>
+                <a:spcPct val="90000"/>
+              </a:lnSpc>
+              <a:spcBef>
+                <a:spcPts val="500"/>
+              </a:spcBef>
+              <a:buFont typeface="Arial" panose="020B0604020202020204" pitchFamily="34" charset="0"/>
+              <a:buChar char="•"/>
+              <a:defRPr sz="1800" kern="1200">
+                <a:solidFill>
+                  <a:schemeClr val="tx1"/>
+                </a:solidFill>
+                <a:latin typeface="+mn-lt"/>
+                <a:ea typeface="+mn-ea"/>
+                <a:cs typeface="+mn-cs"/>
+              </a:defRPr>
+            </a:lvl9pPr>
+          </a:lstStyle>
+          <a:p>
+            <a:pPr algn="l" rtl="0"/>
+            <a:r>
+              <a:rPr lang="en-US" sz="2000" dirty="0"/>
               <a:t>Running tests</a:t>
             </a:r>
           </a:p>
@@ -11048,7 +16425,7 @@
           <p:nvPr/>
         </p:nvPicPr>
         <p:blipFill>
-          <a:blip r:embed="rId5" cstate="print">
+          <a:blip r:embed="rId4" cstate="print">
             <a:extLst>
               <a:ext uri="{28A0092B-C50C-407E-A947-70E740481C1C}">
                 <a14:useLocalDpi xmlns:a14="http://schemas.microsoft.com/office/drawing/2010/main" val="0"/>
@@ -11090,7 +16467,7 @@
           <p:nvPr/>
         </p:nvPicPr>
         <p:blipFill>
-          <a:blip r:embed="rId6"/>
+          <a:blip r:embed="rId5"/>
           <a:stretch>
             <a:fillRect/>
           </a:stretch>
@@ -11204,282 +16581,39 @@
           </a:p>
         </p:txBody>
       </p:sp>
+      <p:sp>
+        <p:nvSpPr>
+          <p:cNvPr id="7" name="Slide Number Placeholder 6">
+            <a:extLst>
+              <a:ext uri="{FF2B5EF4-FFF2-40B4-BE49-F238E27FC236}">
+                <a16:creationId xmlns:a16="http://schemas.microsoft.com/office/drawing/2014/main" id="{3F93AB08-C418-BB28-FD38-655F54B9019C}"/>
+              </a:ext>
+            </a:extLst>
+          </p:cNvPr>
+          <p:cNvSpPr>
+            <a:spLocks noGrp="1"/>
+          </p:cNvSpPr>
+          <p:nvPr>
+            <p:ph type="sldNum" sz="quarter" idx="12"/>
+          </p:nvPr>
+        </p:nvSpPr>
+        <p:spPr/>
+        <p:txBody>
+          <a:bodyPr/>
+          <a:lstStyle/>
+          <a:p>
+            <a:fld id="{330EA680-D336-4FF7-8B7A-9848BB0A1C32}" type="slidenum">
+              <a:rPr lang="en-US" smtClean="0"/>
+              <a:t>8</a:t>
+            </a:fld>
+            <a:endParaRPr lang="en-US"/>
+          </a:p>
+        </p:txBody>
+      </p:sp>
     </p:spTree>
     <p:extLst>
       <p:ext uri="{BB962C8B-B14F-4D97-AF65-F5344CB8AC3E}">
-        <p14:creationId xmlns:p14="http://schemas.microsoft.com/office/powerpoint/2010/main" val="4199744191"/>
-      </p:ext>
-    </p:extLst>
-  </p:cSld>
-  <p:clrMapOvr>
-    <a:overrideClrMapping bg1="lt1" tx1="dk1" bg2="lt2" tx2="dk2" accent1="accent1" accent2="accent2" accent3="accent3" accent4="accent4" accent5="accent5" accent6="accent6" hlink="hlink" folHlink="folHlink"/>
-  </p:clrMapOvr>
-</p:sld>
-</file>
-
-<file path=ppt/slides/slide8.xml><?xml version="1.0" encoding="utf-8"?>
-<p:sld xmlns:a="http://schemas.openxmlformats.org/drawingml/2006/main" xmlns:r="http://schemas.openxmlformats.org/officeDocument/2006/relationships" xmlns:p="http://schemas.openxmlformats.org/presentationml/2006/main">
-  <p:cSld>
-    <p:spTree>
-      <p:nvGrpSpPr>
-        <p:cNvPr id="1" name=""/>
-        <p:cNvGrpSpPr/>
-        <p:nvPr/>
-      </p:nvGrpSpPr>
-      <p:grpSpPr>
-        <a:xfrm>
-          <a:off x="0" y="0"/>
-          <a:ext cx="0" cy="0"/>
-          <a:chOff x="0" y="0"/>
-          <a:chExt cx="0" cy="0"/>
-        </a:xfrm>
-      </p:grpSpPr>
-      <p:pic>
-        <p:nvPicPr>
-          <p:cNvPr id="5" name="Picture 4">
-            <a:extLst>
-              <a:ext uri="{FF2B5EF4-FFF2-40B4-BE49-F238E27FC236}">
-                <a16:creationId xmlns:a16="http://schemas.microsoft.com/office/drawing/2014/main" id="{890B1F5F-EB5C-95C7-8F99-D6192A2667FF}"/>
-              </a:ext>
-            </a:extLst>
-          </p:cNvPr>
-          <p:cNvPicPr>
-            <a:picLocks noChangeAspect="1"/>
-          </p:cNvPicPr>
-          <p:nvPr/>
-        </p:nvPicPr>
-        <p:blipFill>
-          <a:blip r:embed="rId3" cstate="print">
-            <a:extLst>
-              <a:ext uri="{28A0092B-C50C-407E-A947-70E740481C1C}">
-                <a14:useLocalDpi xmlns:a14="http://schemas.microsoft.com/office/drawing/2010/main" val="0"/>
-              </a:ext>
-            </a:extLst>
-          </a:blip>
-          <a:stretch>
-            <a:fillRect/>
-          </a:stretch>
-        </p:blipFill>
-        <p:spPr>
-          <a:xfrm>
-            <a:off x="0" y="85806"/>
-            <a:ext cx="3060198" cy="722377"/>
-          </a:xfrm>
-          <a:prstGeom prst="rect">
-            <a:avLst/>
-          </a:prstGeom>
-        </p:spPr>
-      </p:pic>
-      <p:sp>
-        <p:nvSpPr>
-          <p:cNvPr id="32" name="Title 1">
-            <a:extLst>
-              <a:ext uri="{FF2B5EF4-FFF2-40B4-BE49-F238E27FC236}">
-                <a16:creationId xmlns:a16="http://schemas.microsoft.com/office/drawing/2014/main" id="{B80AB29C-3022-AD13-019B-A9199CB76711}"/>
-              </a:ext>
-            </a:extLst>
-          </p:cNvPr>
-          <p:cNvSpPr>
-            <a:spLocks noGrp="1"/>
-          </p:cNvSpPr>
-          <p:nvPr>
-            <p:ph type="title"/>
-          </p:nvPr>
-        </p:nvSpPr>
-        <p:spPr>
-          <a:xfrm>
-            <a:off x="454395" y="811356"/>
-            <a:ext cx="9996911" cy="1325563"/>
-          </a:xfrm>
-        </p:spPr>
-        <p:txBody>
-          <a:bodyPr/>
-          <a:lstStyle/>
-          <a:p>
-            <a:r>
-              <a:rPr lang="en-US" sz="4800" b="1" dirty="0">
-                <a:solidFill>
-                  <a:srgbClr val="4472C4"/>
-                </a:solidFill>
-                <a:latin typeface="Calibri Light"/>
-                <a:ea typeface="Yu Gothic Light"/>
-                <a:cs typeface="Calibri Light"/>
-              </a:rPr>
-              <a:t>Testing System</a:t>
-            </a:r>
-            <a:endParaRPr lang="en-US" sz="4800" b="1" dirty="0">
-              <a:solidFill>
-                <a:srgbClr val="4472C4"/>
-              </a:solidFill>
-              <a:latin typeface="Calibri Light" panose="020F0302020204030204" pitchFamily="34" charset="0"/>
-              <a:ea typeface="Yu Gothic Light" panose="020B0300000000000000" pitchFamily="34" charset="-128"/>
-              <a:cs typeface="Calibri Light" panose="020F0302020204030204" pitchFamily="34" charset="0"/>
-            </a:endParaRPr>
-          </a:p>
-        </p:txBody>
-      </p:sp>
-      <p:pic>
-        <p:nvPicPr>
-          <p:cNvPr id="2" name="Picture 1">
-            <a:extLst>
-              <a:ext uri="{FF2B5EF4-FFF2-40B4-BE49-F238E27FC236}">
-                <a16:creationId xmlns:a16="http://schemas.microsoft.com/office/drawing/2014/main" id="{9007714D-EA46-BF94-9B8A-2644167D3BC1}"/>
-              </a:ext>
-            </a:extLst>
-          </p:cNvPr>
-          <p:cNvPicPr>
-            <a:picLocks noChangeAspect="1"/>
-          </p:cNvPicPr>
-          <p:nvPr/>
-        </p:nvPicPr>
-        <p:blipFill>
-          <a:blip r:embed="rId4" cstate="print">
-            <a:extLst>
-              <a:ext uri="{28A0092B-C50C-407E-A947-70E740481C1C}">
-                <a14:useLocalDpi xmlns:a14="http://schemas.microsoft.com/office/drawing/2010/main" val="0"/>
-              </a:ext>
-            </a:extLst>
-          </a:blip>
-          <a:srcRect/>
-          <a:stretch>
-            <a:fillRect/>
-          </a:stretch>
-        </p:blipFill>
-        <p:spPr bwMode="auto">
-          <a:xfrm>
-            <a:off x="931995" y="2499678"/>
-            <a:ext cx="4256405" cy="3880091"/>
-          </a:xfrm>
-          <a:prstGeom prst="rect">
-            <a:avLst/>
-          </a:prstGeom>
-          <a:noFill/>
-          <a:ln>
-            <a:solidFill>
-              <a:schemeClr val="tx1"/>
-            </a:solidFill>
-          </a:ln>
-        </p:spPr>
-      </p:pic>
-      <p:sp>
-        <p:nvSpPr>
-          <p:cNvPr id="3" name="TextBox 2">
-            <a:extLst>
-              <a:ext uri="{FF2B5EF4-FFF2-40B4-BE49-F238E27FC236}">
-                <a16:creationId xmlns:a16="http://schemas.microsoft.com/office/drawing/2014/main" id="{1FB28F23-7E65-8513-465F-A27B41ABD41E}"/>
-              </a:ext>
-            </a:extLst>
-          </p:cNvPr>
-          <p:cNvSpPr txBox="1"/>
-          <p:nvPr/>
-        </p:nvSpPr>
-        <p:spPr>
-          <a:xfrm>
-            <a:off x="1545723" y="1956612"/>
-            <a:ext cx="3028950" cy="461665"/>
-          </a:xfrm>
-          <a:prstGeom prst="rect">
-            <a:avLst/>
-          </a:prstGeom>
-          <a:noFill/>
-        </p:spPr>
-        <p:txBody>
-          <a:bodyPr wrap="square">
-            <a:spAutoFit/>
-          </a:bodyPr>
-          <a:lstStyle/>
-          <a:p>
-            <a:pPr algn="ctr" rtl="0"/>
-            <a:r>
-              <a:rPr lang="en-US" sz="2400" b="1" dirty="0"/>
-              <a:t>Testing station</a:t>
-            </a:r>
-          </a:p>
-        </p:txBody>
-      </p:sp>
-      <p:sp>
-        <p:nvSpPr>
-          <p:cNvPr id="4" name="TextBox 3">
-            <a:extLst>
-              <a:ext uri="{FF2B5EF4-FFF2-40B4-BE49-F238E27FC236}">
-                <a16:creationId xmlns:a16="http://schemas.microsoft.com/office/drawing/2014/main" id="{D9E944C8-9DEA-3A15-816E-A99B6C400E93}"/>
-              </a:ext>
-            </a:extLst>
-          </p:cNvPr>
-          <p:cNvSpPr txBox="1"/>
-          <p:nvPr/>
-        </p:nvSpPr>
-        <p:spPr>
-          <a:xfrm>
-            <a:off x="7152853" y="1980072"/>
-            <a:ext cx="3698082" cy="461665"/>
-          </a:xfrm>
-          <a:prstGeom prst="rect">
-            <a:avLst/>
-          </a:prstGeom>
-          <a:noFill/>
-        </p:spPr>
-        <p:txBody>
-          <a:bodyPr wrap="square">
-            <a:spAutoFit/>
-          </a:bodyPr>
-          <a:lstStyle/>
-          <a:p>
-            <a:pPr algn="ctr" rtl="0"/>
-            <a:r>
-              <a:rPr lang="en-US" sz="2400" b="1" dirty="0"/>
-              <a:t>Tested on-board computer</a:t>
-            </a:r>
-          </a:p>
-        </p:txBody>
-      </p:sp>
-      <p:pic>
-        <p:nvPicPr>
-          <p:cNvPr id="6" name="Picture 5">
-            <a:extLst>
-              <a:ext uri="{FF2B5EF4-FFF2-40B4-BE49-F238E27FC236}">
-                <a16:creationId xmlns:a16="http://schemas.microsoft.com/office/drawing/2014/main" id="{E8E271FE-C722-F6C1-7872-D73D261D7BD8}"/>
-              </a:ext>
-            </a:extLst>
-          </p:cNvPr>
-          <p:cNvPicPr>
-            <a:picLocks noChangeAspect="1"/>
-          </p:cNvPicPr>
-          <p:nvPr/>
-        </p:nvPicPr>
-        <p:blipFill>
-          <a:blip r:embed="rId5" cstate="print">
-            <a:extLst>
-              <a:ext uri="{28A0092B-C50C-407E-A947-70E740481C1C}">
-                <a14:useLocalDpi xmlns:a14="http://schemas.microsoft.com/office/drawing/2010/main" val="0"/>
-              </a:ext>
-            </a:extLst>
-          </a:blip>
-          <a:srcRect/>
-          <a:stretch>
-            <a:fillRect/>
-          </a:stretch>
-        </p:blipFill>
-        <p:spPr bwMode="auto">
-          <a:xfrm>
-            <a:off x="7152853" y="2471613"/>
-            <a:ext cx="3983169" cy="3908156"/>
-          </a:xfrm>
-          <a:prstGeom prst="rect">
-            <a:avLst/>
-          </a:prstGeom>
-          <a:noFill/>
-          <a:ln>
-            <a:solidFill>
-              <a:schemeClr val="tx1"/>
-            </a:solidFill>
-          </a:ln>
-        </p:spPr>
-      </p:pic>
-    </p:spTree>
-    <p:extLst>
-      <p:ext uri="{BB962C8B-B14F-4D97-AF65-F5344CB8AC3E}">
-        <p14:creationId xmlns:p14="http://schemas.microsoft.com/office/powerpoint/2010/main" val="1565405302"/>
+        <p14:creationId xmlns:p14="http://schemas.microsoft.com/office/powerpoint/2010/main" val="122682627"/>
       </p:ext>
     </p:extLst>
   </p:cSld>
@@ -11577,7 +16711,7 @@
                 <a:ea typeface="Yu Gothic Light"/>
                 <a:cs typeface="Calibri Light"/>
               </a:rPr>
-              <a:t>Testing System - Communication</a:t>
+              <a:t>Testing System</a:t>
             </a:r>
             <a:endParaRPr lang="en-US" sz="4800" b="1" dirty="0">
               <a:solidFill>
@@ -11590,89 +16724,197 @@
           </a:p>
         </p:txBody>
       </p:sp>
-      <p:sp>
-        <p:nvSpPr>
-          <p:cNvPr id="7" name="Content Placeholder 2">
+      <p:pic>
+        <p:nvPicPr>
+          <p:cNvPr id="2" name="Picture 1">
             <a:extLst>
               <a:ext uri="{FF2B5EF4-FFF2-40B4-BE49-F238E27FC236}">
-                <a16:creationId xmlns:a16="http://schemas.microsoft.com/office/drawing/2014/main" id="{F8517117-80C2-F502-813D-219ABCB394FD}"/>
+                <a16:creationId xmlns:a16="http://schemas.microsoft.com/office/drawing/2014/main" id="{9007714D-EA46-BF94-9B8A-2644167D3BC1}"/>
               </a:ext>
             </a:extLst>
           </p:cNvPr>
-          <p:cNvSpPr>
-            <a:spLocks noGrp="1"/>
-          </p:cNvSpPr>
-          <p:nvPr>
-            <p:ph idx="1"/>
-          </p:nvPr>
+          <p:cNvPicPr>
+            <a:picLocks noChangeAspect="1"/>
+          </p:cNvPicPr>
+          <p:nvPr/>
+        </p:nvPicPr>
+        <p:blipFill>
+          <a:blip r:embed="rId4" cstate="print">
+            <a:extLst>
+              <a:ext uri="{28A0092B-C50C-407E-A947-70E740481C1C}">
+                <a14:useLocalDpi xmlns:a14="http://schemas.microsoft.com/office/drawing/2010/main" val="0"/>
+              </a:ext>
+            </a:extLst>
+          </a:blip>
+          <a:srcRect/>
+          <a:stretch>
+            <a:fillRect/>
+          </a:stretch>
+        </p:blipFill>
+        <p:spPr bwMode="auto">
+          <a:xfrm>
+            <a:off x="931995" y="2499678"/>
+            <a:ext cx="4256405" cy="3880091"/>
+          </a:xfrm>
+          <a:prstGeom prst="rect">
+            <a:avLst/>
+          </a:prstGeom>
+          <a:noFill/>
+          <a:ln>
+            <a:solidFill>
+              <a:schemeClr val="tx1"/>
+            </a:solidFill>
+          </a:ln>
+        </p:spPr>
+      </p:pic>
+      <p:sp>
+        <p:nvSpPr>
+          <p:cNvPr id="3" name="TextBox 2">
+            <a:extLst>
+              <a:ext uri="{FF2B5EF4-FFF2-40B4-BE49-F238E27FC236}">
+                <a16:creationId xmlns:a16="http://schemas.microsoft.com/office/drawing/2014/main" id="{1FB28F23-7E65-8513-465F-A27B41ABD41E}"/>
+              </a:ext>
+            </a:extLst>
+          </p:cNvPr>
+          <p:cNvSpPr txBox="1"/>
+          <p:nvPr/>
         </p:nvSpPr>
         <p:spPr>
           <a:xfrm>
-            <a:off x="838199" y="1979685"/>
-            <a:ext cx="10658475" cy="3344790"/>
+            <a:off x="1545723" y="1956612"/>
+            <a:ext cx="3028950" cy="461665"/>
           </a:xfrm>
+          <a:prstGeom prst="rect">
+            <a:avLst/>
+          </a:prstGeom>
+          <a:noFill/>
         </p:spPr>
         <p:txBody>
-          <a:bodyPr>
-            <a:normAutofit fontScale="92500" lnSpcReduction="10000"/>
+          <a:bodyPr wrap="square">
+            <a:spAutoFit/>
           </a:bodyPr>
           <a:lstStyle/>
           <a:p>
-            <a:pPr algn="l" rtl="0"/>
-            <a:r>
-              <a:rPr lang="en-US" dirty="0"/>
-              <a:t>Defining a communication protocol</a:t>
-            </a:r>
-          </a:p>
-          <a:p>
-            <a:pPr algn="l" rtl="0"/>
-            <a:r>
-              <a:rPr lang="en-US" dirty="0"/>
-              <a:t>Error detection</a:t>
-            </a:r>
-          </a:p>
-          <a:p>
-            <a:pPr marL="0" indent="0" algn="l" rtl="0">
-              <a:buNone/>
-            </a:pPr>
-            <a:endParaRPr lang="en-US" dirty="0"/>
-          </a:p>
-          <a:p>
-            <a:pPr marL="0" indent="0" algn="l" rtl="0">
-              <a:buNone/>
-            </a:pPr>
-            <a:r>
-              <a:rPr lang="en-US" dirty="0"/>
-              <a:t>Work on:</a:t>
-            </a:r>
-          </a:p>
-          <a:p>
-            <a:pPr algn="l" rtl="0"/>
-            <a:r>
-              <a:rPr lang="en-US" dirty="0"/>
-              <a:t>UDP</a:t>
-            </a:r>
-          </a:p>
-          <a:p>
-            <a:pPr algn="l" rtl="0"/>
-            <a:r>
-              <a:rPr lang="en-US" dirty="0"/>
-              <a:t>TCP</a:t>
-            </a:r>
-          </a:p>
-          <a:p>
-            <a:pPr algn="l" rtl="0"/>
-            <a:r>
-              <a:rPr lang="en-US" dirty="0"/>
-              <a:t>Local simulation</a:t>
-            </a:r>
+            <a:pPr algn="ctr" rtl="0"/>
+            <a:r>
+              <a:rPr lang="en-US" sz="2400" b="1" dirty="0"/>
+              <a:t>Testing station</a:t>
+            </a:r>
+          </a:p>
+        </p:txBody>
+      </p:sp>
+      <p:sp>
+        <p:nvSpPr>
+          <p:cNvPr id="4" name="TextBox 3">
+            <a:extLst>
+              <a:ext uri="{FF2B5EF4-FFF2-40B4-BE49-F238E27FC236}">
+                <a16:creationId xmlns:a16="http://schemas.microsoft.com/office/drawing/2014/main" id="{D9E944C8-9DEA-3A15-816E-A99B6C400E93}"/>
+              </a:ext>
+            </a:extLst>
+          </p:cNvPr>
+          <p:cNvSpPr txBox="1"/>
+          <p:nvPr/>
+        </p:nvSpPr>
+        <p:spPr>
+          <a:xfrm>
+            <a:off x="7152853" y="1980072"/>
+            <a:ext cx="3698082" cy="461665"/>
+          </a:xfrm>
+          <a:prstGeom prst="rect">
+            <a:avLst/>
+          </a:prstGeom>
+          <a:noFill/>
+        </p:spPr>
+        <p:txBody>
+          <a:bodyPr wrap="square">
+            <a:spAutoFit/>
+          </a:bodyPr>
+          <a:lstStyle/>
+          <a:p>
+            <a:pPr algn="ctr" rtl="0"/>
+            <a:r>
+              <a:rPr lang="en-US" sz="2400" b="1" dirty="0"/>
+              <a:t>Tested on-board computer</a:t>
+            </a:r>
+          </a:p>
+        </p:txBody>
+      </p:sp>
+      <p:pic>
+        <p:nvPicPr>
+          <p:cNvPr id="6" name="Picture 5">
+            <a:extLst>
+              <a:ext uri="{FF2B5EF4-FFF2-40B4-BE49-F238E27FC236}">
+                <a16:creationId xmlns:a16="http://schemas.microsoft.com/office/drawing/2014/main" id="{E8E271FE-C722-F6C1-7872-D73D261D7BD8}"/>
+              </a:ext>
+            </a:extLst>
+          </p:cNvPr>
+          <p:cNvPicPr>
+            <a:picLocks noChangeAspect="1"/>
+          </p:cNvPicPr>
+          <p:nvPr/>
+        </p:nvPicPr>
+        <p:blipFill>
+          <a:blip r:embed="rId5" cstate="print">
+            <a:extLst>
+              <a:ext uri="{28A0092B-C50C-407E-A947-70E740481C1C}">
+                <a14:useLocalDpi xmlns:a14="http://schemas.microsoft.com/office/drawing/2010/main" val="0"/>
+              </a:ext>
+            </a:extLst>
+          </a:blip>
+          <a:srcRect/>
+          <a:stretch>
+            <a:fillRect/>
+          </a:stretch>
+        </p:blipFill>
+        <p:spPr bwMode="auto">
+          <a:xfrm>
+            <a:off x="7152853" y="2471613"/>
+            <a:ext cx="3983169" cy="3908156"/>
+          </a:xfrm>
+          <a:prstGeom prst="rect">
+            <a:avLst/>
+          </a:prstGeom>
+          <a:noFill/>
+          <a:ln>
+            <a:solidFill>
+              <a:schemeClr val="tx1"/>
+            </a:solidFill>
+          </a:ln>
+        </p:spPr>
+      </p:pic>
+      <p:sp>
+        <p:nvSpPr>
+          <p:cNvPr id="7" name="Slide Number Placeholder 6">
+            <a:extLst>
+              <a:ext uri="{FF2B5EF4-FFF2-40B4-BE49-F238E27FC236}">
+                <a16:creationId xmlns:a16="http://schemas.microsoft.com/office/drawing/2014/main" id="{6FDFD807-B167-A33E-59E0-AA381A27ED7F}"/>
+              </a:ext>
+            </a:extLst>
+          </p:cNvPr>
+          <p:cNvSpPr>
+            <a:spLocks noGrp="1"/>
+          </p:cNvSpPr>
+          <p:nvPr>
+            <p:ph type="sldNum" sz="quarter" idx="12"/>
+          </p:nvPr>
+        </p:nvSpPr>
+        <p:spPr/>
+        <p:txBody>
+          <a:bodyPr/>
+          <a:lstStyle/>
+          <a:p>
+            <a:fld id="{330EA680-D336-4FF7-8B7A-9848BB0A1C32}" type="slidenum">
+              <a:rPr lang="en-US" smtClean="0"/>
+              <a:t>9</a:t>
+            </a:fld>
+            <a:endParaRPr lang="en-US"/>
           </a:p>
         </p:txBody>
       </p:sp>
     </p:spTree>
     <p:extLst>
       <p:ext uri="{BB962C8B-B14F-4D97-AF65-F5344CB8AC3E}">
-        <p14:creationId xmlns:p14="http://schemas.microsoft.com/office/powerpoint/2010/main" val="1550373907"/>
+        <p14:creationId xmlns:p14="http://schemas.microsoft.com/office/powerpoint/2010/main" val="1565405302"/>
       </p:ext>
     </p:extLst>
   </p:cSld>

--- a/Capstone Project Phase B–23-2-D-17.pptx
+++ b/Capstone Project Phase B–23-2-D-17.pptx
@@ -11581,11 +11581,13 @@
         <p:spPr>
           <a:xfrm>
             <a:off x="838200" y="2141739"/>
-            <a:ext cx="7118764" cy="3606437"/>
+            <a:ext cx="7118764" cy="3769461"/>
           </a:xfrm>
         </p:spPr>
         <p:txBody>
-          <a:bodyPr/>
+          <a:bodyPr>
+            <a:normAutofit lnSpcReduction="10000"/>
+          </a:bodyPr>
           <a:lstStyle/>
           <a:p>
             <a:pPr algn="l" rtl="0"/>
@@ -11640,6 +11642,13 @@
             <a:r>
               <a:rPr lang="en-US" dirty="0"/>
               <a:t>Local Simulations</a:t>
+            </a:r>
+          </a:p>
+          <a:p>
+            <a:pPr lvl="1" algn="l" rtl="0"/>
+            <a:r>
+              <a:rPr lang="en-US" dirty="0"/>
+              <a:t>Loggers</a:t>
             </a:r>
           </a:p>
           <a:p>

--- a/Capstone Project Phase B–23-2-D-17.pptx
+++ b/Capstone Project Phase B–23-2-D-17.pptx
@@ -223,7 +223,7 @@
           <a:p>
             <a:fld id="{2442D881-CA12-4970-8156-2388B9CD2E9F}" type="datetimeFigureOut">
               <a:rPr lang="en-IL" smtClean="0"/>
-              <a:t>04/05/2024</a:t>
+              <a:t>05/05/2024</a:t>
             </a:fld>
             <a:endParaRPr lang="en-IL"/>
           </a:p>
@@ -535,7 +535,7 @@
           <a:bodyPr/>
           <a:lstStyle/>
           <a:p>
-            <a:endParaRPr lang="he-IL"/>
+            <a:endParaRPr lang="he-IL" dirty="0"/>
           </a:p>
         </p:txBody>
       </p:sp>
@@ -636,17 +636,6 @@
               <a:tabLst/>
               <a:defRPr/>
             </a:pPr>
-            <a:r>
-              <a:rPr lang="en-US" sz="1800" b="1" i="0" dirty="0">
-                <a:solidFill>
-                  <a:srgbClr val="FF9300"/>
-                </a:solidFill>
-                <a:effectLst/>
-                <a:latin typeface="Poppins" panose="020B0502040204020203" pitchFamily="2" charset="0"/>
-                <a:cs typeface="Arial" panose="020B0604020202020204" pitchFamily="34" charset="0"/>
-              </a:rPr>
-              <a:t>Package diagrams</a:t>
-            </a:r>
             <a:endParaRPr lang="en-US" b="1" i="0" dirty="0">
               <a:solidFill>
                 <a:srgbClr val="FF9300"/>
@@ -754,17 +743,6 @@
               <a:tabLst/>
               <a:defRPr/>
             </a:pPr>
-            <a:r>
-              <a:rPr lang="en-US" sz="1800" b="1" i="0" dirty="0">
-                <a:solidFill>
-                  <a:srgbClr val="FF9300"/>
-                </a:solidFill>
-                <a:effectLst/>
-                <a:latin typeface="Poppins" panose="020B0502040204020203" pitchFamily="2" charset="0"/>
-                <a:cs typeface="Arial" panose="020B0604020202020204" pitchFamily="34" charset="0"/>
-              </a:rPr>
-              <a:t>Package diagrams</a:t>
-            </a:r>
             <a:endParaRPr lang="en-US" b="1" i="0" dirty="0">
               <a:solidFill>
                 <a:srgbClr val="FF9300"/>
@@ -872,17 +850,6 @@
               <a:tabLst/>
               <a:defRPr/>
             </a:pPr>
-            <a:r>
-              <a:rPr lang="en-US" sz="1800" b="1" i="0" dirty="0">
-                <a:solidFill>
-                  <a:srgbClr val="FF9300"/>
-                </a:solidFill>
-                <a:effectLst/>
-                <a:latin typeface="Poppins" panose="020B0502040204020203" pitchFamily="2" charset="0"/>
-                <a:cs typeface="Arial" panose="020B0604020202020204" pitchFamily="34" charset="0"/>
-              </a:rPr>
-              <a:t>Package diagrams</a:t>
-            </a:r>
             <a:endParaRPr lang="en-US" b="1" i="0" dirty="0">
               <a:solidFill>
                 <a:srgbClr val="FF9300"/>
@@ -990,17 +957,6 @@
               <a:tabLst/>
               <a:defRPr/>
             </a:pPr>
-            <a:r>
-              <a:rPr lang="en-US" sz="1800" b="1" i="0" dirty="0">
-                <a:solidFill>
-                  <a:srgbClr val="FF9300"/>
-                </a:solidFill>
-                <a:effectLst/>
-                <a:latin typeface="Poppins" panose="020B0502040204020203" pitchFamily="2" charset="0"/>
-                <a:cs typeface="Arial" panose="020B0604020202020204" pitchFamily="34" charset="0"/>
-              </a:rPr>
-              <a:t>Package diagrams</a:t>
-            </a:r>
             <a:endParaRPr lang="en-US" b="1" i="0" dirty="0">
               <a:solidFill>
                 <a:srgbClr val="FF9300"/>
@@ -1108,17 +1064,6 @@
               <a:tabLst/>
               <a:defRPr/>
             </a:pPr>
-            <a:r>
-              <a:rPr lang="en-US" sz="1800" b="1" i="0" dirty="0">
-                <a:solidFill>
-                  <a:srgbClr val="FF9300"/>
-                </a:solidFill>
-                <a:effectLst/>
-                <a:latin typeface="Poppins" panose="020B0502040204020203" pitchFamily="2" charset="0"/>
-                <a:cs typeface="Arial" panose="020B0604020202020204" pitchFamily="34" charset="0"/>
-              </a:rPr>
-              <a:t>Activity diagrams</a:t>
-            </a:r>
             <a:endParaRPr lang="en-US" b="1" i="0" dirty="0">
               <a:solidFill>
                 <a:srgbClr val="FF9300"/>
@@ -1226,14 +1171,6 @@
               <a:tabLst/>
               <a:defRPr/>
             </a:pPr>
-            <a:r>
-              <a:rPr lang="he-IL" sz="1800" dirty="0">
-                <a:effectLst/>
-                <a:ea typeface="Arial" panose="020B0604020202020204" pitchFamily="34" charset="0"/>
-                <a:cs typeface="Arial" panose="020B0604020202020204" pitchFamily="34" charset="0"/>
-              </a:rPr>
-              <a:t>תיאור הפתרון </a:t>
-            </a:r>
             <a:endParaRPr lang="en-IL" dirty="0"/>
           </a:p>
         </p:txBody>
@@ -1318,14 +1255,6 @@
           <a:bodyPr/>
           <a:lstStyle/>
           <a:p>
-            <a:r>
-              <a:rPr lang="he-IL" sz="1800" dirty="0">
-                <a:effectLst/>
-                <a:ea typeface="Arial" panose="020B0604020202020204" pitchFamily="34" charset="0"/>
-                <a:cs typeface="Arial" panose="020B0604020202020204" pitchFamily="34" charset="0"/>
-              </a:rPr>
-              <a:t>תיאור הפתרון </a:t>
-            </a:r>
             <a:endParaRPr lang="en-IL" dirty="0"/>
           </a:p>
         </p:txBody>
@@ -1410,14 +1339,6 @@
           <a:bodyPr/>
           <a:lstStyle/>
           <a:p>
-            <a:r>
-              <a:rPr lang="he-IL" sz="1800" dirty="0">
-                <a:effectLst/>
-                <a:ea typeface="Arial" panose="020B0604020202020204" pitchFamily="34" charset="0"/>
-                <a:cs typeface="Arial" panose="020B0604020202020204" pitchFamily="34" charset="0"/>
-              </a:rPr>
-              <a:t>תיאור הפתרון </a:t>
-            </a:r>
             <a:endParaRPr lang="en-IL" dirty="0"/>
           </a:p>
         </p:txBody>
@@ -1502,29 +1423,11 @@
           <a:bodyPr/>
           <a:lstStyle/>
           <a:p>
-            <a:r>
-              <a:rPr lang="he-IL" sz="1800" dirty="0">
-                <a:effectLst/>
-                <a:ea typeface="Arial" panose="020B0604020202020204" pitchFamily="34" charset="0"/>
-                <a:cs typeface="Arial" panose="020B0604020202020204" pitchFamily="34" charset="0"/>
-              </a:rPr>
-              <a:t>תיאור הפתרון </a:t>
-            </a:r>
             <a:endParaRPr lang="en-US" sz="1800" dirty="0">
               <a:effectLst/>
               <a:ea typeface="Arial" panose="020B0604020202020204" pitchFamily="34" charset="0"/>
               <a:cs typeface="Arial" panose="020B0604020202020204" pitchFamily="34" charset="0"/>
             </a:endParaRPr>
-          </a:p>
-          <a:p>
-            <a:r>
-              <a:rPr lang="he-IL" sz="1800" dirty="0">
-                <a:effectLst/>
-                <a:cs typeface="Arial" panose="020B0604020202020204" pitchFamily="34" charset="0"/>
-              </a:rPr>
-              <a:t>להוסיף?</a:t>
-            </a:r>
-            <a:endParaRPr lang="en-IL" dirty="0"/>
           </a:p>
         </p:txBody>
       </p:sp>
@@ -1608,14 +1511,6 @@
           <a:bodyPr/>
           <a:lstStyle/>
           <a:p>
-            <a:r>
-              <a:rPr lang="he-IL" sz="1800" dirty="0">
-                <a:effectLst/>
-                <a:ea typeface="Arial" panose="020B0604020202020204" pitchFamily="34" charset="0"/>
-                <a:cs typeface="Arial" panose="020B0604020202020204" pitchFamily="34" charset="0"/>
-              </a:rPr>
-              <a:t>תיאור הפתרון </a:t>
-            </a:r>
             <a:endParaRPr lang="en-IL" dirty="0"/>
           </a:p>
         </p:txBody>
@@ -1717,25 +1612,6 @@
               <a:tabLst/>
               <a:defRPr/>
             </a:pPr>
-            <a:r>
-              <a:rPr lang="he-IL" sz="1800" u="none" strike="noStrike" dirty="0">
-                <a:effectLst/>
-                <a:latin typeface="Arial" panose="020B0604020202020204" pitchFamily="34" charset="0"/>
-                <a:ea typeface="Arial" panose="020B0604020202020204" pitchFamily="34" charset="0"/>
-              </a:rPr>
-              <a:t>הצגה קצרה של הרקע: הבעיה, הצורך לפיתוח המערכת </a:t>
-            </a:r>
-            <a:endParaRPr lang="en-IL" sz="1800" u="none" strike="noStrike" dirty="0">
-              <a:effectLst/>
-              <a:latin typeface="Arial" panose="020B0604020202020204" pitchFamily="34" charset="0"/>
-              <a:ea typeface="Arial" panose="020B0604020202020204" pitchFamily="34" charset="0"/>
-            </a:endParaRPr>
-          </a:p>
-          <a:p>
-            <a:r>
-              <a:rPr lang="he-IL" dirty="0"/>
-              <a:t>הבעיה</a:t>
-            </a:r>
             <a:endParaRPr lang="en-IL" dirty="0"/>
           </a:p>
         </p:txBody>
@@ -1820,14 +1696,6 @@
           <a:bodyPr/>
           <a:lstStyle/>
           <a:p>
-            <a:r>
-              <a:rPr lang="he-IL" sz="1800" dirty="0">
-                <a:effectLst/>
-                <a:ea typeface="Arial" panose="020B0604020202020204" pitchFamily="34" charset="0"/>
-                <a:cs typeface="Arial" panose="020B0604020202020204" pitchFamily="34" charset="0"/>
-              </a:rPr>
-              <a:t>תיאור הפתרון </a:t>
-            </a:r>
             <a:endParaRPr lang="en-IL" dirty="0"/>
           </a:p>
         </p:txBody>
@@ -1929,14 +1797,6 @@
               <a:tabLst/>
               <a:defRPr/>
             </a:pPr>
-            <a:r>
-              <a:rPr lang="he-IL" sz="1800" dirty="0">
-                <a:effectLst/>
-                <a:ea typeface="Arial" panose="020B0604020202020204" pitchFamily="34" charset="0"/>
-                <a:cs typeface="Arial" panose="020B0604020202020204" pitchFamily="34" charset="0"/>
-              </a:rPr>
-              <a:t>תיאור אתגרים ובעיות </a:t>
-            </a:r>
             <a:endParaRPr lang="en-IL" dirty="0"/>
           </a:p>
         </p:txBody>
@@ -2038,14 +1898,6 @@
               <a:tabLst/>
               <a:defRPr/>
             </a:pPr>
-            <a:r>
-              <a:rPr lang="he-IL" sz="1800" dirty="0">
-                <a:effectLst/>
-                <a:ea typeface="Arial" panose="020B0604020202020204" pitchFamily="34" charset="0"/>
-                <a:cs typeface="Arial" panose="020B0604020202020204" pitchFamily="34" charset="0"/>
-              </a:rPr>
-              <a:t>תיאור אתגרים ובעיות </a:t>
-            </a:r>
             <a:endParaRPr lang="en-IL" dirty="0"/>
           </a:p>
         </p:txBody>
@@ -2635,25 +2487,6 @@
               <a:tabLst/>
               <a:defRPr/>
             </a:pPr>
-            <a:r>
-              <a:rPr lang="he-IL" sz="1800" u="none" strike="noStrike" dirty="0">
-                <a:effectLst/>
-                <a:latin typeface="Arial" panose="020B0604020202020204" pitchFamily="34" charset="0"/>
-                <a:ea typeface="Arial" panose="020B0604020202020204" pitchFamily="34" charset="0"/>
-              </a:rPr>
-              <a:t>הצגה קצרה של הרקע: הבעיה, הצורך לפיתוח המערכת </a:t>
-            </a:r>
-            <a:endParaRPr lang="en-IL" sz="1800" u="none" strike="noStrike" dirty="0">
-              <a:effectLst/>
-              <a:latin typeface="Arial" panose="020B0604020202020204" pitchFamily="34" charset="0"/>
-              <a:ea typeface="Arial" panose="020B0604020202020204" pitchFamily="34" charset="0"/>
-            </a:endParaRPr>
-          </a:p>
-          <a:p>
-            <a:r>
-              <a:rPr lang="he-IL" dirty="0"/>
-              <a:t>הצורך בפיתוח</a:t>
-            </a:r>
             <a:endParaRPr lang="en-IL" dirty="0"/>
           </a:p>
         </p:txBody>
@@ -2738,51 +2571,6 @@
           <a:bodyPr/>
           <a:lstStyle/>
           <a:p>
-            <a:pPr marL="0" marR="0" lvl="0" indent="0" algn="l" defTabSz="914400" rtl="0" eaLnBrk="1" fontAlgn="auto" latinLnBrk="0" hangingPunct="1">
-              <a:lnSpc>
-                <a:spcPct val="100000"/>
-              </a:lnSpc>
-              <a:spcBef>
-                <a:spcPts val="0"/>
-              </a:spcBef>
-              <a:spcAft>
-                <a:spcPts val="0"/>
-              </a:spcAft>
-              <a:buClrTx/>
-              <a:buSzTx/>
-              <a:buFontTx/>
-              <a:buNone/>
-              <a:tabLst/>
-              <a:defRPr/>
-            </a:pPr>
-            <a:r>
-              <a:rPr lang="he-IL" sz="1800" u="none" strike="noStrike" dirty="0">
-                <a:effectLst/>
-                <a:latin typeface="Arial" panose="020B0604020202020204" pitchFamily="34" charset="0"/>
-                <a:ea typeface="Arial" panose="020B0604020202020204" pitchFamily="34" charset="0"/>
-              </a:rPr>
-              <a:t>הצגה קצרה של הרקע: הבעיה, הצורך לפיתוח המערכת </a:t>
-            </a:r>
-            <a:endParaRPr lang="en-IL" sz="1800" u="none" strike="noStrike" dirty="0">
-              <a:effectLst/>
-              <a:latin typeface="Arial" panose="020B0604020202020204" pitchFamily="34" charset="0"/>
-              <a:ea typeface="Arial" panose="020B0604020202020204" pitchFamily="34" charset="0"/>
-            </a:endParaRPr>
-          </a:p>
-          <a:p>
-            <a:r>
-              <a:rPr lang="he-IL" dirty="0"/>
-              <a:t>הבעיה – האלגוריתמים</a:t>
-            </a:r>
-            <a:endParaRPr lang="en-US" dirty="0"/>
-          </a:p>
-          <a:p>
-            <a:endParaRPr lang="en-US" dirty="0"/>
-          </a:p>
-          <a:p>
-            <a:endParaRPr lang="en-US" dirty="0"/>
-          </a:p>
-          <a:p>
             <a:endParaRPr lang="en-IL" dirty="0"/>
           </a:p>
         </p:txBody>
@@ -2867,57 +2655,6 @@
           <a:bodyPr/>
           <a:lstStyle/>
           <a:p>
-            <a:pPr marL="0" marR="0" lvl="0" indent="0" algn="l" defTabSz="914400" rtl="0" eaLnBrk="1" fontAlgn="auto" latinLnBrk="0" hangingPunct="1">
-              <a:lnSpc>
-                <a:spcPct val="100000"/>
-              </a:lnSpc>
-              <a:spcBef>
-                <a:spcPts val="0"/>
-              </a:spcBef>
-              <a:spcAft>
-                <a:spcPts val="0"/>
-              </a:spcAft>
-              <a:buClrTx/>
-              <a:buSzTx/>
-              <a:buFontTx/>
-              <a:buNone/>
-              <a:tabLst/>
-              <a:defRPr/>
-            </a:pPr>
-            <a:r>
-              <a:rPr lang="he-IL" sz="1800" u="none" strike="noStrike" dirty="0">
-                <a:effectLst/>
-                <a:latin typeface="Arial" panose="020B0604020202020204" pitchFamily="34" charset="0"/>
-                <a:ea typeface="Arial" panose="020B0604020202020204" pitchFamily="34" charset="0"/>
-              </a:rPr>
-              <a:t>הדרישות המרכזיות של הפתרון</a:t>
-            </a:r>
-          </a:p>
-          <a:p>
-            <a:pPr marL="0" marR="0" lvl="0" indent="0" algn="l" defTabSz="914400" rtl="0" eaLnBrk="1" fontAlgn="auto" latinLnBrk="0" hangingPunct="1">
-              <a:lnSpc>
-                <a:spcPct val="100000"/>
-              </a:lnSpc>
-              <a:spcBef>
-                <a:spcPts val="0"/>
-              </a:spcBef>
-              <a:spcAft>
-                <a:spcPts val="0"/>
-              </a:spcAft>
-              <a:buClrTx/>
-              <a:buSzTx/>
-              <a:buFontTx/>
-              <a:buNone/>
-              <a:tabLst/>
-              <a:defRPr/>
-            </a:pPr>
-            <a:endParaRPr lang="en-IL" sz="1800" u="none" strike="noStrike" dirty="0">
-              <a:effectLst/>
-              <a:latin typeface="Arial" panose="020B0604020202020204" pitchFamily="34" charset="0"/>
-              <a:ea typeface="Arial" panose="020B0604020202020204" pitchFamily="34" charset="0"/>
-            </a:endParaRPr>
-          </a:p>
-          <a:p>
             <a:endParaRPr lang="en-IL" dirty="0"/>
           </a:p>
         </p:txBody>
@@ -3002,14 +2739,6 @@
           <a:bodyPr/>
           <a:lstStyle/>
           <a:p>
-            <a:r>
-              <a:rPr lang="he-IL" sz="1800" dirty="0">
-                <a:effectLst/>
-                <a:ea typeface="Arial" panose="020B0604020202020204" pitchFamily="34" charset="0"/>
-                <a:cs typeface="Arial" panose="020B0604020202020204" pitchFamily="34" charset="0"/>
-              </a:rPr>
-              <a:t>תיאור הפתרון </a:t>
-            </a:r>
             <a:endParaRPr lang="he-IL" dirty="0"/>
           </a:p>
         </p:txBody>
@@ -3111,246 +2840,6 @@
               <a:tabLst/>
               <a:defRPr/>
             </a:pPr>
-            <a:r>
-              <a:rPr lang="he-IL" sz="1800" dirty="0">
-                <a:effectLst/>
-                <a:ea typeface="Arial" panose="020B0604020202020204" pitchFamily="34" charset="0"/>
-                <a:cs typeface="Arial" panose="020B0604020202020204" pitchFamily="34" charset="0"/>
-              </a:rPr>
-              <a:t>תיאור הפתרון </a:t>
-            </a:r>
-            <a:endParaRPr lang="en-US" sz="1800" dirty="0">
-              <a:effectLst/>
-              <a:ea typeface="Arial" panose="020B0604020202020204" pitchFamily="34" charset="0"/>
-              <a:cs typeface="Arial" panose="020B0604020202020204" pitchFamily="34" charset="0"/>
-            </a:endParaRPr>
-          </a:p>
-          <a:p>
-            <a:pPr marL="0" marR="0" lvl="0" indent="0" algn="l" defTabSz="914400" rtl="0" eaLnBrk="1" fontAlgn="auto" latinLnBrk="0" hangingPunct="1">
-              <a:lnSpc>
-                <a:spcPct val="100000"/>
-              </a:lnSpc>
-              <a:spcBef>
-                <a:spcPts val="0"/>
-              </a:spcBef>
-              <a:spcAft>
-                <a:spcPts val="0"/>
-              </a:spcAft>
-              <a:buClrTx/>
-              <a:buSzTx/>
-              <a:buFontTx/>
-              <a:buNone/>
-              <a:tabLst/>
-              <a:defRPr/>
-            </a:pPr>
-            <a:r>
-              <a:rPr lang="he-IL" sz="1800" b="1" i="0" dirty="0">
-                <a:solidFill>
-                  <a:srgbClr val="FF9300"/>
-                </a:solidFill>
-                <a:effectLst/>
-                <a:latin typeface="Poppins" panose="020B0502040204020203" pitchFamily="2" charset="0"/>
-                <a:cs typeface="Arial" panose="020B0604020202020204" pitchFamily="34" charset="0"/>
-              </a:rPr>
-              <a:t>מומש ב</a:t>
-            </a:r>
-            <a:r>
-              <a:rPr lang="en-US" sz="1800" b="1" i="0" dirty="0" err="1">
-                <a:solidFill>
-                  <a:srgbClr val="FF9300"/>
-                </a:solidFill>
-                <a:effectLst/>
-                <a:latin typeface="Poppins" panose="020B0502040204020203" pitchFamily="2" charset="0"/>
-                <a:cs typeface="Arial" panose="020B0604020202020204" pitchFamily="34" charset="0"/>
-              </a:rPr>
-              <a:t>Cpp</a:t>
-            </a:r>
-            <a:endParaRPr lang="en-US" sz="1800" b="1" i="0" dirty="0">
-              <a:solidFill>
-                <a:srgbClr val="FF9300"/>
-              </a:solidFill>
-              <a:effectLst/>
-              <a:latin typeface="Poppins" panose="020B0502040204020203" pitchFamily="2" charset="0"/>
-              <a:cs typeface="Arial" panose="020B0604020202020204" pitchFamily="34" charset="0"/>
-            </a:endParaRPr>
-          </a:p>
-          <a:p>
-            <a:pPr marL="0" marR="0" lvl="0" indent="0" algn="l" defTabSz="914400" rtl="0" eaLnBrk="1" fontAlgn="auto" latinLnBrk="0" hangingPunct="1">
-              <a:lnSpc>
-                <a:spcPct val="100000"/>
-              </a:lnSpc>
-              <a:spcBef>
-                <a:spcPts val="0"/>
-              </a:spcBef>
-              <a:spcAft>
-                <a:spcPts val="0"/>
-              </a:spcAft>
-              <a:buClrTx/>
-              <a:buSzTx/>
-              <a:buFontTx/>
-              <a:buNone/>
-              <a:tabLst/>
-              <a:defRPr/>
-            </a:pPr>
-            <a:r>
-              <a:rPr lang="en-US" sz="1800" b="1" i="0" dirty="0">
-                <a:solidFill>
-                  <a:srgbClr val="FF9300"/>
-                </a:solidFill>
-                <a:effectLst/>
-                <a:latin typeface="Poppins" panose="020B0502040204020203" pitchFamily="2" charset="0"/>
-                <a:cs typeface="Arial" panose="020B0604020202020204" pitchFamily="34" charset="0"/>
-              </a:rPr>
-              <a:t>Using eigen</a:t>
-            </a:r>
-          </a:p>
-          <a:p>
-            <a:pPr marL="0" marR="0" lvl="0" indent="0" algn="l" defTabSz="914400" rtl="0" eaLnBrk="1" fontAlgn="auto" latinLnBrk="0" hangingPunct="1">
-              <a:lnSpc>
-                <a:spcPct val="100000"/>
-              </a:lnSpc>
-              <a:spcBef>
-                <a:spcPts val="0"/>
-              </a:spcBef>
-              <a:spcAft>
-                <a:spcPts val="0"/>
-              </a:spcAft>
-              <a:buClrTx/>
-              <a:buSzTx/>
-              <a:buFontTx/>
-              <a:buNone/>
-              <a:tabLst/>
-              <a:defRPr/>
-            </a:pPr>
-            <a:r>
-              <a:rPr lang="en-US" sz="1800" b="1" i="0" dirty="0">
-                <a:solidFill>
-                  <a:srgbClr val="FF9300"/>
-                </a:solidFill>
-                <a:effectLst/>
-                <a:latin typeface="Poppins" panose="020B0502040204020203" pitchFamily="2" charset="0"/>
-                <a:cs typeface="Arial" panose="020B0604020202020204" pitchFamily="34" charset="0"/>
-              </a:rPr>
-              <a:t>Testing with unit tests for finding the roots and such</a:t>
-            </a:r>
-          </a:p>
-          <a:p>
-            <a:pPr marL="0" marR="0" lvl="0" indent="0" algn="l" defTabSz="914400" rtl="0" eaLnBrk="1" fontAlgn="auto" latinLnBrk="0" hangingPunct="1">
-              <a:lnSpc>
-                <a:spcPct val="100000"/>
-              </a:lnSpc>
-              <a:spcBef>
-                <a:spcPts val="0"/>
-              </a:spcBef>
-              <a:spcAft>
-                <a:spcPts val="0"/>
-              </a:spcAft>
-              <a:buClrTx/>
-              <a:buSzTx/>
-              <a:buFontTx/>
-              <a:buNone/>
-              <a:tabLst/>
-              <a:defRPr/>
-            </a:pPr>
-            <a:r>
-              <a:rPr lang="en-US" sz="1800" b="1" i="0" dirty="0">
-                <a:solidFill>
-                  <a:srgbClr val="FF9300"/>
-                </a:solidFill>
-                <a:effectLst/>
-                <a:latin typeface="Poppins" panose="020B0502040204020203" pitchFamily="2" charset="0"/>
-                <a:cs typeface="Arial" panose="020B0604020202020204" pitchFamily="34" charset="0"/>
-              </a:rPr>
-              <a:t>Comparing </a:t>
-            </a:r>
-            <a:r>
-              <a:rPr lang="en-US" sz="1800" b="1" i="0" dirty="0" err="1">
-                <a:solidFill>
-                  <a:srgbClr val="FF9300"/>
-                </a:solidFill>
-                <a:effectLst/>
-                <a:latin typeface="Poppins" panose="020B0502040204020203" pitchFamily="2" charset="0"/>
-                <a:cs typeface="Arial" panose="020B0604020202020204" pitchFamily="34" charset="0"/>
-              </a:rPr>
-              <a:t>rasults</a:t>
-            </a:r>
-            <a:r>
-              <a:rPr lang="en-US" sz="1800" b="1" i="0" dirty="0">
-                <a:solidFill>
-                  <a:srgbClr val="FF9300"/>
-                </a:solidFill>
-                <a:effectLst/>
-                <a:latin typeface="Poppins" panose="020B0502040204020203" pitchFamily="2" charset="0"/>
-                <a:cs typeface="Arial" panose="020B0604020202020204" pitchFamily="34" charset="0"/>
-              </a:rPr>
-              <a:t> using </a:t>
-            </a:r>
-            <a:r>
-              <a:rPr lang="en-US" sz="1800" b="1" i="0" dirty="0" err="1">
-                <a:solidFill>
-                  <a:srgbClr val="FF9300"/>
-                </a:solidFill>
-                <a:effectLst/>
-                <a:latin typeface="Poppins" panose="020B0502040204020203" pitchFamily="2" charset="0"/>
-                <a:cs typeface="Arial" panose="020B0604020202020204" pitchFamily="34" charset="0"/>
-              </a:rPr>
-              <a:t>celectrak</a:t>
-            </a:r>
-            <a:r>
-              <a:rPr lang="en-US" sz="1800" b="1" i="0" dirty="0">
-                <a:solidFill>
-                  <a:srgbClr val="FF9300"/>
-                </a:solidFill>
-                <a:effectLst/>
-                <a:latin typeface="Poppins" panose="020B0502040204020203" pitchFamily="2" charset="0"/>
-                <a:cs typeface="Arial" panose="020B0604020202020204" pitchFamily="34" charset="0"/>
-              </a:rPr>
-              <a:t> website and </a:t>
-            </a:r>
-            <a:r>
-              <a:rPr lang="en-US" sz="1800" b="1" i="0" dirty="0" err="1">
-                <a:solidFill>
-                  <a:srgbClr val="FF9300"/>
-                </a:solidFill>
-                <a:effectLst/>
-                <a:latin typeface="Poppins" panose="020B0502040204020203" pitchFamily="2" charset="0"/>
-                <a:cs typeface="Arial" panose="020B0604020202020204" pitchFamily="34" charset="0"/>
-              </a:rPr>
-              <a:t>sicrates</a:t>
-            </a:r>
-            <a:r>
-              <a:rPr lang="en-US" sz="1800" b="1" i="0" dirty="0">
-                <a:solidFill>
-                  <a:srgbClr val="FF9300"/>
-                </a:solidFill>
-                <a:effectLst/>
-                <a:latin typeface="Poppins" panose="020B0502040204020203" pitchFamily="2" charset="0"/>
-                <a:cs typeface="Arial" panose="020B0604020202020204" pitchFamily="34" charset="0"/>
-              </a:rPr>
-              <a:t> project(showing possible </a:t>
-            </a:r>
-            <a:r>
-              <a:rPr lang="en-US" sz="1800" b="1" i="0" dirty="0" err="1">
-                <a:solidFill>
-                  <a:srgbClr val="FF9300"/>
-                </a:solidFill>
-                <a:effectLst/>
-                <a:latin typeface="Poppins" panose="020B0502040204020203" pitchFamily="2" charset="0"/>
-                <a:cs typeface="Arial" panose="020B0604020202020204" pitchFamily="34" charset="0"/>
-              </a:rPr>
-              <a:t>collosions</a:t>
-            </a:r>
-            <a:r>
-              <a:rPr lang="en-US" sz="1800" b="1" i="0" dirty="0">
-                <a:solidFill>
-                  <a:srgbClr val="FF9300"/>
-                </a:solidFill>
-                <a:effectLst/>
-                <a:latin typeface="Poppins" panose="020B0502040204020203" pitchFamily="2" charset="0"/>
-                <a:cs typeface="Arial" panose="020B0604020202020204" pitchFamily="34" charset="0"/>
-              </a:rPr>
-              <a:t> and TLE available)</a:t>
-            </a:r>
             <a:endParaRPr lang="en-US" b="1" i="0" dirty="0">
               <a:solidFill>
                 <a:srgbClr val="FF9300"/>
@@ -3458,14 +2947,6 @@
               <a:tabLst/>
               <a:defRPr/>
             </a:pPr>
-            <a:r>
-              <a:rPr lang="he-IL" sz="1800" dirty="0">
-                <a:effectLst/>
-                <a:ea typeface="Arial" panose="020B0604020202020204" pitchFamily="34" charset="0"/>
-                <a:cs typeface="Arial" panose="020B0604020202020204" pitchFamily="34" charset="0"/>
-              </a:rPr>
-              <a:t>תיאור הפתרון </a:t>
-            </a:r>
             <a:endParaRPr lang="en-US" b="1" i="0" dirty="0">
               <a:solidFill>
                 <a:srgbClr val="FF9300"/>
@@ -3573,17 +3054,6 @@
               <a:tabLst/>
               <a:defRPr/>
             </a:pPr>
-            <a:r>
-              <a:rPr lang="en-US" sz="1800" b="1" i="0" dirty="0">
-                <a:solidFill>
-                  <a:srgbClr val="FF9300"/>
-                </a:solidFill>
-                <a:effectLst/>
-                <a:latin typeface="Poppins" panose="020B0502040204020203" pitchFamily="2" charset="0"/>
-                <a:cs typeface="Arial" panose="020B0604020202020204" pitchFamily="34" charset="0"/>
-              </a:rPr>
-              <a:t>Package diagrams</a:t>
-            </a:r>
             <a:endParaRPr lang="en-US" b="1" i="0" dirty="0">
               <a:solidFill>
                 <a:srgbClr val="FF9300"/>
@@ -3759,7 +3229,7 @@
           <a:p>
             <a:fld id="{09A7E1CA-0E8E-4CFC-B978-E4AD40DD9644}" type="datetime1">
               <a:rPr lang="en-US" smtClean="0"/>
-              <a:t>5/4/2024</a:t>
+              <a:t>5/5/2024</a:t>
             </a:fld>
             <a:endParaRPr lang="en-US"/>
           </a:p>
@@ -3927,7 +3397,7 @@
           <a:p>
             <a:fld id="{1E4ED3D9-BF5A-4E88-8B0B-ADEE67DDE257}" type="datetime1">
               <a:rPr lang="en-US" smtClean="0"/>
-              <a:t>5/4/2024</a:t>
+              <a:t>5/5/2024</a:t>
             </a:fld>
             <a:endParaRPr lang="en-US"/>
           </a:p>
@@ -4105,7 +3575,7 @@
           <a:p>
             <a:fld id="{2B504B56-471A-446F-8040-32DEE7852E71}" type="datetime1">
               <a:rPr lang="en-US" smtClean="0"/>
-              <a:t>5/4/2024</a:t>
+              <a:t>5/5/2024</a:t>
             </a:fld>
             <a:endParaRPr lang="en-US"/>
           </a:p>
@@ -4273,7 +3743,7 @@
           <a:p>
             <a:fld id="{B1C1AB24-0193-40E2-B63A-16D46CB806C0}" type="datetime1">
               <a:rPr lang="en-US" smtClean="0"/>
-              <a:t>5/4/2024</a:t>
+              <a:t>5/5/2024</a:t>
             </a:fld>
             <a:endParaRPr lang="en-US"/>
           </a:p>
@@ -4518,7 +3988,7 @@
           <a:p>
             <a:fld id="{675EAB41-B173-4881-B330-DD53A86AC43F}" type="datetime1">
               <a:rPr lang="en-US" smtClean="0"/>
-              <a:t>5/4/2024</a:t>
+              <a:t>5/5/2024</a:t>
             </a:fld>
             <a:endParaRPr lang="en-US"/>
           </a:p>
@@ -4747,7 +4217,7 @@
           <a:p>
             <a:fld id="{EB8368F2-ED58-4E75-8955-2DC12E50DD38}" type="datetime1">
               <a:rPr lang="en-US" smtClean="0"/>
-              <a:t>5/4/2024</a:t>
+              <a:t>5/5/2024</a:t>
             </a:fld>
             <a:endParaRPr lang="en-US"/>
           </a:p>
@@ -5111,7 +4581,7 @@
           <a:p>
             <a:fld id="{85207799-A15D-4227-A5B8-688CD1EDE226}" type="datetime1">
               <a:rPr lang="en-US" smtClean="0"/>
-              <a:t>5/4/2024</a:t>
+              <a:t>5/5/2024</a:t>
             </a:fld>
             <a:endParaRPr lang="en-US"/>
           </a:p>
@@ -5228,7 +4698,7 @@
           <a:p>
             <a:fld id="{BE15B18B-A15E-43D5-A707-246E6B3D0056}" type="datetime1">
               <a:rPr lang="en-US" smtClean="0"/>
-              <a:t>5/4/2024</a:t>
+              <a:t>5/5/2024</a:t>
             </a:fld>
             <a:endParaRPr lang="en-US"/>
           </a:p>
@@ -5323,7 +4793,7 @@
           <a:p>
             <a:fld id="{9AE79651-376C-43AE-B653-9444EB27B5B9}" type="datetime1">
               <a:rPr lang="en-US" smtClean="0"/>
-              <a:t>5/4/2024</a:t>
+              <a:t>5/5/2024</a:t>
             </a:fld>
             <a:endParaRPr lang="en-US"/>
           </a:p>
@@ -5598,7 +5068,7 @@
           <a:p>
             <a:fld id="{3D3E496D-C7F2-4742-A227-43B7F16ABA0F}" type="datetime1">
               <a:rPr lang="en-US" smtClean="0"/>
-              <a:t>5/4/2024</a:t>
+              <a:t>5/5/2024</a:t>
             </a:fld>
             <a:endParaRPr lang="en-US"/>
           </a:p>
@@ -5853,7 +5323,7 @@
           <a:p>
             <a:fld id="{2A3796D6-2B10-46B3-9F87-14CA024E156E}" type="datetime1">
               <a:rPr lang="en-US" smtClean="0"/>
-              <a:t>5/4/2024</a:t>
+              <a:t>5/5/2024</a:t>
             </a:fld>
             <a:endParaRPr lang="en-US"/>
           </a:p>
@@ -6064,7 +5534,7 @@
           <a:p>
             <a:fld id="{7E953223-B5A8-43DB-9D06-C28A96C6A2D6}" type="datetime1">
               <a:rPr lang="en-US" smtClean="0"/>
-              <a:t>5/4/2024</a:t>
+              <a:t>5/5/2024</a:t>
             </a:fld>
             <a:endParaRPr lang="en-US"/>
           </a:p>
@@ -17791,18 +17261,18 @@
 </file>
 
 <file path=customXml/item1.xml><?xml version="1.0" encoding="utf-8"?>
+<p:properties xmlns:p="http://schemas.microsoft.com/office/2006/metadata/properties" xmlns:xsi="http://www.w3.org/2001/XMLSchema-instance" xmlns:pc="http://schemas.microsoft.com/office/infopath/2007/PartnerControls">
+  <documentManagement/>
+</p:properties>
+</file>
+
+<file path=customXml/item2.xml><?xml version="1.0" encoding="utf-8"?>
 <?mso-contentType ?>
 <FormTemplates xmlns="http://schemas.microsoft.com/sharepoint/v3/contenttype/forms">
   <Display>DocumentLibraryForm</Display>
   <Edit>DocumentLibraryForm</Edit>
   <New>DocumentLibraryForm</New>
 </FormTemplates>
-</file>
-
-<file path=customXml/item2.xml><?xml version="1.0" encoding="utf-8"?>
-<p:properties xmlns:p="http://schemas.microsoft.com/office/2006/metadata/properties" xmlns:xsi="http://www.w3.org/2001/XMLSchema-instance" xmlns:pc="http://schemas.microsoft.com/office/infopath/2007/PartnerControls">
-  <documentManagement/>
-</p:properties>
 </file>
 
 <file path=customXml/item3.xml><?xml version="1.0" encoding="utf-8"?>
@@ -17977,14 +17447,6 @@
 </file>
 
 <file path=customXml/itemProps1.xml><?xml version="1.0" encoding="utf-8"?>
-<ds:datastoreItem xmlns:ds="http://schemas.openxmlformats.org/officeDocument/2006/customXml" ds:itemID="{7733A369-0DEF-413E-AB3C-537D3682C87C}">
-  <ds:schemaRefs>
-    <ds:schemaRef ds:uri="http://schemas.microsoft.com/sharepoint/v3/contenttype/forms"/>
-  </ds:schemaRefs>
-</ds:datastoreItem>
-</file>
-
-<file path=customXml/itemProps2.xml><?xml version="1.0" encoding="utf-8"?>
 <ds:datastoreItem xmlns:ds="http://schemas.openxmlformats.org/officeDocument/2006/customXml" ds:itemID="{1A5D468B-6206-47E4-A39B-51F47BC537E8}">
   <ds:schemaRefs>
     <ds:schemaRef ds:uri="http://schemas.openxmlformats.org/package/2006/metadata/core-properties"/>
@@ -17997,6 +17459,14 @@
     <ds:schemaRef ds:uri="4c7b9de7-e58c-4ace-87d5-9a60f3b223c2"/>
     <ds:schemaRef ds:uri="http://www.w3.org/XML/1998/namespace"/>
     <ds:schemaRef ds:uri="http://purl.org/dc/dcmitype/"/>
+  </ds:schemaRefs>
+</ds:datastoreItem>
+</file>
+
+<file path=customXml/itemProps2.xml><?xml version="1.0" encoding="utf-8"?>
+<ds:datastoreItem xmlns:ds="http://schemas.openxmlformats.org/officeDocument/2006/customXml" ds:itemID="{7733A369-0DEF-413E-AB3C-537D3682C87C}">
+  <ds:schemaRefs>
+    <ds:schemaRef ds:uri="http://schemas.microsoft.com/sharepoint/v3/contenttype/forms"/>
   </ds:schemaRefs>
 </ds:datastoreItem>
 </file>

--- a/Capstone Project Phase B–23-2-D-17.pptx
+++ b/Capstone Project Phase B–23-2-D-17.pptx
@@ -223,7 +223,7 @@
           <a:p>
             <a:fld id="{2442D881-CA12-4970-8156-2388B9CD2E9F}" type="datetimeFigureOut">
               <a:rPr lang="en-IL" smtClean="0"/>
-              <a:t>05/05/2024</a:t>
+              <a:t>06/05/2024</a:t>
             </a:fld>
             <a:endParaRPr lang="en-IL"/>
           </a:p>
@@ -3229,7 +3229,7 @@
           <a:p>
             <a:fld id="{09A7E1CA-0E8E-4CFC-B978-E4AD40DD9644}" type="datetime1">
               <a:rPr lang="en-US" smtClean="0"/>
-              <a:t>5/5/2024</a:t>
+              <a:t>5/6/2024</a:t>
             </a:fld>
             <a:endParaRPr lang="en-US"/>
           </a:p>
@@ -3397,7 +3397,7 @@
           <a:p>
             <a:fld id="{1E4ED3D9-BF5A-4E88-8B0B-ADEE67DDE257}" type="datetime1">
               <a:rPr lang="en-US" smtClean="0"/>
-              <a:t>5/5/2024</a:t>
+              <a:t>5/6/2024</a:t>
             </a:fld>
             <a:endParaRPr lang="en-US"/>
           </a:p>
@@ -3575,7 +3575,7 @@
           <a:p>
             <a:fld id="{2B504B56-471A-446F-8040-32DEE7852E71}" type="datetime1">
               <a:rPr lang="en-US" smtClean="0"/>
-              <a:t>5/5/2024</a:t>
+              <a:t>5/6/2024</a:t>
             </a:fld>
             <a:endParaRPr lang="en-US"/>
           </a:p>
@@ -3743,7 +3743,7 @@
           <a:p>
             <a:fld id="{B1C1AB24-0193-40E2-B63A-16D46CB806C0}" type="datetime1">
               <a:rPr lang="en-US" smtClean="0"/>
-              <a:t>5/5/2024</a:t>
+              <a:t>5/6/2024</a:t>
             </a:fld>
             <a:endParaRPr lang="en-US"/>
           </a:p>
@@ -3988,7 +3988,7 @@
           <a:p>
             <a:fld id="{675EAB41-B173-4881-B330-DD53A86AC43F}" type="datetime1">
               <a:rPr lang="en-US" smtClean="0"/>
-              <a:t>5/5/2024</a:t>
+              <a:t>5/6/2024</a:t>
             </a:fld>
             <a:endParaRPr lang="en-US"/>
           </a:p>
@@ -4217,7 +4217,7 @@
           <a:p>
             <a:fld id="{EB8368F2-ED58-4E75-8955-2DC12E50DD38}" type="datetime1">
               <a:rPr lang="en-US" smtClean="0"/>
-              <a:t>5/5/2024</a:t>
+              <a:t>5/6/2024</a:t>
             </a:fld>
             <a:endParaRPr lang="en-US"/>
           </a:p>
@@ -4581,7 +4581,7 @@
           <a:p>
             <a:fld id="{85207799-A15D-4227-A5B8-688CD1EDE226}" type="datetime1">
               <a:rPr lang="en-US" smtClean="0"/>
-              <a:t>5/5/2024</a:t>
+              <a:t>5/6/2024</a:t>
             </a:fld>
             <a:endParaRPr lang="en-US"/>
           </a:p>
@@ -4698,7 +4698,7 @@
           <a:p>
             <a:fld id="{BE15B18B-A15E-43D5-A707-246E6B3D0056}" type="datetime1">
               <a:rPr lang="en-US" smtClean="0"/>
-              <a:t>5/5/2024</a:t>
+              <a:t>5/6/2024</a:t>
             </a:fld>
             <a:endParaRPr lang="en-US"/>
           </a:p>
@@ -4793,7 +4793,7 @@
           <a:p>
             <a:fld id="{9AE79651-376C-43AE-B653-9444EB27B5B9}" type="datetime1">
               <a:rPr lang="en-US" smtClean="0"/>
-              <a:t>5/5/2024</a:t>
+              <a:t>5/6/2024</a:t>
             </a:fld>
             <a:endParaRPr lang="en-US"/>
           </a:p>
@@ -5068,7 +5068,7 @@
           <a:p>
             <a:fld id="{3D3E496D-C7F2-4742-A227-43B7F16ABA0F}" type="datetime1">
               <a:rPr lang="en-US" smtClean="0"/>
-              <a:t>5/5/2024</a:t>
+              <a:t>5/6/2024</a:t>
             </a:fld>
             <a:endParaRPr lang="en-US"/>
           </a:p>
@@ -5323,7 +5323,7 @@
           <a:p>
             <a:fld id="{2A3796D6-2B10-46B3-9F87-14CA024E156E}" type="datetime1">
               <a:rPr lang="en-US" smtClean="0"/>
-              <a:t>5/5/2024</a:t>
+              <a:t>5/6/2024</a:t>
             </a:fld>
             <a:endParaRPr lang="en-US"/>
           </a:p>
@@ -5534,7 +5534,7 @@
           <a:p>
             <a:fld id="{7E953223-B5A8-43DB-9D06-C28A96C6A2D6}" type="datetime1">
               <a:rPr lang="en-US" smtClean="0"/>
-              <a:t>5/5/2024</a:t>
+              <a:t>5/6/2024</a:t>
             </a:fld>
             <a:endParaRPr lang="en-US"/>
           </a:p>
@@ -8195,7 +8195,7 @@
           <p:nvPr>
             <p:extLst>
               <p:ext uri="{D42A27DB-BD31-4B8C-83A1-F6EECF244321}">
-                <p14:modId xmlns:p14="http://schemas.microsoft.com/office/powerpoint/2010/main" val="1631686831"/>
+                <p14:modId xmlns:p14="http://schemas.microsoft.com/office/powerpoint/2010/main" val="2222064581"/>
               </p:ext>
             </p:extLst>
           </p:nvPr>
@@ -8253,7 +8253,7 @@
                       <a:pPr algn="ctr"/>
                       <a:r>
                         <a:rPr lang="en-US" dirty="0"/>
-                        <a:t>OBC[ ]</a:t>
+                        <a:t>OBC</a:t>
                       </a:r>
                       <a:endParaRPr lang="en-IL" dirty="0"/>
                     </a:p>
@@ -17261,18 +17261,18 @@
 </file>
 
 <file path=customXml/item1.xml><?xml version="1.0" encoding="utf-8"?>
-<p:properties xmlns:p="http://schemas.microsoft.com/office/2006/metadata/properties" xmlns:xsi="http://www.w3.org/2001/XMLSchema-instance" xmlns:pc="http://schemas.microsoft.com/office/infopath/2007/PartnerControls">
-  <documentManagement/>
-</p:properties>
-</file>
-
-<file path=customXml/item2.xml><?xml version="1.0" encoding="utf-8"?>
 <?mso-contentType ?>
 <FormTemplates xmlns="http://schemas.microsoft.com/sharepoint/v3/contenttype/forms">
   <Display>DocumentLibraryForm</Display>
   <Edit>DocumentLibraryForm</Edit>
   <New>DocumentLibraryForm</New>
 </FormTemplates>
+</file>
+
+<file path=customXml/item2.xml><?xml version="1.0" encoding="utf-8"?>
+<p:properties xmlns:p="http://schemas.microsoft.com/office/2006/metadata/properties" xmlns:xsi="http://www.w3.org/2001/XMLSchema-instance" xmlns:pc="http://schemas.microsoft.com/office/infopath/2007/PartnerControls">
+  <documentManagement/>
+</p:properties>
 </file>
 
 <file path=customXml/item3.xml><?xml version="1.0" encoding="utf-8"?>
@@ -17447,6 +17447,14 @@
 </file>
 
 <file path=customXml/itemProps1.xml><?xml version="1.0" encoding="utf-8"?>
+<ds:datastoreItem xmlns:ds="http://schemas.openxmlformats.org/officeDocument/2006/customXml" ds:itemID="{7733A369-0DEF-413E-AB3C-537D3682C87C}">
+  <ds:schemaRefs>
+    <ds:schemaRef ds:uri="http://schemas.microsoft.com/sharepoint/v3/contenttype/forms"/>
+  </ds:schemaRefs>
+</ds:datastoreItem>
+</file>
+
+<file path=customXml/itemProps2.xml><?xml version="1.0" encoding="utf-8"?>
 <ds:datastoreItem xmlns:ds="http://schemas.openxmlformats.org/officeDocument/2006/customXml" ds:itemID="{1A5D468B-6206-47E4-A39B-51F47BC537E8}">
   <ds:schemaRefs>
     <ds:schemaRef ds:uri="http://schemas.openxmlformats.org/package/2006/metadata/core-properties"/>
@@ -17459,14 +17467,6 @@
     <ds:schemaRef ds:uri="4c7b9de7-e58c-4ace-87d5-9a60f3b223c2"/>
     <ds:schemaRef ds:uri="http://www.w3.org/XML/1998/namespace"/>
     <ds:schemaRef ds:uri="http://purl.org/dc/dcmitype/"/>
-  </ds:schemaRefs>
-</ds:datastoreItem>
-</file>
-
-<file path=customXml/itemProps2.xml><?xml version="1.0" encoding="utf-8"?>
-<ds:datastoreItem xmlns:ds="http://schemas.openxmlformats.org/officeDocument/2006/customXml" ds:itemID="{7733A369-0DEF-413E-AB3C-537D3682C87C}">
-  <ds:schemaRefs>
-    <ds:schemaRef ds:uri="http://schemas.microsoft.com/sharepoint/v3/contenttype/forms"/>
   </ds:schemaRefs>
 </ds:datastoreItem>
 </file>
